--- a/Technology.pptx
+++ b/Technology.pptx
@@ -5,48 +5,50 @@
     <p:sldMasterId id="2147483648" r:id="rId1"/>
   </p:sldMasterIdLst>
   <p:notesMasterIdLst>
-    <p:notesMasterId r:id="rId38"/>
+    <p:notesMasterId r:id="rId40"/>
   </p:notesMasterIdLst>
   <p:handoutMasterIdLst>
-    <p:handoutMasterId r:id="rId39"/>
+    <p:handoutMasterId r:id="rId41"/>
   </p:handoutMasterIdLst>
   <p:sldIdLst>
     <p:sldId id="256" r:id="rId2"/>
     <p:sldId id="257" r:id="rId3"/>
     <p:sldId id="277" r:id="rId4"/>
-    <p:sldId id="295" r:id="rId5"/>
-    <p:sldId id="296" r:id="rId6"/>
-    <p:sldId id="297" r:id="rId7"/>
-    <p:sldId id="298" r:id="rId8"/>
-    <p:sldId id="300" r:id="rId9"/>
-    <p:sldId id="299" r:id="rId10"/>
-    <p:sldId id="301" r:id="rId11"/>
-    <p:sldId id="303" r:id="rId12"/>
-    <p:sldId id="302" r:id="rId13"/>
-    <p:sldId id="304" r:id="rId14"/>
-    <p:sldId id="305" r:id="rId15"/>
-    <p:sldId id="306" r:id="rId16"/>
-    <p:sldId id="307" r:id="rId17"/>
-    <p:sldId id="285" r:id="rId18"/>
-    <p:sldId id="272" r:id="rId19"/>
-    <p:sldId id="286" r:id="rId20"/>
-    <p:sldId id="273" r:id="rId21"/>
-    <p:sldId id="275" r:id="rId22"/>
-    <p:sldId id="276" r:id="rId23"/>
-    <p:sldId id="287" r:id="rId24"/>
-    <p:sldId id="279" r:id="rId25"/>
-    <p:sldId id="288" r:id="rId26"/>
-    <p:sldId id="290" r:id="rId27"/>
-    <p:sldId id="280" r:id="rId28"/>
-    <p:sldId id="283" r:id="rId29"/>
-    <p:sldId id="282" r:id="rId30"/>
-    <p:sldId id="281" r:id="rId31"/>
-    <p:sldId id="284" r:id="rId32"/>
-    <p:sldId id="291" r:id="rId33"/>
-    <p:sldId id="292" r:id="rId34"/>
-    <p:sldId id="289" r:id="rId35"/>
-    <p:sldId id="278" r:id="rId36"/>
-    <p:sldId id="293" r:id="rId37"/>
+    <p:sldId id="308" r:id="rId5"/>
+    <p:sldId id="309" r:id="rId6"/>
+    <p:sldId id="295" r:id="rId7"/>
+    <p:sldId id="296" r:id="rId8"/>
+    <p:sldId id="297" r:id="rId9"/>
+    <p:sldId id="298" r:id="rId10"/>
+    <p:sldId id="300" r:id="rId11"/>
+    <p:sldId id="299" r:id="rId12"/>
+    <p:sldId id="301" r:id="rId13"/>
+    <p:sldId id="303" r:id="rId14"/>
+    <p:sldId id="302" r:id="rId15"/>
+    <p:sldId id="304" r:id="rId16"/>
+    <p:sldId id="305" r:id="rId17"/>
+    <p:sldId id="306" r:id="rId18"/>
+    <p:sldId id="307" r:id="rId19"/>
+    <p:sldId id="285" r:id="rId20"/>
+    <p:sldId id="272" r:id="rId21"/>
+    <p:sldId id="286" r:id="rId22"/>
+    <p:sldId id="273" r:id="rId23"/>
+    <p:sldId id="275" r:id="rId24"/>
+    <p:sldId id="276" r:id="rId25"/>
+    <p:sldId id="287" r:id="rId26"/>
+    <p:sldId id="279" r:id="rId27"/>
+    <p:sldId id="288" r:id="rId28"/>
+    <p:sldId id="290" r:id="rId29"/>
+    <p:sldId id="280" r:id="rId30"/>
+    <p:sldId id="283" r:id="rId31"/>
+    <p:sldId id="282" r:id="rId32"/>
+    <p:sldId id="281" r:id="rId33"/>
+    <p:sldId id="284" r:id="rId34"/>
+    <p:sldId id="291" r:id="rId35"/>
+    <p:sldId id="292" r:id="rId36"/>
+    <p:sldId id="289" r:id="rId37"/>
+    <p:sldId id="278" r:id="rId38"/>
+    <p:sldId id="293" r:id="rId39"/>
   </p:sldIdLst>
   <p:sldSz cx="12192000" cy="6858000"/>
   <p:notesSz cx="6858000" cy="9144000"/>
@@ -147,7 +149,7 @@
   </p:defaultTextStyle>
   <p:extLst>
     <p:ext uri="{EFAFB233-063F-42B5-8137-9DF3F51BA10A}">
-      <p15:sldGuideLst xmlns:p15="http://schemas.microsoft.com/office/powerpoint/2012/main"/>
+      <p15:sldGuideLst xmlns:p15="http://schemas.microsoft.com/office/powerpoint/2012/main" xmlns=""/>
     </p:ext>
   </p:extLst>
 </p:presentation>
@@ -235,7 +237,8 @@
           <a:p>
             <a:fld id="{D42F91D5-B1CE-49B3-8A66-951589A76800}" type="datetime1">
               <a:rPr lang="en-US" smtClean="0"/>
-              <a:t>5/2/2019</a:t>
+              <a:pPr/>
+              <a:t>5/4/2019</a:t>
             </a:fld>
             <a:endParaRPr lang="en-US"/>
           </a:p>
@@ -301,6 +304,7 @@
           <a:p>
             <a:fld id="{64ED64B8-8308-449A-B634-45B5CA775BB1}" type="slidenum">
               <a:rPr lang="en-US" smtClean="0"/>
+              <a:pPr/>
               <a:t>‹#›</a:t>
             </a:fld>
             <a:endParaRPr lang="en-US"/>
@@ -310,7 +314,7 @@
     </p:spTree>
     <p:extLst>
       <p:ext uri="{BB962C8B-B14F-4D97-AF65-F5344CB8AC3E}">
-        <p14:creationId xmlns:p14="http://schemas.microsoft.com/office/powerpoint/2010/main" val="837459277"/>
+        <p14:creationId xmlns:p14="http://schemas.microsoft.com/office/powerpoint/2010/main" xmlns="" val="837459277"/>
       </p:ext>
     </p:extLst>
   </p:cSld>
@@ -401,7 +405,8 @@
           <a:p>
             <a:fld id="{695BCA3B-F5C6-4787-AFFB-5937AC5F8693}" type="datetime1">
               <a:rPr lang="en-US" smtClean="0"/>
-              <a:t>5/2/2019</a:t>
+              <a:pPr/>
+              <a:t>5/4/2019</a:t>
             </a:fld>
             <a:endParaRPr lang="en-US"/>
           </a:p>
@@ -559,6 +564,7 @@
           <a:p>
             <a:fld id="{680B060A-8CEB-44A0-8AE1-20810129466E}" type="slidenum">
               <a:rPr lang="en-US" smtClean="0"/>
+              <a:pPr/>
               <a:t>‹#›</a:t>
             </a:fld>
             <a:endParaRPr lang="en-US"/>
@@ -568,7 +574,7 @@
     </p:spTree>
     <p:extLst>
       <p:ext uri="{BB962C8B-B14F-4D97-AF65-F5344CB8AC3E}">
-        <p14:creationId xmlns:p14="http://schemas.microsoft.com/office/powerpoint/2010/main" val="2897192556"/>
+        <p14:creationId xmlns:p14="http://schemas.microsoft.com/office/powerpoint/2010/main" xmlns="" val="2897192556"/>
       </p:ext>
     </p:extLst>
   </p:cSld>
@@ -734,7 +740,8 @@
           <a:p>
             <a:fld id="{680B060A-8CEB-44A0-8AE1-20810129466E}" type="slidenum">
               <a:rPr lang="en-US" smtClean="0"/>
-              <a:t>4</a:t>
+              <a:pPr/>
+              <a:t>6</a:t>
             </a:fld>
             <a:endParaRPr lang="en-US"/>
           </a:p>
@@ -757,7 +764,8 @@
           <a:p>
             <a:fld id="{8C8378FA-B908-46CE-B955-0D62DE117081}" type="datetime1">
               <a:rPr lang="en-US" smtClean="0"/>
-              <a:t>5/2/2019</a:t>
+              <a:pPr/>
+              <a:t>5/4/2019</a:t>
             </a:fld>
             <a:endParaRPr lang="en-US"/>
           </a:p>
@@ -804,7 +812,7 @@
     </p:spTree>
     <p:extLst>
       <p:ext uri="{BB962C8B-B14F-4D97-AF65-F5344CB8AC3E}">
-        <p14:creationId xmlns:p14="http://schemas.microsoft.com/office/powerpoint/2010/main" val="228654633"/>
+        <p14:creationId xmlns:p14="http://schemas.microsoft.com/office/powerpoint/2010/main" xmlns="" val="228654633"/>
       </p:ext>
     </p:extLst>
   </p:cSld>
@@ -879,7 +887,8 @@
           <a:p>
             <a:fld id="{680B060A-8CEB-44A0-8AE1-20810129466E}" type="slidenum">
               <a:rPr lang="en-US" smtClean="0"/>
-              <a:t>13</a:t>
+              <a:pPr/>
+              <a:t>15</a:t>
             </a:fld>
             <a:endParaRPr lang="en-US"/>
           </a:p>
@@ -902,7 +911,8 @@
           <a:p>
             <a:fld id="{8C8378FA-B908-46CE-B955-0D62DE117081}" type="datetime1">
               <a:rPr lang="en-US" smtClean="0"/>
-              <a:t>5/2/2019</a:t>
+              <a:pPr/>
+              <a:t>5/4/2019</a:t>
             </a:fld>
             <a:endParaRPr lang="en-US"/>
           </a:p>
@@ -949,7 +959,7 @@
     </p:spTree>
     <p:extLst>
       <p:ext uri="{BB962C8B-B14F-4D97-AF65-F5344CB8AC3E}">
-        <p14:creationId xmlns:p14="http://schemas.microsoft.com/office/powerpoint/2010/main" val="373351799"/>
+        <p14:creationId xmlns:p14="http://schemas.microsoft.com/office/powerpoint/2010/main" xmlns="" val="373351799"/>
       </p:ext>
     </p:extLst>
   </p:cSld>
@@ -1024,7 +1034,8 @@
           <a:p>
             <a:fld id="{680B060A-8CEB-44A0-8AE1-20810129466E}" type="slidenum">
               <a:rPr lang="en-US" smtClean="0"/>
-              <a:t>14</a:t>
+              <a:pPr/>
+              <a:t>16</a:t>
             </a:fld>
             <a:endParaRPr lang="en-US"/>
           </a:p>
@@ -1047,7 +1058,8 @@
           <a:p>
             <a:fld id="{8C8378FA-B908-46CE-B955-0D62DE117081}" type="datetime1">
               <a:rPr lang="en-US" smtClean="0"/>
-              <a:t>5/2/2019</a:t>
+              <a:pPr/>
+              <a:t>5/4/2019</a:t>
             </a:fld>
             <a:endParaRPr lang="en-US"/>
           </a:p>
@@ -1094,7 +1106,7 @@
     </p:spTree>
     <p:extLst>
       <p:ext uri="{BB962C8B-B14F-4D97-AF65-F5344CB8AC3E}">
-        <p14:creationId xmlns:p14="http://schemas.microsoft.com/office/powerpoint/2010/main" val="1317675645"/>
+        <p14:creationId xmlns:p14="http://schemas.microsoft.com/office/powerpoint/2010/main" xmlns="" val="1317675645"/>
       </p:ext>
     </p:extLst>
   </p:cSld>
@@ -1169,7 +1181,8 @@
           <a:p>
             <a:fld id="{680B060A-8CEB-44A0-8AE1-20810129466E}" type="slidenum">
               <a:rPr lang="en-US" smtClean="0"/>
-              <a:t>15</a:t>
+              <a:pPr/>
+              <a:t>17</a:t>
             </a:fld>
             <a:endParaRPr lang="en-US"/>
           </a:p>
@@ -1192,7 +1205,8 @@
           <a:p>
             <a:fld id="{8C8378FA-B908-46CE-B955-0D62DE117081}" type="datetime1">
               <a:rPr lang="en-US" smtClean="0"/>
-              <a:t>5/2/2019</a:t>
+              <a:pPr/>
+              <a:t>5/4/2019</a:t>
             </a:fld>
             <a:endParaRPr lang="en-US"/>
           </a:p>
@@ -1239,7 +1253,7 @@
     </p:spTree>
     <p:extLst>
       <p:ext uri="{BB962C8B-B14F-4D97-AF65-F5344CB8AC3E}">
-        <p14:creationId xmlns:p14="http://schemas.microsoft.com/office/powerpoint/2010/main" val="3963779928"/>
+        <p14:creationId xmlns:p14="http://schemas.microsoft.com/office/powerpoint/2010/main" xmlns="" val="3963779928"/>
       </p:ext>
     </p:extLst>
   </p:cSld>
@@ -1314,7 +1328,8 @@
           <a:p>
             <a:fld id="{680B060A-8CEB-44A0-8AE1-20810129466E}" type="slidenum">
               <a:rPr lang="en-US" smtClean="0"/>
-              <a:t>16</a:t>
+              <a:pPr/>
+              <a:t>18</a:t>
             </a:fld>
             <a:endParaRPr lang="en-US"/>
           </a:p>
@@ -1337,7 +1352,8 @@
           <a:p>
             <a:fld id="{8C8378FA-B908-46CE-B955-0D62DE117081}" type="datetime1">
               <a:rPr lang="en-US" smtClean="0"/>
-              <a:t>5/2/2019</a:t>
+              <a:pPr/>
+              <a:t>5/4/2019</a:t>
             </a:fld>
             <a:endParaRPr lang="en-US"/>
           </a:p>
@@ -1384,7 +1400,7 @@
     </p:spTree>
     <p:extLst>
       <p:ext uri="{BB962C8B-B14F-4D97-AF65-F5344CB8AC3E}">
-        <p14:creationId xmlns:p14="http://schemas.microsoft.com/office/powerpoint/2010/main" val="698185390"/>
+        <p14:creationId xmlns:p14="http://schemas.microsoft.com/office/powerpoint/2010/main" xmlns="" val="698185390"/>
       </p:ext>
     </p:extLst>
   </p:cSld>
@@ -1459,7 +1475,8 @@
           <a:p>
             <a:fld id="{680B060A-8CEB-44A0-8AE1-20810129466E}" type="slidenum">
               <a:rPr lang="en-US" smtClean="0"/>
-              <a:t>18</a:t>
+              <a:pPr/>
+              <a:t>20</a:t>
             </a:fld>
             <a:endParaRPr lang="en-US"/>
           </a:p>
@@ -1482,7 +1499,8 @@
           <a:p>
             <a:fld id="{8C8378FA-B908-46CE-B955-0D62DE117081}" type="datetime1">
               <a:rPr lang="en-US" smtClean="0"/>
-              <a:t>5/2/2019</a:t>
+              <a:pPr/>
+              <a:t>5/4/2019</a:t>
             </a:fld>
             <a:endParaRPr lang="en-US"/>
           </a:p>
@@ -1529,7 +1547,7 @@
     </p:spTree>
     <p:extLst>
       <p:ext uri="{BB962C8B-B14F-4D97-AF65-F5344CB8AC3E}">
-        <p14:creationId xmlns:p14="http://schemas.microsoft.com/office/powerpoint/2010/main" val="945936323"/>
+        <p14:creationId xmlns:p14="http://schemas.microsoft.com/office/powerpoint/2010/main" xmlns="" val="945936323"/>
       </p:ext>
     </p:extLst>
   </p:cSld>
@@ -1604,7 +1622,8 @@
           <a:p>
             <a:fld id="{680B060A-8CEB-44A0-8AE1-20810129466E}" type="slidenum">
               <a:rPr lang="en-US" smtClean="0"/>
-              <a:t>20</a:t>
+              <a:pPr/>
+              <a:t>22</a:t>
             </a:fld>
             <a:endParaRPr lang="en-US"/>
           </a:p>
@@ -1627,7 +1646,8 @@
           <a:p>
             <a:fld id="{8C8378FA-B908-46CE-B955-0D62DE117081}" type="datetime1">
               <a:rPr lang="en-US" smtClean="0"/>
-              <a:t>5/2/2019</a:t>
+              <a:pPr/>
+              <a:t>5/4/2019</a:t>
             </a:fld>
             <a:endParaRPr lang="en-US"/>
           </a:p>
@@ -1674,7 +1694,7 @@
     </p:spTree>
     <p:extLst>
       <p:ext uri="{BB962C8B-B14F-4D97-AF65-F5344CB8AC3E}">
-        <p14:creationId xmlns:p14="http://schemas.microsoft.com/office/powerpoint/2010/main" val="3267746309"/>
+        <p14:creationId xmlns:p14="http://schemas.microsoft.com/office/powerpoint/2010/main" xmlns="" val="3267746309"/>
       </p:ext>
     </p:extLst>
   </p:cSld>
@@ -1749,7 +1769,8 @@
           <a:p>
             <a:fld id="{680B060A-8CEB-44A0-8AE1-20810129466E}" type="slidenum">
               <a:rPr lang="en-US" smtClean="0"/>
-              <a:t>21</a:t>
+              <a:pPr/>
+              <a:t>23</a:t>
             </a:fld>
             <a:endParaRPr lang="en-US"/>
           </a:p>
@@ -1772,7 +1793,8 @@
           <a:p>
             <a:fld id="{8C8378FA-B908-46CE-B955-0D62DE117081}" type="datetime1">
               <a:rPr lang="en-US" smtClean="0"/>
-              <a:t>5/2/2019</a:t>
+              <a:pPr/>
+              <a:t>5/4/2019</a:t>
             </a:fld>
             <a:endParaRPr lang="en-US"/>
           </a:p>
@@ -1819,7 +1841,7 @@
     </p:spTree>
     <p:extLst>
       <p:ext uri="{BB962C8B-B14F-4D97-AF65-F5344CB8AC3E}">
-        <p14:creationId xmlns:p14="http://schemas.microsoft.com/office/powerpoint/2010/main" val="3579257864"/>
+        <p14:creationId xmlns:p14="http://schemas.microsoft.com/office/powerpoint/2010/main" xmlns="" val="3579257864"/>
       </p:ext>
     </p:extLst>
   </p:cSld>
@@ -1894,7 +1916,8 @@
           <a:p>
             <a:fld id="{680B060A-8CEB-44A0-8AE1-20810129466E}" type="slidenum">
               <a:rPr lang="en-US" smtClean="0"/>
-              <a:t>22</a:t>
+              <a:pPr/>
+              <a:t>24</a:t>
             </a:fld>
             <a:endParaRPr lang="en-US"/>
           </a:p>
@@ -1917,7 +1940,8 @@
           <a:p>
             <a:fld id="{8C8378FA-B908-46CE-B955-0D62DE117081}" type="datetime1">
               <a:rPr lang="en-US" smtClean="0"/>
-              <a:t>5/2/2019</a:t>
+              <a:pPr/>
+              <a:t>5/4/2019</a:t>
             </a:fld>
             <a:endParaRPr lang="en-US"/>
           </a:p>
@@ -1964,7 +1988,7 @@
     </p:spTree>
     <p:extLst>
       <p:ext uri="{BB962C8B-B14F-4D97-AF65-F5344CB8AC3E}">
-        <p14:creationId xmlns:p14="http://schemas.microsoft.com/office/powerpoint/2010/main" val="3374702744"/>
+        <p14:creationId xmlns:p14="http://schemas.microsoft.com/office/powerpoint/2010/main" xmlns="" val="3374702744"/>
       </p:ext>
     </p:extLst>
   </p:cSld>
@@ -2039,7 +2063,8 @@
           <a:p>
             <a:fld id="{680B060A-8CEB-44A0-8AE1-20810129466E}" type="slidenum">
               <a:rPr lang="en-US" smtClean="0"/>
-              <a:t>24</a:t>
+              <a:pPr/>
+              <a:t>26</a:t>
             </a:fld>
             <a:endParaRPr lang="en-US"/>
           </a:p>
@@ -2062,7 +2087,8 @@
           <a:p>
             <a:fld id="{8C8378FA-B908-46CE-B955-0D62DE117081}" type="datetime1">
               <a:rPr lang="en-US" smtClean="0"/>
-              <a:t>5/2/2019</a:t>
+              <a:pPr/>
+              <a:t>5/4/2019</a:t>
             </a:fld>
             <a:endParaRPr lang="en-US"/>
           </a:p>
@@ -2109,7 +2135,7 @@
     </p:spTree>
     <p:extLst>
       <p:ext uri="{BB962C8B-B14F-4D97-AF65-F5344CB8AC3E}">
-        <p14:creationId xmlns:p14="http://schemas.microsoft.com/office/powerpoint/2010/main" val="2926673469"/>
+        <p14:creationId xmlns:p14="http://schemas.microsoft.com/office/powerpoint/2010/main" xmlns="" val="2926673469"/>
       </p:ext>
     </p:extLst>
   </p:cSld>
@@ -2184,7 +2210,8 @@
           <a:p>
             <a:fld id="{680B060A-8CEB-44A0-8AE1-20810129466E}" type="slidenum">
               <a:rPr lang="en-US" smtClean="0"/>
-              <a:t>26</a:t>
+              <a:pPr/>
+              <a:t>28</a:t>
             </a:fld>
             <a:endParaRPr lang="en-US"/>
           </a:p>
@@ -2207,7 +2234,8 @@
           <a:p>
             <a:fld id="{8C8378FA-B908-46CE-B955-0D62DE117081}" type="datetime1">
               <a:rPr lang="en-US" smtClean="0"/>
-              <a:t>5/2/2019</a:t>
+              <a:pPr/>
+              <a:t>5/4/2019</a:t>
             </a:fld>
             <a:endParaRPr lang="en-US"/>
           </a:p>
@@ -2254,7 +2282,7 @@
     </p:spTree>
     <p:extLst>
       <p:ext uri="{BB962C8B-B14F-4D97-AF65-F5344CB8AC3E}">
-        <p14:creationId xmlns:p14="http://schemas.microsoft.com/office/powerpoint/2010/main" val="3267302035"/>
+        <p14:creationId xmlns:p14="http://schemas.microsoft.com/office/powerpoint/2010/main" xmlns="" val="3267302035"/>
       </p:ext>
     </p:extLst>
   </p:cSld>
@@ -2329,7 +2357,8 @@
           <a:p>
             <a:fld id="{680B060A-8CEB-44A0-8AE1-20810129466E}" type="slidenum">
               <a:rPr lang="en-US" smtClean="0"/>
-              <a:t>5</a:t>
+              <a:pPr/>
+              <a:t>7</a:t>
             </a:fld>
             <a:endParaRPr lang="en-US"/>
           </a:p>
@@ -2352,7 +2381,8 @@
           <a:p>
             <a:fld id="{8C8378FA-B908-46CE-B955-0D62DE117081}" type="datetime1">
               <a:rPr lang="en-US" smtClean="0"/>
-              <a:t>5/2/2019</a:t>
+              <a:pPr/>
+              <a:t>5/4/2019</a:t>
             </a:fld>
             <a:endParaRPr lang="en-US"/>
           </a:p>
@@ -2399,7 +2429,7 @@
     </p:spTree>
     <p:extLst>
       <p:ext uri="{BB962C8B-B14F-4D97-AF65-F5344CB8AC3E}">
-        <p14:creationId xmlns:p14="http://schemas.microsoft.com/office/powerpoint/2010/main" val="2191976141"/>
+        <p14:creationId xmlns:p14="http://schemas.microsoft.com/office/powerpoint/2010/main" xmlns="" val="2191976141"/>
       </p:ext>
     </p:extLst>
   </p:cSld>
@@ -2474,7 +2504,8 @@
           <a:p>
             <a:fld id="{680B060A-8CEB-44A0-8AE1-20810129466E}" type="slidenum">
               <a:rPr lang="en-US" smtClean="0"/>
-              <a:t>27</a:t>
+              <a:pPr/>
+              <a:t>29</a:t>
             </a:fld>
             <a:endParaRPr lang="en-US"/>
           </a:p>
@@ -2497,7 +2528,8 @@
           <a:p>
             <a:fld id="{8C8378FA-B908-46CE-B955-0D62DE117081}" type="datetime1">
               <a:rPr lang="en-US" smtClean="0"/>
-              <a:t>5/2/2019</a:t>
+              <a:pPr/>
+              <a:t>5/4/2019</a:t>
             </a:fld>
             <a:endParaRPr lang="en-US"/>
           </a:p>
@@ -2544,7 +2576,7 @@
     </p:spTree>
     <p:extLst>
       <p:ext uri="{BB962C8B-B14F-4D97-AF65-F5344CB8AC3E}">
-        <p14:creationId xmlns:p14="http://schemas.microsoft.com/office/powerpoint/2010/main" val="1781080425"/>
+        <p14:creationId xmlns:p14="http://schemas.microsoft.com/office/powerpoint/2010/main" xmlns="" val="1781080425"/>
       </p:ext>
     </p:extLst>
   </p:cSld>
@@ -2619,7 +2651,8 @@
           <a:p>
             <a:fld id="{680B060A-8CEB-44A0-8AE1-20810129466E}" type="slidenum">
               <a:rPr lang="en-US" smtClean="0"/>
-              <a:t>28</a:t>
+              <a:pPr/>
+              <a:t>30</a:t>
             </a:fld>
             <a:endParaRPr lang="en-US"/>
           </a:p>
@@ -2642,7 +2675,8 @@
           <a:p>
             <a:fld id="{8C8378FA-B908-46CE-B955-0D62DE117081}" type="datetime1">
               <a:rPr lang="en-US" smtClean="0"/>
-              <a:t>5/2/2019</a:t>
+              <a:pPr/>
+              <a:t>5/4/2019</a:t>
             </a:fld>
             <a:endParaRPr lang="en-US"/>
           </a:p>
@@ -2689,7 +2723,7 @@
     </p:spTree>
     <p:extLst>
       <p:ext uri="{BB962C8B-B14F-4D97-AF65-F5344CB8AC3E}">
-        <p14:creationId xmlns:p14="http://schemas.microsoft.com/office/powerpoint/2010/main" val="4172980912"/>
+        <p14:creationId xmlns:p14="http://schemas.microsoft.com/office/powerpoint/2010/main" xmlns="" val="4172980912"/>
       </p:ext>
     </p:extLst>
   </p:cSld>
@@ -2764,7 +2798,8 @@
           <a:p>
             <a:fld id="{680B060A-8CEB-44A0-8AE1-20810129466E}" type="slidenum">
               <a:rPr lang="en-US" smtClean="0"/>
-              <a:t>29</a:t>
+              <a:pPr/>
+              <a:t>31</a:t>
             </a:fld>
             <a:endParaRPr lang="en-US"/>
           </a:p>
@@ -2787,7 +2822,8 @@
           <a:p>
             <a:fld id="{8C8378FA-B908-46CE-B955-0D62DE117081}" type="datetime1">
               <a:rPr lang="en-US" smtClean="0"/>
-              <a:t>5/2/2019</a:t>
+              <a:pPr/>
+              <a:t>5/4/2019</a:t>
             </a:fld>
             <a:endParaRPr lang="en-US"/>
           </a:p>
@@ -2834,7 +2870,7 @@
     </p:spTree>
     <p:extLst>
       <p:ext uri="{BB962C8B-B14F-4D97-AF65-F5344CB8AC3E}">
-        <p14:creationId xmlns:p14="http://schemas.microsoft.com/office/powerpoint/2010/main" val="2562664706"/>
+        <p14:creationId xmlns:p14="http://schemas.microsoft.com/office/powerpoint/2010/main" xmlns="" val="2562664706"/>
       </p:ext>
     </p:extLst>
   </p:cSld>
@@ -2909,7 +2945,8 @@
           <a:p>
             <a:fld id="{680B060A-8CEB-44A0-8AE1-20810129466E}" type="slidenum">
               <a:rPr lang="en-US" smtClean="0"/>
-              <a:t>30</a:t>
+              <a:pPr/>
+              <a:t>32</a:t>
             </a:fld>
             <a:endParaRPr lang="en-US"/>
           </a:p>
@@ -2932,7 +2969,8 @@
           <a:p>
             <a:fld id="{8C8378FA-B908-46CE-B955-0D62DE117081}" type="datetime1">
               <a:rPr lang="en-US" smtClean="0"/>
-              <a:t>5/2/2019</a:t>
+              <a:pPr/>
+              <a:t>5/4/2019</a:t>
             </a:fld>
             <a:endParaRPr lang="en-US"/>
           </a:p>
@@ -2979,7 +3017,7 @@
     </p:spTree>
     <p:extLst>
       <p:ext uri="{BB962C8B-B14F-4D97-AF65-F5344CB8AC3E}">
-        <p14:creationId xmlns:p14="http://schemas.microsoft.com/office/powerpoint/2010/main" val="1776480837"/>
+        <p14:creationId xmlns:p14="http://schemas.microsoft.com/office/powerpoint/2010/main" xmlns="" val="1776480837"/>
       </p:ext>
     </p:extLst>
   </p:cSld>
@@ -3054,7 +3092,8 @@
           <a:p>
             <a:fld id="{680B060A-8CEB-44A0-8AE1-20810129466E}" type="slidenum">
               <a:rPr lang="en-US" smtClean="0"/>
-              <a:t>31</a:t>
+              <a:pPr/>
+              <a:t>33</a:t>
             </a:fld>
             <a:endParaRPr lang="en-US"/>
           </a:p>
@@ -3077,7 +3116,8 @@
           <a:p>
             <a:fld id="{8C8378FA-B908-46CE-B955-0D62DE117081}" type="datetime1">
               <a:rPr lang="en-US" smtClean="0"/>
-              <a:t>5/2/2019</a:t>
+              <a:pPr/>
+              <a:t>5/4/2019</a:t>
             </a:fld>
             <a:endParaRPr lang="en-US"/>
           </a:p>
@@ -3124,7 +3164,7 @@
     </p:spTree>
     <p:extLst>
       <p:ext uri="{BB962C8B-B14F-4D97-AF65-F5344CB8AC3E}">
-        <p14:creationId xmlns:p14="http://schemas.microsoft.com/office/powerpoint/2010/main" val="1778904287"/>
+        <p14:creationId xmlns:p14="http://schemas.microsoft.com/office/powerpoint/2010/main" xmlns="" val="1778904287"/>
       </p:ext>
     </p:extLst>
   </p:cSld>
@@ -3199,7 +3239,8 @@
           <a:p>
             <a:fld id="{680B060A-8CEB-44A0-8AE1-20810129466E}" type="slidenum">
               <a:rPr lang="en-US" smtClean="0"/>
-              <a:t>33</a:t>
+              <a:pPr/>
+              <a:t>35</a:t>
             </a:fld>
             <a:endParaRPr lang="en-US"/>
           </a:p>
@@ -3222,7 +3263,8 @@
           <a:p>
             <a:fld id="{8C8378FA-B908-46CE-B955-0D62DE117081}" type="datetime1">
               <a:rPr lang="en-US" smtClean="0"/>
-              <a:t>5/2/2019</a:t>
+              <a:pPr/>
+              <a:t>5/4/2019</a:t>
             </a:fld>
             <a:endParaRPr lang="en-US"/>
           </a:p>
@@ -3269,7 +3311,7 @@
     </p:spTree>
     <p:extLst>
       <p:ext uri="{BB962C8B-B14F-4D97-AF65-F5344CB8AC3E}">
-        <p14:creationId xmlns:p14="http://schemas.microsoft.com/office/powerpoint/2010/main" val="256146132"/>
+        <p14:creationId xmlns:p14="http://schemas.microsoft.com/office/powerpoint/2010/main" xmlns="" val="256146132"/>
       </p:ext>
     </p:extLst>
   </p:cSld>
@@ -3344,7 +3386,8 @@
           <a:p>
             <a:fld id="{680B060A-8CEB-44A0-8AE1-20810129466E}" type="slidenum">
               <a:rPr lang="en-US" smtClean="0"/>
-              <a:t>35</a:t>
+              <a:pPr/>
+              <a:t>37</a:t>
             </a:fld>
             <a:endParaRPr lang="en-US"/>
           </a:p>
@@ -3367,7 +3410,8 @@
           <a:p>
             <a:fld id="{8C8378FA-B908-46CE-B955-0D62DE117081}" type="datetime1">
               <a:rPr lang="en-US" smtClean="0"/>
-              <a:t>5/2/2019</a:t>
+              <a:pPr/>
+              <a:t>5/4/2019</a:t>
             </a:fld>
             <a:endParaRPr lang="en-US"/>
           </a:p>
@@ -3414,7 +3458,7 @@
     </p:spTree>
     <p:extLst>
       <p:ext uri="{BB962C8B-B14F-4D97-AF65-F5344CB8AC3E}">
-        <p14:creationId xmlns:p14="http://schemas.microsoft.com/office/powerpoint/2010/main" val="1981577295"/>
+        <p14:creationId xmlns:p14="http://schemas.microsoft.com/office/powerpoint/2010/main" xmlns="" val="1981577295"/>
       </p:ext>
     </p:extLst>
   </p:cSld>
@@ -3489,7 +3533,8 @@
           <a:p>
             <a:fld id="{680B060A-8CEB-44A0-8AE1-20810129466E}" type="slidenum">
               <a:rPr lang="en-US" smtClean="0"/>
-              <a:t>6</a:t>
+              <a:pPr/>
+              <a:t>8</a:t>
             </a:fld>
             <a:endParaRPr lang="en-US"/>
           </a:p>
@@ -3512,7 +3557,8 @@
           <a:p>
             <a:fld id="{8C8378FA-B908-46CE-B955-0D62DE117081}" type="datetime1">
               <a:rPr lang="en-US" smtClean="0"/>
-              <a:t>5/2/2019</a:t>
+              <a:pPr/>
+              <a:t>5/4/2019</a:t>
             </a:fld>
             <a:endParaRPr lang="en-US"/>
           </a:p>
@@ -3559,7 +3605,7 @@
     </p:spTree>
     <p:extLst>
       <p:ext uri="{BB962C8B-B14F-4D97-AF65-F5344CB8AC3E}">
-        <p14:creationId xmlns:p14="http://schemas.microsoft.com/office/powerpoint/2010/main" val="888376533"/>
+        <p14:creationId xmlns:p14="http://schemas.microsoft.com/office/powerpoint/2010/main" xmlns="" val="888376533"/>
       </p:ext>
     </p:extLst>
   </p:cSld>
@@ -3634,7 +3680,8 @@
           <a:p>
             <a:fld id="{680B060A-8CEB-44A0-8AE1-20810129466E}" type="slidenum">
               <a:rPr lang="en-US" smtClean="0"/>
-              <a:t>7</a:t>
+              <a:pPr/>
+              <a:t>9</a:t>
             </a:fld>
             <a:endParaRPr lang="en-US"/>
           </a:p>
@@ -3657,7 +3704,8 @@
           <a:p>
             <a:fld id="{8C8378FA-B908-46CE-B955-0D62DE117081}" type="datetime1">
               <a:rPr lang="en-US" smtClean="0"/>
-              <a:t>5/2/2019</a:t>
+              <a:pPr/>
+              <a:t>5/4/2019</a:t>
             </a:fld>
             <a:endParaRPr lang="en-US"/>
           </a:p>
@@ -3704,7 +3752,7 @@
     </p:spTree>
     <p:extLst>
       <p:ext uri="{BB962C8B-B14F-4D97-AF65-F5344CB8AC3E}">
-        <p14:creationId xmlns:p14="http://schemas.microsoft.com/office/powerpoint/2010/main" val="4078714970"/>
+        <p14:creationId xmlns:p14="http://schemas.microsoft.com/office/powerpoint/2010/main" xmlns="" val="4078714970"/>
       </p:ext>
     </p:extLst>
   </p:cSld>
@@ -3779,7 +3827,8 @@
           <a:p>
             <a:fld id="{680B060A-8CEB-44A0-8AE1-20810129466E}" type="slidenum">
               <a:rPr lang="en-US" smtClean="0"/>
-              <a:t>8</a:t>
+              <a:pPr/>
+              <a:t>10</a:t>
             </a:fld>
             <a:endParaRPr lang="en-US"/>
           </a:p>
@@ -3802,7 +3851,8 @@
           <a:p>
             <a:fld id="{8C8378FA-B908-46CE-B955-0D62DE117081}" type="datetime1">
               <a:rPr lang="en-US" smtClean="0"/>
-              <a:t>5/2/2019</a:t>
+              <a:pPr/>
+              <a:t>5/4/2019</a:t>
             </a:fld>
             <a:endParaRPr lang="en-US"/>
           </a:p>
@@ -3849,7 +3899,7 @@
     </p:spTree>
     <p:extLst>
       <p:ext uri="{BB962C8B-B14F-4D97-AF65-F5344CB8AC3E}">
-        <p14:creationId xmlns:p14="http://schemas.microsoft.com/office/powerpoint/2010/main" val="4182885697"/>
+        <p14:creationId xmlns:p14="http://schemas.microsoft.com/office/powerpoint/2010/main" xmlns="" val="4182885697"/>
       </p:ext>
     </p:extLst>
   </p:cSld>
@@ -3924,7 +3974,8 @@
           <a:p>
             <a:fld id="{680B060A-8CEB-44A0-8AE1-20810129466E}" type="slidenum">
               <a:rPr lang="en-US" smtClean="0"/>
-              <a:t>9</a:t>
+              <a:pPr/>
+              <a:t>11</a:t>
             </a:fld>
             <a:endParaRPr lang="en-US"/>
           </a:p>
@@ -3947,7 +3998,8 @@
           <a:p>
             <a:fld id="{8C8378FA-B908-46CE-B955-0D62DE117081}" type="datetime1">
               <a:rPr lang="en-US" smtClean="0"/>
-              <a:t>5/2/2019</a:t>
+              <a:pPr/>
+              <a:t>5/4/2019</a:t>
             </a:fld>
             <a:endParaRPr lang="en-US"/>
           </a:p>
@@ -3994,7 +4046,7 @@
     </p:spTree>
     <p:extLst>
       <p:ext uri="{BB962C8B-B14F-4D97-AF65-F5344CB8AC3E}">
-        <p14:creationId xmlns:p14="http://schemas.microsoft.com/office/powerpoint/2010/main" val="1910960506"/>
+        <p14:creationId xmlns:p14="http://schemas.microsoft.com/office/powerpoint/2010/main" xmlns="" val="1910960506"/>
       </p:ext>
     </p:extLst>
   </p:cSld>
@@ -4069,7 +4121,8 @@
           <a:p>
             <a:fld id="{680B060A-8CEB-44A0-8AE1-20810129466E}" type="slidenum">
               <a:rPr lang="en-US" smtClean="0"/>
-              <a:t>10</a:t>
+              <a:pPr/>
+              <a:t>12</a:t>
             </a:fld>
             <a:endParaRPr lang="en-US"/>
           </a:p>
@@ -4092,7 +4145,8 @@
           <a:p>
             <a:fld id="{8C8378FA-B908-46CE-B955-0D62DE117081}" type="datetime1">
               <a:rPr lang="en-US" smtClean="0"/>
-              <a:t>5/2/2019</a:t>
+              <a:pPr/>
+              <a:t>5/4/2019</a:t>
             </a:fld>
             <a:endParaRPr lang="en-US"/>
           </a:p>
@@ -4139,7 +4193,7 @@
     </p:spTree>
     <p:extLst>
       <p:ext uri="{BB962C8B-B14F-4D97-AF65-F5344CB8AC3E}">
-        <p14:creationId xmlns:p14="http://schemas.microsoft.com/office/powerpoint/2010/main" val="2955896377"/>
+        <p14:creationId xmlns:p14="http://schemas.microsoft.com/office/powerpoint/2010/main" xmlns="" val="2955896377"/>
       </p:ext>
     </p:extLst>
   </p:cSld>
@@ -4214,7 +4268,8 @@
           <a:p>
             <a:fld id="{680B060A-8CEB-44A0-8AE1-20810129466E}" type="slidenum">
               <a:rPr lang="en-US" smtClean="0"/>
-              <a:t>11</a:t>
+              <a:pPr/>
+              <a:t>13</a:t>
             </a:fld>
             <a:endParaRPr lang="en-US"/>
           </a:p>
@@ -4237,7 +4292,8 @@
           <a:p>
             <a:fld id="{8C8378FA-B908-46CE-B955-0D62DE117081}" type="datetime1">
               <a:rPr lang="en-US" smtClean="0"/>
-              <a:t>5/2/2019</a:t>
+              <a:pPr/>
+              <a:t>5/4/2019</a:t>
             </a:fld>
             <a:endParaRPr lang="en-US"/>
           </a:p>
@@ -4284,7 +4340,7 @@
     </p:spTree>
     <p:extLst>
       <p:ext uri="{BB962C8B-B14F-4D97-AF65-F5344CB8AC3E}">
-        <p14:creationId xmlns:p14="http://schemas.microsoft.com/office/powerpoint/2010/main" val="2329211271"/>
+        <p14:creationId xmlns:p14="http://schemas.microsoft.com/office/powerpoint/2010/main" xmlns="" val="2329211271"/>
       </p:ext>
     </p:extLst>
   </p:cSld>
@@ -4359,7 +4415,8 @@
           <a:p>
             <a:fld id="{680B060A-8CEB-44A0-8AE1-20810129466E}" type="slidenum">
               <a:rPr lang="en-US" smtClean="0"/>
-              <a:t>12</a:t>
+              <a:pPr/>
+              <a:t>14</a:t>
             </a:fld>
             <a:endParaRPr lang="en-US"/>
           </a:p>
@@ -4382,7 +4439,8 @@
           <a:p>
             <a:fld id="{8C8378FA-B908-46CE-B955-0D62DE117081}" type="datetime1">
               <a:rPr lang="en-US" smtClean="0"/>
-              <a:t>5/2/2019</a:t>
+              <a:pPr/>
+              <a:t>5/4/2019</a:t>
             </a:fld>
             <a:endParaRPr lang="en-US"/>
           </a:p>
@@ -4429,7 +4487,7 @@
     </p:spTree>
     <p:extLst>
       <p:ext uri="{BB962C8B-B14F-4D97-AF65-F5344CB8AC3E}">
-        <p14:creationId xmlns:p14="http://schemas.microsoft.com/office/powerpoint/2010/main" val="328543387"/>
+        <p14:creationId xmlns:p14="http://schemas.microsoft.com/office/powerpoint/2010/main" xmlns="" val="328543387"/>
       </p:ext>
     </p:extLst>
   </p:cSld>
@@ -4568,7 +4626,8 @@
           <a:p>
             <a:fld id="{F07A23CD-602D-46A1-988F-DC30595EA81F}" type="datetime1">
               <a:rPr lang="en-US" smtClean="0"/>
-              <a:t>5/2/2019</a:t>
+              <a:pPr/>
+              <a:t>5/4/2019</a:t>
             </a:fld>
             <a:endParaRPr lang="en-US"/>
           </a:p>
@@ -4610,6 +4669,7 @@
           <a:p>
             <a:fld id="{BD37BEF6-ACC5-4387-AC71-99C0DDE89871}" type="slidenum">
               <a:rPr lang="en-US" smtClean="0"/>
+              <a:pPr/>
               <a:t>‹#›</a:t>
             </a:fld>
             <a:endParaRPr lang="en-US"/>
@@ -4619,7 +4679,7 @@
     </p:spTree>
     <p:extLst>
       <p:ext uri="{BB962C8B-B14F-4D97-AF65-F5344CB8AC3E}">
-        <p14:creationId xmlns:p14="http://schemas.microsoft.com/office/powerpoint/2010/main" val="3979685780"/>
+        <p14:creationId xmlns:p14="http://schemas.microsoft.com/office/powerpoint/2010/main" xmlns="" val="3979685780"/>
       </p:ext>
     </p:extLst>
   </p:cSld>
@@ -4736,7 +4796,8 @@
           <a:p>
             <a:fld id="{22450878-C283-4CB6-BDAD-58CF80BB79BE}" type="datetime1">
               <a:rPr lang="en-US" smtClean="0"/>
-              <a:t>5/2/2019</a:t>
+              <a:pPr/>
+              <a:t>5/4/2019</a:t>
             </a:fld>
             <a:endParaRPr lang="en-US"/>
           </a:p>
@@ -4778,6 +4839,7 @@
           <a:p>
             <a:fld id="{BD37BEF6-ACC5-4387-AC71-99C0DDE89871}" type="slidenum">
               <a:rPr lang="en-US" smtClean="0"/>
+              <a:pPr/>
               <a:t>‹#›</a:t>
             </a:fld>
             <a:endParaRPr lang="en-US"/>
@@ -4787,7 +4849,7 @@
     </p:spTree>
     <p:extLst>
       <p:ext uri="{BB962C8B-B14F-4D97-AF65-F5344CB8AC3E}">
-        <p14:creationId xmlns:p14="http://schemas.microsoft.com/office/powerpoint/2010/main" val="3939543112"/>
+        <p14:creationId xmlns:p14="http://schemas.microsoft.com/office/powerpoint/2010/main" xmlns="" val="3939543112"/>
       </p:ext>
     </p:extLst>
   </p:cSld>
@@ -4914,7 +4976,8 @@
           <a:p>
             <a:fld id="{9A2A505B-8B2B-4BAB-BE22-03CD0F902569}" type="datetime1">
               <a:rPr lang="en-US" smtClean="0"/>
-              <a:t>5/2/2019</a:t>
+              <a:pPr/>
+              <a:t>5/4/2019</a:t>
             </a:fld>
             <a:endParaRPr lang="en-US"/>
           </a:p>
@@ -4956,6 +5019,7 @@
           <a:p>
             <a:fld id="{BD37BEF6-ACC5-4387-AC71-99C0DDE89871}" type="slidenum">
               <a:rPr lang="en-US" smtClean="0"/>
+              <a:pPr/>
               <a:t>‹#›</a:t>
             </a:fld>
             <a:endParaRPr lang="en-US"/>
@@ -4965,7 +5029,7 @@
     </p:spTree>
     <p:extLst>
       <p:ext uri="{BB962C8B-B14F-4D97-AF65-F5344CB8AC3E}">
-        <p14:creationId xmlns:p14="http://schemas.microsoft.com/office/powerpoint/2010/main" val="301224069"/>
+        <p14:creationId xmlns:p14="http://schemas.microsoft.com/office/powerpoint/2010/main" xmlns="" val="301224069"/>
       </p:ext>
     </p:extLst>
   </p:cSld>
@@ -5082,7 +5146,8 @@
           <a:p>
             <a:fld id="{A2C9855C-7C2C-41E4-93C2-971CDE40D230}" type="datetime1">
               <a:rPr lang="en-US" smtClean="0"/>
-              <a:t>5/2/2019</a:t>
+              <a:pPr/>
+              <a:t>5/4/2019</a:t>
             </a:fld>
             <a:endParaRPr lang="en-US"/>
           </a:p>
@@ -5124,6 +5189,7 @@
           <a:p>
             <a:fld id="{BD37BEF6-ACC5-4387-AC71-99C0DDE89871}" type="slidenum">
               <a:rPr lang="en-US" smtClean="0"/>
+              <a:pPr/>
               <a:t>‹#›</a:t>
             </a:fld>
             <a:endParaRPr lang="en-US"/>
@@ -5133,7 +5199,7 @@
     </p:spTree>
     <p:extLst>
       <p:ext uri="{BB962C8B-B14F-4D97-AF65-F5344CB8AC3E}">
-        <p14:creationId xmlns:p14="http://schemas.microsoft.com/office/powerpoint/2010/main" val="1769243183"/>
+        <p14:creationId xmlns:p14="http://schemas.microsoft.com/office/powerpoint/2010/main" xmlns="" val="1769243183"/>
       </p:ext>
     </p:extLst>
   </p:cSld>
@@ -5327,7 +5393,8 @@
           <a:p>
             <a:fld id="{1C1FA4CD-CD9D-4612-B7D4-E55FD3B2937D}" type="datetime1">
               <a:rPr lang="en-US" smtClean="0"/>
-              <a:t>5/2/2019</a:t>
+              <a:pPr/>
+              <a:t>5/4/2019</a:t>
             </a:fld>
             <a:endParaRPr lang="en-US"/>
           </a:p>
@@ -5369,6 +5436,7 @@
           <a:p>
             <a:fld id="{BD37BEF6-ACC5-4387-AC71-99C0DDE89871}" type="slidenum">
               <a:rPr lang="en-US" smtClean="0"/>
+              <a:pPr/>
               <a:t>‹#›</a:t>
             </a:fld>
             <a:endParaRPr lang="en-US"/>
@@ -5378,7 +5446,7 @@
     </p:spTree>
     <p:extLst>
       <p:ext uri="{BB962C8B-B14F-4D97-AF65-F5344CB8AC3E}">
-        <p14:creationId xmlns:p14="http://schemas.microsoft.com/office/powerpoint/2010/main" val="2158599033"/>
+        <p14:creationId xmlns:p14="http://schemas.microsoft.com/office/powerpoint/2010/main" xmlns="" val="2158599033"/>
       </p:ext>
     </p:extLst>
   </p:cSld>
@@ -5556,7 +5624,8 @@
           <a:p>
             <a:fld id="{078029A4-FF42-43A3-AE38-D08302D39532}" type="datetime1">
               <a:rPr lang="en-US" smtClean="0"/>
-              <a:t>5/2/2019</a:t>
+              <a:pPr/>
+              <a:t>5/4/2019</a:t>
             </a:fld>
             <a:endParaRPr lang="en-US"/>
           </a:p>
@@ -5598,6 +5667,7 @@
           <a:p>
             <a:fld id="{BD37BEF6-ACC5-4387-AC71-99C0DDE89871}" type="slidenum">
               <a:rPr lang="en-US" smtClean="0"/>
+              <a:pPr/>
               <a:t>‹#›</a:t>
             </a:fld>
             <a:endParaRPr lang="en-US"/>
@@ -5607,7 +5677,7 @@
     </p:spTree>
     <p:extLst>
       <p:ext uri="{BB962C8B-B14F-4D97-AF65-F5344CB8AC3E}">
-        <p14:creationId xmlns:p14="http://schemas.microsoft.com/office/powerpoint/2010/main" val="218557856"/>
+        <p14:creationId xmlns:p14="http://schemas.microsoft.com/office/powerpoint/2010/main" xmlns="" val="218557856"/>
       </p:ext>
     </p:extLst>
   </p:cSld>
@@ -5920,7 +5990,8 @@
           <a:p>
             <a:fld id="{F7F8ECD3-54B0-4D6D-BB0E-A010A3B73B0F}" type="datetime1">
               <a:rPr lang="en-US" smtClean="0"/>
-              <a:t>5/2/2019</a:t>
+              <a:pPr/>
+              <a:t>5/4/2019</a:t>
             </a:fld>
             <a:endParaRPr lang="en-US"/>
           </a:p>
@@ -5962,6 +6033,7 @@
           <a:p>
             <a:fld id="{BD37BEF6-ACC5-4387-AC71-99C0DDE89871}" type="slidenum">
               <a:rPr lang="en-US" smtClean="0"/>
+              <a:pPr/>
               <a:t>‹#›</a:t>
             </a:fld>
             <a:endParaRPr lang="en-US"/>
@@ -5971,7 +6043,7 @@
     </p:spTree>
     <p:extLst>
       <p:ext uri="{BB962C8B-B14F-4D97-AF65-F5344CB8AC3E}">
-        <p14:creationId xmlns:p14="http://schemas.microsoft.com/office/powerpoint/2010/main" val="1890961567"/>
+        <p14:creationId xmlns:p14="http://schemas.microsoft.com/office/powerpoint/2010/main" xmlns="" val="1890961567"/>
       </p:ext>
     </p:extLst>
   </p:cSld>
@@ -6037,7 +6109,8 @@
           <a:p>
             <a:fld id="{5B88713D-1800-4AE5-9098-21519270C325}" type="datetime1">
               <a:rPr lang="en-US" smtClean="0"/>
-              <a:t>5/2/2019</a:t>
+              <a:pPr/>
+              <a:t>5/4/2019</a:t>
             </a:fld>
             <a:endParaRPr lang="en-US"/>
           </a:p>
@@ -6079,6 +6152,7 @@
           <a:p>
             <a:fld id="{BD37BEF6-ACC5-4387-AC71-99C0DDE89871}" type="slidenum">
               <a:rPr lang="en-US" smtClean="0"/>
+              <a:pPr/>
               <a:t>‹#›</a:t>
             </a:fld>
             <a:endParaRPr lang="en-US"/>
@@ -6088,7 +6162,7 @@
     </p:spTree>
     <p:extLst>
       <p:ext uri="{BB962C8B-B14F-4D97-AF65-F5344CB8AC3E}">
-        <p14:creationId xmlns:p14="http://schemas.microsoft.com/office/powerpoint/2010/main" val="1599785061"/>
+        <p14:creationId xmlns:p14="http://schemas.microsoft.com/office/powerpoint/2010/main" xmlns="" val="1599785061"/>
       </p:ext>
     </p:extLst>
   </p:cSld>
@@ -6132,7 +6206,8 @@
           <a:p>
             <a:fld id="{4E69FA76-22D2-4BE0-B369-36CF81F33466}" type="datetime1">
               <a:rPr lang="en-US" smtClean="0"/>
-              <a:t>5/2/2019</a:t>
+              <a:pPr/>
+              <a:t>5/4/2019</a:t>
             </a:fld>
             <a:endParaRPr lang="en-US"/>
           </a:p>
@@ -6174,6 +6249,7 @@
           <a:p>
             <a:fld id="{BD37BEF6-ACC5-4387-AC71-99C0DDE89871}" type="slidenum">
               <a:rPr lang="en-US" smtClean="0"/>
+              <a:pPr/>
               <a:t>‹#›</a:t>
             </a:fld>
             <a:endParaRPr lang="en-US"/>
@@ -6183,7 +6259,7 @@
     </p:spTree>
     <p:extLst>
       <p:ext uri="{BB962C8B-B14F-4D97-AF65-F5344CB8AC3E}">
-        <p14:creationId xmlns:p14="http://schemas.microsoft.com/office/powerpoint/2010/main" val="3121886292"/>
+        <p14:creationId xmlns:p14="http://schemas.microsoft.com/office/powerpoint/2010/main" xmlns="" val="3121886292"/>
       </p:ext>
     </p:extLst>
   </p:cSld>
@@ -6407,7 +6483,8 @@
           <a:p>
             <a:fld id="{AB361CA1-E4C1-4CE9-A0E8-126E94898D07}" type="datetime1">
               <a:rPr lang="en-US" smtClean="0"/>
-              <a:t>5/2/2019</a:t>
+              <a:pPr/>
+              <a:t>5/4/2019</a:t>
             </a:fld>
             <a:endParaRPr lang="en-US"/>
           </a:p>
@@ -6449,6 +6526,7 @@
           <a:p>
             <a:fld id="{BD37BEF6-ACC5-4387-AC71-99C0DDE89871}" type="slidenum">
               <a:rPr lang="en-US" smtClean="0"/>
+              <a:pPr/>
               <a:t>‹#›</a:t>
             </a:fld>
             <a:endParaRPr lang="en-US"/>
@@ -6458,7 +6536,7 @@
     </p:spTree>
     <p:extLst>
       <p:ext uri="{BB962C8B-B14F-4D97-AF65-F5344CB8AC3E}">
-        <p14:creationId xmlns:p14="http://schemas.microsoft.com/office/powerpoint/2010/main" val="2605905675"/>
+        <p14:creationId xmlns:p14="http://schemas.microsoft.com/office/powerpoint/2010/main" xmlns="" val="2605905675"/>
       </p:ext>
     </p:extLst>
   </p:cSld>
@@ -6659,7 +6737,8 @@
           <a:p>
             <a:fld id="{E8768988-809C-4E97-AD26-7AF38985C5D0}" type="datetime1">
               <a:rPr lang="en-US" smtClean="0"/>
-              <a:t>5/2/2019</a:t>
+              <a:pPr/>
+              <a:t>5/4/2019</a:t>
             </a:fld>
             <a:endParaRPr lang="en-US"/>
           </a:p>
@@ -6701,6 +6780,7 @@
           <a:p>
             <a:fld id="{BD37BEF6-ACC5-4387-AC71-99C0DDE89871}" type="slidenum">
               <a:rPr lang="en-US" smtClean="0"/>
+              <a:pPr/>
               <a:t>‹#›</a:t>
             </a:fld>
             <a:endParaRPr lang="en-US"/>
@@ -6710,7 +6790,7 @@
     </p:spTree>
     <p:extLst>
       <p:ext uri="{BB962C8B-B14F-4D97-AF65-F5344CB8AC3E}">
-        <p14:creationId xmlns:p14="http://schemas.microsoft.com/office/powerpoint/2010/main" val="1264223728"/>
+        <p14:creationId xmlns:p14="http://schemas.microsoft.com/office/powerpoint/2010/main" xmlns="" val="1264223728"/>
       </p:ext>
     </p:extLst>
   </p:cSld>
@@ -6875,7 +6955,8 @@
           <a:p>
             <a:fld id="{0000E251-F8E5-4E5E-B79B-0B09F076B10A}" type="datetime1">
               <a:rPr lang="en-US" smtClean="0"/>
-              <a:t>5/2/2019</a:t>
+              <a:pPr/>
+              <a:t>5/4/2019</a:t>
             </a:fld>
             <a:endParaRPr lang="en-US"/>
           </a:p>
@@ -6953,6 +7034,7 @@
           <a:p>
             <a:fld id="{BD37BEF6-ACC5-4387-AC71-99C0DDE89871}" type="slidenum">
               <a:rPr lang="en-US" smtClean="0"/>
+              <a:pPr/>
               <a:t>‹#›</a:t>
             </a:fld>
             <a:endParaRPr lang="en-US"/>
@@ -6962,7 +7044,7 @@
     </p:spTree>
     <p:extLst>
       <p:ext uri="{BB962C8B-B14F-4D97-AF65-F5344CB8AC3E}">
-        <p14:creationId xmlns:p14="http://schemas.microsoft.com/office/powerpoint/2010/main" val="2149790258"/>
+        <p14:creationId xmlns:p14="http://schemas.microsoft.com/office/powerpoint/2010/main" xmlns="" val="2149790258"/>
       </p:ext>
     </p:extLst>
   </p:cSld>
@@ -7342,7 +7424,8 @@
           <a:p>
             <a:fld id="{12D31A29-1BCB-47E9-B85C-F7474DEF8BB1}" type="datetime1">
               <a:rPr lang="en-US" smtClean="0"/>
-              <a:t>5/2/2019</a:t>
+              <a:pPr/>
+              <a:t>5/4/2019</a:t>
             </a:fld>
             <a:endParaRPr lang="en-US"/>
           </a:p>
@@ -7365,6 +7448,7 @@
           <a:p>
             <a:fld id="{BD37BEF6-ACC5-4387-AC71-99C0DDE89871}" type="slidenum">
               <a:rPr lang="en-US" smtClean="0"/>
+              <a:pPr/>
               <a:t>1</a:t>
             </a:fld>
             <a:endParaRPr lang="en-US"/>
@@ -7374,7 +7458,7 @@
     </p:spTree>
     <p:extLst>
       <p:ext uri="{BB962C8B-B14F-4D97-AF65-F5344CB8AC3E}">
-        <p14:creationId xmlns:p14="http://schemas.microsoft.com/office/powerpoint/2010/main" val="2278171378"/>
+        <p14:creationId xmlns:p14="http://schemas.microsoft.com/office/powerpoint/2010/main" xmlns="" val="2278171378"/>
       </p:ext>
     </p:extLst>
   </p:cSld>
@@ -7425,43 +7509,128 @@
           <a:p>
             <a:r>
               <a:rPr lang="en-US" sz="4000" dirty="0"/>
-              <a:t>DevOps – Implementing Example</a:t>
-            </a:r>
-          </a:p>
-        </p:txBody>
-      </p:sp>
-      <p:pic>
-        <p:nvPicPr>
-          <p:cNvPr id="2" name="Content Placeholder 1">
-            <a:extLst>
-              <a:ext uri="{FF2B5EF4-FFF2-40B4-BE49-F238E27FC236}">
-                <a16:creationId xmlns:a16="http://schemas.microsoft.com/office/drawing/2014/main" id="{27035712-DE01-44A4-82E9-7FEDB34B6F2B}"/>
-              </a:ext>
-            </a:extLst>
-          </p:cNvPr>
-          <p:cNvPicPr>
-            <a:picLocks noGrp="1" noChangeAspect="1"/>
-          </p:cNvPicPr>
+              <a:t>DevOps – Ops side</a:t>
+            </a:r>
+          </a:p>
+        </p:txBody>
+      </p:sp>
+      <p:sp>
+        <p:nvSpPr>
+          <p:cNvPr id="6" name="Content Placeholder 5"/>
+          <p:cNvSpPr>
+            <a:spLocks noGrp="1"/>
+          </p:cNvSpPr>
           <p:nvPr>
             <p:ph idx="1"/>
           </p:nvPr>
-        </p:nvPicPr>
-        <p:blipFill>
-          <a:blip r:embed="rId3"/>
-          <a:stretch>
-            <a:fillRect/>
-          </a:stretch>
-        </p:blipFill>
+        </p:nvSpPr>
         <p:spPr>
           <a:xfrm>
-            <a:off x="987829" y="1260949"/>
-            <a:ext cx="9137904" cy="4771716"/>
+            <a:off x="838200" y="1253331"/>
+            <a:ext cx="10515600" cy="4351338"/>
           </a:xfrm>
-          <a:prstGeom prst="rect">
-            <a:avLst/>
-          </a:prstGeom>
         </p:spPr>
-      </p:pic>
+        <p:txBody>
+          <a:bodyPr>
+            <a:normAutofit fontScale="92500" lnSpcReduction="10000"/>
+          </a:bodyPr>
+          <a:lstStyle/>
+          <a:p>
+            <a:pPr fontAlgn="ctr"/>
+            <a:r>
+              <a:rPr lang="en-US" dirty="0"/>
+              <a:t>Deploy &amp; Operate : </a:t>
+            </a:r>
+            <a:r>
+              <a:rPr lang="en-US" sz="2000" dirty="0"/>
+              <a:t>These are the configuration management tools for deployment</a:t>
+            </a:r>
+            <a:endParaRPr lang="en-US" dirty="0"/>
+          </a:p>
+          <a:p>
+            <a:pPr lvl="1" fontAlgn="ctr"/>
+            <a:r>
+              <a:rPr lang="en-US" dirty="0"/>
+              <a:t>Docker</a:t>
+            </a:r>
+          </a:p>
+          <a:p>
+            <a:pPr lvl="1" fontAlgn="ctr"/>
+            <a:r>
+              <a:rPr lang="en-US" dirty="0"/>
+              <a:t>Vagrant</a:t>
+            </a:r>
+          </a:p>
+          <a:p>
+            <a:pPr lvl="1" fontAlgn="ctr"/>
+            <a:r>
+              <a:rPr lang="en-US" dirty="0"/>
+              <a:t>Puppet:</a:t>
+            </a:r>
+          </a:p>
+          <a:p>
+            <a:pPr lvl="2" fontAlgn="ctr"/>
+            <a:r>
+              <a:rPr lang="en-US" dirty="0"/>
+              <a:t>Can replicate the whole configuration. We can easily roll back to the previous configuration.</a:t>
+            </a:r>
+          </a:p>
+          <a:p>
+            <a:pPr lvl="1" fontAlgn="ctr"/>
+            <a:r>
+              <a:rPr lang="en-US" dirty="0"/>
+              <a:t>CHEF</a:t>
+            </a:r>
+          </a:p>
+          <a:p>
+            <a:pPr lvl="1" fontAlgn="ctr"/>
+            <a:r>
+              <a:rPr lang="en-US" dirty="0" err="1"/>
+              <a:t>SaltStack</a:t>
+            </a:r>
+            <a:endParaRPr lang="en-US" dirty="0"/>
+          </a:p>
+          <a:p>
+            <a:pPr lvl="1" fontAlgn="ctr"/>
+            <a:r>
+              <a:rPr lang="en-US" dirty="0"/>
+              <a:t>Ansible</a:t>
+            </a:r>
+          </a:p>
+          <a:p>
+            <a:pPr fontAlgn="ctr"/>
+            <a:r>
+              <a:rPr lang="en-US" dirty="0"/>
+              <a:t>Monitor:</a:t>
+            </a:r>
+          </a:p>
+          <a:p>
+            <a:pPr lvl="1" fontAlgn="ctr"/>
+            <a:r>
+              <a:rPr lang="en-US" dirty="0"/>
+              <a:t>Stack</a:t>
+            </a:r>
+          </a:p>
+          <a:p>
+            <a:pPr lvl="1" fontAlgn="ctr"/>
+            <a:r>
+              <a:rPr lang="en-US" dirty="0"/>
+              <a:t>Splunk</a:t>
+            </a:r>
+          </a:p>
+          <a:p>
+            <a:pPr lvl="1" fontAlgn="ctr"/>
+            <a:r>
+              <a:rPr lang="en-US" dirty="0"/>
+              <a:t>Nagios</a:t>
+            </a:r>
+          </a:p>
+          <a:p>
+            <a:pPr fontAlgn="ctr"/>
+            <a:endParaRPr lang="en-US" dirty="0"/>
+          </a:p>
+        </p:txBody>
+      </p:sp>
       <p:sp>
         <p:nvSpPr>
           <p:cNvPr id="7" name="Date Placeholder 6"/>
@@ -7479,7 +7648,8 @@
           <a:p>
             <a:fld id="{EB798BFA-0A12-4E3A-85B7-D5C3D7F3C007}" type="datetime1">
               <a:rPr lang="en-US" smtClean="0"/>
-              <a:t>5/2/2019</a:t>
+              <a:pPr/>
+              <a:t>5/4/2019</a:t>
             </a:fld>
             <a:endParaRPr lang="en-US" dirty="0"/>
           </a:p>
@@ -7524,6 +7694,7 @@
           <a:p>
             <a:fld id="{BD37BEF6-ACC5-4387-AC71-99C0DDE89871}" type="slidenum">
               <a:rPr lang="en-US" smtClean="0"/>
+              <a:pPr/>
               <a:t>10</a:t>
             </a:fld>
             <a:endParaRPr lang="en-US" dirty="0"/>
@@ -7533,7 +7704,7 @@
     </p:spTree>
     <p:extLst>
       <p:ext uri="{BB962C8B-B14F-4D97-AF65-F5344CB8AC3E}">
-        <p14:creationId xmlns:p14="http://schemas.microsoft.com/office/powerpoint/2010/main" val="3599639325"/>
+        <p14:creationId xmlns:p14="http://schemas.microsoft.com/office/powerpoint/2010/main" xmlns="" val="3916536364"/>
       </p:ext>
     </p:extLst>
   </p:cSld>
@@ -7546,14 +7717,6 @@
 <file path=ppt/slides/slide11.xml><?xml version="1.0" encoding="utf-8"?>
 <p:sld xmlns:a="http://schemas.openxmlformats.org/drawingml/2006/main" xmlns:r="http://schemas.openxmlformats.org/officeDocument/2006/relationships" xmlns:p="http://schemas.openxmlformats.org/presentationml/2006/main">
   <p:cSld>
-    <p:bg>
-      <p:bgPr>
-        <a:solidFill>
-          <a:schemeClr val="bg1"/>
-        </a:solidFill>
-        <a:effectLst/>
-      </p:bgPr>
-    </p:bg>
     <p:spTree>
       <p:nvGrpSpPr>
         <p:cNvPr id="1" name=""/>
@@ -7570,128 +7733,18 @@
       </p:grpSpPr>
       <p:sp>
         <p:nvSpPr>
-          <p:cNvPr id="14" name="Rectangle 13">
-            <a:extLst>
-              <a:ext uri="{FF2B5EF4-FFF2-40B4-BE49-F238E27FC236}">
-                <a16:creationId xmlns:a16="http://schemas.microsoft.com/office/drawing/2014/main" id="{867D4867-5BA7-4462-B2F6-A23F4A622AA7}"/>
-              </a:ext>
-              <a:ext uri="{C183D7F6-B498-43B3-948B-1728B52AA6E4}">
-                <adec:decorative xmlns:adec="http://schemas.microsoft.com/office/drawing/2017/decorative" val="1"/>
-              </a:ext>
-            </a:extLst>
-          </p:cNvPr>
-          <p:cNvSpPr>
-            <a:spLocks noGrp="1" noRot="1" noChangeAspect="1" noMove="1" noResize="1" noEditPoints="1" noAdjustHandles="1" noChangeArrowheads="1" noChangeShapeType="1" noTextEdit="1"/>
-          </p:cNvSpPr>
-          <p:nvPr>
-            <p:extLst>
-              <p:ext uri="{386F3935-93C4-4BCD-93E2-E3B085C9AB24}">
-                <p16:designElem xmlns:p16="http://schemas.microsoft.com/office/powerpoint/2015/main" val="1"/>
-              </p:ext>
-            </p:extLst>
+          <p:cNvPr id="5" name="Title 4"/>
+          <p:cNvSpPr>
+            <a:spLocks noGrp="1"/>
+          </p:cNvSpPr>
+          <p:nvPr>
+            <p:ph type="title"/>
           </p:nvPr>
         </p:nvSpPr>
         <p:spPr>
           <a:xfrm>
-            <a:off x="0" y="0"/>
-            <a:ext cx="4654296" cy="6858000"/>
-          </a:xfrm>
-          <a:prstGeom prst="rect">
-            <a:avLst/>
-          </a:prstGeom>
-          <a:solidFill>
-            <a:schemeClr val="tx1">
-              <a:lumMod val="75000"/>
-              <a:lumOff val="25000"/>
-            </a:schemeClr>
-          </a:solidFill>
-          <a:ln>
-            <a:noFill/>
-          </a:ln>
-        </p:spPr>
-        <p:style>
-          <a:lnRef idx="0">
-            <a:scrgbClr r="0" g="0" b="0"/>
-          </a:lnRef>
-          <a:fillRef idx="0">
-            <a:scrgbClr r="0" g="0" b="0"/>
-          </a:fillRef>
-          <a:effectRef idx="0">
-            <a:scrgbClr r="0" g="0" b="0"/>
-          </a:effectRef>
-          <a:fontRef idx="minor">
-            <a:schemeClr val="lt1"/>
-          </a:fontRef>
-        </p:style>
-        <p:txBody>
-          <a:bodyPr rtlCol="0" anchor="ctr"/>
-          <a:lstStyle/>
-          <a:p>
-            <a:pPr algn="ctr"/>
-            <a:endParaRPr lang="en-US"/>
-          </a:p>
-        </p:txBody>
-      </p:sp>
-      <p:sp>
-        <p:nvSpPr>
-          <p:cNvPr id="5" name="Title 4"/>
-          <p:cNvSpPr>
-            <a:spLocks noGrp="1"/>
-          </p:cNvSpPr>
-          <p:nvPr>
-            <p:ph type="title"/>
-          </p:nvPr>
-        </p:nvSpPr>
-        <p:spPr>
-          <a:xfrm>
-            <a:off x="643467" y="643467"/>
-            <a:ext cx="3363974" cy="1597315"/>
-          </a:xfrm>
-          <a:noFill/>
-          <a:ln w="19050">
-            <a:solidFill>
-              <a:schemeClr val="bg1"/>
-            </a:solidFill>
-          </a:ln>
-        </p:spPr>
-        <p:txBody>
-          <a:bodyPr wrap="square">
-            <a:normAutofit/>
-          </a:bodyPr>
-          <a:lstStyle/>
-          <a:p>
-            <a:pPr algn="ctr"/>
-            <a:r>
-              <a:rPr lang="en-US" sz="2800">
-                <a:solidFill>
-                  <a:schemeClr val="bg1"/>
-                </a:solidFill>
-              </a:rPr>
-              <a:t>DevOps – Implementing Example</a:t>
-            </a:r>
-          </a:p>
-        </p:txBody>
-      </p:sp>
-      <p:sp>
-        <p:nvSpPr>
-          <p:cNvPr id="4" name="Content Placeholder 3">
-            <a:extLst>
-              <a:ext uri="{FF2B5EF4-FFF2-40B4-BE49-F238E27FC236}">
-                <a16:creationId xmlns:a16="http://schemas.microsoft.com/office/drawing/2014/main" id="{3053F7BE-E9DC-4410-A84E-C692A9F3D1B0}"/>
-              </a:ext>
-            </a:extLst>
-          </p:cNvPr>
-          <p:cNvSpPr>
-            <a:spLocks noGrp="1"/>
-          </p:cNvSpPr>
-          <p:nvPr>
-            <p:ph idx="1"/>
-          </p:nvPr>
-        </p:nvSpPr>
-        <p:spPr>
-          <a:xfrm>
-            <a:off x="643468" y="2638044"/>
-            <a:ext cx="3363974" cy="3415622"/>
+            <a:off x="688571" y="284162"/>
+            <a:ext cx="10515600" cy="1325563"/>
           </a:xfrm>
         </p:spPr>
         <p:txBody>
@@ -7700,58 +7753,27 @@
           </a:bodyPr>
           <a:lstStyle/>
           <a:p>
-            <a:endParaRPr lang="en-US" sz="2000">
-              <a:solidFill>
-                <a:schemeClr val="bg1"/>
-              </a:solidFill>
-            </a:endParaRPr>
-          </a:p>
-        </p:txBody>
-      </p:sp>
-      <p:pic>
-        <p:nvPicPr>
-          <p:cNvPr id="6" name="Picture 5">
-            <a:extLst>
-              <a:ext uri="{FF2B5EF4-FFF2-40B4-BE49-F238E27FC236}">
-                <a16:creationId xmlns:a16="http://schemas.microsoft.com/office/drawing/2014/main" id="{B01EBFE2-E74A-48EB-9A1B-D932FD403A87}"/>
-              </a:ext>
-            </a:extLst>
-          </p:cNvPr>
-          <p:cNvPicPr>
-            <a:picLocks noChangeAspect="1"/>
-          </p:cNvPicPr>
-          <p:nvPr/>
-        </p:nvPicPr>
-        <p:blipFill>
-          <a:blip r:embed="rId3"/>
-          <a:stretch>
-            <a:fillRect/>
-          </a:stretch>
-        </p:blipFill>
+            <a:r>
+              <a:rPr lang="en-US" sz="4000" dirty="0"/>
+              <a:t>DevOps - Integration</a:t>
+            </a:r>
+          </a:p>
+        </p:txBody>
+      </p:sp>
+      <p:sp>
+        <p:nvSpPr>
+          <p:cNvPr id="6" name="Content Placeholder 5"/>
+          <p:cNvSpPr>
+            <a:spLocks noGrp="1"/>
+          </p:cNvSpPr>
+          <p:nvPr>
+            <p:ph idx="1"/>
+          </p:nvPr>
+        </p:nvSpPr>
         <p:spPr>
           <a:xfrm>
-            <a:off x="4832814" y="545261"/>
-            <a:ext cx="6899403" cy="5390590"/>
-          </a:xfrm>
-          <a:prstGeom prst="rect">
-            <a:avLst/>
-          </a:prstGeom>
-        </p:spPr>
-      </p:pic>
-      <p:sp>
-        <p:nvSpPr>
-          <p:cNvPr id="7" name="Date Placeholder 6"/>
-          <p:cNvSpPr>
-            <a:spLocks noGrp="1"/>
-          </p:cNvSpPr>
-          <p:nvPr>
-            <p:ph type="dt" sz="half" idx="10"/>
-          </p:nvPr>
-        </p:nvSpPr>
-        <p:spPr>
-          <a:xfrm>
-            <a:off x="838200" y="6356350"/>
-            <a:ext cx="2743200" cy="365125"/>
+            <a:off x="838200" y="1253331"/>
+            <a:ext cx="10515600" cy="4351338"/>
           </a:xfrm>
         </p:spPr>
         <p:txBody>
@@ -7760,33 +7782,67 @@
           </a:bodyPr>
           <a:lstStyle/>
           <a:p>
-            <a:pPr>
-              <a:spcAft>
-                <a:spcPts val="600"/>
-              </a:spcAft>
-            </a:pPr>
+            <a:pPr fontAlgn="ctr"/>
+            <a:r>
+              <a:rPr lang="en-US" dirty="0"/>
+              <a:t>Integration: </a:t>
+            </a:r>
+            <a:r>
+              <a:rPr lang="en-US" sz="2400" dirty="0"/>
+              <a:t>Integrating all the phases from Dev and Ops Side</a:t>
+            </a:r>
+          </a:p>
+          <a:p>
+            <a:pPr lvl="1" fontAlgn="ctr"/>
+            <a:r>
+              <a:rPr lang="en-US" dirty="0"/>
+              <a:t>Jenkins</a:t>
+            </a:r>
+          </a:p>
+          <a:p>
+            <a:pPr lvl="2" fontAlgn="ctr"/>
+            <a:r>
+              <a:rPr lang="en-US" dirty="0"/>
+              <a:t>Will pull the code and build it, and send for testing, then deploy, and also send for monitoring, and based on the responses from monitoring it will intimate required teams.</a:t>
+            </a:r>
+          </a:p>
+          <a:p>
+            <a:pPr lvl="1" fontAlgn="ctr"/>
+            <a:r>
+              <a:rPr lang="en-US" dirty="0"/>
+              <a:t>Bamboo</a:t>
+            </a:r>
+          </a:p>
+          <a:p>
+            <a:pPr lvl="1" fontAlgn="ctr"/>
+            <a:r>
+              <a:rPr lang="en-US" dirty="0"/>
+              <a:t>Hudson</a:t>
+            </a:r>
+          </a:p>
+        </p:txBody>
+      </p:sp>
+      <p:sp>
+        <p:nvSpPr>
+          <p:cNvPr id="7" name="Date Placeholder 6"/>
+          <p:cNvSpPr>
+            <a:spLocks noGrp="1"/>
+          </p:cNvSpPr>
+          <p:nvPr>
+            <p:ph type="dt" sz="half" idx="10"/>
+          </p:nvPr>
+        </p:nvSpPr>
+        <p:spPr/>
+        <p:txBody>
+          <a:bodyPr/>
+          <a:lstStyle/>
+          <a:p>
             <a:fld id="{EB798BFA-0A12-4E3A-85B7-D5C3D7F3C007}" type="datetime1">
-              <a:rPr lang="en-US">
-                <a:solidFill>
-                  <a:schemeClr val="bg1">
-                    <a:alpha val="80000"/>
-                  </a:schemeClr>
-                </a:solidFill>
-              </a:rPr>
-              <a:pPr>
-                <a:spcAft>
-                  <a:spcPts val="600"/>
-                </a:spcAft>
-              </a:pPr>
-              <a:t>5/2/2019</a:t>
+              <a:rPr lang="en-US" smtClean="0"/>
+              <a:pPr/>
+              <a:t>5/4/2019</a:t>
             </a:fld>
-            <a:endParaRPr lang="en-US">
-              <a:solidFill>
-                <a:schemeClr val="bg1">
-                  <a:alpha val="80000"/>
-                </a:schemeClr>
-              </a:solidFill>
-            </a:endParaRPr>
+            <a:endParaRPr lang="en-US" dirty="0"/>
           </a:p>
         </p:txBody>
       </p:sp>
@@ -7800,31 +7856,13 @@
             <p:ph type="ftr" sz="quarter" idx="11"/>
           </p:nvPr>
         </p:nvSpPr>
-        <p:spPr>
-          <a:xfrm>
-            <a:off x="5297762" y="6356350"/>
-            <a:ext cx="4579768" cy="365125"/>
-          </a:xfrm>
-        </p:spPr>
-        <p:txBody>
-          <a:bodyPr>
-            <a:normAutofit/>
-          </a:bodyPr>
-          <a:lstStyle/>
-          <a:p>
-            <a:pPr algn="l">
-              <a:spcAft>
-                <a:spcPts val="600"/>
-              </a:spcAft>
-            </a:pPr>
-            <a:r>
-              <a:rPr lang="en-US">
-                <a:solidFill>
-                  <a:schemeClr val="tx1">
-                    <a:alpha val="80000"/>
-                  </a:schemeClr>
-                </a:solidFill>
-              </a:rPr>
+        <p:spPr/>
+        <p:txBody>
+          <a:bodyPr/>
+          <a:lstStyle/>
+          <a:p>
+            <a:r>
+              <a:rPr lang="en-US" dirty="0"/>
               <a:t>Tenses</a:t>
             </a:r>
           </a:p>
@@ -7840,52 +7878,24 @@
             <p:ph type="sldNum" sz="quarter" idx="12"/>
           </p:nvPr>
         </p:nvSpPr>
-        <p:spPr>
-          <a:xfrm>
-            <a:off x="10289512" y="6356350"/>
-            <a:ext cx="1064287" cy="365125"/>
-          </a:xfrm>
-        </p:spPr>
-        <p:txBody>
-          <a:bodyPr>
-            <a:normAutofit/>
-          </a:bodyPr>
-          <a:lstStyle/>
-          <a:p>
-            <a:pPr>
-              <a:spcAft>
-                <a:spcPts val="600"/>
-              </a:spcAft>
-            </a:pPr>
+        <p:spPr/>
+        <p:txBody>
+          <a:bodyPr/>
+          <a:lstStyle/>
+          <a:p>
             <a:fld id="{BD37BEF6-ACC5-4387-AC71-99C0DDE89871}" type="slidenum">
-              <a:rPr lang="en-US">
-                <a:solidFill>
-                  <a:schemeClr val="tx1">
-                    <a:alpha val="80000"/>
-                  </a:schemeClr>
-                </a:solidFill>
-              </a:rPr>
-              <a:pPr>
-                <a:spcAft>
-                  <a:spcPts val="600"/>
-                </a:spcAft>
-              </a:pPr>
+              <a:rPr lang="en-US" smtClean="0"/>
+              <a:pPr/>
               <a:t>11</a:t>
             </a:fld>
-            <a:endParaRPr lang="en-US">
-              <a:solidFill>
-                <a:schemeClr val="tx1">
-                  <a:alpha val="80000"/>
-                </a:schemeClr>
-              </a:solidFill>
-            </a:endParaRPr>
+            <a:endParaRPr lang="en-US" dirty="0"/>
           </a:p>
         </p:txBody>
       </p:sp>
     </p:spTree>
     <p:extLst>
       <p:ext uri="{BB962C8B-B14F-4D97-AF65-F5344CB8AC3E}">
-        <p14:creationId xmlns:p14="http://schemas.microsoft.com/office/powerpoint/2010/main" val="2537417998"/>
+        <p14:creationId xmlns:p14="http://schemas.microsoft.com/office/powerpoint/2010/main" xmlns="" val="954101542"/>
       </p:ext>
     </p:extLst>
   </p:cSld>
@@ -7941,6 +7951,38 @@
           </a:p>
         </p:txBody>
       </p:sp>
+      <p:pic>
+        <p:nvPicPr>
+          <p:cNvPr id="2" name="Content Placeholder 1">
+            <a:extLst>
+              <a:ext uri="{FF2B5EF4-FFF2-40B4-BE49-F238E27FC236}">
+                <a16:creationId xmlns:a16="http://schemas.microsoft.com/office/drawing/2014/main" xmlns="" id="{27035712-DE01-44A4-82E9-7FEDB34B6F2B}"/>
+              </a:ext>
+            </a:extLst>
+          </p:cNvPr>
+          <p:cNvPicPr>
+            <a:picLocks noGrp="1" noChangeAspect="1"/>
+          </p:cNvPicPr>
+          <p:nvPr>
+            <p:ph idx="1"/>
+          </p:nvPr>
+        </p:nvPicPr>
+        <p:blipFill>
+          <a:blip r:embed="rId3"/>
+          <a:stretch>
+            <a:fillRect/>
+          </a:stretch>
+        </p:blipFill>
+        <p:spPr>
+          <a:xfrm>
+            <a:off x="987829" y="1260949"/>
+            <a:ext cx="9137904" cy="4771716"/>
+          </a:xfrm>
+          <a:prstGeom prst="rect">
+            <a:avLst/>
+          </a:prstGeom>
+        </p:spPr>
+      </p:pic>
       <p:sp>
         <p:nvSpPr>
           <p:cNvPr id="7" name="Date Placeholder 6"/>
@@ -7958,7 +8000,8 @@
           <a:p>
             <a:fld id="{EB798BFA-0A12-4E3A-85B7-D5C3D7F3C007}" type="datetime1">
               <a:rPr lang="en-US" smtClean="0"/>
-              <a:t>5/2/2019</a:t>
+              <a:pPr/>
+              <a:t>5/4/2019</a:t>
             </a:fld>
             <a:endParaRPr lang="en-US" dirty="0"/>
           </a:p>
@@ -8003,41 +8046,17 @@
           <a:p>
             <a:fld id="{BD37BEF6-ACC5-4387-AC71-99C0DDE89871}" type="slidenum">
               <a:rPr lang="en-US" smtClean="0"/>
+              <a:pPr/>
               <a:t>12</a:t>
             </a:fld>
             <a:endParaRPr lang="en-US" dirty="0"/>
           </a:p>
         </p:txBody>
       </p:sp>
-      <p:sp>
-        <p:nvSpPr>
-          <p:cNvPr id="4" name="Content Placeholder 3">
-            <a:extLst>
-              <a:ext uri="{FF2B5EF4-FFF2-40B4-BE49-F238E27FC236}">
-                <a16:creationId xmlns:a16="http://schemas.microsoft.com/office/drawing/2014/main" id="{D68A45E6-B069-47A5-B12B-C683F8E2E127}"/>
-              </a:ext>
-            </a:extLst>
-          </p:cNvPr>
-          <p:cNvSpPr>
-            <a:spLocks noGrp="1"/>
-          </p:cNvSpPr>
-          <p:nvPr>
-            <p:ph idx="1"/>
-          </p:nvPr>
-        </p:nvSpPr>
-        <p:spPr/>
-        <p:txBody>
-          <a:bodyPr/>
-          <a:lstStyle/>
-          <a:p>
-            <a:endParaRPr lang="en-US" dirty="0"/>
-          </a:p>
-        </p:txBody>
-      </p:sp>
     </p:spTree>
     <p:extLst>
       <p:ext uri="{BB962C8B-B14F-4D97-AF65-F5344CB8AC3E}">
-        <p14:creationId xmlns:p14="http://schemas.microsoft.com/office/powerpoint/2010/main" val="2424301351"/>
+        <p14:creationId xmlns:p14="http://schemas.microsoft.com/office/powerpoint/2010/main" xmlns="" val="3599639325"/>
       </p:ext>
     </p:extLst>
   </p:cSld>
@@ -8077,10 +8096,10 @@
           <p:cNvPr id="14" name="Rectangle 13">
             <a:extLst>
               <a:ext uri="{FF2B5EF4-FFF2-40B4-BE49-F238E27FC236}">
-                <a16:creationId xmlns:a16="http://schemas.microsoft.com/office/drawing/2014/main" id="{A4AC5506-6312-4701-8D3C-40187889A947}"/>
+                <a16:creationId xmlns:a16="http://schemas.microsoft.com/office/drawing/2014/main" xmlns="" id="{867D4867-5BA7-4462-B2F6-A23F4A622AA7}"/>
               </a:ext>
               <a:ext uri="{C183D7F6-B498-43B3-948B-1728B52AA6E4}">
-                <adec:decorative xmlns:adec="http://schemas.microsoft.com/office/drawing/2017/decorative" val="1"/>
+                <adec:decorative xmlns:adec="http://schemas.microsoft.com/office/drawing/2017/decorative" xmlns="" val="1"/>
               </a:ext>
             </a:extLst>
           </p:cNvPr>
@@ -8090,37 +8109,38 @@
           <p:nvPr>
             <p:extLst>
               <p:ext uri="{386F3935-93C4-4BCD-93E2-E3B085C9AB24}">
-                <p16:designElem xmlns:p16="http://schemas.microsoft.com/office/powerpoint/2015/main" val="1"/>
+                <p16:designElem xmlns:p16="http://schemas.microsoft.com/office/powerpoint/2015/main" xmlns="" val="1"/>
               </p:ext>
             </p:extLst>
           </p:nvPr>
         </p:nvSpPr>
         <p:spPr>
           <a:xfrm>
-            <a:off x="0" y="651752"/>
-            <a:ext cx="12192000" cy="736551"/>
+            <a:off x="0" y="0"/>
+            <a:ext cx="4654296" cy="6858000"/>
           </a:xfrm>
           <a:prstGeom prst="rect">
             <a:avLst/>
           </a:prstGeom>
           <a:solidFill>
-            <a:schemeClr val="tx1"/>
+            <a:schemeClr val="tx1">
+              <a:lumMod val="75000"/>
+              <a:lumOff val="25000"/>
+            </a:schemeClr>
           </a:solidFill>
           <a:ln>
             <a:noFill/>
           </a:ln>
         </p:spPr>
         <p:style>
-          <a:lnRef idx="2">
-            <a:schemeClr val="accent1">
-              <a:shade val="50000"/>
-            </a:schemeClr>
+          <a:lnRef idx="0">
+            <a:scrgbClr r="0" g="0" b="0"/>
           </a:lnRef>
-          <a:fillRef idx="1">
-            <a:schemeClr val="accent1"/>
+          <a:fillRef idx="0">
+            <a:scrgbClr r="0" g="0" b="0"/>
           </a:fillRef>
           <a:effectRef idx="0">
-            <a:schemeClr val="accent1"/>
+            <a:scrgbClr r="0" g="0" b="0"/>
           </a:effectRef>
           <a:fontRef idx="minor">
             <a:schemeClr val="lt1"/>
@@ -8147,46 +8167,83 @@
         </p:nvSpPr>
         <p:spPr>
           <a:xfrm>
-            <a:off x="556532" y="643467"/>
-            <a:ext cx="11210925" cy="744836"/>
+            <a:off x="643467" y="643467"/>
+            <a:ext cx="3363974" cy="1597315"/>
           </a:xfrm>
+          <a:noFill/>
+          <a:ln w="19050">
+            <a:solidFill>
+              <a:schemeClr val="bg1"/>
+            </a:solidFill>
+          </a:ln>
         </p:spPr>
         <p:txBody>
-          <a:bodyPr vert="horz" lIns="91440" tIns="45720" rIns="91440" bIns="45720" rtlCol="0" anchor="ctr">
+          <a:bodyPr wrap="square">
             <a:normAutofit/>
           </a:bodyPr>
           <a:lstStyle/>
           <a:p>
             <a:pPr algn="ctr"/>
             <a:r>
-              <a:rPr lang="en-US" sz="3200" kern="1200">
+              <a:rPr lang="en-US" sz="2800">
                 <a:solidFill>
                   <a:schemeClr val="bg1"/>
                 </a:solidFill>
-                <a:latin typeface="+mj-lt"/>
-                <a:ea typeface="+mj-ea"/>
-                <a:cs typeface="+mj-cs"/>
               </a:rPr>
-              <a:t>DevOps – Continuous integration/delivery/deployment</a:t>
-            </a:r>
+              <a:t>DevOps – Implementing Example</a:t>
+            </a:r>
+          </a:p>
+        </p:txBody>
+      </p:sp>
+      <p:sp>
+        <p:nvSpPr>
+          <p:cNvPr id="4" name="Content Placeholder 3">
+            <a:extLst>
+              <a:ext uri="{FF2B5EF4-FFF2-40B4-BE49-F238E27FC236}">
+                <a16:creationId xmlns:a16="http://schemas.microsoft.com/office/drawing/2014/main" xmlns="" id="{3053F7BE-E9DC-4410-A84E-C692A9F3D1B0}"/>
+              </a:ext>
+            </a:extLst>
+          </p:cNvPr>
+          <p:cNvSpPr>
+            <a:spLocks noGrp="1"/>
+          </p:cNvSpPr>
+          <p:nvPr>
+            <p:ph idx="1"/>
+          </p:nvPr>
+        </p:nvSpPr>
+        <p:spPr>
+          <a:xfrm>
+            <a:off x="643468" y="2638044"/>
+            <a:ext cx="3363974" cy="3415622"/>
+          </a:xfrm>
+        </p:spPr>
+        <p:txBody>
+          <a:bodyPr>
+            <a:normAutofit/>
+          </a:bodyPr>
+          <a:lstStyle/>
+          <a:p>
+            <a:endParaRPr lang="en-US" sz="2000">
+              <a:solidFill>
+                <a:schemeClr val="bg1"/>
+              </a:solidFill>
+            </a:endParaRPr>
           </a:p>
         </p:txBody>
       </p:sp>
       <p:pic>
         <p:nvPicPr>
-          <p:cNvPr id="2" name="Content Placeholder 1" descr="A screenshot of a cell phone&#10;&#10;Description generated with very high confidence">
+          <p:cNvPr id="6" name="Picture 5">
             <a:extLst>
               <a:ext uri="{FF2B5EF4-FFF2-40B4-BE49-F238E27FC236}">
-                <a16:creationId xmlns:a16="http://schemas.microsoft.com/office/drawing/2014/main" id="{B9451D6E-534A-4AB1-82DA-93648BBE059E}"/>
+                <a16:creationId xmlns:a16="http://schemas.microsoft.com/office/drawing/2014/main" xmlns="" id="{B01EBFE2-E74A-48EB-9A1B-D932FD403A87}"/>
               </a:ext>
             </a:extLst>
           </p:cNvPr>
           <p:cNvPicPr>
-            <a:picLocks noGrp="1" noChangeAspect="1"/>
+            <a:picLocks noChangeAspect="1"/>
           </p:cNvPicPr>
-          <p:nvPr>
-            <p:ph idx="1"/>
-          </p:nvPr>
+          <p:nvPr/>
         </p:nvPicPr>
         <p:blipFill>
           <a:blip r:embed="rId3"/>
@@ -8196,8 +8253,8 @@
         </p:blipFill>
         <p:spPr>
           <a:xfrm>
-            <a:off x="1745309" y="1675227"/>
-            <a:ext cx="8701382" cy="4394199"/>
+            <a:off x="4832814" y="545261"/>
+            <a:ext cx="6899403" cy="5390590"/>
           </a:xfrm>
           <a:prstGeom prst="rect">
             <a:avLst/>
@@ -8221,7 +8278,7 @@
           </a:xfrm>
         </p:spPr>
         <p:txBody>
-          <a:bodyPr vert="horz" lIns="91440" tIns="45720" rIns="91440" bIns="45720" rtlCol="0" anchor="ctr">
+          <a:bodyPr>
             <a:normAutofit/>
           </a:bodyPr>
           <a:lstStyle/>
@@ -8232,15 +8289,27 @@
               </a:spcAft>
             </a:pPr>
             <a:fld id="{EB798BFA-0A12-4E3A-85B7-D5C3D7F3C007}" type="datetime1">
-              <a:rPr lang="en-US" smtClean="0"/>
+              <a:rPr lang="en-US">
+                <a:solidFill>
+                  <a:schemeClr val="bg1">
+                    <a:alpha val="80000"/>
+                  </a:schemeClr>
+                </a:solidFill>
+              </a:rPr>
               <a:pPr>
                 <a:spcAft>
                   <a:spcPts val="600"/>
                 </a:spcAft>
               </a:pPr>
-              <a:t>5/2/2019</a:t>
+              <a:t>5/4/2019</a:t>
             </a:fld>
-            <a:endParaRPr lang="en-US"/>
+            <a:endParaRPr lang="en-US">
+              <a:solidFill>
+                <a:schemeClr val="bg1">
+                  <a:alpha val="80000"/>
+                </a:schemeClr>
+              </a:solidFill>
+            </a:endParaRPr>
           </a:p>
         </p:txBody>
       </p:sp>
@@ -8256,31 +8325,28 @@
         </p:nvSpPr>
         <p:spPr>
           <a:xfrm>
-            <a:off x="4038600" y="6356350"/>
-            <a:ext cx="4114800" cy="365125"/>
+            <a:off x="5297762" y="6356350"/>
+            <a:ext cx="4579768" cy="365125"/>
           </a:xfrm>
         </p:spPr>
         <p:txBody>
-          <a:bodyPr vert="horz" lIns="91440" tIns="45720" rIns="91440" bIns="45720" rtlCol="0" anchor="ctr">
+          <a:bodyPr>
             <a:normAutofit/>
           </a:bodyPr>
           <a:lstStyle/>
           <a:p>
-            <a:pPr>
+            <a:pPr algn="l">
               <a:spcAft>
                 <a:spcPts val="600"/>
               </a:spcAft>
             </a:pPr>
             <a:r>
-              <a:rPr lang="en-US" kern="1200">
+              <a:rPr lang="en-US">
                 <a:solidFill>
                   <a:schemeClr val="tx1">
-                    <a:tint val="75000"/>
+                    <a:alpha val="80000"/>
                   </a:schemeClr>
                 </a:solidFill>
-                <a:latin typeface="+mn-lt"/>
-                <a:ea typeface="+mn-ea"/>
-                <a:cs typeface="+mn-cs"/>
               </a:rPr>
               <a:t>Tenses</a:t>
             </a:r>
@@ -8299,12 +8365,12 @@
         </p:nvSpPr>
         <p:spPr>
           <a:xfrm>
-            <a:off x="8610600" y="6356350"/>
-            <a:ext cx="2743200" cy="365125"/>
+            <a:off x="10289512" y="6356350"/>
+            <a:ext cx="1064287" cy="365125"/>
           </a:xfrm>
         </p:spPr>
         <p:txBody>
-          <a:bodyPr vert="horz" lIns="91440" tIns="45720" rIns="91440" bIns="45720" rtlCol="0" anchor="ctr">
+          <a:bodyPr>
             <a:normAutofit/>
           </a:bodyPr>
           <a:lstStyle/>
@@ -8315,7 +8381,13 @@
               </a:spcAft>
             </a:pPr>
             <a:fld id="{BD37BEF6-ACC5-4387-AC71-99C0DDE89871}" type="slidenum">
-              <a:rPr lang="en-US" smtClean="0"/>
+              <a:rPr lang="en-US">
+                <a:solidFill>
+                  <a:schemeClr val="tx1">
+                    <a:alpha val="80000"/>
+                  </a:schemeClr>
+                </a:solidFill>
+              </a:rPr>
               <a:pPr>
                 <a:spcAft>
                   <a:spcPts val="600"/>
@@ -8323,14 +8395,20 @@
               </a:pPr>
               <a:t>13</a:t>
             </a:fld>
-            <a:endParaRPr lang="en-US"/>
+            <a:endParaRPr lang="en-US">
+              <a:solidFill>
+                <a:schemeClr val="tx1">
+                  <a:alpha val="80000"/>
+                </a:schemeClr>
+              </a:solidFill>
+            </a:endParaRPr>
           </a:p>
         </p:txBody>
       </p:sp>
     </p:spTree>
     <p:extLst>
       <p:ext uri="{BB962C8B-B14F-4D97-AF65-F5344CB8AC3E}">
-        <p14:creationId xmlns:p14="http://schemas.microsoft.com/office/powerpoint/2010/main" val="1082575327"/>
+        <p14:creationId xmlns:p14="http://schemas.microsoft.com/office/powerpoint/2010/main" xmlns="" val="2537417998"/>
       </p:ext>
     </p:extLst>
   </p:cSld>
@@ -8369,24 +8447,19 @@
         </p:nvSpPr>
         <p:spPr>
           <a:xfrm>
-            <a:off x="556532" y="643467"/>
-            <a:ext cx="11210925" cy="744836"/>
+            <a:off x="688571" y="284162"/>
+            <a:ext cx="10515600" cy="1325563"/>
           </a:xfrm>
         </p:spPr>
         <p:txBody>
-          <a:bodyPr vert="horz" lIns="91440" tIns="45720" rIns="91440" bIns="45720" rtlCol="0" anchor="ctr">
+          <a:bodyPr>
             <a:normAutofit/>
           </a:bodyPr>
           <a:lstStyle/>
           <a:p>
-            <a:pPr algn="ctr"/>
-            <a:r>
-              <a:rPr lang="en-US" sz="3200" kern="1200" dirty="0">
-                <a:latin typeface="+mj-lt"/>
-                <a:ea typeface="+mj-ea"/>
-                <a:cs typeface="+mj-cs"/>
-              </a:rPr>
-              <a:t>DevOps – Continuous integration/delivery/deployment</a:t>
+            <a:r>
+              <a:rPr lang="en-US" sz="4000" dirty="0"/>
+              <a:t>DevOps – Implementing Example</a:t>
             </a:r>
           </a:p>
         </p:txBody>
@@ -8401,33 +8474,17 @@
             <p:ph type="dt" sz="half" idx="10"/>
           </p:nvPr>
         </p:nvSpPr>
-        <p:spPr>
-          <a:xfrm>
-            <a:off x="838200" y="6356350"/>
-            <a:ext cx="2743200" cy="365125"/>
-          </a:xfrm>
-        </p:spPr>
-        <p:txBody>
-          <a:bodyPr vert="horz" lIns="91440" tIns="45720" rIns="91440" bIns="45720" rtlCol="0" anchor="ctr">
-            <a:normAutofit/>
-          </a:bodyPr>
-          <a:lstStyle/>
-          <a:p>
-            <a:pPr>
-              <a:spcAft>
-                <a:spcPts val="600"/>
-              </a:spcAft>
-            </a:pPr>
+        <p:spPr/>
+        <p:txBody>
+          <a:bodyPr/>
+          <a:lstStyle/>
+          <a:p>
             <a:fld id="{EB798BFA-0A12-4E3A-85B7-D5C3D7F3C007}" type="datetime1">
               <a:rPr lang="en-US" smtClean="0"/>
-              <a:pPr>
-                <a:spcAft>
-                  <a:spcPts val="600"/>
-                </a:spcAft>
-              </a:pPr>
-              <a:t>5/2/2019</a:t>
+              <a:pPr/>
+              <a:t>5/4/2019</a:t>
             </a:fld>
-            <a:endParaRPr lang="en-US"/>
+            <a:endParaRPr lang="en-US" dirty="0"/>
           </a:p>
         </p:txBody>
       </p:sp>
@@ -8441,34 +8498,13 @@
             <p:ph type="ftr" sz="quarter" idx="11"/>
           </p:nvPr>
         </p:nvSpPr>
-        <p:spPr>
-          <a:xfrm>
-            <a:off x="4038600" y="6356350"/>
-            <a:ext cx="4114800" cy="365125"/>
-          </a:xfrm>
-        </p:spPr>
-        <p:txBody>
-          <a:bodyPr vert="horz" lIns="91440" tIns="45720" rIns="91440" bIns="45720" rtlCol="0" anchor="ctr">
-            <a:normAutofit/>
-          </a:bodyPr>
-          <a:lstStyle/>
-          <a:p>
-            <a:pPr>
-              <a:spcAft>
-                <a:spcPts val="600"/>
-              </a:spcAft>
-            </a:pPr>
-            <a:r>
-              <a:rPr lang="en-US" kern="1200">
-                <a:solidFill>
-                  <a:schemeClr val="tx1">
-                    <a:tint val="75000"/>
-                  </a:schemeClr>
-                </a:solidFill>
-                <a:latin typeface="+mn-lt"/>
-                <a:ea typeface="+mn-ea"/>
-                <a:cs typeface="+mn-cs"/>
-              </a:rPr>
+        <p:spPr/>
+        <p:txBody>
+          <a:bodyPr/>
+          <a:lstStyle/>
+          <a:p>
+            <a:r>
+              <a:rPr lang="en-US" dirty="0"/>
               <a:t>Tenses</a:t>
             </a:r>
           </a:p>
@@ -8484,33 +8520,17 @@
             <p:ph type="sldNum" sz="quarter" idx="12"/>
           </p:nvPr>
         </p:nvSpPr>
-        <p:spPr>
-          <a:xfrm>
-            <a:off x="8610600" y="6356350"/>
-            <a:ext cx="2743200" cy="365125"/>
-          </a:xfrm>
-        </p:spPr>
-        <p:txBody>
-          <a:bodyPr vert="horz" lIns="91440" tIns="45720" rIns="91440" bIns="45720" rtlCol="0" anchor="ctr">
-            <a:normAutofit/>
-          </a:bodyPr>
-          <a:lstStyle/>
-          <a:p>
-            <a:pPr>
-              <a:spcAft>
-                <a:spcPts val="600"/>
-              </a:spcAft>
-            </a:pPr>
+        <p:spPr/>
+        <p:txBody>
+          <a:bodyPr/>
+          <a:lstStyle/>
+          <a:p>
             <a:fld id="{BD37BEF6-ACC5-4387-AC71-99C0DDE89871}" type="slidenum">
               <a:rPr lang="en-US" smtClean="0"/>
-              <a:pPr>
-                <a:spcAft>
-                  <a:spcPts val="600"/>
-                </a:spcAft>
-              </a:pPr>
+              <a:pPr/>
               <a:t>14</a:t>
             </a:fld>
-            <a:endParaRPr lang="en-US"/>
+            <a:endParaRPr lang="en-US" dirty="0"/>
           </a:p>
         </p:txBody>
       </p:sp>
@@ -8519,7 +8539,7 @@
           <p:cNvPr id="4" name="Content Placeholder 3">
             <a:extLst>
               <a:ext uri="{FF2B5EF4-FFF2-40B4-BE49-F238E27FC236}">
-                <a16:creationId xmlns:a16="http://schemas.microsoft.com/office/drawing/2014/main" id="{F0FA50C9-34BF-4165-ABFE-91AE8E29EED1}"/>
+                <a16:creationId xmlns:a16="http://schemas.microsoft.com/office/drawing/2014/main" xmlns="" id="{D68A45E6-B069-47A5-B12B-C683F8E2E127}"/>
               </a:ext>
             </a:extLst>
           </p:cNvPr>
@@ -8532,42 +8552,17 @@
         </p:nvSpPr>
         <p:spPr/>
         <p:txBody>
-          <a:bodyPr>
-            <a:normAutofit/>
-          </a:bodyPr>
-          <a:lstStyle/>
-          <a:p>
-            <a:r>
-              <a:rPr lang="en-US" sz="2400" dirty="0"/>
-              <a:t>Code + UT + ST = </a:t>
-            </a:r>
-            <a:r>
-              <a:rPr lang="en-US" sz="2400" dirty="0" err="1"/>
-              <a:t>Continous</a:t>
-            </a:r>
-            <a:r>
-              <a:rPr lang="en-US" sz="2400" dirty="0"/>
-              <a:t> Integration</a:t>
-            </a:r>
-          </a:p>
-          <a:p>
-            <a:r>
-              <a:rPr lang="en-US" sz="2400" dirty="0"/>
-              <a:t>Continuous Integration + Acceptance testing = Continuous Delivery</a:t>
-            </a:r>
-          </a:p>
-          <a:p>
-            <a:r>
-              <a:rPr lang="en-US" sz="2400" dirty="0"/>
-              <a:t>Continuous Delivery + Deploy to Production = Continuous Deployment</a:t>
-            </a:r>
+          <a:bodyPr/>
+          <a:lstStyle/>
+          <a:p>
+            <a:endParaRPr lang="en-US" dirty="0"/>
           </a:p>
         </p:txBody>
       </p:sp>
     </p:spTree>
     <p:extLst>
       <p:ext uri="{BB962C8B-B14F-4D97-AF65-F5344CB8AC3E}">
-        <p14:creationId xmlns:p14="http://schemas.microsoft.com/office/powerpoint/2010/main" val="747138875"/>
+        <p14:creationId xmlns:p14="http://schemas.microsoft.com/office/powerpoint/2010/main" xmlns="" val="2424301351"/>
       </p:ext>
     </p:extLst>
   </p:cSld>
@@ -8604,13 +8599,13 @@
       </p:grpSpPr>
       <p:sp>
         <p:nvSpPr>
-          <p:cNvPr id="18" name="Rectangle 13">
+          <p:cNvPr id="14" name="Rectangle 13">
             <a:extLst>
               <a:ext uri="{FF2B5EF4-FFF2-40B4-BE49-F238E27FC236}">
-                <a16:creationId xmlns:a16="http://schemas.microsoft.com/office/drawing/2014/main" id="{A4AC5506-6312-4701-8D3C-40187889A947}"/>
+                <a16:creationId xmlns:a16="http://schemas.microsoft.com/office/drawing/2014/main" xmlns="" id="{A4AC5506-6312-4701-8D3C-40187889A947}"/>
               </a:ext>
               <a:ext uri="{C183D7F6-B498-43B3-948B-1728B52AA6E4}">
-                <adec:decorative xmlns:adec="http://schemas.microsoft.com/office/drawing/2017/decorative" val="1"/>
+                <adec:decorative xmlns:adec="http://schemas.microsoft.com/office/drawing/2017/decorative" xmlns="" val="1"/>
               </a:ext>
             </a:extLst>
           </p:cNvPr>
@@ -8620,7 +8615,7 @@
           <p:nvPr>
             <p:extLst>
               <p:ext uri="{386F3935-93C4-4BCD-93E2-E3B085C9AB24}">
-                <p16:designElem xmlns:p16="http://schemas.microsoft.com/office/powerpoint/2015/main" val="1"/>
+                <p16:designElem xmlns:p16="http://schemas.microsoft.com/office/powerpoint/2015/main" xmlns="" val="1"/>
               </p:ext>
             </p:extLst>
           </p:nvPr>
@@ -8697,7 +8692,7 @@
                 <a:ea typeface="+mj-ea"/>
                 <a:cs typeface="+mj-cs"/>
               </a:rPr>
-              <a:t>DevOps – CI Pipeline</a:t>
+              <a:t>DevOps – Continuous integration/delivery/deployment</a:t>
             </a:r>
           </a:p>
         </p:txBody>
@@ -8707,7 +8702,7 @@
           <p:cNvPr id="2" name="Content Placeholder 1" descr="A screenshot of a cell phone&#10;&#10;Description generated with very high confidence">
             <a:extLst>
               <a:ext uri="{FF2B5EF4-FFF2-40B4-BE49-F238E27FC236}">
-                <a16:creationId xmlns:a16="http://schemas.microsoft.com/office/drawing/2014/main" id="{31A1334A-D5F8-466A-9786-4C5FF61C58E2}"/>
+                <a16:creationId xmlns:a16="http://schemas.microsoft.com/office/drawing/2014/main" xmlns="" id="{B9451D6E-534A-4AB1-82DA-93648BBE059E}"/>
               </a:ext>
             </a:extLst>
           </p:cNvPr>
@@ -8726,8 +8721,8 @@
         </p:blipFill>
         <p:spPr>
           <a:xfrm>
-            <a:off x="1518708" y="1675227"/>
-            <a:ext cx="9154583" cy="4394199"/>
+            <a:off x="1745309" y="1675227"/>
+            <a:ext cx="8701382" cy="4394199"/>
           </a:xfrm>
           <a:prstGeom prst="rect">
             <a:avLst/>
@@ -8768,7 +8763,7 @@
                   <a:spcPts val="600"/>
                 </a:spcAft>
               </a:pPr>
-              <a:t>5/2/2019</a:t>
+              <a:t>5/4/2019</a:t>
             </a:fld>
             <a:endParaRPr lang="en-US"/>
           </a:p>
@@ -8860,7 +8855,7 @@
     </p:spTree>
     <p:extLst>
       <p:ext uri="{BB962C8B-B14F-4D97-AF65-F5344CB8AC3E}">
-        <p14:creationId xmlns:p14="http://schemas.microsoft.com/office/powerpoint/2010/main" val="1215374581"/>
+        <p14:creationId xmlns:p14="http://schemas.microsoft.com/office/powerpoint/2010/main" xmlns="" val="1082575327"/>
       </p:ext>
     </p:extLst>
   </p:cSld>
@@ -8871,6 +8866,243 @@
 </file>
 
 <file path=ppt/slides/slide16.xml><?xml version="1.0" encoding="utf-8"?>
+<p:sld xmlns:a="http://schemas.openxmlformats.org/drawingml/2006/main" xmlns:r="http://schemas.openxmlformats.org/officeDocument/2006/relationships" xmlns:p="http://schemas.openxmlformats.org/presentationml/2006/main">
+  <p:cSld>
+    <p:spTree>
+      <p:nvGrpSpPr>
+        <p:cNvPr id="1" name=""/>
+        <p:cNvGrpSpPr/>
+        <p:nvPr/>
+      </p:nvGrpSpPr>
+      <p:grpSpPr>
+        <a:xfrm>
+          <a:off x="0" y="0"/>
+          <a:ext cx="0" cy="0"/>
+          <a:chOff x="0" y="0"/>
+          <a:chExt cx="0" cy="0"/>
+        </a:xfrm>
+      </p:grpSpPr>
+      <p:sp>
+        <p:nvSpPr>
+          <p:cNvPr id="5" name="Title 4"/>
+          <p:cNvSpPr>
+            <a:spLocks noGrp="1"/>
+          </p:cNvSpPr>
+          <p:nvPr>
+            <p:ph type="title"/>
+          </p:nvPr>
+        </p:nvSpPr>
+        <p:spPr>
+          <a:xfrm>
+            <a:off x="556532" y="643467"/>
+            <a:ext cx="11210925" cy="744836"/>
+          </a:xfrm>
+        </p:spPr>
+        <p:txBody>
+          <a:bodyPr vert="horz" lIns="91440" tIns="45720" rIns="91440" bIns="45720" rtlCol="0" anchor="ctr">
+            <a:normAutofit/>
+          </a:bodyPr>
+          <a:lstStyle/>
+          <a:p>
+            <a:pPr algn="ctr"/>
+            <a:r>
+              <a:rPr lang="en-US" sz="3200" kern="1200" dirty="0">
+                <a:latin typeface="+mj-lt"/>
+                <a:ea typeface="+mj-ea"/>
+                <a:cs typeface="+mj-cs"/>
+              </a:rPr>
+              <a:t>DevOps – Continuous integration/delivery/deployment</a:t>
+            </a:r>
+          </a:p>
+        </p:txBody>
+      </p:sp>
+      <p:sp>
+        <p:nvSpPr>
+          <p:cNvPr id="7" name="Date Placeholder 6"/>
+          <p:cNvSpPr>
+            <a:spLocks noGrp="1"/>
+          </p:cNvSpPr>
+          <p:nvPr>
+            <p:ph type="dt" sz="half" idx="10"/>
+          </p:nvPr>
+        </p:nvSpPr>
+        <p:spPr>
+          <a:xfrm>
+            <a:off x="838200" y="6356350"/>
+            <a:ext cx="2743200" cy="365125"/>
+          </a:xfrm>
+        </p:spPr>
+        <p:txBody>
+          <a:bodyPr vert="horz" lIns="91440" tIns="45720" rIns="91440" bIns="45720" rtlCol="0" anchor="ctr">
+            <a:normAutofit/>
+          </a:bodyPr>
+          <a:lstStyle/>
+          <a:p>
+            <a:pPr>
+              <a:spcAft>
+                <a:spcPts val="600"/>
+              </a:spcAft>
+            </a:pPr>
+            <a:fld id="{EB798BFA-0A12-4E3A-85B7-D5C3D7F3C007}" type="datetime1">
+              <a:rPr lang="en-US" smtClean="0"/>
+              <a:pPr>
+                <a:spcAft>
+                  <a:spcPts val="600"/>
+                </a:spcAft>
+              </a:pPr>
+              <a:t>5/4/2019</a:t>
+            </a:fld>
+            <a:endParaRPr lang="en-US"/>
+          </a:p>
+        </p:txBody>
+      </p:sp>
+      <p:sp>
+        <p:nvSpPr>
+          <p:cNvPr id="8" name="Footer Placeholder 7"/>
+          <p:cNvSpPr>
+            <a:spLocks noGrp="1"/>
+          </p:cNvSpPr>
+          <p:nvPr>
+            <p:ph type="ftr" sz="quarter" idx="11"/>
+          </p:nvPr>
+        </p:nvSpPr>
+        <p:spPr>
+          <a:xfrm>
+            <a:off x="4038600" y="6356350"/>
+            <a:ext cx="4114800" cy="365125"/>
+          </a:xfrm>
+        </p:spPr>
+        <p:txBody>
+          <a:bodyPr vert="horz" lIns="91440" tIns="45720" rIns="91440" bIns="45720" rtlCol="0" anchor="ctr">
+            <a:normAutofit/>
+          </a:bodyPr>
+          <a:lstStyle/>
+          <a:p>
+            <a:pPr>
+              <a:spcAft>
+                <a:spcPts val="600"/>
+              </a:spcAft>
+            </a:pPr>
+            <a:r>
+              <a:rPr lang="en-US" kern="1200">
+                <a:solidFill>
+                  <a:schemeClr val="tx1">
+                    <a:tint val="75000"/>
+                  </a:schemeClr>
+                </a:solidFill>
+                <a:latin typeface="+mn-lt"/>
+                <a:ea typeface="+mn-ea"/>
+                <a:cs typeface="+mn-cs"/>
+              </a:rPr>
+              <a:t>Tenses</a:t>
+            </a:r>
+          </a:p>
+        </p:txBody>
+      </p:sp>
+      <p:sp>
+        <p:nvSpPr>
+          <p:cNvPr id="9" name="Slide Number Placeholder 8"/>
+          <p:cNvSpPr>
+            <a:spLocks noGrp="1"/>
+          </p:cNvSpPr>
+          <p:nvPr>
+            <p:ph type="sldNum" sz="quarter" idx="12"/>
+          </p:nvPr>
+        </p:nvSpPr>
+        <p:spPr>
+          <a:xfrm>
+            <a:off x="8610600" y="6356350"/>
+            <a:ext cx="2743200" cy="365125"/>
+          </a:xfrm>
+        </p:spPr>
+        <p:txBody>
+          <a:bodyPr vert="horz" lIns="91440" tIns="45720" rIns="91440" bIns="45720" rtlCol="0" anchor="ctr">
+            <a:normAutofit/>
+          </a:bodyPr>
+          <a:lstStyle/>
+          <a:p>
+            <a:pPr>
+              <a:spcAft>
+                <a:spcPts val="600"/>
+              </a:spcAft>
+            </a:pPr>
+            <a:fld id="{BD37BEF6-ACC5-4387-AC71-99C0DDE89871}" type="slidenum">
+              <a:rPr lang="en-US" smtClean="0"/>
+              <a:pPr>
+                <a:spcAft>
+                  <a:spcPts val="600"/>
+                </a:spcAft>
+              </a:pPr>
+              <a:t>16</a:t>
+            </a:fld>
+            <a:endParaRPr lang="en-US"/>
+          </a:p>
+        </p:txBody>
+      </p:sp>
+      <p:sp>
+        <p:nvSpPr>
+          <p:cNvPr id="4" name="Content Placeholder 3">
+            <a:extLst>
+              <a:ext uri="{FF2B5EF4-FFF2-40B4-BE49-F238E27FC236}">
+                <a16:creationId xmlns:a16="http://schemas.microsoft.com/office/drawing/2014/main" xmlns="" id="{F0FA50C9-34BF-4165-ABFE-91AE8E29EED1}"/>
+              </a:ext>
+            </a:extLst>
+          </p:cNvPr>
+          <p:cNvSpPr>
+            <a:spLocks noGrp="1"/>
+          </p:cNvSpPr>
+          <p:nvPr>
+            <p:ph idx="1"/>
+          </p:nvPr>
+        </p:nvSpPr>
+        <p:spPr/>
+        <p:txBody>
+          <a:bodyPr>
+            <a:normAutofit/>
+          </a:bodyPr>
+          <a:lstStyle/>
+          <a:p>
+            <a:r>
+              <a:rPr lang="en-US" sz="2400" dirty="0"/>
+              <a:t>Code + UT + ST = </a:t>
+            </a:r>
+            <a:r>
+              <a:rPr lang="en-US" sz="2400" dirty="0" err="1"/>
+              <a:t>Continous</a:t>
+            </a:r>
+            <a:r>
+              <a:rPr lang="en-US" sz="2400" dirty="0"/>
+              <a:t> Integration</a:t>
+            </a:r>
+          </a:p>
+          <a:p>
+            <a:r>
+              <a:rPr lang="en-US" sz="2400" dirty="0"/>
+              <a:t>Continuous Integration + Acceptance testing = Continuous Delivery</a:t>
+            </a:r>
+          </a:p>
+          <a:p>
+            <a:r>
+              <a:rPr lang="en-US" sz="2400" dirty="0"/>
+              <a:t>Continuous Delivery + Deploy to Production = Continuous Deployment</a:t>
+            </a:r>
+          </a:p>
+        </p:txBody>
+      </p:sp>
+    </p:spTree>
+    <p:extLst>
+      <p:ext uri="{BB962C8B-B14F-4D97-AF65-F5344CB8AC3E}">
+        <p14:creationId xmlns:p14="http://schemas.microsoft.com/office/powerpoint/2010/main" xmlns="" val="747138875"/>
+      </p:ext>
+    </p:extLst>
+  </p:cSld>
+  <p:clrMapOvr>
+    <a:masterClrMapping/>
+  </p:clrMapOvr>
+</p:sld>
+</file>
+
+<file path=ppt/slides/slide17.xml><?xml version="1.0" encoding="utf-8"?>
 <p:sld xmlns:a="http://schemas.openxmlformats.org/drawingml/2006/main" xmlns:r="http://schemas.openxmlformats.org/officeDocument/2006/relationships" xmlns:p="http://schemas.openxmlformats.org/presentationml/2006/main">
   <p:cSld>
     <p:bg>
@@ -8897,6 +9129,299 @@
       </p:grpSpPr>
       <p:sp>
         <p:nvSpPr>
+          <p:cNvPr id="18" name="Rectangle 13">
+            <a:extLst>
+              <a:ext uri="{FF2B5EF4-FFF2-40B4-BE49-F238E27FC236}">
+                <a16:creationId xmlns:a16="http://schemas.microsoft.com/office/drawing/2014/main" xmlns="" id="{A4AC5506-6312-4701-8D3C-40187889A947}"/>
+              </a:ext>
+              <a:ext uri="{C183D7F6-B498-43B3-948B-1728B52AA6E4}">
+                <adec:decorative xmlns:adec="http://schemas.microsoft.com/office/drawing/2017/decorative" xmlns="" val="1"/>
+              </a:ext>
+            </a:extLst>
+          </p:cNvPr>
+          <p:cNvSpPr>
+            <a:spLocks noGrp="1" noRot="1" noChangeAspect="1" noMove="1" noResize="1" noEditPoints="1" noAdjustHandles="1" noChangeArrowheads="1" noChangeShapeType="1" noTextEdit="1"/>
+          </p:cNvSpPr>
+          <p:nvPr>
+            <p:extLst>
+              <p:ext uri="{386F3935-93C4-4BCD-93E2-E3B085C9AB24}">
+                <p16:designElem xmlns:p16="http://schemas.microsoft.com/office/powerpoint/2015/main" xmlns="" val="1"/>
+              </p:ext>
+            </p:extLst>
+          </p:nvPr>
+        </p:nvSpPr>
+        <p:spPr>
+          <a:xfrm>
+            <a:off x="0" y="651752"/>
+            <a:ext cx="12192000" cy="736551"/>
+          </a:xfrm>
+          <a:prstGeom prst="rect">
+            <a:avLst/>
+          </a:prstGeom>
+          <a:solidFill>
+            <a:schemeClr val="tx1"/>
+          </a:solidFill>
+          <a:ln>
+            <a:noFill/>
+          </a:ln>
+        </p:spPr>
+        <p:style>
+          <a:lnRef idx="2">
+            <a:schemeClr val="accent1">
+              <a:shade val="50000"/>
+            </a:schemeClr>
+          </a:lnRef>
+          <a:fillRef idx="1">
+            <a:schemeClr val="accent1"/>
+          </a:fillRef>
+          <a:effectRef idx="0">
+            <a:schemeClr val="accent1"/>
+          </a:effectRef>
+          <a:fontRef idx="minor">
+            <a:schemeClr val="lt1"/>
+          </a:fontRef>
+        </p:style>
+        <p:txBody>
+          <a:bodyPr rtlCol="0" anchor="ctr"/>
+          <a:lstStyle/>
+          <a:p>
+            <a:pPr algn="ctr"/>
+            <a:endParaRPr lang="en-US"/>
+          </a:p>
+        </p:txBody>
+      </p:sp>
+      <p:sp>
+        <p:nvSpPr>
+          <p:cNvPr id="5" name="Title 4"/>
+          <p:cNvSpPr>
+            <a:spLocks noGrp="1"/>
+          </p:cNvSpPr>
+          <p:nvPr>
+            <p:ph type="title"/>
+          </p:nvPr>
+        </p:nvSpPr>
+        <p:spPr>
+          <a:xfrm>
+            <a:off x="556532" y="643467"/>
+            <a:ext cx="11210925" cy="744836"/>
+          </a:xfrm>
+        </p:spPr>
+        <p:txBody>
+          <a:bodyPr vert="horz" lIns="91440" tIns="45720" rIns="91440" bIns="45720" rtlCol="0" anchor="ctr">
+            <a:normAutofit/>
+          </a:bodyPr>
+          <a:lstStyle/>
+          <a:p>
+            <a:pPr algn="ctr"/>
+            <a:r>
+              <a:rPr lang="en-US" sz="3200" kern="1200">
+                <a:solidFill>
+                  <a:schemeClr val="bg1"/>
+                </a:solidFill>
+                <a:latin typeface="+mj-lt"/>
+                <a:ea typeface="+mj-ea"/>
+                <a:cs typeface="+mj-cs"/>
+              </a:rPr>
+              <a:t>DevOps – CI Pipeline</a:t>
+            </a:r>
+          </a:p>
+        </p:txBody>
+      </p:sp>
+      <p:pic>
+        <p:nvPicPr>
+          <p:cNvPr id="2" name="Content Placeholder 1" descr="A screenshot of a cell phone&#10;&#10;Description generated with very high confidence">
+            <a:extLst>
+              <a:ext uri="{FF2B5EF4-FFF2-40B4-BE49-F238E27FC236}">
+                <a16:creationId xmlns:a16="http://schemas.microsoft.com/office/drawing/2014/main" xmlns="" id="{31A1334A-D5F8-466A-9786-4C5FF61C58E2}"/>
+              </a:ext>
+            </a:extLst>
+          </p:cNvPr>
+          <p:cNvPicPr>
+            <a:picLocks noGrp="1" noChangeAspect="1"/>
+          </p:cNvPicPr>
+          <p:nvPr>
+            <p:ph idx="1"/>
+          </p:nvPr>
+        </p:nvPicPr>
+        <p:blipFill>
+          <a:blip r:embed="rId3"/>
+          <a:stretch>
+            <a:fillRect/>
+          </a:stretch>
+        </p:blipFill>
+        <p:spPr>
+          <a:xfrm>
+            <a:off x="1518708" y="1675227"/>
+            <a:ext cx="9154583" cy="4394199"/>
+          </a:xfrm>
+          <a:prstGeom prst="rect">
+            <a:avLst/>
+          </a:prstGeom>
+        </p:spPr>
+      </p:pic>
+      <p:sp>
+        <p:nvSpPr>
+          <p:cNvPr id="7" name="Date Placeholder 6"/>
+          <p:cNvSpPr>
+            <a:spLocks noGrp="1"/>
+          </p:cNvSpPr>
+          <p:nvPr>
+            <p:ph type="dt" sz="half" idx="10"/>
+          </p:nvPr>
+        </p:nvSpPr>
+        <p:spPr>
+          <a:xfrm>
+            <a:off x="838200" y="6356350"/>
+            <a:ext cx="2743200" cy="365125"/>
+          </a:xfrm>
+        </p:spPr>
+        <p:txBody>
+          <a:bodyPr vert="horz" lIns="91440" tIns="45720" rIns="91440" bIns="45720" rtlCol="0" anchor="ctr">
+            <a:normAutofit/>
+          </a:bodyPr>
+          <a:lstStyle/>
+          <a:p>
+            <a:pPr>
+              <a:spcAft>
+                <a:spcPts val="600"/>
+              </a:spcAft>
+            </a:pPr>
+            <a:fld id="{EB798BFA-0A12-4E3A-85B7-D5C3D7F3C007}" type="datetime1">
+              <a:rPr lang="en-US" smtClean="0"/>
+              <a:pPr>
+                <a:spcAft>
+                  <a:spcPts val="600"/>
+                </a:spcAft>
+              </a:pPr>
+              <a:t>5/4/2019</a:t>
+            </a:fld>
+            <a:endParaRPr lang="en-US"/>
+          </a:p>
+        </p:txBody>
+      </p:sp>
+      <p:sp>
+        <p:nvSpPr>
+          <p:cNvPr id="8" name="Footer Placeholder 7"/>
+          <p:cNvSpPr>
+            <a:spLocks noGrp="1"/>
+          </p:cNvSpPr>
+          <p:nvPr>
+            <p:ph type="ftr" sz="quarter" idx="11"/>
+          </p:nvPr>
+        </p:nvSpPr>
+        <p:spPr>
+          <a:xfrm>
+            <a:off x="4038600" y="6356350"/>
+            <a:ext cx="4114800" cy="365125"/>
+          </a:xfrm>
+        </p:spPr>
+        <p:txBody>
+          <a:bodyPr vert="horz" lIns="91440" tIns="45720" rIns="91440" bIns="45720" rtlCol="0" anchor="ctr">
+            <a:normAutofit/>
+          </a:bodyPr>
+          <a:lstStyle/>
+          <a:p>
+            <a:pPr>
+              <a:spcAft>
+                <a:spcPts val="600"/>
+              </a:spcAft>
+            </a:pPr>
+            <a:r>
+              <a:rPr lang="en-US" kern="1200">
+                <a:solidFill>
+                  <a:schemeClr val="tx1">
+                    <a:tint val="75000"/>
+                  </a:schemeClr>
+                </a:solidFill>
+                <a:latin typeface="+mn-lt"/>
+                <a:ea typeface="+mn-ea"/>
+                <a:cs typeface="+mn-cs"/>
+              </a:rPr>
+              <a:t>Tenses</a:t>
+            </a:r>
+          </a:p>
+        </p:txBody>
+      </p:sp>
+      <p:sp>
+        <p:nvSpPr>
+          <p:cNvPr id="9" name="Slide Number Placeholder 8"/>
+          <p:cNvSpPr>
+            <a:spLocks noGrp="1"/>
+          </p:cNvSpPr>
+          <p:nvPr>
+            <p:ph type="sldNum" sz="quarter" idx="12"/>
+          </p:nvPr>
+        </p:nvSpPr>
+        <p:spPr>
+          <a:xfrm>
+            <a:off x="8610600" y="6356350"/>
+            <a:ext cx="2743200" cy="365125"/>
+          </a:xfrm>
+        </p:spPr>
+        <p:txBody>
+          <a:bodyPr vert="horz" lIns="91440" tIns="45720" rIns="91440" bIns="45720" rtlCol="0" anchor="ctr">
+            <a:normAutofit/>
+          </a:bodyPr>
+          <a:lstStyle/>
+          <a:p>
+            <a:pPr>
+              <a:spcAft>
+                <a:spcPts val="600"/>
+              </a:spcAft>
+            </a:pPr>
+            <a:fld id="{BD37BEF6-ACC5-4387-AC71-99C0DDE89871}" type="slidenum">
+              <a:rPr lang="en-US" smtClean="0"/>
+              <a:pPr>
+                <a:spcAft>
+                  <a:spcPts val="600"/>
+                </a:spcAft>
+              </a:pPr>
+              <a:t>17</a:t>
+            </a:fld>
+            <a:endParaRPr lang="en-US"/>
+          </a:p>
+        </p:txBody>
+      </p:sp>
+    </p:spTree>
+    <p:extLst>
+      <p:ext uri="{BB962C8B-B14F-4D97-AF65-F5344CB8AC3E}">
+        <p14:creationId xmlns:p14="http://schemas.microsoft.com/office/powerpoint/2010/main" xmlns="" val="1215374581"/>
+      </p:ext>
+    </p:extLst>
+  </p:cSld>
+  <p:clrMapOvr>
+    <a:masterClrMapping/>
+  </p:clrMapOvr>
+</p:sld>
+</file>
+
+<file path=ppt/slides/slide18.xml><?xml version="1.0" encoding="utf-8"?>
+<p:sld xmlns:a="http://schemas.openxmlformats.org/drawingml/2006/main" xmlns:r="http://schemas.openxmlformats.org/officeDocument/2006/relationships" xmlns:p="http://schemas.openxmlformats.org/presentationml/2006/main">
+  <p:cSld>
+    <p:bg>
+      <p:bgPr>
+        <a:solidFill>
+          <a:schemeClr val="bg1"/>
+        </a:solidFill>
+        <a:effectLst/>
+      </p:bgPr>
+    </p:bg>
+    <p:spTree>
+      <p:nvGrpSpPr>
+        <p:cNvPr id="1" name=""/>
+        <p:cNvGrpSpPr/>
+        <p:nvPr/>
+      </p:nvGrpSpPr>
+      <p:grpSpPr>
+        <a:xfrm>
+          <a:off x="0" y="0"/>
+          <a:ext cx="0" cy="0"/>
+          <a:chOff x="0" y="0"/>
+          <a:chExt cx="0" cy="0"/>
+        </a:xfrm>
+      </p:grpSpPr>
+      <p:sp>
+        <p:nvSpPr>
           <p:cNvPr id="5" name="Title 4"/>
           <p:cNvSpPr>
             <a:spLocks noGrp="1"/>
@@ -8933,7 +9458,7 @@
           <p:cNvPr id="29" name="Content Placeholder 9">
             <a:extLst>
               <a:ext uri="{FF2B5EF4-FFF2-40B4-BE49-F238E27FC236}">
-                <a16:creationId xmlns:a16="http://schemas.microsoft.com/office/drawing/2014/main" id="{BA402F63-2C71-421A-B864-70616EC01B40}"/>
+                <a16:creationId xmlns:a16="http://schemas.microsoft.com/office/drawing/2014/main" xmlns="" id="{BA402F63-2C71-421A-B864-70616EC01B40}"/>
               </a:ext>
             </a:extLst>
           </p:cNvPr>
@@ -9059,7 +9584,7 @@
                   <a:spcPts val="600"/>
                 </a:spcAft>
               </a:pPr>
-              <a:t>5/2/2019</a:t>
+              <a:t>5/4/2019</a:t>
             </a:fld>
             <a:endParaRPr lang="en-US">
               <a:solidFill>
@@ -9157,7 +9682,7 @@
                   <a:spcPts val="600"/>
                 </a:spcAft>
               </a:pPr>
-              <a:t>16</a:t>
+              <a:t>18</a:t>
             </a:fld>
             <a:endParaRPr lang="en-US">
               <a:solidFill>
@@ -9173,354 +9698,7 @@
     </p:spTree>
     <p:extLst>
       <p:ext uri="{BB962C8B-B14F-4D97-AF65-F5344CB8AC3E}">
-        <p14:creationId xmlns:p14="http://schemas.microsoft.com/office/powerpoint/2010/main" val="3846518650"/>
-      </p:ext>
-    </p:extLst>
-  </p:cSld>
-  <p:clrMapOvr>
-    <a:masterClrMapping/>
-  </p:clrMapOvr>
-</p:sld>
-</file>
-
-<file path=ppt/slides/slide17.xml><?xml version="1.0" encoding="utf-8"?>
-<p:sld xmlns:a="http://schemas.openxmlformats.org/drawingml/2006/main" xmlns:r="http://schemas.openxmlformats.org/officeDocument/2006/relationships" xmlns:p="http://schemas.openxmlformats.org/presentationml/2006/main">
-  <p:cSld>
-    <p:spTree>
-      <p:nvGrpSpPr>
-        <p:cNvPr id="1" name=""/>
-        <p:cNvGrpSpPr/>
-        <p:nvPr/>
-      </p:nvGrpSpPr>
-      <p:grpSpPr>
-        <a:xfrm>
-          <a:off x="0" y="0"/>
-          <a:ext cx="0" cy="0"/>
-          <a:chOff x="0" y="0"/>
-          <a:chExt cx="0" cy="0"/>
-        </a:xfrm>
-      </p:grpSpPr>
-      <p:sp>
-        <p:nvSpPr>
-          <p:cNvPr id="2" name="Title 1"/>
-          <p:cNvSpPr>
-            <a:spLocks noGrp="1"/>
-          </p:cNvSpPr>
-          <p:nvPr>
-            <p:ph type="ctrTitle"/>
-          </p:nvPr>
-        </p:nvSpPr>
-        <p:spPr/>
-        <p:txBody>
-          <a:bodyPr>
-            <a:normAutofit/>
-          </a:bodyPr>
-          <a:lstStyle/>
-          <a:p>
-            <a:r>
-              <a:rPr lang="en-US" sz="4000" dirty="0"/>
-              <a:t>GIT</a:t>
-            </a:r>
-          </a:p>
-        </p:txBody>
-      </p:sp>
-      <p:sp>
-        <p:nvSpPr>
-          <p:cNvPr id="4" name="Date Placeholder 3"/>
-          <p:cNvSpPr>
-            <a:spLocks noGrp="1"/>
-          </p:cNvSpPr>
-          <p:nvPr>
-            <p:ph type="dt" sz="half" idx="10"/>
-          </p:nvPr>
-        </p:nvSpPr>
-        <p:spPr/>
-        <p:txBody>
-          <a:bodyPr/>
-          <a:lstStyle/>
-          <a:p>
-            <a:fld id="{7555CE78-1282-4767-95FA-CA032235F26F}" type="datetime1">
-              <a:rPr lang="en-US" smtClean="0"/>
-              <a:t>5/2/2019</a:t>
-            </a:fld>
-            <a:endParaRPr lang="en-US"/>
-          </a:p>
-        </p:txBody>
-      </p:sp>
-      <p:sp>
-        <p:nvSpPr>
-          <p:cNvPr id="6" name="Slide Number Placeholder 5"/>
-          <p:cNvSpPr>
-            <a:spLocks noGrp="1"/>
-          </p:cNvSpPr>
-          <p:nvPr>
-            <p:ph type="sldNum" sz="quarter" idx="12"/>
-          </p:nvPr>
-        </p:nvSpPr>
-        <p:spPr/>
-        <p:txBody>
-          <a:bodyPr/>
-          <a:lstStyle/>
-          <a:p>
-            <a:fld id="{BD37BEF6-ACC5-4387-AC71-99C0DDE89871}" type="slidenum">
-              <a:rPr lang="en-US" smtClean="0"/>
-              <a:t>17</a:t>
-            </a:fld>
-            <a:endParaRPr lang="en-US"/>
-          </a:p>
-        </p:txBody>
-      </p:sp>
-    </p:spTree>
-    <p:extLst>
-      <p:ext uri="{BB962C8B-B14F-4D97-AF65-F5344CB8AC3E}">
-        <p14:creationId xmlns:p14="http://schemas.microsoft.com/office/powerpoint/2010/main" val="4091359817"/>
-      </p:ext>
-    </p:extLst>
-  </p:cSld>
-  <p:clrMapOvr>
-    <a:masterClrMapping/>
-  </p:clrMapOvr>
-</p:sld>
-</file>
-
-<file path=ppt/slides/slide18.xml><?xml version="1.0" encoding="utf-8"?>
-<p:sld xmlns:a="http://schemas.openxmlformats.org/drawingml/2006/main" xmlns:r="http://schemas.openxmlformats.org/officeDocument/2006/relationships" xmlns:p="http://schemas.openxmlformats.org/presentationml/2006/main">
-  <p:cSld>
-    <p:spTree>
-      <p:nvGrpSpPr>
-        <p:cNvPr id="1" name=""/>
-        <p:cNvGrpSpPr/>
-        <p:nvPr/>
-      </p:nvGrpSpPr>
-      <p:grpSpPr>
-        <a:xfrm>
-          <a:off x="0" y="0"/>
-          <a:ext cx="0" cy="0"/>
-          <a:chOff x="0" y="0"/>
-          <a:chExt cx="0" cy="0"/>
-        </a:xfrm>
-      </p:grpSpPr>
-      <p:sp>
-        <p:nvSpPr>
-          <p:cNvPr id="5" name="Title 4"/>
-          <p:cNvSpPr>
-            <a:spLocks noGrp="1"/>
-          </p:cNvSpPr>
-          <p:nvPr>
-            <p:ph type="title"/>
-          </p:nvPr>
-        </p:nvSpPr>
-        <p:spPr>
-          <a:xfrm>
-            <a:off x="688571" y="284162"/>
-            <a:ext cx="10515600" cy="1325563"/>
-          </a:xfrm>
-        </p:spPr>
-        <p:txBody>
-          <a:bodyPr>
-            <a:normAutofit/>
-          </a:bodyPr>
-          <a:lstStyle/>
-          <a:p>
-            <a:r>
-              <a:rPr lang="en-US" sz="4000" dirty="0"/>
-              <a:t>GIT</a:t>
-            </a:r>
-          </a:p>
-        </p:txBody>
-      </p:sp>
-      <p:sp>
-        <p:nvSpPr>
-          <p:cNvPr id="6" name="Content Placeholder 5"/>
-          <p:cNvSpPr>
-            <a:spLocks noGrp="1"/>
-          </p:cNvSpPr>
-          <p:nvPr>
-            <p:ph idx="1"/>
-          </p:nvPr>
-        </p:nvSpPr>
-        <p:spPr>
-          <a:xfrm>
-            <a:off x="838200" y="1253331"/>
-            <a:ext cx="10515600" cy="4351338"/>
-          </a:xfrm>
-        </p:spPr>
-        <p:txBody>
-          <a:bodyPr>
-            <a:normAutofit fontScale="85000" lnSpcReduction="20000"/>
-          </a:bodyPr>
-          <a:lstStyle/>
-          <a:p>
-            <a:pPr fontAlgn="ctr"/>
-            <a:r>
-              <a:rPr lang="en-US" dirty="0"/>
-              <a:t>Distributed version control system</a:t>
-            </a:r>
-          </a:p>
-          <a:p>
-            <a:pPr fontAlgn="ctr"/>
-            <a:r>
-              <a:rPr lang="en-US" dirty="0"/>
-              <a:t>Created by Linus </a:t>
-            </a:r>
-            <a:r>
-              <a:rPr lang="en-US" dirty="0" err="1"/>
-              <a:t>Torvald</a:t>
-            </a:r>
-            <a:endParaRPr lang="en-US" dirty="0"/>
-          </a:p>
-          <a:p>
-            <a:pPr fontAlgn="ctr"/>
-            <a:r>
-              <a:rPr lang="en-US" dirty="0"/>
-              <a:t>Efficient in maintaining the version, and merging</a:t>
-            </a:r>
-          </a:p>
-          <a:p>
-            <a:pPr fontAlgn="ctr"/>
-            <a:r>
-              <a:rPr lang="en-US" dirty="0"/>
-              <a:t>Capabilities:</a:t>
-            </a:r>
-          </a:p>
-          <a:p>
-            <a:pPr lvl="1" fontAlgn="ctr"/>
-            <a:r>
-              <a:rPr lang="en-US" dirty="0"/>
-              <a:t>Maintain Version control</a:t>
-            </a:r>
-          </a:p>
-          <a:p>
-            <a:pPr lvl="1" fontAlgn="ctr"/>
-            <a:r>
-              <a:rPr lang="en-US" dirty="0"/>
-              <a:t>Versions with Branching </a:t>
-            </a:r>
-          </a:p>
-          <a:p>
-            <a:pPr lvl="1" fontAlgn="ctr"/>
-            <a:r>
-              <a:rPr lang="en-US" dirty="0"/>
-              <a:t>Merging in efficient way automatically</a:t>
-            </a:r>
-          </a:p>
-          <a:p>
-            <a:pPr lvl="1" fontAlgn="ctr"/>
-            <a:r>
-              <a:rPr lang="en-US" dirty="0"/>
-              <a:t>Can get the contributor files, and analyze and merge or reject the changes.</a:t>
-            </a:r>
-          </a:p>
-          <a:p>
-            <a:pPr lvl="1" fontAlgn="ctr"/>
-            <a:r>
-              <a:rPr lang="en-US" dirty="0"/>
-              <a:t>We can easily move to the previous versions</a:t>
-            </a:r>
-          </a:p>
-          <a:p>
-            <a:pPr fontAlgn="ctr"/>
-            <a:r>
-              <a:rPr lang="en-US" dirty="0"/>
-              <a:t>As it is distributed version control, the whole repository will reside on your machine. So that we can work on the changes with or without internet. When you are able to connected to server, you can sync with server.</a:t>
-            </a:r>
-          </a:p>
-          <a:p>
-            <a:pPr fontAlgn="ctr"/>
-            <a:r>
-              <a:rPr lang="en-US" dirty="0" err="1"/>
-              <a:t>Youtube</a:t>
-            </a:r>
-            <a:r>
-              <a:rPr lang="en-US" dirty="0"/>
-              <a:t>: </a:t>
-            </a:r>
-            <a:r>
-              <a:rPr lang="x-none" dirty="0">
-                <a:hlinkClick r:id="rId3"/>
-              </a:rPr>
-              <a:t>#0 Git Tutorial | What is Git? | Github</a:t>
-            </a:r>
-            <a:endParaRPr lang="x-none" dirty="0"/>
-          </a:p>
-          <a:p>
-            <a:pPr fontAlgn="ctr"/>
-            <a:endParaRPr lang="en-US" dirty="0"/>
-          </a:p>
-        </p:txBody>
-      </p:sp>
-      <p:sp>
-        <p:nvSpPr>
-          <p:cNvPr id="7" name="Date Placeholder 6"/>
-          <p:cNvSpPr>
-            <a:spLocks noGrp="1"/>
-          </p:cNvSpPr>
-          <p:nvPr>
-            <p:ph type="dt" sz="half" idx="10"/>
-          </p:nvPr>
-        </p:nvSpPr>
-        <p:spPr/>
-        <p:txBody>
-          <a:bodyPr/>
-          <a:lstStyle/>
-          <a:p>
-            <a:fld id="{EB798BFA-0A12-4E3A-85B7-D5C3D7F3C007}" type="datetime1">
-              <a:rPr lang="en-US" smtClean="0"/>
-              <a:t>5/2/2019</a:t>
-            </a:fld>
-            <a:endParaRPr lang="en-US" dirty="0"/>
-          </a:p>
-        </p:txBody>
-      </p:sp>
-      <p:sp>
-        <p:nvSpPr>
-          <p:cNvPr id="8" name="Footer Placeholder 7"/>
-          <p:cNvSpPr>
-            <a:spLocks noGrp="1"/>
-          </p:cNvSpPr>
-          <p:nvPr>
-            <p:ph type="ftr" sz="quarter" idx="11"/>
-          </p:nvPr>
-        </p:nvSpPr>
-        <p:spPr/>
-        <p:txBody>
-          <a:bodyPr/>
-          <a:lstStyle/>
-          <a:p>
-            <a:r>
-              <a:rPr lang="en-US" dirty="0"/>
-              <a:t>Tenses</a:t>
-            </a:r>
-          </a:p>
-        </p:txBody>
-      </p:sp>
-      <p:sp>
-        <p:nvSpPr>
-          <p:cNvPr id="9" name="Slide Number Placeholder 8"/>
-          <p:cNvSpPr>
-            <a:spLocks noGrp="1"/>
-          </p:cNvSpPr>
-          <p:nvPr>
-            <p:ph type="sldNum" sz="quarter" idx="12"/>
-          </p:nvPr>
-        </p:nvSpPr>
-        <p:spPr/>
-        <p:txBody>
-          <a:bodyPr/>
-          <a:lstStyle/>
-          <a:p>
-            <a:fld id="{BD37BEF6-ACC5-4387-AC71-99C0DDE89871}" type="slidenum">
-              <a:rPr lang="en-US" smtClean="0"/>
-              <a:t>18</a:t>
-            </a:fld>
-            <a:endParaRPr lang="en-US" dirty="0"/>
-          </a:p>
-        </p:txBody>
-      </p:sp>
-    </p:spTree>
-    <p:extLst>
-      <p:ext uri="{BB962C8B-B14F-4D97-AF65-F5344CB8AC3E}">
-        <p14:creationId xmlns:p14="http://schemas.microsoft.com/office/powerpoint/2010/main" val="814359187"/>
+        <p14:creationId xmlns:p14="http://schemas.microsoft.com/office/powerpoint/2010/main" xmlns="" val="3846518650"/>
       </p:ext>
     </p:extLst>
   </p:cSld>
@@ -9566,7 +9744,7 @@
           <a:p>
             <a:r>
               <a:rPr lang="en-US" sz="4000" dirty="0"/>
-              <a:t>KAFKA</a:t>
+              <a:t>GIT</a:t>
             </a:r>
           </a:p>
         </p:txBody>
@@ -9588,7 +9766,8 @@
           <a:p>
             <a:fld id="{7555CE78-1282-4767-95FA-CA032235F26F}" type="datetime1">
               <a:rPr lang="en-US" smtClean="0"/>
-              <a:t>5/2/2019</a:t>
+              <a:pPr/>
+              <a:t>5/4/2019</a:t>
             </a:fld>
             <a:endParaRPr lang="en-US"/>
           </a:p>
@@ -9611,6 +9790,7 @@
           <a:p>
             <a:fld id="{BD37BEF6-ACC5-4387-AC71-99C0DDE89871}" type="slidenum">
               <a:rPr lang="en-US" smtClean="0"/>
+              <a:pPr/>
               <a:t>19</a:t>
             </a:fld>
             <a:endParaRPr lang="en-US"/>
@@ -9620,7 +9800,7 @@
     </p:spTree>
     <p:extLst>
       <p:ext uri="{BB962C8B-B14F-4D97-AF65-F5344CB8AC3E}">
-        <p14:creationId xmlns:p14="http://schemas.microsoft.com/office/powerpoint/2010/main" val="3901712466"/>
+        <p14:creationId xmlns:p14="http://schemas.microsoft.com/office/powerpoint/2010/main" xmlns="" val="4091359817"/>
       </p:ext>
     </p:extLst>
   </p:cSld>
@@ -9775,7 +9955,8 @@
           <a:p>
             <a:fld id="{7555CE78-1282-4767-95FA-CA032235F26F}" type="datetime1">
               <a:rPr lang="en-US" smtClean="0"/>
-              <a:t>5/2/2019</a:t>
+              <a:pPr/>
+              <a:t>5/4/2019</a:t>
             </a:fld>
             <a:endParaRPr lang="en-US"/>
           </a:p>
@@ -9798,6 +9979,7 @@
           <a:p>
             <a:fld id="{BD37BEF6-ACC5-4387-AC71-99C0DDE89871}" type="slidenum">
               <a:rPr lang="en-US" smtClean="0"/>
+              <a:pPr/>
               <a:t>2</a:t>
             </a:fld>
             <a:endParaRPr lang="en-US"/>
@@ -9807,7 +9989,7 @@
     </p:spTree>
     <p:extLst>
       <p:ext uri="{BB962C8B-B14F-4D97-AF65-F5344CB8AC3E}">
-        <p14:creationId xmlns:p14="http://schemas.microsoft.com/office/powerpoint/2010/main" val="3879250926"/>
+        <p14:creationId xmlns:p14="http://schemas.microsoft.com/office/powerpoint/2010/main" xmlns="" val="3879250926"/>
       </p:ext>
     </p:extLst>
   </p:cSld>
@@ -9858,7 +10040,7 @@
           <a:p>
             <a:r>
               <a:rPr lang="en-US" sz="4000" dirty="0"/>
-              <a:t>KAFKA</a:t>
+              <a:t>GIT</a:t>
             </a:r>
           </a:p>
         </p:txBody>
@@ -9881,85 +10063,105 @@
         </p:spPr>
         <p:txBody>
           <a:bodyPr>
-            <a:normAutofit fontScale="92500" lnSpcReduction="10000"/>
+            <a:normAutofit fontScale="85000" lnSpcReduction="20000"/>
           </a:bodyPr>
           <a:lstStyle/>
           <a:p>
             <a:pPr fontAlgn="ctr"/>
             <a:r>
               <a:rPr lang="en-US" dirty="0"/>
-              <a:t>Kafka server or Kafka broker</a:t>
+              <a:t>Distributed version control system</a:t>
             </a:r>
           </a:p>
           <a:p>
             <a:pPr fontAlgn="ctr"/>
             <a:r>
               <a:rPr lang="en-US" dirty="0"/>
-              <a:t>Behavior:</a:t>
+              <a:t>Created by Linus </a:t>
+            </a:r>
+            <a:r>
+              <a:rPr lang="en-US" dirty="0" err="1"/>
+              <a:t>Torvald</a:t>
+            </a:r>
+            <a:endParaRPr lang="en-US" dirty="0"/>
+          </a:p>
+          <a:p>
+            <a:pPr fontAlgn="ctr"/>
+            <a:r>
+              <a:rPr lang="en-US" dirty="0"/>
+              <a:t>Efficient in maintaining the version, and merging</a:t>
+            </a:r>
+          </a:p>
+          <a:p>
+            <a:pPr fontAlgn="ctr"/>
+            <a:r>
+              <a:rPr lang="en-US" dirty="0"/>
+              <a:t>Capabilities:</a:t>
             </a:r>
           </a:p>
           <a:p>
             <a:pPr lvl="1" fontAlgn="ctr"/>
             <a:r>
               <a:rPr lang="en-US" dirty="0"/>
-              <a:t>Mediator or broker between Producer and Consumer</a:t>
+              <a:t>Maintain Version control</a:t>
             </a:r>
           </a:p>
           <a:p>
             <a:pPr lvl="1" fontAlgn="ctr"/>
             <a:r>
               <a:rPr lang="en-US" dirty="0"/>
-              <a:t>Distributed</a:t>
+              <a:t>Versions with Branching </a:t>
             </a:r>
           </a:p>
           <a:p>
             <a:pPr lvl="1" fontAlgn="ctr"/>
             <a:r>
               <a:rPr lang="en-US" dirty="0"/>
-              <a:t>Maintain cluster (combination of multiple systems)</a:t>
+              <a:t>Merging in efficient way automatically</a:t>
             </a:r>
           </a:p>
           <a:p>
             <a:pPr lvl="1" fontAlgn="ctr"/>
             <a:r>
               <a:rPr lang="en-US" dirty="0"/>
-              <a:t>Maintain the data as partition in multiple systems</a:t>
+              <a:t>Can get the contributor files, and analyze and merge or reject the changes.</a:t>
             </a:r>
           </a:p>
           <a:p>
             <a:pPr lvl="1" fontAlgn="ctr"/>
             <a:r>
               <a:rPr lang="en-US" dirty="0"/>
-              <a:t>Each producer, must have a topic name, so that consumer can request the topic to Kafka.</a:t>
+              <a:t>We can easily move to the previous versions</a:t>
             </a:r>
           </a:p>
           <a:p>
             <a:pPr fontAlgn="ctr"/>
             <a:r>
               <a:rPr lang="en-US" dirty="0"/>
-              <a:t>Producer:</a:t>
-            </a:r>
-          </a:p>
-          <a:p>
-            <a:pPr lvl="1" fontAlgn="ctr"/>
+              <a:t>As it is distributed version control, the whole repository will reside on your machine. So that we can work on the changes with or without internet. When you are able to connected to server, you can sync with server.</a:t>
+            </a:r>
+          </a:p>
+          <a:p>
+            <a:pPr fontAlgn="ctr"/>
+            <a:r>
+              <a:rPr lang="en-US" dirty="0" err="1"/>
+              <a:t>Youtube</a:t>
+            </a:r>
             <a:r>
               <a:rPr lang="en-US" dirty="0"/>
-              <a:t>Who will fetch data from database, and send as messages to Kafka.</a:t>
-            </a:r>
+              <a:t>: </a:t>
+            </a:r>
+            <a:r>
+              <a:rPr lang="x-none" dirty="0">
+                <a:hlinkClick r:id="rId3"/>
+              </a:rPr>
+              <a:t>#0 Git Tutorial | What is Git? | Github</a:t>
+            </a:r>
+            <a:endParaRPr lang="x-none" dirty="0"/>
           </a:p>
           <a:p>
             <a:pPr fontAlgn="ctr"/>
-            <a:r>
-              <a:rPr lang="en-US" dirty="0"/>
-              <a:t>Consumer:</a:t>
-            </a:r>
-          </a:p>
-          <a:p>
-            <a:pPr lvl="1" fontAlgn="ctr"/>
-            <a:r>
-              <a:rPr lang="en-US" dirty="0"/>
-              <a:t>Who request the message (with a topic name) which is sent by a producer.</a:t>
-            </a:r>
+            <a:endParaRPr lang="en-US" dirty="0"/>
           </a:p>
         </p:txBody>
       </p:sp>
@@ -9980,7 +10182,8 @@
           <a:p>
             <a:fld id="{EB798BFA-0A12-4E3A-85B7-D5C3D7F3C007}" type="datetime1">
               <a:rPr lang="en-US" smtClean="0"/>
-              <a:t>5/2/2019</a:t>
+              <a:pPr/>
+              <a:t>5/4/2019</a:t>
             </a:fld>
             <a:endParaRPr lang="en-US" dirty="0"/>
           </a:p>
@@ -10025,6 +10228,7 @@
           <a:p>
             <a:fld id="{BD37BEF6-ACC5-4387-AC71-99C0DDE89871}" type="slidenum">
               <a:rPr lang="en-US" smtClean="0"/>
+              <a:pPr/>
               <a:t>20</a:t>
             </a:fld>
             <a:endParaRPr lang="en-US" dirty="0"/>
@@ -10034,7 +10238,7 @@
     </p:spTree>
     <p:extLst>
       <p:ext uri="{BB962C8B-B14F-4D97-AF65-F5344CB8AC3E}">
-        <p14:creationId xmlns:p14="http://schemas.microsoft.com/office/powerpoint/2010/main" val="2211470747"/>
+        <p14:creationId xmlns:p14="http://schemas.microsoft.com/office/powerpoint/2010/main" xmlns="" val="814359187"/>
       </p:ext>
     </p:extLst>
   </p:cSld>
@@ -10063,20 +10267,15 @@
       </p:grpSpPr>
       <p:sp>
         <p:nvSpPr>
-          <p:cNvPr id="5" name="Title 4"/>
-          <p:cNvSpPr>
-            <a:spLocks noGrp="1"/>
-          </p:cNvSpPr>
-          <p:nvPr>
-            <p:ph type="title"/>
-          </p:nvPr>
-        </p:nvSpPr>
-        <p:spPr>
-          <a:xfrm>
-            <a:off x="688571" y="284162"/>
-            <a:ext cx="10515600" cy="1325563"/>
-          </a:xfrm>
-        </p:spPr>
+          <p:cNvPr id="2" name="Title 1"/>
+          <p:cNvSpPr>
+            <a:spLocks noGrp="1"/>
+          </p:cNvSpPr>
+          <p:nvPr>
+            <p:ph type="ctrTitle"/>
+          </p:nvPr>
+        </p:nvSpPr>
+        <p:spPr/>
         <p:txBody>
           <a:bodyPr>
             <a:normAutofit/>
@@ -10092,143 +10291,7 @@
       </p:sp>
       <p:sp>
         <p:nvSpPr>
-          <p:cNvPr id="6" name="Content Placeholder 5"/>
-          <p:cNvSpPr>
-            <a:spLocks noGrp="1"/>
-          </p:cNvSpPr>
-          <p:nvPr>
-            <p:ph idx="1"/>
-          </p:nvPr>
-        </p:nvSpPr>
-        <p:spPr>
-          <a:xfrm>
-            <a:off x="838200" y="1253331"/>
-            <a:ext cx="10515600" cy="4351338"/>
-          </a:xfrm>
-        </p:spPr>
-        <p:txBody>
-          <a:bodyPr>
-            <a:normAutofit fontScale="77500" lnSpcReduction="20000"/>
-          </a:bodyPr>
-          <a:lstStyle/>
-          <a:p>
-            <a:pPr fontAlgn="ctr"/>
-            <a:r>
-              <a:rPr lang="en-US" dirty="0"/>
-              <a:t>Cluster:</a:t>
-            </a:r>
-          </a:p>
-          <a:p>
-            <a:pPr lvl="1" fontAlgn="ctr"/>
-            <a:r>
-              <a:rPr lang="en-US" dirty="0"/>
-              <a:t>Combination of systems working together</a:t>
-            </a:r>
-          </a:p>
-          <a:p>
-            <a:pPr lvl="1" fontAlgn="ctr"/>
-            <a:r>
-              <a:rPr lang="en-US" dirty="0"/>
-              <a:t>Kafka is a cluster distributed system.</a:t>
-            </a:r>
-          </a:p>
-          <a:p>
-            <a:pPr fontAlgn="ctr"/>
-            <a:r>
-              <a:rPr lang="en-US" dirty="0"/>
-              <a:t>Partition:</a:t>
-            </a:r>
-          </a:p>
-          <a:p>
-            <a:pPr lvl="1" fontAlgn="ctr"/>
-            <a:r>
-              <a:rPr lang="en-US" dirty="0"/>
-              <a:t>Kafka will partition the data and distribute in the cluster.</a:t>
-            </a:r>
-          </a:p>
-          <a:p>
-            <a:pPr lvl="1" fontAlgn="ctr"/>
-            <a:r>
-              <a:rPr lang="en-US" dirty="0"/>
-              <a:t>Partition is decided by Developer.</a:t>
-            </a:r>
-          </a:p>
-          <a:p>
-            <a:pPr fontAlgn="ctr"/>
-            <a:r>
-              <a:rPr lang="en-US" dirty="0"/>
-              <a:t>Offset:</a:t>
-            </a:r>
-          </a:p>
-          <a:p>
-            <a:pPr lvl="1" fontAlgn="ctr"/>
-            <a:r>
-              <a:rPr lang="en-US" dirty="0"/>
-              <a:t>Sequence for message in a partition.</a:t>
-            </a:r>
-          </a:p>
-          <a:p>
-            <a:pPr lvl="1" fontAlgn="ctr"/>
-            <a:r>
-              <a:rPr lang="en-US" dirty="0"/>
-              <a:t>Offset are local to partition.</a:t>
-            </a:r>
-          </a:p>
-          <a:p>
-            <a:pPr lvl="1" fontAlgn="ctr"/>
-            <a:r>
-              <a:rPr lang="en-US" dirty="0"/>
-              <a:t>Topic name -&gt;Partition number-&gt;Offset number will locate a message</a:t>
-            </a:r>
-          </a:p>
-          <a:p>
-            <a:pPr fontAlgn="ctr"/>
-            <a:r>
-              <a:rPr lang="en-US" dirty="0"/>
-              <a:t>Consumer group:</a:t>
-            </a:r>
-          </a:p>
-          <a:p>
-            <a:pPr lvl="1" fontAlgn="ctr"/>
-            <a:r>
-              <a:rPr lang="en-US" dirty="0"/>
-              <a:t>Group of consumers acting as single unit.</a:t>
-            </a:r>
-          </a:p>
-          <a:p>
-            <a:pPr lvl="1" fontAlgn="ctr"/>
-            <a:r>
-              <a:rPr lang="en-US" dirty="0"/>
-              <a:t>The consumers under consumer group are distributed with number of partition.</a:t>
-            </a:r>
-          </a:p>
-          <a:p>
-            <a:pPr fontAlgn="ctr"/>
-            <a:r>
-              <a:rPr lang="en-US" dirty="0" err="1"/>
-              <a:t>Youtube</a:t>
-            </a:r>
-            <a:r>
-              <a:rPr lang="en-US" dirty="0"/>
-              <a:t>: </a:t>
-            </a:r>
-            <a:r>
-              <a:rPr lang="x-none" dirty="0">
-                <a:hlinkClick r:id="rId3"/>
-              </a:rPr>
-              <a:t>Kafka Tutorial - Core Concepts</a:t>
-            </a:r>
-            <a:endParaRPr lang="x-none" dirty="0"/>
-          </a:p>
-          <a:p>
-            <a:pPr fontAlgn="ctr"/>
-            <a:endParaRPr lang="en-US" dirty="0"/>
-          </a:p>
-        </p:txBody>
-      </p:sp>
-      <p:sp>
-        <p:nvSpPr>
-          <p:cNvPr id="7" name="Date Placeholder 6"/>
+          <p:cNvPr id="4" name="Date Placeholder 3"/>
           <p:cNvSpPr>
             <a:spLocks noGrp="1"/>
           </p:cNvSpPr>
@@ -10241,39 +10304,18 @@
           <a:bodyPr/>
           <a:lstStyle/>
           <a:p>
-            <a:fld id="{EB798BFA-0A12-4E3A-85B7-D5C3D7F3C007}" type="datetime1">
+            <a:fld id="{7555CE78-1282-4767-95FA-CA032235F26F}" type="datetime1">
               <a:rPr lang="en-US" smtClean="0"/>
-              <a:t>5/2/2019</a:t>
+              <a:pPr/>
+              <a:t>5/4/2019</a:t>
             </a:fld>
-            <a:endParaRPr lang="en-US" dirty="0"/>
-          </a:p>
-        </p:txBody>
-      </p:sp>
-      <p:sp>
-        <p:nvSpPr>
-          <p:cNvPr id="8" name="Footer Placeholder 7"/>
-          <p:cNvSpPr>
-            <a:spLocks noGrp="1"/>
-          </p:cNvSpPr>
-          <p:nvPr>
-            <p:ph type="ftr" sz="quarter" idx="11"/>
-          </p:nvPr>
-        </p:nvSpPr>
-        <p:spPr/>
-        <p:txBody>
-          <a:bodyPr/>
-          <a:lstStyle/>
-          <a:p>
-            <a:r>
-              <a:rPr lang="en-US" dirty="0"/>
-              <a:t>Tenses</a:t>
-            </a:r>
-          </a:p>
-        </p:txBody>
-      </p:sp>
-      <p:sp>
-        <p:nvSpPr>
-          <p:cNvPr id="9" name="Slide Number Placeholder 8"/>
+            <a:endParaRPr lang="en-US"/>
+          </a:p>
+        </p:txBody>
+      </p:sp>
+      <p:sp>
+        <p:nvSpPr>
+          <p:cNvPr id="6" name="Slide Number Placeholder 5"/>
           <p:cNvSpPr>
             <a:spLocks noGrp="1"/>
           </p:cNvSpPr>
@@ -10288,16 +10330,17 @@
           <a:p>
             <a:fld id="{BD37BEF6-ACC5-4387-AC71-99C0DDE89871}" type="slidenum">
               <a:rPr lang="en-US" smtClean="0"/>
+              <a:pPr/>
               <a:t>21</a:t>
             </a:fld>
-            <a:endParaRPr lang="en-US" dirty="0"/>
+            <a:endParaRPr lang="en-US"/>
           </a:p>
         </p:txBody>
       </p:sp>
     </p:spTree>
     <p:extLst>
       <p:ext uri="{BB962C8B-B14F-4D97-AF65-F5344CB8AC3E}">
-        <p14:creationId xmlns:p14="http://schemas.microsoft.com/office/powerpoint/2010/main" val="2621825975"/>
+        <p14:creationId xmlns:p14="http://schemas.microsoft.com/office/powerpoint/2010/main" xmlns="" val="3901712466"/>
       </p:ext>
     </p:extLst>
   </p:cSld>
@@ -10347,36 +10390,131 @@
           <a:lstStyle/>
           <a:p>
             <a:r>
-              <a:rPr lang="en-US" sz="4000"/>
+              <a:rPr lang="en-US" sz="4000" dirty="0"/>
               <a:t>KAFKA</a:t>
             </a:r>
-            <a:endParaRPr lang="en-US" sz="4000" dirty="0"/>
-          </a:p>
-        </p:txBody>
-      </p:sp>
-      <p:sp>
-        <p:nvSpPr>
-          <p:cNvPr id="7" name="Date Placeholder 6"/>
-          <p:cNvSpPr>
-            <a:spLocks noGrp="1"/>
-          </p:cNvSpPr>
-          <p:nvPr>
-            <p:ph type="dt" sz="half" idx="10"/>
+          </a:p>
+        </p:txBody>
+      </p:sp>
+      <p:sp>
+        <p:nvSpPr>
+          <p:cNvPr id="6" name="Content Placeholder 5"/>
+          <p:cNvSpPr>
+            <a:spLocks noGrp="1"/>
+          </p:cNvSpPr>
+          <p:nvPr>
+            <p:ph idx="1"/>
           </p:nvPr>
         </p:nvSpPr>
         <p:spPr>
           <a:xfrm>
-            <a:off x="838200" y="6356350"/>
-            <a:ext cx="2743200" cy="365125"/>
+            <a:off x="838200" y="1253331"/>
+            <a:ext cx="10515600" cy="4351338"/>
           </a:xfrm>
         </p:spPr>
         <p:txBody>
+          <a:bodyPr>
+            <a:normAutofit fontScale="92500" lnSpcReduction="10000"/>
+          </a:bodyPr>
+          <a:lstStyle/>
+          <a:p>
+            <a:pPr fontAlgn="ctr"/>
+            <a:r>
+              <a:rPr lang="en-US" dirty="0"/>
+              <a:t>Kafka server or Kafka broker</a:t>
+            </a:r>
+          </a:p>
+          <a:p>
+            <a:pPr fontAlgn="ctr"/>
+            <a:r>
+              <a:rPr lang="en-US" dirty="0"/>
+              <a:t>Behavior:</a:t>
+            </a:r>
+          </a:p>
+          <a:p>
+            <a:pPr lvl="1" fontAlgn="ctr"/>
+            <a:r>
+              <a:rPr lang="en-US" dirty="0"/>
+              <a:t>Mediator or broker between Producer and Consumer</a:t>
+            </a:r>
+          </a:p>
+          <a:p>
+            <a:pPr lvl="1" fontAlgn="ctr"/>
+            <a:r>
+              <a:rPr lang="en-US" dirty="0"/>
+              <a:t>Distributed</a:t>
+            </a:r>
+          </a:p>
+          <a:p>
+            <a:pPr lvl="1" fontAlgn="ctr"/>
+            <a:r>
+              <a:rPr lang="en-US" dirty="0"/>
+              <a:t>Maintain cluster (combination of multiple systems)</a:t>
+            </a:r>
+          </a:p>
+          <a:p>
+            <a:pPr lvl="1" fontAlgn="ctr"/>
+            <a:r>
+              <a:rPr lang="en-US" dirty="0"/>
+              <a:t>Maintain the data as partition in multiple systems</a:t>
+            </a:r>
+          </a:p>
+          <a:p>
+            <a:pPr lvl="1" fontAlgn="ctr"/>
+            <a:r>
+              <a:rPr lang="en-US" dirty="0"/>
+              <a:t>Each producer, must have a topic name, so that consumer can request the topic to Kafka.</a:t>
+            </a:r>
+          </a:p>
+          <a:p>
+            <a:pPr fontAlgn="ctr"/>
+            <a:r>
+              <a:rPr lang="en-US" dirty="0"/>
+              <a:t>Producer:</a:t>
+            </a:r>
+          </a:p>
+          <a:p>
+            <a:pPr lvl="1" fontAlgn="ctr"/>
+            <a:r>
+              <a:rPr lang="en-US" dirty="0"/>
+              <a:t>Who will fetch data from database, and send as messages to Kafka.</a:t>
+            </a:r>
+          </a:p>
+          <a:p>
+            <a:pPr fontAlgn="ctr"/>
+            <a:r>
+              <a:rPr lang="en-US" dirty="0"/>
+              <a:t>Consumer:</a:t>
+            </a:r>
+          </a:p>
+          <a:p>
+            <a:pPr lvl="1" fontAlgn="ctr"/>
+            <a:r>
+              <a:rPr lang="en-US" dirty="0"/>
+              <a:t>Who request the message (with a topic name) which is sent by a producer.</a:t>
+            </a:r>
+          </a:p>
+        </p:txBody>
+      </p:sp>
+      <p:sp>
+        <p:nvSpPr>
+          <p:cNvPr id="7" name="Date Placeholder 6"/>
+          <p:cNvSpPr>
+            <a:spLocks noGrp="1"/>
+          </p:cNvSpPr>
+          <p:nvPr>
+            <p:ph type="dt" sz="half" idx="10"/>
+          </p:nvPr>
+        </p:nvSpPr>
+        <p:spPr/>
+        <p:txBody>
           <a:bodyPr/>
           <a:lstStyle/>
           <a:p>
             <a:fld id="{EB798BFA-0A12-4E3A-85B7-D5C3D7F3C007}" type="datetime1">
               <a:rPr lang="en-US" smtClean="0"/>
-              <a:t>5/2/2019</a:t>
+              <a:pPr/>
+              <a:t>5/4/2019</a:t>
             </a:fld>
             <a:endParaRPr lang="en-US" dirty="0"/>
           </a:p>
@@ -10392,21 +10530,15 @@
             <p:ph type="ftr" sz="quarter" idx="11"/>
           </p:nvPr>
         </p:nvSpPr>
-        <p:spPr>
-          <a:xfrm>
-            <a:off x="4038600" y="6356350"/>
-            <a:ext cx="4114800" cy="365125"/>
-          </a:xfrm>
-        </p:spPr>
-        <p:txBody>
-          <a:bodyPr/>
-          <a:lstStyle/>
-          <a:p>
-            <a:r>
-              <a:rPr lang="en-US"/>
+        <p:spPr/>
+        <p:txBody>
+          <a:bodyPr/>
+          <a:lstStyle/>
+          <a:p>
+            <a:r>
+              <a:rPr lang="en-US" dirty="0"/>
               <a:t>Tenses</a:t>
             </a:r>
-            <a:endParaRPr lang="en-US" dirty="0"/>
           </a:p>
         </p:txBody>
       </p:sp>
@@ -10420,105 +10552,24 @@
             <p:ph type="sldNum" sz="quarter" idx="12"/>
           </p:nvPr>
         </p:nvSpPr>
-        <p:spPr>
-          <a:xfrm>
-            <a:off x="8610600" y="6356350"/>
-            <a:ext cx="2743200" cy="365125"/>
-          </a:xfrm>
-        </p:spPr>
+        <p:spPr/>
         <p:txBody>
           <a:bodyPr/>
           <a:lstStyle/>
           <a:p>
             <a:fld id="{BD37BEF6-ACC5-4387-AC71-99C0DDE89871}" type="slidenum">
               <a:rPr lang="en-US" smtClean="0"/>
+              <a:pPr/>
               <a:t>22</a:t>
             </a:fld>
             <a:endParaRPr lang="en-US" dirty="0"/>
           </a:p>
         </p:txBody>
       </p:sp>
-      <p:sp>
-        <p:nvSpPr>
-          <p:cNvPr id="3" name="Content Placeholder 2">
-            <a:extLst>
-              <a:ext uri="{FF2B5EF4-FFF2-40B4-BE49-F238E27FC236}">
-                <a16:creationId xmlns:a16="http://schemas.microsoft.com/office/drawing/2014/main" id="{F07A418F-1392-4999-AC1E-26A339E3A836}"/>
-              </a:ext>
-            </a:extLst>
-          </p:cNvPr>
-          <p:cNvSpPr>
-            <a:spLocks noGrp="1"/>
-          </p:cNvSpPr>
-          <p:nvPr>
-            <p:ph idx="1"/>
-          </p:nvPr>
-        </p:nvSpPr>
-        <p:spPr>
-          <a:xfrm>
-            <a:off x="838200" y="1825625"/>
-            <a:ext cx="10515600" cy="4351338"/>
-          </a:xfrm>
-        </p:spPr>
-        <p:txBody>
-          <a:bodyPr/>
-          <a:lstStyle/>
-          <a:p>
-            <a:endParaRPr lang="en-US"/>
-          </a:p>
-        </p:txBody>
-      </p:sp>
-      <p:pic>
-        <p:nvPicPr>
-          <p:cNvPr id="1026" name="Picture 2" descr="Machine generated alternative text:&#10;Retail Organization &#10;Producer &#10;Producer &#10;Producer &#10;Producer &#10;Apache Kafka Tutorial &#10;Kafkacluster &#10;Broker 1 &#10;Broker 2 &#10;groker g &#10;Zookeeper &#10;Data Center &#10;Consumer Group &#10;Consumer &#10;Consumer &#10;Consumer &#10;Consumer ">
-            <a:extLst>
-              <a:ext uri="{FF2B5EF4-FFF2-40B4-BE49-F238E27FC236}">
-                <a16:creationId xmlns:a16="http://schemas.microsoft.com/office/drawing/2014/main" id="{2F6067F4-06ED-42F0-8BD2-78C62C78A72B}"/>
-              </a:ext>
-            </a:extLst>
-          </p:cNvPr>
-          <p:cNvPicPr>
-            <a:picLocks noChangeAspect="1" noChangeArrowheads="1"/>
-          </p:cNvPicPr>
-          <p:nvPr/>
-        </p:nvPicPr>
-        <p:blipFill>
-          <a:blip r:embed="rId3">
-            <a:extLst>
-              <a:ext uri="{28A0092B-C50C-407E-A947-70E740481C1C}">
-                <a14:useLocalDpi xmlns:a14="http://schemas.microsoft.com/office/drawing/2010/main" val="0"/>
-              </a:ext>
-            </a:extLst>
-          </a:blip>
-          <a:srcRect/>
-          <a:stretch>
-            <a:fillRect/>
-          </a:stretch>
-        </p:blipFill>
-        <p:spPr bwMode="auto">
-          <a:xfrm>
-            <a:off x="688571" y="1142682"/>
-            <a:ext cx="10515600" cy="5497414"/>
-          </a:xfrm>
-          <a:prstGeom prst="rect">
-            <a:avLst/>
-          </a:prstGeom>
-          <a:noFill/>
-          <a:extLst>
-            <a:ext uri="{909E8E84-426E-40DD-AFC4-6F175D3DCCD1}">
-              <a14:hiddenFill xmlns:a14="http://schemas.microsoft.com/office/drawing/2010/main">
-                <a:solidFill>
-                  <a:srgbClr val="FFFFFF"/>
-                </a:solidFill>
-              </a14:hiddenFill>
-            </a:ext>
-          </a:extLst>
-        </p:spPr>
-      </p:pic>
     </p:spTree>
     <p:extLst>
       <p:ext uri="{BB962C8B-B14F-4D97-AF65-F5344CB8AC3E}">
-        <p14:creationId xmlns:p14="http://schemas.microsoft.com/office/powerpoint/2010/main" val="3860495717"/>
+        <p14:creationId xmlns:p14="http://schemas.microsoft.com/office/powerpoint/2010/main" xmlns="" val="2211470747"/>
       </p:ext>
     </p:extLst>
   </p:cSld>
@@ -10547,15 +10598,20 @@
       </p:grpSpPr>
       <p:sp>
         <p:nvSpPr>
-          <p:cNvPr id="2" name="Title 1"/>
-          <p:cNvSpPr>
-            <a:spLocks noGrp="1"/>
-          </p:cNvSpPr>
-          <p:nvPr>
-            <p:ph type="ctrTitle"/>
-          </p:nvPr>
-        </p:nvSpPr>
-        <p:spPr/>
+          <p:cNvPr id="5" name="Title 4"/>
+          <p:cNvSpPr>
+            <a:spLocks noGrp="1"/>
+          </p:cNvSpPr>
+          <p:nvPr>
+            <p:ph type="title"/>
+          </p:nvPr>
+        </p:nvSpPr>
+        <p:spPr>
+          <a:xfrm>
+            <a:off x="688571" y="284162"/>
+            <a:ext cx="10515600" cy="1325563"/>
+          </a:xfrm>
+        </p:spPr>
         <p:txBody>
           <a:bodyPr>
             <a:normAutofit/>
@@ -10564,14 +10620,150 @@
           <a:p>
             <a:r>
               <a:rPr lang="en-US" sz="4000" dirty="0"/>
-              <a:t>DOCKER</a:t>
-            </a:r>
-          </a:p>
-        </p:txBody>
-      </p:sp>
-      <p:sp>
-        <p:nvSpPr>
-          <p:cNvPr id="4" name="Date Placeholder 3"/>
+              <a:t>KAFKA</a:t>
+            </a:r>
+          </a:p>
+        </p:txBody>
+      </p:sp>
+      <p:sp>
+        <p:nvSpPr>
+          <p:cNvPr id="6" name="Content Placeholder 5"/>
+          <p:cNvSpPr>
+            <a:spLocks noGrp="1"/>
+          </p:cNvSpPr>
+          <p:nvPr>
+            <p:ph idx="1"/>
+          </p:nvPr>
+        </p:nvSpPr>
+        <p:spPr>
+          <a:xfrm>
+            <a:off x="838200" y="1253331"/>
+            <a:ext cx="10515600" cy="4351338"/>
+          </a:xfrm>
+        </p:spPr>
+        <p:txBody>
+          <a:bodyPr>
+            <a:normAutofit fontScale="77500" lnSpcReduction="20000"/>
+          </a:bodyPr>
+          <a:lstStyle/>
+          <a:p>
+            <a:pPr fontAlgn="ctr"/>
+            <a:r>
+              <a:rPr lang="en-US" dirty="0"/>
+              <a:t>Cluster:</a:t>
+            </a:r>
+          </a:p>
+          <a:p>
+            <a:pPr lvl="1" fontAlgn="ctr"/>
+            <a:r>
+              <a:rPr lang="en-US" dirty="0"/>
+              <a:t>Combination of systems working together</a:t>
+            </a:r>
+          </a:p>
+          <a:p>
+            <a:pPr lvl="1" fontAlgn="ctr"/>
+            <a:r>
+              <a:rPr lang="en-US" dirty="0"/>
+              <a:t>Kafka is a cluster distributed system.</a:t>
+            </a:r>
+          </a:p>
+          <a:p>
+            <a:pPr fontAlgn="ctr"/>
+            <a:r>
+              <a:rPr lang="en-US" dirty="0"/>
+              <a:t>Partition:</a:t>
+            </a:r>
+          </a:p>
+          <a:p>
+            <a:pPr lvl="1" fontAlgn="ctr"/>
+            <a:r>
+              <a:rPr lang="en-US" dirty="0"/>
+              <a:t>Kafka will partition the data and distribute in the cluster.</a:t>
+            </a:r>
+          </a:p>
+          <a:p>
+            <a:pPr lvl="1" fontAlgn="ctr"/>
+            <a:r>
+              <a:rPr lang="en-US" dirty="0"/>
+              <a:t>Partition is decided by Developer.</a:t>
+            </a:r>
+          </a:p>
+          <a:p>
+            <a:pPr fontAlgn="ctr"/>
+            <a:r>
+              <a:rPr lang="en-US" dirty="0"/>
+              <a:t>Offset:</a:t>
+            </a:r>
+          </a:p>
+          <a:p>
+            <a:pPr lvl="1" fontAlgn="ctr"/>
+            <a:r>
+              <a:rPr lang="en-US" dirty="0"/>
+              <a:t>Sequence for message in a partition.</a:t>
+            </a:r>
+          </a:p>
+          <a:p>
+            <a:pPr lvl="1" fontAlgn="ctr"/>
+            <a:r>
+              <a:rPr lang="en-US" dirty="0"/>
+              <a:t>Offset are local to partition.</a:t>
+            </a:r>
+          </a:p>
+          <a:p>
+            <a:pPr lvl="1" fontAlgn="ctr"/>
+            <a:r>
+              <a:rPr lang="en-US" dirty="0"/>
+              <a:t>Topic name -&gt;Partition number-&gt;Offset number will locate a message</a:t>
+            </a:r>
+          </a:p>
+          <a:p>
+            <a:pPr fontAlgn="ctr"/>
+            <a:r>
+              <a:rPr lang="en-US" dirty="0"/>
+              <a:t>Consumer group:</a:t>
+            </a:r>
+          </a:p>
+          <a:p>
+            <a:pPr lvl="1" fontAlgn="ctr"/>
+            <a:r>
+              <a:rPr lang="en-US" dirty="0"/>
+              <a:t>Group of consumers acting as single unit.</a:t>
+            </a:r>
+          </a:p>
+          <a:p>
+            <a:pPr lvl="1" fontAlgn="ctr"/>
+            <a:r>
+              <a:rPr lang="en-US" dirty="0"/>
+              <a:t>The consumers under consumer group are distributed with number of partition.</a:t>
+            </a:r>
+          </a:p>
+          <a:p>
+            <a:pPr fontAlgn="ctr"/>
+            <a:r>
+              <a:rPr lang="en-US" dirty="0" err="1"/>
+              <a:t>Youtube</a:t>
+            </a:r>
+            <a:r>
+              <a:rPr lang="en-US" dirty="0"/>
+              <a:t>: </a:t>
+            </a:r>
+            <a:r>
+              <a:rPr lang="x-none" dirty="0">
+                <a:hlinkClick r:id="rId3"/>
+              </a:rPr>
+              <a:t>Kafka Tutorial - Core Concepts</a:t>
+            </a:r>
+            <a:endParaRPr lang="x-none" dirty="0"/>
+          </a:p>
+          <a:p>
+            <a:pPr fontAlgn="ctr"/>
+            <a:endParaRPr lang="en-US" dirty="0"/>
+          </a:p>
+        </p:txBody>
+      </p:sp>
+      <p:sp>
+        <p:nvSpPr>
+          <p:cNvPr id="7" name="Date Placeholder 6"/>
           <p:cNvSpPr>
             <a:spLocks noGrp="1"/>
           </p:cNvSpPr>
@@ -10584,17 +10776,40 @@
           <a:bodyPr/>
           <a:lstStyle/>
           <a:p>
-            <a:fld id="{7555CE78-1282-4767-95FA-CA032235F26F}" type="datetime1">
+            <a:fld id="{EB798BFA-0A12-4E3A-85B7-D5C3D7F3C007}" type="datetime1">
               <a:rPr lang="en-US" smtClean="0"/>
-              <a:t>5/2/2019</a:t>
+              <a:pPr/>
+              <a:t>5/4/2019</a:t>
             </a:fld>
-            <a:endParaRPr lang="en-US"/>
-          </a:p>
-        </p:txBody>
-      </p:sp>
-      <p:sp>
-        <p:nvSpPr>
-          <p:cNvPr id="6" name="Slide Number Placeholder 5"/>
+            <a:endParaRPr lang="en-US" dirty="0"/>
+          </a:p>
+        </p:txBody>
+      </p:sp>
+      <p:sp>
+        <p:nvSpPr>
+          <p:cNvPr id="8" name="Footer Placeholder 7"/>
+          <p:cNvSpPr>
+            <a:spLocks noGrp="1"/>
+          </p:cNvSpPr>
+          <p:nvPr>
+            <p:ph type="ftr" sz="quarter" idx="11"/>
+          </p:nvPr>
+        </p:nvSpPr>
+        <p:spPr/>
+        <p:txBody>
+          <a:bodyPr/>
+          <a:lstStyle/>
+          <a:p>
+            <a:r>
+              <a:rPr lang="en-US" dirty="0"/>
+              <a:t>Tenses</a:t>
+            </a:r>
+          </a:p>
+        </p:txBody>
+      </p:sp>
+      <p:sp>
+        <p:nvSpPr>
+          <p:cNvPr id="9" name="Slide Number Placeholder 8"/>
           <p:cNvSpPr>
             <a:spLocks noGrp="1"/>
           </p:cNvSpPr>
@@ -10609,16 +10824,17 @@
           <a:p>
             <a:fld id="{BD37BEF6-ACC5-4387-AC71-99C0DDE89871}" type="slidenum">
               <a:rPr lang="en-US" smtClean="0"/>
+              <a:pPr/>
               <a:t>23</a:t>
             </a:fld>
-            <a:endParaRPr lang="en-US"/>
+            <a:endParaRPr lang="en-US" dirty="0"/>
           </a:p>
         </p:txBody>
       </p:sp>
     </p:spTree>
     <p:extLst>
       <p:ext uri="{BB962C8B-B14F-4D97-AF65-F5344CB8AC3E}">
-        <p14:creationId xmlns:p14="http://schemas.microsoft.com/office/powerpoint/2010/main" val="3892860596"/>
+        <p14:creationId xmlns:p14="http://schemas.microsoft.com/office/powerpoint/2010/main" xmlns="" val="2621825975"/>
       </p:ext>
     </p:extLst>
   </p:cSld>
@@ -10668,111 +10884,180 @@
           <a:lstStyle/>
           <a:p>
             <a:r>
-              <a:rPr lang="en-US" sz="4000" dirty="0"/>
-              <a:t>DOCKER</a:t>
-            </a:r>
-          </a:p>
-        </p:txBody>
-      </p:sp>
-      <p:sp>
-        <p:nvSpPr>
-          <p:cNvPr id="6" name="Content Placeholder 5"/>
-          <p:cNvSpPr>
-            <a:spLocks noGrp="1"/>
-          </p:cNvSpPr>
-          <p:nvPr>
-            <p:ph idx="1"/>
+              <a:rPr lang="en-US" sz="4000"/>
+              <a:t>KAFKA</a:t>
+            </a:r>
+            <a:endParaRPr lang="en-US" sz="4000" dirty="0"/>
+          </a:p>
+        </p:txBody>
+      </p:sp>
+      <p:sp>
+        <p:nvSpPr>
+          <p:cNvPr id="7" name="Date Placeholder 6"/>
+          <p:cNvSpPr>
+            <a:spLocks noGrp="1"/>
+          </p:cNvSpPr>
+          <p:nvPr>
+            <p:ph type="dt" sz="half" idx="10"/>
           </p:nvPr>
         </p:nvSpPr>
         <p:spPr>
           <a:xfrm>
-            <a:off x="838200" y="1253331"/>
+            <a:off x="838200" y="6356350"/>
+            <a:ext cx="2743200" cy="365125"/>
+          </a:xfrm>
+        </p:spPr>
+        <p:txBody>
+          <a:bodyPr/>
+          <a:lstStyle/>
+          <a:p>
+            <a:fld id="{EB798BFA-0A12-4E3A-85B7-D5C3D7F3C007}" type="datetime1">
+              <a:rPr lang="en-US" smtClean="0"/>
+              <a:pPr/>
+              <a:t>5/4/2019</a:t>
+            </a:fld>
+            <a:endParaRPr lang="en-US" dirty="0"/>
+          </a:p>
+        </p:txBody>
+      </p:sp>
+      <p:sp>
+        <p:nvSpPr>
+          <p:cNvPr id="8" name="Footer Placeholder 7"/>
+          <p:cNvSpPr>
+            <a:spLocks noGrp="1"/>
+          </p:cNvSpPr>
+          <p:nvPr>
+            <p:ph type="ftr" sz="quarter" idx="11"/>
+          </p:nvPr>
+        </p:nvSpPr>
+        <p:spPr>
+          <a:xfrm>
+            <a:off x="4038600" y="6356350"/>
+            <a:ext cx="4114800" cy="365125"/>
+          </a:xfrm>
+        </p:spPr>
+        <p:txBody>
+          <a:bodyPr/>
+          <a:lstStyle/>
+          <a:p>
+            <a:r>
+              <a:rPr lang="en-US"/>
+              <a:t>Tenses</a:t>
+            </a:r>
+            <a:endParaRPr lang="en-US" dirty="0"/>
+          </a:p>
+        </p:txBody>
+      </p:sp>
+      <p:sp>
+        <p:nvSpPr>
+          <p:cNvPr id="9" name="Slide Number Placeholder 8"/>
+          <p:cNvSpPr>
+            <a:spLocks noGrp="1"/>
+          </p:cNvSpPr>
+          <p:nvPr>
+            <p:ph type="sldNum" sz="quarter" idx="12"/>
+          </p:nvPr>
+        </p:nvSpPr>
+        <p:spPr>
+          <a:xfrm>
+            <a:off x="8610600" y="6356350"/>
+            <a:ext cx="2743200" cy="365125"/>
+          </a:xfrm>
+        </p:spPr>
+        <p:txBody>
+          <a:bodyPr/>
+          <a:lstStyle/>
+          <a:p>
+            <a:fld id="{BD37BEF6-ACC5-4387-AC71-99C0DDE89871}" type="slidenum">
+              <a:rPr lang="en-US" smtClean="0"/>
+              <a:pPr/>
+              <a:t>24</a:t>
+            </a:fld>
+            <a:endParaRPr lang="en-US" dirty="0"/>
+          </a:p>
+        </p:txBody>
+      </p:sp>
+      <p:sp>
+        <p:nvSpPr>
+          <p:cNvPr id="3" name="Content Placeholder 2">
+            <a:extLst>
+              <a:ext uri="{FF2B5EF4-FFF2-40B4-BE49-F238E27FC236}">
+                <a16:creationId xmlns:a16="http://schemas.microsoft.com/office/drawing/2014/main" xmlns="" id="{F07A418F-1392-4999-AC1E-26A339E3A836}"/>
+              </a:ext>
+            </a:extLst>
+          </p:cNvPr>
+          <p:cNvSpPr>
+            <a:spLocks noGrp="1"/>
+          </p:cNvSpPr>
+          <p:nvPr>
+            <p:ph idx="1"/>
+          </p:nvPr>
+        </p:nvSpPr>
+        <p:spPr>
+          <a:xfrm>
+            <a:off x="838200" y="1825625"/>
             <a:ext cx="10515600" cy="4351338"/>
           </a:xfrm>
         </p:spPr>
         <p:txBody>
-          <a:bodyPr>
-            <a:normAutofit/>
-          </a:bodyPr>
-          <a:lstStyle/>
-          <a:p>
-            <a:pPr fontAlgn="ctr"/>
-            <a:endParaRPr lang="en-US" dirty="0"/>
-          </a:p>
-        </p:txBody>
-      </p:sp>
-      <p:sp>
-        <p:nvSpPr>
-          <p:cNvPr id="7" name="Date Placeholder 6"/>
-          <p:cNvSpPr>
-            <a:spLocks noGrp="1"/>
-          </p:cNvSpPr>
-          <p:nvPr>
-            <p:ph type="dt" sz="half" idx="10"/>
-          </p:nvPr>
-        </p:nvSpPr>
-        <p:spPr/>
-        <p:txBody>
-          <a:bodyPr/>
-          <a:lstStyle/>
-          <a:p>
-            <a:fld id="{EB798BFA-0A12-4E3A-85B7-D5C3D7F3C007}" type="datetime1">
-              <a:rPr lang="en-US" smtClean="0"/>
-              <a:t>5/2/2019</a:t>
-            </a:fld>
-            <a:endParaRPr lang="en-US" dirty="0"/>
-          </a:p>
-        </p:txBody>
-      </p:sp>
-      <p:sp>
-        <p:nvSpPr>
-          <p:cNvPr id="8" name="Footer Placeholder 7"/>
-          <p:cNvSpPr>
-            <a:spLocks noGrp="1"/>
-          </p:cNvSpPr>
-          <p:nvPr>
-            <p:ph type="ftr" sz="quarter" idx="11"/>
-          </p:nvPr>
-        </p:nvSpPr>
-        <p:spPr/>
-        <p:txBody>
-          <a:bodyPr/>
-          <a:lstStyle/>
-          <a:p>
-            <a:r>
-              <a:rPr lang="en-US" dirty="0"/>
-              <a:t>Tenses</a:t>
-            </a:r>
-          </a:p>
-        </p:txBody>
-      </p:sp>
-      <p:sp>
-        <p:nvSpPr>
-          <p:cNvPr id="9" name="Slide Number Placeholder 8"/>
-          <p:cNvSpPr>
-            <a:spLocks noGrp="1"/>
-          </p:cNvSpPr>
-          <p:nvPr>
-            <p:ph type="sldNum" sz="quarter" idx="12"/>
-          </p:nvPr>
-        </p:nvSpPr>
-        <p:spPr/>
-        <p:txBody>
-          <a:bodyPr/>
-          <a:lstStyle/>
-          <a:p>
-            <a:fld id="{BD37BEF6-ACC5-4387-AC71-99C0DDE89871}" type="slidenum">
-              <a:rPr lang="en-US" smtClean="0"/>
-              <a:t>24</a:t>
-            </a:fld>
-            <a:endParaRPr lang="en-US" dirty="0"/>
-          </a:p>
-        </p:txBody>
-      </p:sp>
+          <a:bodyPr/>
+          <a:lstStyle/>
+          <a:p>
+            <a:endParaRPr lang="en-US"/>
+          </a:p>
+        </p:txBody>
+      </p:sp>
+      <p:pic>
+        <p:nvPicPr>
+          <p:cNvPr id="1026" name="Picture 2" descr="Machine generated alternative text:&#10;Retail Organization &#10;Producer &#10;Producer &#10;Producer &#10;Producer &#10;Apache Kafka Tutorial &#10;Kafkacluster &#10;Broker 1 &#10;Broker 2 &#10;groker g &#10;Zookeeper &#10;Data Center &#10;Consumer Group &#10;Consumer &#10;Consumer &#10;Consumer &#10;Consumer ">
+            <a:extLst>
+              <a:ext uri="{FF2B5EF4-FFF2-40B4-BE49-F238E27FC236}">
+                <a16:creationId xmlns:a16="http://schemas.microsoft.com/office/drawing/2014/main" xmlns="" id="{2F6067F4-06ED-42F0-8BD2-78C62C78A72B}"/>
+              </a:ext>
+            </a:extLst>
+          </p:cNvPr>
+          <p:cNvPicPr>
+            <a:picLocks noChangeAspect="1" noChangeArrowheads="1"/>
+          </p:cNvPicPr>
+          <p:nvPr/>
+        </p:nvPicPr>
+        <p:blipFill>
+          <a:blip r:embed="rId3">
+            <a:extLst>
+              <a:ext uri="{28A0092B-C50C-407E-A947-70E740481C1C}">
+                <a14:useLocalDpi xmlns:a14="http://schemas.microsoft.com/office/drawing/2010/main" xmlns="" val="0"/>
+              </a:ext>
+            </a:extLst>
+          </a:blip>
+          <a:srcRect/>
+          <a:stretch>
+            <a:fillRect/>
+          </a:stretch>
+        </p:blipFill>
+        <p:spPr bwMode="auto">
+          <a:xfrm>
+            <a:off x="688571" y="1142682"/>
+            <a:ext cx="10515600" cy="5497414"/>
+          </a:xfrm>
+          <a:prstGeom prst="rect">
+            <a:avLst/>
+          </a:prstGeom>
+          <a:noFill/>
+          <a:extLst>
+            <a:ext uri="{909E8E84-426E-40DD-AFC4-6F175D3DCCD1}">
+              <a14:hiddenFill xmlns:a14="http://schemas.microsoft.com/office/drawing/2010/main" xmlns="">
+                <a:solidFill>
+                  <a:srgbClr val="FFFFFF"/>
+                </a:solidFill>
+              </a14:hiddenFill>
+            </a:ext>
+          </a:extLst>
+        </p:spPr>
+      </p:pic>
     </p:spTree>
     <p:extLst>
       <p:ext uri="{BB962C8B-B14F-4D97-AF65-F5344CB8AC3E}">
-        <p14:creationId xmlns:p14="http://schemas.microsoft.com/office/powerpoint/2010/main" val="2689549785"/>
+        <p14:creationId xmlns:p14="http://schemas.microsoft.com/office/powerpoint/2010/main" xmlns="" val="3860495717"/>
       </p:ext>
     </p:extLst>
   </p:cSld>
@@ -10818,7 +11103,7 @@
           <a:p>
             <a:r>
               <a:rPr lang="en-US" sz="4000" dirty="0"/>
-              <a:t>JIRA</a:t>
+              <a:t>DOCKER</a:t>
             </a:r>
           </a:p>
         </p:txBody>
@@ -10840,7 +11125,8 @@
           <a:p>
             <a:fld id="{7555CE78-1282-4767-95FA-CA032235F26F}" type="datetime1">
               <a:rPr lang="en-US" smtClean="0"/>
-              <a:t>5/2/2019</a:t>
+              <a:pPr/>
+              <a:t>5/4/2019</a:t>
             </a:fld>
             <a:endParaRPr lang="en-US"/>
           </a:p>
@@ -10863,6 +11149,7 @@
           <a:p>
             <a:fld id="{BD37BEF6-ACC5-4387-AC71-99C0DDE89871}" type="slidenum">
               <a:rPr lang="en-US" smtClean="0"/>
+              <a:pPr/>
               <a:t>25</a:t>
             </a:fld>
             <a:endParaRPr lang="en-US"/>
@@ -10872,7 +11159,7 @@
     </p:spTree>
     <p:extLst>
       <p:ext uri="{BB962C8B-B14F-4D97-AF65-F5344CB8AC3E}">
-        <p14:creationId xmlns:p14="http://schemas.microsoft.com/office/powerpoint/2010/main" val="3403337340"/>
+        <p14:creationId xmlns:p14="http://schemas.microsoft.com/office/powerpoint/2010/main" xmlns="" val="3892860596"/>
       </p:ext>
     </p:extLst>
   </p:cSld>
@@ -10923,8 +11210,35 @@
           <a:p>
             <a:r>
               <a:rPr lang="en-US" sz="4000" dirty="0"/>
-              <a:t>JIRA</a:t>
-            </a:r>
+              <a:t>DOCKER</a:t>
+            </a:r>
+          </a:p>
+        </p:txBody>
+      </p:sp>
+      <p:sp>
+        <p:nvSpPr>
+          <p:cNvPr id="6" name="Content Placeholder 5"/>
+          <p:cNvSpPr>
+            <a:spLocks noGrp="1"/>
+          </p:cNvSpPr>
+          <p:nvPr>
+            <p:ph idx="1"/>
+          </p:nvPr>
+        </p:nvSpPr>
+        <p:spPr>
+          <a:xfrm>
+            <a:off x="838200" y="1253331"/>
+            <a:ext cx="10515600" cy="4351338"/>
+          </a:xfrm>
+        </p:spPr>
+        <p:txBody>
+          <a:bodyPr>
+            <a:normAutofit/>
+          </a:bodyPr>
+          <a:lstStyle/>
+          <a:p>
+            <a:pPr fontAlgn="ctr"/>
+            <a:endParaRPr lang="en-US" dirty="0"/>
           </a:p>
         </p:txBody>
       </p:sp>
@@ -10945,7 +11259,8 @@
           <a:p>
             <a:fld id="{EB798BFA-0A12-4E3A-85B7-D5C3D7F3C007}" type="datetime1">
               <a:rPr lang="en-US" smtClean="0"/>
-              <a:t>5/2/2019</a:t>
+              <a:pPr/>
+              <a:t>5/4/2019</a:t>
             </a:fld>
             <a:endParaRPr lang="en-US" dirty="0"/>
           </a:p>
@@ -10990,18 +11305,250 @@
           <a:p>
             <a:fld id="{BD37BEF6-ACC5-4387-AC71-99C0DDE89871}" type="slidenum">
               <a:rPr lang="en-US" smtClean="0"/>
+              <a:pPr/>
               <a:t>26</a:t>
             </a:fld>
             <a:endParaRPr lang="en-US" dirty="0"/>
           </a:p>
         </p:txBody>
       </p:sp>
+    </p:spTree>
+    <p:extLst>
+      <p:ext uri="{BB962C8B-B14F-4D97-AF65-F5344CB8AC3E}">
+        <p14:creationId xmlns:p14="http://schemas.microsoft.com/office/powerpoint/2010/main" xmlns="" val="2689549785"/>
+      </p:ext>
+    </p:extLst>
+  </p:cSld>
+  <p:clrMapOvr>
+    <a:masterClrMapping/>
+  </p:clrMapOvr>
+</p:sld>
+</file>
+
+<file path=ppt/slides/slide27.xml><?xml version="1.0" encoding="utf-8"?>
+<p:sld xmlns:a="http://schemas.openxmlformats.org/drawingml/2006/main" xmlns:r="http://schemas.openxmlformats.org/officeDocument/2006/relationships" xmlns:p="http://schemas.openxmlformats.org/presentationml/2006/main">
+  <p:cSld>
+    <p:spTree>
+      <p:nvGrpSpPr>
+        <p:cNvPr id="1" name=""/>
+        <p:cNvGrpSpPr/>
+        <p:nvPr/>
+      </p:nvGrpSpPr>
+      <p:grpSpPr>
+        <a:xfrm>
+          <a:off x="0" y="0"/>
+          <a:ext cx="0" cy="0"/>
+          <a:chOff x="0" y="0"/>
+          <a:chExt cx="0" cy="0"/>
+        </a:xfrm>
+      </p:grpSpPr>
+      <p:sp>
+        <p:nvSpPr>
+          <p:cNvPr id="2" name="Title 1"/>
+          <p:cNvSpPr>
+            <a:spLocks noGrp="1"/>
+          </p:cNvSpPr>
+          <p:nvPr>
+            <p:ph type="ctrTitle"/>
+          </p:nvPr>
+        </p:nvSpPr>
+        <p:spPr/>
+        <p:txBody>
+          <a:bodyPr>
+            <a:normAutofit/>
+          </a:bodyPr>
+          <a:lstStyle/>
+          <a:p>
+            <a:r>
+              <a:rPr lang="en-US" sz="4000" dirty="0"/>
+              <a:t>JIRA</a:t>
+            </a:r>
+          </a:p>
+        </p:txBody>
+      </p:sp>
+      <p:sp>
+        <p:nvSpPr>
+          <p:cNvPr id="4" name="Date Placeholder 3"/>
+          <p:cNvSpPr>
+            <a:spLocks noGrp="1"/>
+          </p:cNvSpPr>
+          <p:nvPr>
+            <p:ph type="dt" sz="half" idx="10"/>
+          </p:nvPr>
+        </p:nvSpPr>
+        <p:spPr/>
+        <p:txBody>
+          <a:bodyPr/>
+          <a:lstStyle/>
+          <a:p>
+            <a:fld id="{7555CE78-1282-4767-95FA-CA032235F26F}" type="datetime1">
+              <a:rPr lang="en-US" smtClean="0"/>
+              <a:pPr/>
+              <a:t>5/4/2019</a:t>
+            </a:fld>
+            <a:endParaRPr lang="en-US"/>
+          </a:p>
+        </p:txBody>
+      </p:sp>
+      <p:sp>
+        <p:nvSpPr>
+          <p:cNvPr id="6" name="Slide Number Placeholder 5"/>
+          <p:cNvSpPr>
+            <a:spLocks noGrp="1"/>
+          </p:cNvSpPr>
+          <p:nvPr>
+            <p:ph type="sldNum" sz="quarter" idx="12"/>
+          </p:nvPr>
+        </p:nvSpPr>
+        <p:spPr/>
+        <p:txBody>
+          <a:bodyPr/>
+          <a:lstStyle/>
+          <a:p>
+            <a:fld id="{BD37BEF6-ACC5-4387-AC71-99C0DDE89871}" type="slidenum">
+              <a:rPr lang="en-US" smtClean="0"/>
+              <a:pPr/>
+              <a:t>27</a:t>
+            </a:fld>
+            <a:endParaRPr lang="en-US"/>
+          </a:p>
+        </p:txBody>
+      </p:sp>
+    </p:spTree>
+    <p:extLst>
+      <p:ext uri="{BB962C8B-B14F-4D97-AF65-F5344CB8AC3E}">
+        <p14:creationId xmlns:p14="http://schemas.microsoft.com/office/powerpoint/2010/main" xmlns="" val="3403337340"/>
+      </p:ext>
+    </p:extLst>
+  </p:cSld>
+  <p:clrMapOvr>
+    <a:masterClrMapping/>
+  </p:clrMapOvr>
+</p:sld>
+</file>
+
+<file path=ppt/slides/slide28.xml><?xml version="1.0" encoding="utf-8"?>
+<p:sld xmlns:a="http://schemas.openxmlformats.org/drawingml/2006/main" xmlns:r="http://schemas.openxmlformats.org/officeDocument/2006/relationships" xmlns:p="http://schemas.openxmlformats.org/presentationml/2006/main">
+  <p:cSld>
+    <p:spTree>
+      <p:nvGrpSpPr>
+        <p:cNvPr id="1" name=""/>
+        <p:cNvGrpSpPr/>
+        <p:nvPr/>
+      </p:nvGrpSpPr>
+      <p:grpSpPr>
+        <a:xfrm>
+          <a:off x="0" y="0"/>
+          <a:ext cx="0" cy="0"/>
+          <a:chOff x="0" y="0"/>
+          <a:chExt cx="0" cy="0"/>
+        </a:xfrm>
+      </p:grpSpPr>
+      <p:sp>
+        <p:nvSpPr>
+          <p:cNvPr id="5" name="Title 4"/>
+          <p:cNvSpPr>
+            <a:spLocks noGrp="1"/>
+          </p:cNvSpPr>
+          <p:nvPr>
+            <p:ph type="title"/>
+          </p:nvPr>
+        </p:nvSpPr>
+        <p:spPr>
+          <a:xfrm>
+            <a:off x="688571" y="284162"/>
+            <a:ext cx="10515600" cy="1325563"/>
+          </a:xfrm>
+        </p:spPr>
+        <p:txBody>
+          <a:bodyPr>
+            <a:normAutofit/>
+          </a:bodyPr>
+          <a:lstStyle/>
+          <a:p>
+            <a:r>
+              <a:rPr lang="en-US" sz="4000" dirty="0"/>
+              <a:t>JIRA</a:t>
+            </a:r>
+          </a:p>
+        </p:txBody>
+      </p:sp>
+      <p:sp>
+        <p:nvSpPr>
+          <p:cNvPr id="7" name="Date Placeholder 6"/>
+          <p:cNvSpPr>
+            <a:spLocks noGrp="1"/>
+          </p:cNvSpPr>
+          <p:nvPr>
+            <p:ph type="dt" sz="half" idx="10"/>
+          </p:nvPr>
+        </p:nvSpPr>
+        <p:spPr/>
+        <p:txBody>
+          <a:bodyPr/>
+          <a:lstStyle/>
+          <a:p>
+            <a:fld id="{EB798BFA-0A12-4E3A-85B7-D5C3D7F3C007}" type="datetime1">
+              <a:rPr lang="en-US" smtClean="0"/>
+              <a:pPr/>
+              <a:t>5/4/2019</a:t>
+            </a:fld>
+            <a:endParaRPr lang="en-US" dirty="0"/>
+          </a:p>
+        </p:txBody>
+      </p:sp>
+      <p:sp>
+        <p:nvSpPr>
+          <p:cNvPr id="8" name="Footer Placeholder 7"/>
+          <p:cNvSpPr>
+            <a:spLocks noGrp="1"/>
+          </p:cNvSpPr>
+          <p:nvPr>
+            <p:ph type="ftr" sz="quarter" idx="11"/>
+          </p:nvPr>
+        </p:nvSpPr>
+        <p:spPr/>
+        <p:txBody>
+          <a:bodyPr/>
+          <a:lstStyle/>
+          <a:p>
+            <a:r>
+              <a:rPr lang="en-US" dirty="0"/>
+              <a:t>Tenses</a:t>
+            </a:r>
+          </a:p>
+        </p:txBody>
+      </p:sp>
+      <p:sp>
+        <p:nvSpPr>
+          <p:cNvPr id="9" name="Slide Number Placeholder 8"/>
+          <p:cNvSpPr>
+            <a:spLocks noGrp="1"/>
+          </p:cNvSpPr>
+          <p:nvPr>
+            <p:ph type="sldNum" sz="quarter" idx="12"/>
+          </p:nvPr>
+        </p:nvSpPr>
+        <p:spPr/>
+        <p:txBody>
+          <a:bodyPr/>
+          <a:lstStyle/>
+          <a:p>
+            <a:fld id="{BD37BEF6-ACC5-4387-AC71-99C0DDE89871}" type="slidenum">
+              <a:rPr lang="en-US" smtClean="0"/>
+              <a:pPr/>
+              <a:t>28</a:t>
+            </a:fld>
+            <a:endParaRPr lang="en-US" dirty="0"/>
+          </a:p>
+        </p:txBody>
+      </p:sp>
       <p:sp>
         <p:nvSpPr>
           <p:cNvPr id="3" name="Content Placeholder 2">
             <a:extLst>
               <a:ext uri="{FF2B5EF4-FFF2-40B4-BE49-F238E27FC236}">
-                <a16:creationId xmlns:a16="http://schemas.microsoft.com/office/drawing/2014/main" id="{3F8E2FE0-70E3-4D87-ADBE-D4CD81024C5E}"/>
+                <a16:creationId xmlns:a16="http://schemas.microsoft.com/office/drawing/2014/main" xmlns="" id="{3F8E2FE0-70E3-4D87-ADBE-D4CD81024C5E}"/>
               </a:ext>
             </a:extLst>
           </p:cNvPr>
@@ -11026,7 +11573,7 @@
           <p:cNvPr id="2" name="Picture 1">
             <a:extLst>
               <a:ext uri="{FF2B5EF4-FFF2-40B4-BE49-F238E27FC236}">
-                <a16:creationId xmlns:a16="http://schemas.microsoft.com/office/drawing/2014/main" id="{078105CB-9D6A-4974-831C-7549370F9F87}"/>
+                <a16:creationId xmlns:a16="http://schemas.microsoft.com/office/drawing/2014/main" xmlns="" id="{078105CB-9D6A-4974-831C-7549370F9F87}"/>
               </a:ext>
             </a:extLst>
           </p:cNvPr>
@@ -11054,458 +11601,7 @@
     </p:spTree>
     <p:extLst>
       <p:ext uri="{BB962C8B-B14F-4D97-AF65-F5344CB8AC3E}">
-        <p14:creationId xmlns:p14="http://schemas.microsoft.com/office/powerpoint/2010/main" val="3116502629"/>
-      </p:ext>
-    </p:extLst>
-  </p:cSld>
-  <p:clrMapOvr>
-    <a:masterClrMapping/>
-  </p:clrMapOvr>
-</p:sld>
-</file>
-
-<file path=ppt/slides/slide27.xml><?xml version="1.0" encoding="utf-8"?>
-<p:sld xmlns:a="http://schemas.openxmlformats.org/drawingml/2006/main" xmlns:r="http://schemas.openxmlformats.org/officeDocument/2006/relationships" xmlns:p="http://schemas.openxmlformats.org/presentationml/2006/main">
-  <p:cSld>
-    <p:spTree>
-      <p:nvGrpSpPr>
-        <p:cNvPr id="1" name=""/>
-        <p:cNvGrpSpPr/>
-        <p:nvPr/>
-      </p:nvGrpSpPr>
-      <p:grpSpPr>
-        <a:xfrm>
-          <a:off x="0" y="0"/>
-          <a:ext cx="0" cy="0"/>
-          <a:chOff x="0" y="0"/>
-          <a:chExt cx="0" cy="0"/>
-        </a:xfrm>
-      </p:grpSpPr>
-      <p:sp>
-        <p:nvSpPr>
-          <p:cNvPr id="5" name="Title 4"/>
-          <p:cNvSpPr>
-            <a:spLocks noGrp="1"/>
-          </p:cNvSpPr>
-          <p:nvPr>
-            <p:ph type="title"/>
-          </p:nvPr>
-        </p:nvSpPr>
-        <p:spPr>
-          <a:xfrm>
-            <a:off x="688571" y="284162"/>
-            <a:ext cx="10515600" cy="1325563"/>
-          </a:xfrm>
-        </p:spPr>
-        <p:txBody>
-          <a:bodyPr>
-            <a:normAutofit/>
-          </a:bodyPr>
-          <a:lstStyle/>
-          <a:p>
-            <a:r>
-              <a:rPr lang="en-US" sz="4000" dirty="0"/>
-              <a:t>JIRA</a:t>
-            </a:r>
-          </a:p>
-        </p:txBody>
-      </p:sp>
-      <p:sp>
-        <p:nvSpPr>
-          <p:cNvPr id="6" name="Content Placeholder 5"/>
-          <p:cNvSpPr>
-            <a:spLocks noGrp="1"/>
-          </p:cNvSpPr>
-          <p:nvPr>
-            <p:ph idx="1"/>
-          </p:nvPr>
-        </p:nvSpPr>
-        <p:spPr>
-          <a:xfrm>
-            <a:off x="838200" y="1253331"/>
-            <a:ext cx="10515600" cy="4351338"/>
-          </a:xfrm>
-        </p:spPr>
-        <p:txBody>
-          <a:bodyPr>
-            <a:normAutofit/>
-          </a:bodyPr>
-          <a:lstStyle/>
-          <a:p>
-            <a:pPr fontAlgn="ctr"/>
-            <a:r>
-              <a:rPr lang="en-US" dirty="0"/>
-              <a:t>JIRA is to manage the project issues, tasks, </a:t>
-            </a:r>
-          </a:p>
-          <a:p>
-            <a:pPr lvl="1" fontAlgn="ctr"/>
-            <a:r>
-              <a:rPr lang="en-US" dirty="0"/>
-              <a:t>Projects</a:t>
-            </a:r>
-          </a:p>
-          <a:p>
-            <a:pPr lvl="1" fontAlgn="ctr"/>
-            <a:r>
-              <a:rPr lang="en-US" dirty="0"/>
-              <a:t>Issues </a:t>
-            </a:r>
-          </a:p>
-          <a:p>
-            <a:pPr lvl="1" fontAlgn="ctr"/>
-            <a:r>
-              <a:rPr lang="en-US" dirty="0"/>
-              <a:t>Components</a:t>
-            </a:r>
-          </a:p>
-          <a:p>
-            <a:pPr lvl="1" fontAlgn="ctr"/>
-            <a:r>
-              <a:rPr lang="en-US" dirty="0"/>
-              <a:t>Workflows</a:t>
-            </a:r>
-          </a:p>
-          <a:p>
-            <a:pPr fontAlgn="ctr"/>
-            <a:r>
-              <a:rPr lang="en-US" dirty="0"/>
-              <a:t>Projects: </a:t>
-            </a:r>
-          </a:p>
-          <a:p>
-            <a:pPr lvl="1" fontAlgn="ctr"/>
-            <a:r>
-              <a:rPr lang="en-US" dirty="0"/>
-              <a:t>Collection of Issues</a:t>
-            </a:r>
-          </a:p>
-          <a:p>
-            <a:pPr lvl="1" fontAlgn="ctr"/>
-            <a:r>
-              <a:rPr lang="en-US" dirty="0"/>
-              <a:t>Issue belongs to a Project</a:t>
-            </a:r>
-          </a:p>
-          <a:p>
-            <a:pPr lvl="1" fontAlgn="ctr"/>
-            <a:r>
-              <a:rPr lang="en-US" dirty="0"/>
-              <a:t>Each Project will have name and Key</a:t>
-            </a:r>
-          </a:p>
-          <a:p>
-            <a:pPr lvl="1" fontAlgn="ctr"/>
-            <a:r>
-              <a:rPr lang="en-US" dirty="0"/>
-              <a:t>Key will be used for each Issue name with prefix</a:t>
-            </a:r>
-          </a:p>
-        </p:txBody>
-      </p:sp>
-      <p:sp>
-        <p:nvSpPr>
-          <p:cNvPr id="7" name="Date Placeholder 6"/>
-          <p:cNvSpPr>
-            <a:spLocks noGrp="1"/>
-          </p:cNvSpPr>
-          <p:nvPr>
-            <p:ph type="dt" sz="half" idx="10"/>
-          </p:nvPr>
-        </p:nvSpPr>
-        <p:spPr/>
-        <p:txBody>
-          <a:bodyPr/>
-          <a:lstStyle/>
-          <a:p>
-            <a:fld id="{EB798BFA-0A12-4E3A-85B7-D5C3D7F3C007}" type="datetime1">
-              <a:rPr lang="en-US" smtClean="0"/>
-              <a:t>5/2/2019</a:t>
-            </a:fld>
-            <a:endParaRPr lang="en-US" dirty="0"/>
-          </a:p>
-        </p:txBody>
-      </p:sp>
-      <p:sp>
-        <p:nvSpPr>
-          <p:cNvPr id="8" name="Footer Placeholder 7"/>
-          <p:cNvSpPr>
-            <a:spLocks noGrp="1"/>
-          </p:cNvSpPr>
-          <p:nvPr>
-            <p:ph type="ftr" sz="quarter" idx="11"/>
-          </p:nvPr>
-        </p:nvSpPr>
-        <p:spPr/>
-        <p:txBody>
-          <a:bodyPr/>
-          <a:lstStyle/>
-          <a:p>
-            <a:r>
-              <a:rPr lang="en-US" dirty="0"/>
-              <a:t>Tenses</a:t>
-            </a:r>
-          </a:p>
-        </p:txBody>
-      </p:sp>
-      <p:sp>
-        <p:nvSpPr>
-          <p:cNvPr id="9" name="Slide Number Placeholder 8"/>
-          <p:cNvSpPr>
-            <a:spLocks noGrp="1"/>
-          </p:cNvSpPr>
-          <p:nvPr>
-            <p:ph type="sldNum" sz="quarter" idx="12"/>
-          </p:nvPr>
-        </p:nvSpPr>
-        <p:spPr/>
-        <p:txBody>
-          <a:bodyPr/>
-          <a:lstStyle/>
-          <a:p>
-            <a:fld id="{BD37BEF6-ACC5-4387-AC71-99C0DDE89871}" type="slidenum">
-              <a:rPr lang="en-US" smtClean="0"/>
-              <a:t>27</a:t>
-            </a:fld>
-            <a:endParaRPr lang="en-US" dirty="0"/>
-          </a:p>
-        </p:txBody>
-      </p:sp>
-    </p:spTree>
-    <p:extLst>
-      <p:ext uri="{BB962C8B-B14F-4D97-AF65-F5344CB8AC3E}">
-        <p14:creationId xmlns:p14="http://schemas.microsoft.com/office/powerpoint/2010/main" val="1635297304"/>
-      </p:ext>
-    </p:extLst>
-  </p:cSld>
-  <p:clrMapOvr>
-    <a:masterClrMapping/>
-  </p:clrMapOvr>
-</p:sld>
-</file>
-
-<file path=ppt/slides/slide28.xml><?xml version="1.0" encoding="utf-8"?>
-<p:sld xmlns:a="http://schemas.openxmlformats.org/drawingml/2006/main" xmlns:r="http://schemas.openxmlformats.org/officeDocument/2006/relationships" xmlns:p="http://schemas.openxmlformats.org/presentationml/2006/main">
-  <p:cSld>
-    <p:spTree>
-      <p:nvGrpSpPr>
-        <p:cNvPr id="1" name=""/>
-        <p:cNvGrpSpPr/>
-        <p:nvPr/>
-      </p:nvGrpSpPr>
-      <p:grpSpPr>
-        <a:xfrm>
-          <a:off x="0" y="0"/>
-          <a:ext cx="0" cy="0"/>
-          <a:chOff x="0" y="0"/>
-          <a:chExt cx="0" cy="0"/>
-        </a:xfrm>
-      </p:grpSpPr>
-      <p:sp>
-        <p:nvSpPr>
-          <p:cNvPr id="5" name="Title 4"/>
-          <p:cNvSpPr>
-            <a:spLocks noGrp="1"/>
-          </p:cNvSpPr>
-          <p:nvPr>
-            <p:ph type="title"/>
-          </p:nvPr>
-        </p:nvSpPr>
-        <p:spPr>
-          <a:xfrm>
-            <a:off x="688571" y="284162"/>
-            <a:ext cx="10515600" cy="1325563"/>
-          </a:xfrm>
-        </p:spPr>
-        <p:txBody>
-          <a:bodyPr>
-            <a:normAutofit/>
-          </a:bodyPr>
-          <a:lstStyle/>
-          <a:p>
-            <a:r>
-              <a:rPr lang="en-US" sz="4000" dirty="0"/>
-              <a:t>JIRA</a:t>
-            </a:r>
-          </a:p>
-        </p:txBody>
-      </p:sp>
-      <p:sp>
-        <p:nvSpPr>
-          <p:cNvPr id="6" name="Content Placeholder 5"/>
-          <p:cNvSpPr>
-            <a:spLocks noGrp="1"/>
-          </p:cNvSpPr>
-          <p:nvPr>
-            <p:ph idx="1"/>
-          </p:nvPr>
-        </p:nvSpPr>
-        <p:spPr>
-          <a:xfrm>
-            <a:off x="838200" y="1253331"/>
-            <a:ext cx="10515600" cy="4351338"/>
-          </a:xfrm>
-        </p:spPr>
-        <p:txBody>
-          <a:bodyPr>
-            <a:normAutofit/>
-          </a:bodyPr>
-          <a:lstStyle/>
-          <a:p>
-            <a:pPr fontAlgn="ctr"/>
-            <a:r>
-              <a:rPr lang="en-US" dirty="0"/>
-              <a:t>Issues: </a:t>
-            </a:r>
-          </a:p>
-          <a:p>
-            <a:pPr lvl="1" fontAlgn="ctr"/>
-            <a:r>
-              <a:rPr lang="en-US" dirty="0"/>
-              <a:t>Building block f the project</a:t>
-            </a:r>
-          </a:p>
-          <a:p>
-            <a:pPr lvl="1" fontAlgn="ctr"/>
-            <a:r>
-              <a:rPr lang="en-US" dirty="0"/>
-              <a:t>Represent:</a:t>
-            </a:r>
-          </a:p>
-          <a:p>
-            <a:pPr lvl="2" fontAlgn="ctr"/>
-            <a:r>
-              <a:rPr lang="en-US" dirty="0"/>
-              <a:t>A Software Bug</a:t>
-            </a:r>
-          </a:p>
-          <a:p>
-            <a:pPr lvl="2" fontAlgn="ctr"/>
-            <a:r>
-              <a:rPr lang="en-US" dirty="0"/>
-              <a:t>A project task</a:t>
-            </a:r>
-          </a:p>
-          <a:p>
-            <a:pPr lvl="2" fontAlgn="ctr"/>
-            <a:r>
-              <a:rPr lang="en-US" dirty="0"/>
-              <a:t>A helpdesk ticket</a:t>
-            </a:r>
-          </a:p>
-          <a:p>
-            <a:pPr lvl="2" fontAlgn="ctr"/>
-            <a:r>
-              <a:rPr lang="en-US" dirty="0"/>
-              <a:t>A product improvement</a:t>
-            </a:r>
-          </a:p>
-          <a:p>
-            <a:pPr lvl="2" fontAlgn="ctr"/>
-            <a:r>
-              <a:rPr lang="en-US" dirty="0"/>
-              <a:t>A leave request from client</a:t>
-            </a:r>
-          </a:p>
-          <a:p>
-            <a:pPr fontAlgn="ctr"/>
-            <a:r>
-              <a:rPr lang="en-US" dirty="0"/>
-              <a:t>Components:</a:t>
-            </a:r>
-          </a:p>
-          <a:p>
-            <a:pPr lvl="1" fontAlgn="ctr"/>
-            <a:r>
-              <a:rPr lang="en-US" dirty="0"/>
-              <a:t>Sub sections of the project</a:t>
-            </a:r>
-          </a:p>
-          <a:p>
-            <a:pPr lvl="1" fontAlgn="ctr"/>
-            <a:r>
-              <a:rPr lang="en-US" dirty="0"/>
-              <a:t>Issues will be mapped to one of the components</a:t>
-            </a:r>
-          </a:p>
-          <a:p>
-            <a:pPr lvl="1" fontAlgn="ctr"/>
-            <a:endParaRPr lang="en-US" dirty="0"/>
-          </a:p>
-        </p:txBody>
-      </p:sp>
-      <p:sp>
-        <p:nvSpPr>
-          <p:cNvPr id="7" name="Date Placeholder 6"/>
-          <p:cNvSpPr>
-            <a:spLocks noGrp="1"/>
-          </p:cNvSpPr>
-          <p:nvPr>
-            <p:ph type="dt" sz="half" idx="10"/>
-          </p:nvPr>
-        </p:nvSpPr>
-        <p:spPr/>
-        <p:txBody>
-          <a:bodyPr/>
-          <a:lstStyle/>
-          <a:p>
-            <a:fld id="{EB798BFA-0A12-4E3A-85B7-D5C3D7F3C007}" type="datetime1">
-              <a:rPr lang="en-US" smtClean="0"/>
-              <a:t>5/2/2019</a:t>
-            </a:fld>
-            <a:endParaRPr lang="en-US" dirty="0"/>
-          </a:p>
-        </p:txBody>
-      </p:sp>
-      <p:sp>
-        <p:nvSpPr>
-          <p:cNvPr id="8" name="Footer Placeholder 7"/>
-          <p:cNvSpPr>
-            <a:spLocks noGrp="1"/>
-          </p:cNvSpPr>
-          <p:nvPr>
-            <p:ph type="ftr" sz="quarter" idx="11"/>
-          </p:nvPr>
-        </p:nvSpPr>
-        <p:spPr/>
-        <p:txBody>
-          <a:bodyPr/>
-          <a:lstStyle/>
-          <a:p>
-            <a:r>
-              <a:rPr lang="en-US" dirty="0"/>
-              <a:t>Tenses</a:t>
-            </a:r>
-          </a:p>
-        </p:txBody>
-      </p:sp>
-      <p:sp>
-        <p:nvSpPr>
-          <p:cNvPr id="9" name="Slide Number Placeholder 8"/>
-          <p:cNvSpPr>
-            <a:spLocks noGrp="1"/>
-          </p:cNvSpPr>
-          <p:nvPr>
-            <p:ph type="sldNum" sz="quarter" idx="12"/>
-          </p:nvPr>
-        </p:nvSpPr>
-        <p:spPr/>
-        <p:txBody>
-          <a:bodyPr/>
-          <a:lstStyle/>
-          <a:p>
-            <a:fld id="{BD37BEF6-ACC5-4387-AC71-99C0DDE89871}" type="slidenum">
-              <a:rPr lang="en-US" smtClean="0"/>
-              <a:t>28</a:t>
-            </a:fld>
-            <a:endParaRPr lang="en-US" dirty="0"/>
-          </a:p>
-        </p:txBody>
-      </p:sp>
-    </p:spTree>
-    <p:extLst>
-      <p:ext uri="{BB962C8B-B14F-4D97-AF65-F5344CB8AC3E}">
-        <p14:creationId xmlns:p14="http://schemas.microsoft.com/office/powerpoint/2010/main" val="608011416"/>
+        <p14:creationId xmlns:p14="http://schemas.microsoft.com/office/powerpoint/2010/main" xmlns="" val="3116502629"/>
       </p:ext>
     </p:extLst>
   </p:cSld>
@@ -11556,7 +11652,100 @@
           <a:p>
             <a:r>
               <a:rPr lang="en-US" sz="4000" dirty="0"/>
-              <a:t>JIRA – Project/Component/Issues</a:t>
+              <a:t>JIRA</a:t>
+            </a:r>
+          </a:p>
+        </p:txBody>
+      </p:sp>
+      <p:sp>
+        <p:nvSpPr>
+          <p:cNvPr id="6" name="Content Placeholder 5"/>
+          <p:cNvSpPr>
+            <a:spLocks noGrp="1"/>
+          </p:cNvSpPr>
+          <p:nvPr>
+            <p:ph idx="1"/>
+          </p:nvPr>
+        </p:nvSpPr>
+        <p:spPr>
+          <a:xfrm>
+            <a:off x="838200" y="1253331"/>
+            <a:ext cx="10515600" cy="4351338"/>
+          </a:xfrm>
+        </p:spPr>
+        <p:txBody>
+          <a:bodyPr>
+            <a:normAutofit/>
+          </a:bodyPr>
+          <a:lstStyle/>
+          <a:p>
+            <a:pPr fontAlgn="ctr"/>
+            <a:r>
+              <a:rPr lang="en-US" dirty="0"/>
+              <a:t>JIRA is to manage the project issues, tasks, </a:t>
+            </a:r>
+          </a:p>
+          <a:p>
+            <a:pPr lvl="1" fontAlgn="ctr"/>
+            <a:r>
+              <a:rPr lang="en-US" dirty="0"/>
+              <a:t>Projects</a:t>
+            </a:r>
+          </a:p>
+          <a:p>
+            <a:pPr lvl="1" fontAlgn="ctr"/>
+            <a:r>
+              <a:rPr lang="en-US" dirty="0"/>
+              <a:t>Issues </a:t>
+            </a:r>
+          </a:p>
+          <a:p>
+            <a:pPr lvl="1" fontAlgn="ctr"/>
+            <a:r>
+              <a:rPr lang="en-US" dirty="0"/>
+              <a:t>Components</a:t>
+            </a:r>
+          </a:p>
+          <a:p>
+            <a:pPr lvl="1" fontAlgn="ctr"/>
+            <a:r>
+              <a:rPr lang="en-US" dirty="0"/>
+              <a:t>Workflows</a:t>
+            </a:r>
+          </a:p>
+          <a:p>
+            <a:pPr fontAlgn="ctr"/>
+            <a:r>
+              <a:rPr lang="en-US" dirty="0"/>
+              <a:t>Projects: </a:t>
+            </a:r>
+          </a:p>
+          <a:p>
+            <a:pPr lvl="1" fontAlgn="ctr"/>
+            <a:r>
+              <a:rPr lang="en-US" dirty="0"/>
+              <a:t>Collection of Issues</a:t>
+            </a:r>
+          </a:p>
+          <a:p>
+            <a:pPr lvl="1" fontAlgn="ctr"/>
+            <a:r>
+              <a:rPr lang="en-US" dirty="0"/>
+              <a:t>Issue belongs to a Project</a:t>
+            </a:r>
+          </a:p>
+          <a:p>
+            <a:pPr lvl="1" fontAlgn="ctr"/>
+            <a:r>
+              <a:rPr lang="en-US" dirty="0"/>
+              <a:t>Each Project will have name and Key</a:t>
+            </a:r>
+          </a:p>
+          <a:p>
+            <a:pPr lvl="1" fontAlgn="ctr"/>
+            <a:r>
+              <a:rPr lang="en-US" dirty="0"/>
+              <a:t>Key will be used for each Issue name with prefix</a:t>
             </a:r>
           </a:p>
         </p:txBody>
@@ -11578,7 +11767,8 @@
           <a:p>
             <a:fld id="{EB798BFA-0A12-4E3A-85B7-D5C3D7F3C007}" type="datetime1">
               <a:rPr lang="en-US" smtClean="0"/>
-              <a:t>5/2/2019</a:t>
+              <a:pPr/>
+              <a:t>5/4/2019</a:t>
             </a:fld>
             <a:endParaRPr lang="en-US" dirty="0"/>
           </a:p>
@@ -11623,18 +11813,544 @@
           <a:p>
             <a:fld id="{BD37BEF6-ACC5-4387-AC71-99C0DDE89871}" type="slidenum">
               <a:rPr lang="en-US" smtClean="0"/>
+              <a:pPr/>
               <a:t>29</a:t>
             </a:fld>
             <a:endParaRPr lang="en-US" dirty="0"/>
           </a:p>
         </p:txBody>
       </p:sp>
+    </p:spTree>
+    <p:extLst>
+      <p:ext uri="{BB962C8B-B14F-4D97-AF65-F5344CB8AC3E}">
+        <p14:creationId xmlns:p14="http://schemas.microsoft.com/office/powerpoint/2010/main" xmlns="" val="1635297304"/>
+      </p:ext>
+    </p:extLst>
+  </p:cSld>
+  <p:clrMapOvr>
+    <a:masterClrMapping/>
+  </p:clrMapOvr>
+</p:sld>
+</file>
+
+<file path=ppt/slides/slide3.xml><?xml version="1.0" encoding="utf-8"?>
+<p:sld xmlns:a="http://schemas.openxmlformats.org/drawingml/2006/main" xmlns:r="http://schemas.openxmlformats.org/officeDocument/2006/relationships" xmlns:p="http://schemas.openxmlformats.org/presentationml/2006/main">
+  <p:cSld>
+    <p:spTree>
+      <p:nvGrpSpPr>
+        <p:cNvPr id="1" name=""/>
+        <p:cNvGrpSpPr/>
+        <p:nvPr/>
+      </p:nvGrpSpPr>
+      <p:grpSpPr>
+        <a:xfrm>
+          <a:off x="0" y="0"/>
+          <a:ext cx="0" cy="0"/>
+          <a:chOff x="0" y="0"/>
+          <a:chExt cx="0" cy="0"/>
+        </a:xfrm>
+      </p:grpSpPr>
+      <p:sp>
+        <p:nvSpPr>
+          <p:cNvPr id="2" name="Title 1"/>
+          <p:cNvSpPr>
+            <a:spLocks noGrp="1"/>
+          </p:cNvSpPr>
+          <p:nvPr>
+            <p:ph type="title"/>
+          </p:nvPr>
+        </p:nvSpPr>
+        <p:spPr/>
+        <p:txBody>
+          <a:bodyPr>
+            <a:normAutofit/>
+          </a:bodyPr>
+          <a:lstStyle/>
+          <a:p>
+            <a:r>
+              <a:rPr lang="en-US" sz="4000" dirty="0"/>
+              <a:t>Technology Topics</a:t>
+            </a:r>
+          </a:p>
+        </p:txBody>
+      </p:sp>
+      <p:sp>
+        <p:nvSpPr>
+          <p:cNvPr id="3" name="Content Placeholder 2"/>
+          <p:cNvSpPr>
+            <a:spLocks noGrp="1"/>
+          </p:cNvSpPr>
+          <p:nvPr>
+            <p:ph idx="1"/>
+          </p:nvPr>
+        </p:nvSpPr>
+        <p:spPr/>
+        <p:txBody>
+          <a:bodyPr/>
+          <a:lstStyle/>
+          <a:p>
+            <a:r>
+              <a:rPr lang="en-US" dirty="0"/>
+              <a:t>Web server</a:t>
+            </a:r>
+          </a:p>
+          <a:p>
+            <a:r>
+              <a:rPr lang="en-US" dirty="0"/>
+              <a:t>Application Server</a:t>
+            </a:r>
+          </a:p>
+          <a:p>
+            <a:r>
+              <a:rPr lang="en-US" dirty="0"/>
+              <a:t>Plug-Ins</a:t>
+            </a:r>
+          </a:p>
+          <a:p>
+            <a:r>
+              <a:rPr lang="en-US" dirty="0"/>
+              <a:t>IoT</a:t>
+            </a:r>
+          </a:p>
+          <a:p>
+            <a:r>
+              <a:rPr lang="en-US" dirty="0"/>
+              <a:t>REST API</a:t>
+            </a:r>
+          </a:p>
+          <a:p>
+            <a:r>
+              <a:rPr lang="en-US" dirty="0"/>
+              <a:t>SOAP API</a:t>
+            </a:r>
+          </a:p>
+          <a:p>
+            <a:r>
+              <a:rPr lang="en-US" dirty="0"/>
+              <a:t>Micro Services</a:t>
+            </a:r>
+          </a:p>
+          <a:p>
+            <a:endParaRPr lang="en-US" dirty="0"/>
+          </a:p>
+        </p:txBody>
+      </p:sp>
+      <p:sp>
+        <p:nvSpPr>
+          <p:cNvPr id="4" name="Date Placeholder 3"/>
+          <p:cNvSpPr>
+            <a:spLocks noGrp="1"/>
+          </p:cNvSpPr>
+          <p:nvPr>
+            <p:ph type="dt" sz="half" idx="10"/>
+          </p:nvPr>
+        </p:nvSpPr>
+        <p:spPr/>
+        <p:txBody>
+          <a:bodyPr/>
+          <a:lstStyle/>
+          <a:p>
+            <a:fld id="{7555CE78-1282-4767-95FA-CA032235F26F}" type="datetime1">
+              <a:rPr lang="en-US" smtClean="0"/>
+              <a:pPr/>
+              <a:t>5/4/2019</a:t>
+            </a:fld>
+            <a:endParaRPr lang="en-US"/>
+          </a:p>
+        </p:txBody>
+      </p:sp>
+      <p:sp>
+        <p:nvSpPr>
+          <p:cNvPr id="6" name="Slide Number Placeholder 5"/>
+          <p:cNvSpPr>
+            <a:spLocks noGrp="1"/>
+          </p:cNvSpPr>
+          <p:nvPr>
+            <p:ph type="sldNum" sz="quarter" idx="12"/>
+          </p:nvPr>
+        </p:nvSpPr>
+        <p:spPr/>
+        <p:txBody>
+          <a:bodyPr/>
+          <a:lstStyle/>
+          <a:p>
+            <a:fld id="{BD37BEF6-ACC5-4387-AC71-99C0DDE89871}" type="slidenum">
+              <a:rPr lang="en-US" smtClean="0"/>
+              <a:pPr/>
+              <a:t>3</a:t>
+            </a:fld>
+            <a:endParaRPr lang="en-US"/>
+          </a:p>
+        </p:txBody>
+      </p:sp>
+    </p:spTree>
+    <p:extLst>
+      <p:ext uri="{BB962C8B-B14F-4D97-AF65-F5344CB8AC3E}">
+        <p14:creationId xmlns:p14="http://schemas.microsoft.com/office/powerpoint/2010/main" xmlns="" val="4279262467"/>
+      </p:ext>
+    </p:extLst>
+  </p:cSld>
+  <p:clrMapOvr>
+    <a:masterClrMapping/>
+  </p:clrMapOvr>
+</p:sld>
+</file>
+
+<file path=ppt/slides/slide30.xml><?xml version="1.0" encoding="utf-8"?>
+<p:sld xmlns:a="http://schemas.openxmlformats.org/drawingml/2006/main" xmlns:r="http://schemas.openxmlformats.org/officeDocument/2006/relationships" xmlns:p="http://schemas.openxmlformats.org/presentationml/2006/main">
+  <p:cSld>
+    <p:spTree>
+      <p:nvGrpSpPr>
+        <p:cNvPr id="1" name=""/>
+        <p:cNvGrpSpPr/>
+        <p:nvPr/>
+      </p:nvGrpSpPr>
+      <p:grpSpPr>
+        <a:xfrm>
+          <a:off x="0" y="0"/>
+          <a:ext cx="0" cy="0"/>
+          <a:chOff x="0" y="0"/>
+          <a:chExt cx="0" cy="0"/>
+        </a:xfrm>
+      </p:grpSpPr>
+      <p:sp>
+        <p:nvSpPr>
+          <p:cNvPr id="5" name="Title 4"/>
+          <p:cNvSpPr>
+            <a:spLocks noGrp="1"/>
+          </p:cNvSpPr>
+          <p:nvPr>
+            <p:ph type="title"/>
+          </p:nvPr>
+        </p:nvSpPr>
+        <p:spPr>
+          <a:xfrm>
+            <a:off x="688571" y="284162"/>
+            <a:ext cx="10515600" cy="1325563"/>
+          </a:xfrm>
+        </p:spPr>
+        <p:txBody>
+          <a:bodyPr>
+            <a:normAutofit/>
+          </a:bodyPr>
+          <a:lstStyle/>
+          <a:p>
+            <a:r>
+              <a:rPr lang="en-US" sz="4000" dirty="0"/>
+              <a:t>JIRA</a:t>
+            </a:r>
+          </a:p>
+        </p:txBody>
+      </p:sp>
+      <p:sp>
+        <p:nvSpPr>
+          <p:cNvPr id="6" name="Content Placeholder 5"/>
+          <p:cNvSpPr>
+            <a:spLocks noGrp="1"/>
+          </p:cNvSpPr>
+          <p:nvPr>
+            <p:ph idx="1"/>
+          </p:nvPr>
+        </p:nvSpPr>
+        <p:spPr>
+          <a:xfrm>
+            <a:off x="838200" y="1253331"/>
+            <a:ext cx="10515600" cy="4351338"/>
+          </a:xfrm>
+        </p:spPr>
+        <p:txBody>
+          <a:bodyPr>
+            <a:normAutofit/>
+          </a:bodyPr>
+          <a:lstStyle/>
+          <a:p>
+            <a:pPr fontAlgn="ctr"/>
+            <a:r>
+              <a:rPr lang="en-US" dirty="0"/>
+              <a:t>Issues: </a:t>
+            </a:r>
+          </a:p>
+          <a:p>
+            <a:pPr lvl="1" fontAlgn="ctr"/>
+            <a:r>
+              <a:rPr lang="en-US" dirty="0"/>
+              <a:t>Building block f the project</a:t>
+            </a:r>
+          </a:p>
+          <a:p>
+            <a:pPr lvl="1" fontAlgn="ctr"/>
+            <a:r>
+              <a:rPr lang="en-US" dirty="0"/>
+              <a:t>Represent:</a:t>
+            </a:r>
+          </a:p>
+          <a:p>
+            <a:pPr lvl="2" fontAlgn="ctr"/>
+            <a:r>
+              <a:rPr lang="en-US" dirty="0"/>
+              <a:t>A Software Bug</a:t>
+            </a:r>
+          </a:p>
+          <a:p>
+            <a:pPr lvl="2" fontAlgn="ctr"/>
+            <a:r>
+              <a:rPr lang="en-US" dirty="0"/>
+              <a:t>A project task</a:t>
+            </a:r>
+          </a:p>
+          <a:p>
+            <a:pPr lvl="2" fontAlgn="ctr"/>
+            <a:r>
+              <a:rPr lang="en-US" dirty="0"/>
+              <a:t>A helpdesk ticket</a:t>
+            </a:r>
+          </a:p>
+          <a:p>
+            <a:pPr lvl="2" fontAlgn="ctr"/>
+            <a:r>
+              <a:rPr lang="en-US" dirty="0"/>
+              <a:t>A product improvement</a:t>
+            </a:r>
+          </a:p>
+          <a:p>
+            <a:pPr lvl="2" fontAlgn="ctr"/>
+            <a:r>
+              <a:rPr lang="en-US" dirty="0"/>
+              <a:t>A leave request from client</a:t>
+            </a:r>
+          </a:p>
+          <a:p>
+            <a:pPr fontAlgn="ctr"/>
+            <a:r>
+              <a:rPr lang="en-US" dirty="0"/>
+              <a:t>Components:</a:t>
+            </a:r>
+          </a:p>
+          <a:p>
+            <a:pPr lvl="1" fontAlgn="ctr"/>
+            <a:r>
+              <a:rPr lang="en-US" dirty="0"/>
+              <a:t>Sub sections of the project</a:t>
+            </a:r>
+          </a:p>
+          <a:p>
+            <a:pPr lvl="1" fontAlgn="ctr"/>
+            <a:r>
+              <a:rPr lang="en-US" dirty="0"/>
+              <a:t>Issues will be mapped to one of the components</a:t>
+            </a:r>
+          </a:p>
+          <a:p>
+            <a:pPr lvl="1" fontAlgn="ctr"/>
+            <a:endParaRPr lang="en-US" dirty="0"/>
+          </a:p>
+        </p:txBody>
+      </p:sp>
+      <p:sp>
+        <p:nvSpPr>
+          <p:cNvPr id="7" name="Date Placeholder 6"/>
+          <p:cNvSpPr>
+            <a:spLocks noGrp="1"/>
+          </p:cNvSpPr>
+          <p:nvPr>
+            <p:ph type="dt" sz="half" idx="10"/>
+          </p:nvPr>
+        </p:nvSpPr>
+        <p:spPr/>
+        <p:txBody>
+          <a:bodyPr/>
+          <a:lstStyle/>
+          <a:p>
+            <a:fld id="{EB798BFA-0A12-4E3A-85B7-D5C3D7F3C007}" type="datetime1">
+              <a:rPr lang="en-US" smtClean="0"/>
+              <a:pPr/>
+              <a:t>5/4/2019</a:t>
+            </a:fld>
+            <a:endParaRPr lang="en-US" dirty="0"/>
+          </a:p>
+        </p:txBody>
+      </p:sp>
+      <p:sp>
+        <p:nvSpPr>
+          <p:cNvPr id="8" name="Footer Placeholder 7"/>
+          <p:cNvSpPr>
+            <a:spLocks noGrp="1"/>
+          </p:cNvSpPr>
+          <p:nvPr>
+            <p:ph type="ftr" sz="quarter" idx="11"/>
+          </p:nvPr>
+        </p:nvSpPr>
+        <p:spPr/>
+        <p:txBody>
+          <a:bodyPr/>
+          <a:lstStyle/>
+          <a:p>
+            <a:r>
+              <a:rPr lang="en-US" dirty="0"/>
+              <a:t>Tenses</a:t>
+            </a:r>
+          </a:p>
+        </p:txBody>
+      </p:sp>
+      <p:sp>
+        <p:nvSpPr>
+          <p:cNvPr id="9" name="Slide Number Placeholder 8"/>
+          <p:cNvSpPr>
+            <a:spLocks noGrp="1"/>
+          </p:cNvSpPr>
+          <p:nvPr>
+            <p:ph type="sldNum" sz="quarter" idx="12"/>
+          </p:nvPr>
+        </p:nvSpPr>
+        <p:spPr/>
+        <p:txBody>
+          <a:bodyPr/>
+          <a:lstStyle/>
+          <a:p>
+            <a:fld id="{BD37BEF6-ACC5-4387-AC71-99C0DDE89871}" type="slidenum">
+              <a:rPr lang="en-US" smtClean="0"/>
+              <a:pPr/>
+              <a:t>30</a:t>
+            </a:fld>
+            <a:endParaRPr lang="en-US" dirty="0"/>
+          </a:p>
+        </p:txBody>
+      </p:sp>
+    </p:spTree>
+    <p:extLst>
+      <p:ext uri="{BB962C8B-B14F-4D97-AF65-F5344CB8AC3E}">
+        <p14:creationId xmlns:p14="http://schemas.microsoft.com/office/powerpoint/2010/main" xmlns="" val="608011416"/>
+      </p:ext>
+    </p:extLst>
+  </p:cSld>
+  <p:clrMapOvr>
+    <a:masterClrMapping/>
+  </p:clrMapOvr>
+</p:sld>
+</file>
+
+<file path=ppt/slides/slide31.xml><?xml version="1.0" encoding="utf-8"?>
+<p:sld xmlns:a="http://schemas.openxmlformats.org/drawingml/2006/main" xmlns:r="http://schemas.openxmlformats.org/officeDocument/2006/relationships" xmlns:p="http://schemas.openxmlformats.org/presentationml/2006/main">
+  <p:cSld>
+    <p:spTree>
+      <p:nvGrpSpPr>
+        <p:cNvPr id="1" name=""/>
+        <p:cNvGrpSpPr/>
+        <p:nvPr/>
+      </p:nvGrpSpPr>
+      <p:grpSpPr>
+        <a:xfrm>
+          <a:off x="0" y="0"/>
+          <a:ext cx="0" cy="0"/>
+          <a:chOff x="0" y="0"/>
+          <a:chExt cx="0" cy="0"/>
+        </a:xfrm>
+      </p:grpSpPr>
+      <p:sp>
+        <p:nvSpPr>
+          <p:cNvPr id="5" name="Title 4"/>
+          <p:cNvSpPr>
+            <a:spLocks noGrp="1"/>
+          </p:cNvSpPr>
+          <p:nvPr>
+            <p:ph type="title"/>
+          </p:nvPr>
+        </p:nvSpPr>
+        <p:spPr>
+          <a:xfrm>
+            <a:off x="688571" y="284162"/>
+            <a:ext cx="10515600" cy="1325563"/>
+          </a:xfrm>
+        </p:spPr>
+        <p:txBody>
+          <a:bodyPr>
+            <a:normAutofit/>
+          </a:bodyPr>
+          <a:lstStyle/>
+          <a:p>
+            <a:r>
+              <a:rPr lang="en-US" sz="4000" dirty="0"/>
+              <a:t>JIRA – Project/Component/Issues</a:t>
+            </a:r>
+          </a:p>
+        </p:txBody>
+      </p:sp>
+      <p:sp>
+        <p:nvSpPr>
+          <p:cNvPr id="7" name="Date Placeholder 6"/>
+          <p:cNvSpPr>
+            <a:spLocks noGrp="1"/>
+          </p:cNvSpPr>
+          <p:nvPr>
+            <p:ph type="dt" sz="half" idx="10"/>
+          </p:nvPr>
+        </p:nvSpPr>
+        <p:spPr/>
+        <p:txBody>
+          <a:bodyPr/>
+          <a:lstStyle/>
+          <a:p>
+            <a:fld id="{EB798BFA-0A12-4E3A-85B7-D5C3D7F3C007}" type="datetime1">
+              <a:rPr lang="en-US" smtClean="0"/>
+              <a:pPr/>
+              <a:t>5/4/2019</a:t>
+            </a:fld>
+            <a:endParaRPr lang="en-US" dirty="0"/>
+          </a:p>
+        </p:txBody>
+      </p:sp>
+      <p:sp>
+        <p:nvSpPr>
+          <p:cNvPr id="8" name="Footer Placeholder 7"/>
+          <p:cNvSpPr>
+            <a:spLocks noGrp="1"/>
+          </p:cNvSpPr>
+          <p:nvPr>
+            <p:ph type="ftr" sz="quarter" idx="11"/>
+          </p:nvPr>
+        </p:nvSpPr>
+        <p:spPr/>
+        <p:txBody>
+          <a:bodyPr/>
+          <a:lstStyle/>
+          <a:p>
+            <a:r>
+              <a:rPr lang="en-US" dirty="0"/>
+              <a:t>Tenses</a:t>
+            </a:r>
+          </a:p>
+        </p:txBody>
+      </p:sp>
+      <p:sp>
+        <p:nvSpPr>
+          <p:cNvPr id="9" name="Slide Number Placeholder 8"/>
+          <p:cNvSpPr>
+            <a:spLocks noGrp="1"/>
+          </p:cNvSpPr>
+          <p:nvPr>
+            <p:ph type="sldNum" sz="quarter" idx="12"/>
+          </p:nvPr>
+        </p:nvSpPr>
+        <p:spPr/>
+        <p:txBody>
+          <a:bodyPr/>
+          <a:lstStyle/>
+          <a:p>
+            <a:fld id="{BD37BEF6-ACC5-4387-AC71-99C0DDE89871}" type="slidenum">
+              <a:rPr lang="en-US" smtClean="0"/>
+              <a:pPr/>
+              <a:t>31</a:t>
+            </a:fld>
+            <a:endParaRPr lang="en-US" dirty="0"/>
+          </a:p>
+        </p:txBody>
+      </p:sp>
       <p:sp>
         <p:nvSpPr>
           <p:cNvPr id="3" name="Content Placeholder 2">
             <a:extLst>
               <a:ext uri="{FF2B5EF4-FFF2-40B4-BE49-F238E27FC236}">
-                <a16:creationId xmlns:a16="http://schemas.microsoft.com/office/drawing/2014/main" id="{D4EE45D9-93E6-4DAE-944A-2AD9E143F09E}"/>
+                <a16:creationId xmlns:a16="http://schemas.microsoft.com/office/drawing/2014/main" xmlns="" id="{D4EE45D9-93E6-4DAE-944A-2AD9E143F09E}"/>
               </a:ext>
             </a:extLst>
           </p:cNvPr>
@@ -11659,7 +12375,7 @@
           <p:cNvPr id="4" name="Picture 3">
             <a:extLst>
               <a:ext uri="{FF2B5EF4-FFF2-40B4-BE49-F238E27FC236}">
-                <a16:creationId xmlns:a16="http://schemas.microsoft.com/office/drawing/2014/main" id="{48EDE243-7EC8-4801-A1C1-6CF502686322}"/>
+                <a16:creationId xmlns:a16="http://schemas.microsoft.com/office/drawing/2014/main" xmlns="" id="{48EDE243-7EC8-4801-A1C1-6CF502686322}"/>
               </a:ext>
             </a:extLst>
           </p:cNvPr>
@@ -11687,7 +12403,7 @@
     </p:spTree>
     <p:extLst>
       <p:ext uri="{BB962C8B-B14F-4D97-AF65-F5344CB8AC3E}">
-        <p14:creationId xmlns:p14="http://schemas.microsoft.com/office/powerpoint/2010/main" val="1546159158"/>
+        <p14:creationId xmlns:p14="http://schemas.microsoft.com/office/powerpoint/2010/main" xmlns="" val="1546159158"/>
       </p:ext>
     </p:extLst>
   </p:cSld>
@@ -11697,7 +12413,7 @@
 </p:sld>
 </file>
 
-<file path=ppt/slides/slide3.xml><?xml version="1.0" encoding="utf-8"?>
+<file path=ppt/slides/slide32.xml><?xml version="1.0" encoding="utf-8"?>
 <p:sld xmlns:a="http://schemas.openxmlformats.org/drawingml/2006/main" xmlns:r="http://schemas.openxmlformats.org/officeDocument/2006/relationships" xmlns:p="http://schemas.openxmlformats.org/presentationml/2006/main">
   <p:cSld>
     <p:spTree>
@@ -11716,7 +12432,7 @@
       </p:grpSpPr>
       <p:sp>
         <p:nvSpPr>
-          <p:cNvPr id="2" name="Title 1"/>
+          <p:cNvPr id="5" name="Title 4"/>
           <p:cNvSpPr>
             <a:spLocks noGrp="1"/>
           </p:cNvSpPr>
@@ -11724,7 +12440,12 @@
             <p:ph type="title"/>
           </p:nvPr>
         </p:nvSpPr>
-        <p:spPr/>
+        <p:spPr>
+          <a:xfrm>
+            <a:off x="688571" y="284162"/>
+            <a:ext cx="10515600" cy="1325563"/>
+          </a:xfrm>
+        </p:spPr>
         <p:txBody>
           <a:bodyPr>
             <a:normAutofit/>
@@ -11733,14 +12454,14 @@
           <a:p>
             <a:r>
               <a:rPr lang="en-US" sz="4000" dirty="0"/>
-              <a:t>Technology Topics</a:t>
-            </a:r>
-          </a:p>
-        </p:txBody>
-      </p:sp>
-      <p:sp>
-        <p:nvSpPr>
-          <p:cNvPr id="3" name="Content Placeholder 2"/>
+              <a:t>JIRA</a:t>
+            </a:r>
+          </a:p>
+        </p:txBody>
+      </p:sp>
+      <p:sp>
+        <p:nvSpPr>
+          <p:cNvPr id="6" name="Content Placeholder 5"/>
           <p:cNvSpPr>
             <a:spLocks noGrp="1"/>
           </p:cNvSpPr>
@@ -11748,83 +12469,118 @@
             <p:ph idx="1"/>
           </p:nvPr>
         </p:nvSpPr>
-        <p:spPr/>
-        <p:txBody>
-          <a:bodyPr/>
-          <a:lstStyle/>
-          <a:p>
+        <p:spPr>
+          <a:xfrm>
+            <a:off x="838200" y="1253331"/>
+            <a:ext cx="10515600" cy="4351338"/>
+          </a:xfrm>
+        </p:spPr>
+        <p:txBody>
+          <a:bodyPr>
+            <a:normAutofit/>
+          </a:bodyPr>
+          <a:lstStyle/>
+          <a:p>
+            <a:pPr fontAlgn="ctr"/>
             <a:r>
               <a:rPr lang="en-US" dirty="0"/>
-              <a:t>Web server</a:t>
-            </a:r>
-          </a:p>
-          <a:p>
+              <a:t>Workflow:</a:t>
+            </a:r>
+          </a:p>
+          <a:p>
+            <a:pPr lvl="1" fontAlgn="ctr"/>
             <a:r>
               <a:rPr lang="en-US" dirty="0"/>
-              <a:t>Application Server</a:t>
-            </a:r>
-          </a:p>
-          <a:p>
+              <a:t>Set of status and transitions that issue goes through during its life cycle</a:t>
+            </a:r>
+          </a:p>
+          <a:p>
+            <a:pPr lvl="1" fontAlgn="ctr"/>
             <a:r>
               <a:rPr lang="en-US" dirty="0"/>
-              <a:t>Plug-Ins</a:t>
-            </a:r>
-          </a:p>
-          <a:p>
+              <a:t>Represents business process</a:t>
+            </a:r>
+          </a:p>
+          <a:p>
+            <a:pPr lvl="1" fontAlgn="ctr"/>
             <a:r>
               <a:rPr lang="en-US" dirty="0"/>
-              <a:t>IoT</a:t>
-            </a:r>
-          </a:p>
-          <a:p>
+              <a:t>Can come with default workflow and can be customized</a:t>
+            </a:r>
+          </a:p>
+          <a:p>
+            <a:pPr lvl="1" fontAlgn="ctr"/>
             <a:r>
               <a:rPr lang="en-US" dirty="0"/>
-              <a:t>REST API</a:t>
-            </a:r>
-          </a:p>
-          <a:p>
+              <a:t>Possible status: Open, In-progress, Resolved, Closed, Reopened</a:t>
+            </a:r>
+          </a:p>
+          <a:p>
+            <a:pPr lvl="1" fontAlgn="ctr"/>
             <a:r>
               <a:rPr lang="en-US" dirty="0"/>
-              <a:t>SOAP API</a:t>
-            </a:r>
-          </a:p>
+              <a:t>Possible transitions: Start progress, Stop progress, Resolve, Reopen, Resolve &amp;Close</a:t>
+            </a:r>
+          </a:p>
+          <a:p>
+            <a:pPr lvl="2" fontAlgn="ctr"/>
+            <a:endParaRPr lang="en-US" dirty="0"/>
+          </a:p>
+          <a:p>
+            <a:pPr lvl="1" fontAlgn="ctr"/>
+            <a:endParaRPr lang="en-US" dirty="0"/>
+          </a:p>
+        </p:txBody>
+      </p:sp>
+      <p:sp>
+        <p:nvSpPr>
+          <p:cNvPr id="7" name="Date Placeholder 6"/>
+          <p:cNvSpPr>
+            <a:spLocks noGrp="1"/>
+          </p:cNvSpPr>
+          <p:nvPr>
+            <p:ph type="dt" sz="half" idx="10"/>
+          </p:nvPr>
+        </p:nvSpPr>
+        <p:spPr/>
+        <p:txBody>
+          <a:bodyPr/>
+          <a:lstStyle/>
+          <a:p>
+            <a:fld id="{EB798BFA-0A12-4E3A-85B7-D5C3D7F3C007}" type="datetime1">
+              <a:rPr lang="en-US" smtClean="0"/>
+              <a:pPr/>
+              <a:t>5/4/2019</a:t>
+            </a:fld>
+            <a:endParaRPr lang="en-US" dirty="0"/>
+          </a:p>
+        </p:txBody>
+      </p:sp>
+      <p:sp>
+        <p:nvSpPr>
+          <p:cNvPr id="8" name="Footer Placeholder 7"/>
+          <p:cNvSpPr>
+            <a:spLocks noGrp="1"/>
+          </p:cNvSpPr>
+          <p:nvPr>
+            <p:ph type="ftr" sz="quarter" idx="11"/>
+          </p:nvPr>
+        </p:nvSpPr>
+        <p:spPr/>
+        <p:txBody>
+          <a:bodyPr/>
+          <a:lstStyle/>
           <a:p>
             <a:r>
               <a:rPr lang="en-US" dirty="0"/>
-              <a:t>Micro Services</a:t>
-            </a:r>
-          </a:p>
-          <a:p>
-            <a:endParaRPr lang="en-US" dirty="0"/>
-          </a:p>
-        </p:txBody>
-      </p:sp>
-      <p:sp>
-        <p:nvSpPr>
-          <p:cNvPr id="4" name="Date Placeholder 3"/>
-          <p:cNvSpPr>
-            <a:spLocks noGrp="1"/>
-          </p:cNvSpPr>
-          <p:nvPr>
-            <p:ph type="dt" sz="half" idx="10"/>
-          </p:nvPr>
-        </p:nvSpPr>
-        <p:spPr/>
-        <p:txBody>
-          <a:bodyPr/>
-          <a:lstStyle/>
-          <a:p>
-            <a:fld id="{7555CE78-1282-4767-95FA-CA032235F26F}" type="datetime1">
-              <a:rPr lang="en-US" smtClean="0"/>
-              <a:t>5/2/2019</a:t>
-            </a:fld>
-            <a:endParaRPr lang="en-US"/>
-          </a:p>
-        </p:txBody>
-      </p:sp>
-      <p:sp>
-        <p:nvSpPr>
-          <p:cNvPr id="6" name="Slide Number Placeholder 5"/>
+              <a:t>Tenses</a:t>
+            </a:r>
+          </a:p>
+        </p:txBody>
+      </p:sp>
+      <p:sp>
+        <p:nvSpPr>
+          <p:cNvPr id="9" name="Slide Number Placeholder 8"/>
           <p:cNvSpPr>
             <a:spLocks noGrp="1"/>
           </p:cNvSpPr>
@@ -11839,16 +12595,17 @@
           <a:p>
             <a:fld id="{BD37BEF6-ACC5-4387-AC71-99C0DDE89871}" type="slidenum">
               <a:rPr lang="en-US" smtClean="0"/>
-              <a:t>3</a:t>
+              <a:pPr/>
+              <a:t>32</a:t>
             </a:fld>
-            <a:endParaRPr lang="en-US"/>
+            <a:endParaRPr lang="en-US" dirty="0"/>
           </a:p>
         </p:txBody>
       </p:sp>
     </p:spTree>
     <p:extLst>
       <p:ext uri="{BB962C8B-B14F-4D97-AF65-F5344CB8AC3E}">
-        <p14:creationId xmlns:p14="http://schemas.microsoft.com/office/powerpoint/2010/main" val="4279262467"/>
+        <p14:creationId xmlns:p14="http://schemas.microsoft.com/office/powerpoint/2010/main" xmlns="" val="270075339"/>
       </p:ext>
     </p:extLst>
   </p:cSld>
@@ -11858,7 +12615,7 @@
 </p:sld>
 </file>
 
-<file path=ppt/slides/slide30.xml><?xml version="1.0" encoding="utf-8"?>
+<file path=ppt/slides/slide33.xml><?xml version="1.0" encoding="utf-8"?>
 <p:sld xmlns:a="http://schemas.openxmlformats.org/drawingml/2006/main" xmlns:r="http://schemas.openxmlformats.org/officeDocument/2006/relationships" xmlns:p="http://schemas.openxmlformats.org/presentationml/2006/main">
   <p:cSld>
     <p:spTree>
@@ -11906,79 +12663,6 @@
       </p:sp>
       <p:sp>
         <p:nvSpPr>
-          <p:cNvPr id="6" name="Content Placeholder 5"/>
-          <p:cNvSpPr>
-            <a:spLocks noGrp="1"/>
-          </p:cNvSpPr>
-          <p:nvPr>
-            <p:ph idx="1"/>
-          </p:nvPr>
-        </p:nvSpPr>
-        <p:spPr>
-          <a:xfrm>
-            <a:off x="838200" y="1253331"/>
-            <a:ext cx="10515600" cy="4351338"/>
-          </a:xfrm>
-        </p:spPr>
-        <p:txBody>
-          <a:bodyPr>
-            <a:normAutofit/>
-          </a:bodyPr>
-          <a:lstStyle/>
-          <a:p>
-            <a:pPr fontAlgn="ctr"/>
-            <a:r>
-              <a:rPr lang="en-US" dirty="0"/>
-              <a:t>Workflow:</a:t>
-            </a:r>
-          </a:p>
-          <a:p>
-            <a:pPr lvl="1" fontAlgn="ctr"/>
-            <a:r>
-              <a:rPr lang="en-US" dirty="0"/>
-              <a:t>Set of status and transitions that issue goes through during its life cycle</a:t>
-            </a:r>
-          </a:p>
-          <a:p>
-            <a:pPr lvl="1" fontAlgn="ctr"/>
-            <a:r>
-              <a:rPr lang="en-US" dirty="0"/>
-              <a:t>Represents business process</a:t>
-            </a:r>
-          </a:p>
-          <a:p>
-            <a:pPr lvl="1" fontAlgn="ctr"/>
-            <a:r>
-              <a:rPr lang="en-US" dirty="0"/>
-              <a:t>Can come with default workflow and can be customized</a:t>
-            </a:r>
-          </a:p>
-          <a:p>
-            <a:pPr lvl="1" fontAlgn="ctr"/>
-            <a:r>
-              <a:rPr lang="en-US" dirty="0"/>
-              <a:t>Possible status: Open, In-progress, Resolved, Closed, Reopened</a:t>
-            </a:r>
-          </a:p>
-          <a:p>
-            <a:pPr lvl="1" fontAlgn="ctr"/>
-            <a:r>
-              <a:rPr lang="en-US" dirty="0"/>
-              <a:t>Possible transitions: Start progress, Stop progress, Resolve, Reopen, Resolve &amp;Close</a:t>
-            </a:r>
-          </a:p>
-          <a:p>
-            <a:pPr lvl="2" fontAlgn="ctr"/>
-            <a:endParaRPr lang="en-US" dirty="0"/>
-          </a:p>
-          <a:p>
-            <a:pPr lvl="1" fontAlgn="ctr"/>
-            <a:endParaRPr lang="en-US" dirty="0"/>
-          </a:p>
-        </p:txBody>
-      </p:sp>
-      <p:sp>
-        <p:nvSpPr>
           <p:cNvPr id="7" name="Date Placeholder 6"/>
           <p:cNvSpPr>
             <a:spLocks noGrp="1"/>
@@ -11994,7 +12678,8 @@
           <a:p>
             <a:fld id="{EB798BFA-0A12-4E3A-85B7-D5C3D7F3C007}" type="datetime1">
               <a:rPr lang="en-US" smtClean="0"/>
-              <a:t>5/2/2019</a:t>
+              <a:pPr/>
+              <a:t>5/4/2019</a:t>
             </a:fld>
             <a:endParaRPr lang="en-US" dirty="0"/>
           </a:p>
@@ -12039,134 +12724,8 @@
           <a:p>
             <a:fld id="{BD37BEF6-ACC5-4387-AC71-99C0DDE89871}" type="slidenum">
               <a:rPr lang="en-US" smtClean="0"/>
-              <a:t>30</a:t>
-            </a:fld>
-            <a:endParaRPr lang="en-US" dirty="0"/>
-          </a:p>
-        </p:txBody>
-      </p:sp>
-    </p:spTree>
-    <p:extLst>
-      <p:ext uri="{BB962C8B-B14F-4D97-AF65-F5344CB8AC3E}">
-        <p14:creationId xmlns:p14="http://schemas.microsoft.com/office/powerpoint/2010/main" val="270075339"/>
-      </p:ext>
-    </p:extLst>
-  </p:cSld>
-  <p:clrMapOvr>
-    <a:masterClrMapping/>
-  </p:clrMapOvr>
-</p:sld>
-</file>
-
-<file path=ppt/slides/slide31.xml><?xml version="1.0" encoding="utf-8"?>
-<p:sld xmlns:a="http://schemas.openxmlformats.org/drawingml/2006/main" xmlns:r="http://schemas.openxmlformats.org/officeDocument/2006/relationships" xmlns:p="http://schemas.openxmlformats.org/presentationml/2006/main">
-  <p:cSld>
-    <p:spTree>
-      <p:nvGrpSpPr>
-        <p:cNvPr id="1" name=""/>
-        <p:cNvGrpSpPr/>
-        <p:nvPr/>
-      </p:nvGrpSpPr>
-      <p:grpSpPr>
-        <a:xfrm>
-          <a:off x="0" y="0"/>
-          <a:ext cx="0" cy="0"/>
-          <a:chOff x="0" y="0"/>
-          <a:chExt cx="0" cy="0"/>
-        </a:xfrm>
-      </p:grpSpPr>
-      <p:sp>
-        <p:nvSpPr>
-          <p:cNvPr id="5" name="Title 4"/>
-          <p:cNvSpPr>
-            <a:spLocks noGrp="1"/>
-          </p:cNvSpPr>
-          <p:nvPr>
-            <p:ph type="title"/>
-          </p:nvPr>
-        </p:nvSpPr>
-        <p:spPr>
-          <a:xfrm>
-            <a:off x="688571" y="284162"/>
-            <a:ext cx="10515600" cy="1325563"/>
-          </a:xfrm>
-        </p:spPr>
-        <p:txBody>
-          <a:bodyPr>
-            <a:normAutofit/>
-          </a:bodyPr>
-          <a:lstStyle/>
-          <a:p>
-            <a:r>
-              <a:rPr lang="en-US" sz="4000" dirty="0"/>
-              <a:t>JIRA</a:t>
-            </a:r>
-          </a:p>
-        </p:txBody>
-      </p:sp>
-      <p:sp>
-        <p:nvSpPr>
-          <p:cNvPr id="7" name="Date Placeholder 6"/>
-          <p:cNvSpPr>
-            <a:spLocks noGrp="1"/>
-          </p:cNvSpPr>
-          <p:nvPr>
-            <p:ph type="dt" sz="half" idx="10"/>
-          </p:nvPr>
-        </p:nvSpPr>
-        <p:spPr/>
-        <p:txBody>
-          <a:bodyPr/>
-          <a:lstStyle/>
-          <a:p>
-            <a:fld id="{EB798BFA-0A12-4E3A-85B7-D5C3D7F3C007}" type="datetime1">
-              <a:rPr lang="en-US" smtClean="0"/>
-              <a:t>5/2/2019</a:t>
-            </a:fld>
-            <a:endParaRPr lang="en-US" dirty="0"/>
-          </a:p>
-        </p:txBody>
-      </p:sp>
-      <p:sp>
-        <p:nvSpPr>
-          <p:cNvPr id="8" name="Footer Placeholder 7"/>
-          <p:cNvSpPr>
-            <a:spLocks noGrp="1"/>
-          </p:cNvSpPr>
-          <p:nvPr>
-            <p:ph type="ftr" sz="quarter" idx="11"/>
-          </p:nvPr>
-        </p:nvSpPr>
-        <p:spPr/>
-        <p:txBody>
-          <a:bodyPr/>
-          <a:lstStyle/>
-          <a:p>
-            <a:r>
-              <a:rPr lang="en-US" dirty="0"/>
-              <a:t>Tenses</a:t>
-            </a:r>
-          </a:p>
-        </p:txBody>
-      </p:sp>
-      <p:sp>
-        <p:nvSpPr>
-          <p:cNvPr id="9" name="Slide Number Placeholder 8"/>
-          <p:cNvSpPr>
-            <a:spLocks noGrp="1"/>
-          </p:cNvSpPr>
-          <p:nvPr>
-            <p:ph type="sldNum" sz="quarter" idx="12"/>
-          </p:nvPr>
-        </p:nvSpPr>
-        <p:spPr/>
-        <p:txBody>
-          <a:bodyPr/>
-          <a:lstStyle/>
-          <a:p>
-            <a:fld id="{BD37BEF6-ACC5-4387-AC71-99C0DDE89871}" type="slidenum">
-              <a:rPr lang="en-US" smtClean="0"/>
-              <a:t>31</a:t>
+              <a:pPr/>
+              <a:t>33</a:t>
             </a:fld>
             <a:endParaRPr lang="en-US" dirty="0"/>
           </a:p>
@@ -12177,7 +12736,7 @@
           <p:cNvPr id="3" name="Content Placeholder 2">
             <a:extLst>
               <a:ext uri="{FF2B5EF4-FFF2-40B4-BE49-F238E27FC236}">
-                <a16:creationId xmlns:a16="http://schemas.microsoft.com/office/drawing/2014/main" id="{3F8E2FE0-70E3-4D87-ADBE-D4CD81024C5E}"/>
+                <a16:creationId xmlns:a16="http://schemas.microsoft.com/office/drawing/2014/main" xmlns="" id="{3F8E2FE0-70E3-4D87-ADBE-D4CD81024C5E}"/>
               </a:ext>
             </a:extLst>
           </p:cNvPr>
@@ -12202,7 +12761,7 @@
           <p:cNvPr id="4" name="Picture 3">
             <a:extLst>
               <a:ext uri="{FF2B5EF4-FFF2-40B4-BE49-F238E27FC236}">
-                <a16:creationId xmlns:a16="http://schemas.microsoft.com/office/drawing/2014/main" id="{CF95B392-9C78-4284-A049-0D529C1F0CDF}"/>
+                <a16:creationId xmlns:a16="http://schemas.microsoft.com/office/drawing/2014/main" xmlns="" id="{CF95B392-9C78-4284-A049-0D529C1F0CDF}"/>
               </a:ext>
             </a:extLst>
           </p:cNvPr>
@@ -12230,261 +12789,7 @@
     </p:spTree>
     <p:extLst>
       <p:ext uri="{BB962C8B-B14F-4D97-AF65-F5344CB8AC3E}">
-        <p14:creationId xmlns:p14="http://schemas.microsoft.com/office/powerpoint/2010/main" val="1575098105"/>
-      </p:ext>
-    </p:extLst>
-  </p:cSld>
-  <p:clrMapOvr>
-    <a:masterClrMapping/>
-  </p:clrMapOvr>
-</p:sld>
-</file>
-
-<file path=ppt/slides/slide32.xml><?xml version="1.0" encoding="utf-8"?>
-<p:sld xmlns:a="http://schemas.openxmlformats.org/drawingml/2006/main" xmlns:r="http://schemas.openxmlformats.org/officeDocument/2006/relationships" xmlns:p="http://schemas.openxmlformats.org/presentationml/2006/main">
-  <p:cSld>
-    <p:spTree>
-      <p:nvGrpSpPr>
-        <p:cNvPr id="1" name=""/>
-        <p:cNvGrpSpPr/>
-        <p:nvPr/>
-      </p:nvGrpSpPr>
-      <p:grpSpPr>
-        <a:xfrm>
-          <a:off x="0" y="0"/>
-          <a:ext cx="0" cy="0"/>
-          <a:chOff x="0" y="0"/>
-          <a:chExt cx="0" cy="0"/>
-        </a:xfrm>
-      </p:grpSpPr>
-      <p:sp>
-        <p:nvSpPr>
-          <p:cNvPr id="2" name="Title 1"/>
-          <p:cNvSpPr>
-            <a:spLocks noGrp="1"/>
-          </p:cNvSpPr>
-          <p:nvPr>
-            <p:ph type="ctrTitle"/>
-          </p:nvPr>
-        </p:nvSpPr>
-        <p:spPr/>
-        <p:txBody>
-          <a:bodyPr>
-            <a:normAutofit/>
-          </a:bodyPr>
-          <a:lstStyle/>
-          <a:p>
-            <a:r>
-              <a:rPr lang="en-US" sz="4000" dirty="0"/>
-              <a:t>NO SQL</a:t>
-            </a:r>
-          </a:p>
-        </p:txBody>
-      </p:sp>
-      <p:sp>
-        <p:nvSpPr>
-          <p:cNvPr id="4" name="Date Placeholder 3"/>
-          <p:cNvSpPr>
-            <a:spLocks noGrp="1"/>
-          </p:cNvSpPr>
-          <p:nvPr>
-            <p:ph type="dt" sz="half" idx="10"/>
-          </p:nvPr>
-        </p:nvSpPr>
-        <p:spPr/>
-        <p:txBody>
-          <a:bodyPr/>
-          <a:lstStyle/>
-          <a:p>
-            <a:fld id="{7555CE78-1282-4767-95FA-CA032235F26F}" type="datetime1">
-              <a:rPr lang="en-US" smtClean="0"/>
-              <a:t>5/2/2019</a:t>
-            </a:fld>
-            <a:endParaRPr lang="en-US"/>
-          </a:p>
-        </p:txBody>
-      </p:sp>
-      <p:sp>
-        <p:nvSpPr>
-          <p:cNvPr id="6" name="Slide Number Placeholder 5"/>
-          <p:cNvSpPr>
-            <a:spLocks noGrp="1"/>
-          </p:cNvSpPr>
-          <p:nvPr>
-            <p:ph type="sldNum" sz="quarter" idx="12"/>
-          </p:nvPr>
-        </p:nvSpPr>
-        <p:spPr/>
-        <p:txBody>
-          <a:bodyPr/>
-          <a:lstStyle/>
-          <a:p>
-            <a:fld id="{BD37BEF6-ACC5-4387-AC71-99C0DDE89871}" type="slidenum">
-              <a:rPr lang="en-US" smtClean="0"/>
-              <a:t>32</a:t>
-            </a:fld>
-            <a:endParaRPr lang="en-US"/>
-          </a:p>
-        </p:txBody>
-      </p:sp>
-    </p:spTree>
-    <p:extLst>
-      <p:ext uri="{BB962C8B-B14F-4D97-AF65-F5344CB8AC3E}">
-        <p14:creationId xmlns:p14="http://schemas.microsoft.com/office/powerpoint/2010/main" val="3091969525"/>
-      </p:ext>
-    </p:extLst>
-  </p:cSld>
-  <p:clrMapOvr>
-    <a:masterClrMapping/>
-  </p:clrMapOvr>
-</p:sld>
-</file>
-
-<file path=ppt/slides/slide33.xml><?xml version="1.0" encoding="utf-8"?>
-<p:sld xmlns:a="http://schemas.openxmlformats.org/drawingml/2006/main" xmlns:r="http://schemas.openxmlformats.org/officeDocument/2006/relationships" xmlns:p="http://schemas.openxmlformats.org/presentationml/2006/main">
-  <p:cSld>
-    <p:spTree>
-      <p:nvGrpSpPr>
-        <p:cNvPr id="1" name=""/>
-        <p:cNvGrpSpPr/>
-        <p:nvPr/>
-      </p:nvGrpSpPr>
-      <p:grpSpPr>
-        <a:xfrm>
-          <a:off x="0" y="0"/>
-          <a:ext cx="0" cy="0"/>
-          <a:chOff x="0" y="0"/>
-          <a:chExt cx="0" cy="0"/>
-        </a:xfrm>
-      </p:grpSpPr>
-      <p:sp>
-        <p:nvSpPr>
-          <p:cNvPr id="5" name="Title 4"/>
-          <p:cNvSpPr>
-            <a:spLocks noGrp="1"/>
-          </p:cNvSpPr>
-          <p:nvPr>
-            <p:ph type="title"/>
-          </p:nvPr>
-        </p:nvSpPr>
-        <p:spPr>
-          <a:xfrm>
-            <a:off x="688571" y="284162"/>
-            <a:ext cx="10515600" cy="1325563"/>
-          </a:xfrm>
-        </p:spPr>
-        <p:txBody>
-          <a:bodyPr>
-            <a:normAutofit/>
-          </a:bodyPr>
-          <a:lstStyle/>
-          <a:p>
-            <a:r>
-              <a:rPr lang="en-US" sz="4000" dirty="0"/>
-              <a:t>NO SQL</a:t>
-            </a:r>
-          </a:p>
-        </p:txBody>
-      </p:sp>
-      <p:sp>
-        <p:nvSpPr>
-          <p:cNvPr id="6" name="Content Placeholder 5"/>
-          <p:cNvSpPr>
-            <a:spLocks noGrp="1"/>
-          </p:cNvSpPr>
-          <p:nvPr>
-            <p:ph idx="1"/>
-          </p:nvPr>
-        </p:nvSpPr>
-        <p:spPr>
-          <a:xfrm>
-            <a:off x="838200" y="1253331"/>
-            <a:ext cx="10515600" cy="4351338"/>
-          </a:xfrm>
-        </p:spPr>
-        <p:txBody>
-          <a:bodyPr>
-            <a:normAutofit/>
-          </a:bodyPr>
-          <a:lstStyle/>
-          <a:p>
-            <a:pPr fontAlgn="ctr"/>
-            <a:endParaRPr lang="en-US" dirty="0"/>
-          </a:p>
-        </p:txBody>
-      </p:sp>
-      <p:sp>
-        <p:nvSpPr>
-          <p:cNvPr id="7" name="Date Placeholder 6"/>
-          <p:cNvSpPr>
-            <a:spLocks noGrp="1"/>
-          </p:cNvSpPr>
-          <p:nvPr>
-            <p:ph type="dt" sz="half" idx="10"/>
-          </p:nvPr>
-        </p:nvSpPr>
-        <p:spPr/>
-        <p:txBody>
-          <a:bodyPr/>
-          <a:lstStyle/>
-          <a:p>
-            <a:fld id="{EB798BFA-0A12-4E3A-85B7-D5C3D7F3C007}" type="datetime1">
-              <a:rPr lang="en-US" smtClean="0"/>
-              <a:t>5/2/2019</a:t>
-            </a:fld>
-            <a:endParaRPr lang="en-US" dirty="0"/>
-          </a:p>
-        </p:txBody>
-      </p:sp>
-      <p:sp>
-        <p:nvSpPr>
-          <p:cNvPr id="8" name="Footer Placeholder 7"/>
-          <p:cNvSpPr>
-            <a:spLocks noGrp="1"/>
-          </p:cNvSpPr>
-          <p:nvPr>
-            <p:ph type="ftr" sz="quarter" idx="11"/>
-          </p:nvPr>
-        </p:nvSpPr>
-        <p:spPr/>
-        <p:txBody>
-          <a:bodyPr/>
-          <a:lstStyle/>
-          <a:p>
-            <a:r>
-              <a:rPr lang="en-US" dirty="0"/>
-              <a:t>Tenses</a:t>
-            </a:r>
-          </a:p>
-        </p:txBody>
-      </p:sp>
-      <p:sp>
-        <p:nvSpPr>
-          <p:cNvPr id="9" name="Slide Number Placeholder 8"/>
-          <p:cNvSpPr>
-            <a:spLocks noGrp="1"/>
-          </p:cNvSpPr>
-          <p:nvPr>
-            <p:ph type="sldNum" sz="quarter" idx="12"/>
-          </p:nvPr>
-        </p:nvSpPr>
-        <p:spPr/>
-        <p:txBody>
-          <a:bodyPr/>
-          <a:lstStyle/>
-          <a:p>
-            <a:fld id="{BD37BEF6-ACC5-4387-AC71-99C0DDE89871}" type="slidenum">
-              <a:rPr lang="en-US" smtClean="0"/>
-              <a:t>33</a:t>
-            </a:fld>
-            <a:endParaRPr lang="en-US" dirty="0"/>
-          </a:p>
-        </p:txBody>
-      </p:sp>
-    </p:spTree>
-    <p:extLst>
-      <p:ext uri="{BB962C8B-B14F-4D97-AF65-F5344CB8AC3E}">
-        <p14:creationId xmlns:p14="http://schemas.microsoft.com/office/powerpoint/2010/main" val="2691477667"/>
+        <p14:creationId xmlns:p14="http://schemas.microsoft.com/office/powerpoint/2010/main" xmlns="" val="1575098105"/>
       </p:ext>
     </p:extLst>
   </p:cSld>
@@ -12530,7 +12835,7 @@
           <a:p>
             <a:r>
               <a:rPr lang="en-US" sz="4000" dirty="0"/>
-              <a:t>WEB SERVER</a:t>
+              <a:t>NO SQL</a:t>
             </a:r>
           </a:p>
         </p:txBody>
@@ -12552,7 +12857,8 @@
           <a:p>
             <a:fld id="{7555CE78-1282-4767-95FA-CA032235F26F}" type="datetime1">
               <a:rPr lang="en-US" smtClean="0"/>
-              <a:t>5/2/2019</a:t>
+              <a:pPr/>
+              <a:t>5/4/2019</a:t>
             </a:fld>
             <a:endParaRPr lang="en-US"/>
           </a:p>
@@ -12575,6 +12881,7 @@
           <a:p>
             <a:fld id="{BD37BEF6-ACC5-4387-AC71-99C0DDE89871}" type="slidenum">
               <a:rPr lang="en-US" smtClean="0"/>
+              <a:pPr/>
               <a:t>34</a:t>
             </a:fld>
             <a:endParaRPr lang="en-US"/>
@@ -12584,7 +12891,7 @@
     </p:spTree>
     <p:extLst>
       <p:ext uri="{BB962C8B-B14F-4D97-AF65-F5344CB8AC3E}">
-        <p14:creationId xmlns:p14="http://schemas.microsoft.com/office/powerpoint/2010/main" val="2770053835"/>
+        <p14:creationId xmlns:p14="http://schemas.microsoft.com/office/powerpoint/2010/main" xmlns="" val="3091969525"/>
       </p:ext>
     </p:extLst>
   </p:cSld>
@@ -12635,7 +12942,7 @@
           <a:p>
             <a:r>
               <a:rPr lang="en-US" sz="4000" dirty="0"/>
-              <a:t>Web Server</a:t>
+              <a:t>NO SQL</a:t>
             </a:r>
           </a:p>
         </p:txBody>
@@ -12658,156 +12965,9 @@
         </p:spPr>
         <p:txBody>
           <a:bodyPr>
-            <a:normAutofit lnSpcReduction="10000"/>
+            <a:normAutofit/>
           </a:bodyPr>
           <a:lstStyle/>
-          <a:p>
-            <a:r>
-              <a:rPr lang="en-US" dirty="0"/>
-              <a:t>A </a:t>
-            </a:r>
-            <a:r>
-              <a:rPr lang="en-US" b="1" dirty="0"/>
-              <a:t>web server</a:t>
-            </a:r>
-            <a:r>
-              <a:rPr lang="en-US" dirty="0"/>
-              <a:t> is </a:t>
-            </a:r>
-            <a:r>
-              <a:rPr lang="en-US" dirty="0">
-                <a:hlinkClick r:id="rId3" tooltip="Server software"/>
-              </a:rPr>
-              <a:t>server software</a:t>
-            </a:r>
-            <a:r>
-              <a:rPr lang="en-US" dirty="0"/>
-              <a:t>, or hardware dedicated to running said software, that can satisfy </a:t>
-            </a:r>
-            <a:r>
-              <a:rPr lang="en-US" dirty="0">
-                <a:hlinkClick r:id="rId4" tooltip="World Wide Web"/>
-              </a:rPr>
-              <a:t>World Wide Web</a:t>
-            </a:r>
-            <a:r>
-              <a:rPr lang="en-US" dirty="0"/>
-              <a:t> client requests. A web server can, in general, contain one or more </a:t>
-            </a:r>
-            <a:r>
-              <a:rPr lang="en-US" dirty="0">
-                <a:hlinkClick r:id="rId5" tooltip="Website"/>
-              </a:rPr>
-              <a:t>websites</a:t>
-            </a:r>
-            <a:r>
-              <a:rPr lang="en-US" dirty="0"/>
-              <a:t>. A web server processes incoming network requests over </a:t>
-            </a:r>
-            <a:r>
-              <a:rPr lang="en-US" dirty="0">
-                <a:hlinkClick r:id="rId6" tooltip="Hypertext Transfer Protocol"/>
-              </a:rPr>
-              <a:t>HTTP</a:t>
-            </a:r>
-            <a:r>
-              <a:rPr lang="en-US" dirty="0"/>
-              <a:t> and several other related protocols.</a:t>
-            </a:r>
-            <a:r>
-              <a:rPr lang="en-US" baseline="30000" dirty="0">
-                <a:hlinkClick r:id="rId7"/>
-              </a:rPr>
-              <a:t>[1]</a:t>
-            </a:r>
-            <a:endParaRPr lang="en-US" dirty="0"/>
-          </a:p>
-          <a:p>
-            <a:r>
-              <a:rPr lang="en-US" dirty="0"/>
-              <a:t>The primary function of a web server is to store, process and deliver </a:t>
-            </a:r>
-            <a:r>
-              <a:rPr lang="en-US" dirty="0">
-                <a:hlinkClick r:id="rId8" tooltip="Web page"/>
-              </a:rPr>
-              <a:t>web pages</a:t>
-            </a:r>
-            <a:r>
-              <a:rPr lang="en-US" dirty="0"/>
-              <a:t> to </a:t>
-            </a:r>
-            <a:r>
-              <a:rPr lang="en-US" dirty="0">
-                <a:hlinkClick r:id="rId9" tooltip="Client (computing)"/>
-              </a:rPr>
-              <a:t>clients</a:t>
-            </a:r>
-            <a:r>
-              <a:rPr lang="en-US" dirty="0"/>
-              <a:t>.</a:t>
-            </a:r>
-            <a:r>
-              <a:rPr lang="en-US" baseline="30000" dirty="0">
-                <a:hlinkClick r:id="rId10"/>
-              </a:rPr>
-              <a:t>[2]</a:t>
-            </a:r>
-            <a:r>
-              <a:rPr lang="en-US" dirty="0"/>
-              <a:t> The communication between client and server takes place using the </a:t>
-            </a:r>
-            <a:r>
-              <a:rPr lang="en-US" dirty="0">
-                <a:hlinkClick r:id="rId6" tooltip="Hypertext Transfer Protocol"/>
-              </a:rPr>
-              <a:t>Hypertext Transfer Protocol (HTTP)</a:t>
-            </a:r>
-            <a:r>
-              <a:rPr lang="en-US" dirty="0"/>
-              <a:t>. Pages delivered are most frequently </a:t>
-            </a:r>
-            <a:r>
-              <a:rPr lang="en-US" dirty="0">
-                <a:hlinkClick r:id="rId11" tooltip="HTML"/>
-              </a:rPr>
-              <a:t>HTML documents</a:t>
-            </a:r>
-            <a:r>
-              <a:rPr lang="en-US" dirty="0"/>
-              <a:t>, which may include </a:t>
-            </a:r>
-            <a:r>
-              <a:rPr lang="en-US" dirty="0">
-                <a:hlinkClick r:id="rId12" tooltip="Image"/>
-              </a:rPr>
-              <a:t>images</a:t>
-            </a:r>
-            <a:r>
-              <a:rPr lang="en-US" dirty="0"/>
-              <a:t>, </a:t>
-            </a:r>
-            <a:r>
-              <a:rPr lang="en-US" dirty="0">
-                <a:hlinkClick r:id="rId13" tooltip="Style sheet (web development)"/>
-              </a:rPr>
-              <a:t>style sheets</a:t>
-            </a:r>
-            <a:r>
-              <a:rPr lang="en-US" dirty="0"/>
-              <a:t> and </a:t>
-            </a:r>
-            <a:r>
-              <a:rPr lang="en-US" dirty="0">
-                <a:hlinkClick r:id="rId14" tooltip="JavaScript"/>
-              </a:rPr>
-              <a:t>scripts</a:t>
-            </a:r>
-            <a:r>
-              <a:rPr lang="en-US" dirty="0"/>
-              <a:t> in addition to the text content.</a:t>
-            </a:r>
-          </a:p>
           <a:p>
             <a:pPr fontAlgn="ctr"/>
             <a:endParaRPr lang="en-US" dirty="0"/>
@@ -12831,7 +12991,8 @@
           <a:p>
             <a:fld id="{EB798BFA-0A12-4E3A-85B7-D5C3D7F3C007}" type="datetime1">
               <a:rPr lang="en-US" smtClean="0"/>
-              <a:t>5/2/2019</a:t>
+              <a:pPr/>
+              <a:t>5/4/2019</a:t>
             </a:fld>
             <a:endParaRPr lang="en-US" dirty="0"/>
           </a:p>
@@ -12876,6 +13037,7 @@
           <a:p>
             <a:fld id="{BD37BEF6-ACC5-4387-AC71-99C0DDE89871}" type="slidenum">
               <a:rPr lang="en-US" smtClean="0"/>
+              <a:pPr/>
               <a:t>35</a:t>
             </a:fld>
             <a:endParaRPr lang="en-US" dirty="0"/>
@@ -12885,7 +13047,7 @@
     </p:spTree>
     <p:extLst>
       <p:ext uri="{BB962C8B-B14F-4D97-AF65-F5344CB8AC3E}">
-        <p14:creationId xmlns:p14="http://schemas.microsoft.com/office/powerpoint/2010/main" val="2861962660"/>
+        <p14:creationId xmlns:p14="http://schemas.microsoft.com/office/powerpoint/2010/main" xmlns="" val="2691477667"/>
       </p:ext>
     </p:extLst>
   </p:cSld>
@@ -12931,7 +13093,7 @@
           <a:p>
             <a:r>
               <a:rPr lang="en-US" sz="4000" dirty="0"/>
-              <a:t>APPLICATION SERVER</a:t>
+              <a:t>WEB SERVER</a:t>
             </a:r>
           </a:p>
         </p:txBody>
@@ -12953,7 +13115,8 @@
           <a:p>
             <a:fld id="{7555CE78-1282-4767-95FA-CA032235F26F}" type="datetime1">
               <a:rPr lang="en-US" smtClean="0"/>
-              <a:t>5/2/2019</a:t>
+              <a:pPr/>
+              <a:t>5/4/2019</a:t>
             </a:fld>
             <a:endParaRPr lang="en-US"/>
           </a:p>
@@ -12976,6 +13139,7 @@
           <a:p>
             <a:fld id="{BD37BEF6-ACC5-4387-AC71-99C0DDE89871}" type="slidenum">
               <a:rPr lang="en-US" smtClean="0"/>
+              <a:pPr/>
               <a:t>36</a:t>
             </a:fld>
             <a:endParaRPr lang="en-US"/>
@@ -12985,7 +13149,412 @@
     </p:spTree>
     <p:extLst>
       <p:ext uri="{BB962C8B-B14F-4D97-AF65-F5344CB8AC3E}">
-        <p14:creationId xmlns:p14="http://schemas.microsoft.com/office/powerpoint/2010/main" val="1257003603"/>
+        <p14:creationId xmlns:p14="http://schemas.microsoft.com/office/powerpoint/2010/main" xmlns="" val="2770053835"/>
+      </p:ext>
+    </p:extLst>
+  </p:cSld>
+  <p:clrMapOvr>
+    <a:masterClrMapping/>
+  </p:clrMapOvr>
+</p:sld>
+</file>
+
+<file path=ppt/slides/slide37.xml><?xml version="1.0" encoding="utf-8"?>
+<p:sld xmlns:a="http://schemas.openxmlformats.org/drawingml/2006/main" xmlns:r="http://schemas.openxmlformats.org/officeDocument/2006/relationships" xmlns:p="http://schemas.openxmlformats.org/presentationml/2006/main">
+  <p:cSld>
+    <p:spTree>
+      <p:nvGrpSpPr>
+        <p:cNvPr id="1" name=""/>
+        <p:cNvGrpSpPr/>
+        <p:nvPr/>
+      </p:nvGrpSpPr>
+      <p:grpSpPr>
+        <a:xfrm>
+          <a:off x="0" y="0"/>
+          <a:ext cx="0" cy="0"/>
+          <a:chOff x="0" y="0"/>
+          <a:chExt cx="0" cy="0"/>
+        </a:xfrm>
+      </p:grpSpPr>
+      <p:sp>
+        <p:nvSpPr>
+          <p:cNvPr id="5" name="Title 4"/>
+          <p:cNvSpPr>
+            <a:spLocks noGrp="1"/>
+          </p:cNvSpPr>
+          <p:nvPr>
+            <p:ph type="title"/>
+          </p:nvPr>
+        </p:nvSpPr>
+        <p:spPr>
+          <a:xfrm>
+            <a:off x="688571" y="284162"/>
+            <a:ext cx="10515600" cy="1325563"/>
+          </a:xfrm>
+        </p:spPr>
+        <p:txBody>
+          <a:bodyPr>
+            <a:normAutofit/>
+          </a:bodyPr>
+          <a:lstStyle/>
+          <a:p>
+            <a:r>
+              <a:rPr lang="en-US" sz="4000" dirty="0"/>
+              <a:t>Web Server</a:t>
+            </a:r>
+          </a:p>
+        </p:txBody>
+      </p:sp>
+      <p:sp>
+        <p:nvSpPr>
+          <p:cNvPr id="6" name="Content Placeholder 5"/>
+          <p:cNvSpPr>
+            <a:spLocks noGrp="1"/>
+          </p:cNvSpPr>
+          <p:nvPr>
+            <p:ph idx="1"/>
+          </p:nvPr>
+        </p:nvSpPr>
+        <p:spPr>
+          <a:xfrm>
+            <a:off x="838200" y="1253331"/>
+            <a:ext cx="10515600" cy="4351338"/>
+          </a:xfrm>
+        </p:spPr>
+        <p:txBody>
+          <a:bodyPr>
+            <a:normAutofit lnSpcReduction="10000"/>
+          </a:bodyPr>
+          <a:lstStyle/>
+          <a:p>
+            <a:r>
+              <a:rPr lang="en-US" dirty="0"/>
+              <a:t>A </a:t>
+            </a:r>
+            <a:r>
+              <a:rPr lang="en-US" b="1" dirty="0"/>
+              <a:t>web server</a:t>
+            </a:r>
+            <a:r>
+              <a:rPr lang="en-US" dirty="0"/>
+              <a:t> is </a:t>
+            </a:r>
+            <a:r>
+              <a:rPr lang="en-US" dirty="0">
+                <a:hlinkClick r:id="rId3" tooltip="Server software"/>
+              </a:rPr>
+              <a:t>server software</a:t>
+            </a:r>
+            <a:r>
+              <a:rPr lang="en-US" dirty="0"/>
+              <a:t>, or hardware dedicated to running said software, that can satisfy </a:t>
+            </a:r>
+            <a:r>
+              <a:rPr lang="en-US" dirty="0">
+                <a:hlinkClick r:id="rId4" tooltip="World Wide Web"/>
+              </a:rPr>
+              <a:t>World Wide Web</a:t>
+            </a:r>
+            <a:r>
+              <a:rPr lang="en-US" dirty="0"/>
+              <a:t> client requests. A web server can, in general, contain one or more </a:t>
+            </a:r>
+            <a:r>
+              <a:rPr lang="en-US" dirty="0">
+                <a:hlinkClick r:id="rId5" tooltip="Website"/>
+              </a:rPr>
+              <a:t>websites</a:t>
+            </a:r>
+            <a:r>
+              <a:rPr lang="en-US" dirty="0"/>
+              <a:t>. A web server processes incoming network requests over </a:t>
+            </a:r>
+            <a:r>
+              <a:rPr lang="en-US" dirty="0">
+                <a:hlinkClick r:id="rId6" tooltip="Hypertext Transfer Protocol"/>
+              </a:rPr>
+              <a:t>HTTP</a:t>
+            </a:r>
+            <a:r>
+              <a:rPr lang="en-US" dirty="0"/>
+              <a:t> and several other related protocols.</a:t>
+            </a:r>
+            <a:r>
+              <a:rPr lang="en-US" baseline="30000" dirty="0">
+                <a:hlinkClick r:id="rId7"/>
+              </a:rPr>
+              <a:t>[1]</a:t>
+            </a:r>
+            <a:endParaRPr lang="en-US" dirty="0"/>
+          </a:p>
+          <a:p>
+            <a:r>
+              <a:rPr lang="en-US" dirty="0"/>
+              <a:t>The primary function of a web server is to store, process and deliver </a:t>
+            </a:r>
+            <a:r>
+              <a:rPr lang="en-US" dirty="0">
+                <a:hlinkClick r:id="rId8" tooltip="Web page"/>
+              </a:rPr>
+              <a:t>web pages</a:t>
+            </a:r>
+            <a:r>
+              <a:rPr lang="en-US" dirty="0"/>
+              <a:t> to </a:t>
+            </a:r>
+            <a:r>
+              <a:rPr lang="en-US" dirty="0">
+                <a:hlinkClick r:id="rId9" tooltip="Client (computing)"/>
+              </a:rPr>
+              <a:t>clients</a:t>
+            </a:r>
+            <a:r>
+              <a:rPr lang="en-US" dirty="0"/>
+              <a:t>.</a:t>
+            </a:r>
+            <a:r>
+              <a:rPr lang="en-US" baseline="30000" dirty="0">
+                <a:hlinkClick r:id="rId7"/>
+              </a:rPr>
+              <a:t>[2]</a:t>
+            </a:r>
+            <a:r>
+              <a:rPr lang="en-US" dirty="0"/>
+              <a:t> The communication between client and server takes place using the </a:t>
+            </a:r>
+            <a:r>
+              <a:rPr lang="en-US" dirty="0">
+                <a:hlinkClick r:id="rId6" tooltip="Hypertext Transfer Protocol"/>
+              </a:rPr>
+              <a:t>Hypertext Transfer Protocol (HTTP)</a:t>
+            </a:r>
+            <a:r>
+              <a:rPr lang="en-US" dirty="0"/>
+              <a:t>. Pages delivered are most frequently </a:t>
+            </a:r>
+            <a:r>
+              <a:rPr lang="en-US" dirty="0">
+                <a:hlinkClick r:id="rId10" tooltip="HTML"/>
+              </a:rPr>
+              <a:t>HTML documents</a:t>
+            </a:r>
+            <a:r>
+              <a:rPr lang="en-US" dirty="0"/>
+              <a:t>, which may include </a:t>
+            </a:r>
+            <a:r>
+              <a:rPr lang="en-US" dirty="0">
+                <a:hlinkClick r:id="rId11" tooltip="Image"/>
+              </a:rPr>
+              <a:t>images</a:t>
+            </a:r>
+            <a:r>
+              <a:rPr lang="en-US" dirty="0"/>
+              <a:t>, </a:t>
+            </a:r>
+            <a:r>
+              <a:rPr lang="en-US" dirty="0">
+                <a:hlinkClick r:id="rId12" tooltip="Style sheet (web development)"/>
+              </a:rPr>
+              <a:t>style sheets</a:t>
+            </a:r>
+            <a:r>
+              <a:rPr lang="en-US" dirty="0"/>
+              <a:t> and </a:t>
+            </a:r>
+            <a:r>
+              <a:rPr lang="en-US" dirty="0">
+                <a:hlinkClick r:id="rId13" tooltip="JavaScript"/>
+              </a:rPr>
+              <a:t>scripts</a:t>
+            </a:r>
+            <a:r>
+              <a:rPr lang="en-US" dirty="0"/>
+              <a:t> in addition to the text content.</a:t>
+            </a:r>
+          </a:p>
+          <a:p>
+            <a:pPr fontAlgn="ctr"/>
+            <a:endParaRPr lang="en-US" dirty="0"/>
+          </a:p>
+        </p:txBody>
+      </p:sp>
+      <p:sp>
+        <p:nvSpPr>
+          <p:cNvPr id="7" name="Date Placeholder 6"/>
+          <p:cNvSpPr>
+            <a:spLocks noGrp="1"/>
+          </p:cNvSpPr>
+          <p:nvPr>
+            <p:ph type="dt" sz="half" idx="10"/>
+          </p:nvPr>
+        </p:nvSpPr>
+        <p:spPr/>
+        <p:txBody>
+          <a:bodyPr/>
+          <a:lstStyle/>
+          <a:p>
+            <a:fld id="{EB798BFA-0A12-4E3A-85B7-D5C3D7F3C007}" type="datetime1">
+              <a:rPr lang="en-US" smtClean="0"/>
+              <a:pPr/>
+              <a:t>5/4/2019</a:t>
+            </a:fld>
+            <a:endParaRPr lang="en-US" dirty="0"/>
+          </a:p>
+        </p:txBody>
+      </p:sp>
+      <p:sp>
+        <p:nvSpPr>
+          <p:cNvPr id="8" name="Footer Placeholder 7"/>
+          <p:cNvSpPr>
+            <a:spLocks noGrp="1"/>
+          </p:cNvSpPr>
+          <p:nvPr>
+            <p:ph type="ftr" sz="quarter" idx="11"/>
+          </p:nvPr>
+        </p:nvSpPr>
+        <p:spPr/>
+        <p:txBody>
+          <a:bodyPr/>
+          <a:lstStyle/>
+          <a:p>
+            <a:r>
+              <a:rPr lang="en-US" dirty="0"/>
+              <a:t>Tenses</a:t>
+            </a:r>
+          </a:p>
+        </p:txBody>
+      </p:sp>
+      <p:sp>
+        <p:nvSpPr>
+          <p:cNvPr id="9" name="Slide Number Placeholder 8"/>
+          <p:cNvSpPr>
+            <a:spLocks noGrp="1"/>
+          </p:cNvSpPr>
+          <p:nvPr>
+            <p:ph type="sldNum" sz="quarter" idx="12"/>
+          </p:nvPr>
+        </p:nvSpPr>
+        <p:spPr/>
+        <p:txBody>
+          <a:bodyPr/>
+          <a:lstStyle/>
+          <a:p>
+            <a:fld id="{BD37BEF6-ACC5-4387-AC71-99C0DDE89871}" type="slidenum">
+              <a:rPr lang="en-US" smtClean="0"/>
+              <a:pPr/>
+              <a:t>37</a:t>
+            </a:fld>
+            <a:endParaRPr lang="en-US" dirty="0"/>
+          </a:p>
+        </p:txBody>
+      </p:sp>
+    </p:spTree>
+    <p:extLst>
+      <p:ext uri="{BB962C8B-B14F-4D97-AF65-F5344CB8AC3E}">
+        <p14:creationId xmlns:p14="http://schemas.microsoft.com/office/powerpoint/2010/main" xmlns="" val="2861962660"/>
+      </p:ext>
+    </p:extLst>
+  </p:cSld>
+  <p:clrMapOvr>
+    <a:masterClrMapping/>
+  </p:clrMapOvr>
+</p:sld>
+</file>
+
+<file path=ppt/slides/slide38.xml><?xml version="1.0" encoding="utf-8"?>
+<p:sld xmlns:a="http://schemas.openxmlformats.org/drawingml/2006/main" xmlns:r="http://schemas.openxmlformats.org/officeDocument/2006/relationships" xmlns:p="http://schemas.openxmlformats.org/presentationml/2006/main">
+  <p:cSld>
+    <p:spTree>
+      <p:nvGrpSpPr>
+        <p:cNvPr id="1" name=""/>
+        <p:cNvGrpSpPr/>
+        <p:nvPr/>
+      </p:nvGrpSpPr>
+      <p:grpSpPr>
+        <a:xfrm>
+          <a:off x="0" y="0"/>
+          <a:ext cx="0" cy="0"/>
+          <a:chOff x="0" y="0"/>
+          <a:chExt cx="0" cy="0"/>
+        </a:xfrm>
+      </p:grpSpPr>
+      <p:sp>
+        <p:nvSpPr>
+          <p:cNvPr id="2" name="Title 1"/>
+          <p:cNvSpPr>
+            <a:spLocks noGrp="1"/>
+          </p:cNvSpPr>
+          <p:nvPr>
+            <p:ph type="ctrTitle"/>
+          </p:nvPr>
+        </p:nvSpPr>
+        <p:spPr/>
+        <p:txBody>
+          <a:bodyPr>
+            <a:normAutofit/>
+          </a:bodyPr>
+          <a:lstStyle/>
+          <a:p>
+            <a:r>
+              <a:rPr lang="en-US" sz="4000" dirty="0"/>
+              <a:t>APPLICATION SERVER</a:t>
+            </a:r>
+          </a:p>
+        </p:txBody>
+      </p:sp>
+      <p:sp>
+        <p:nvSpPr>
+          <p:cNvPr id="4" name="Date Placeholder 3"/>
+          <p:cNvSpPr>
+            <a:spLocks noGrp="1"/>
+          </p:cNvSpPr>
+          <p:nvPr>
+            <p:ph type="dt" sz="half" idx="10"/>
+          </p:nvPr>
+        </p:nvSpPr>
+        <p:spPr/>
+        <p:txBody>
+          <a:bodyPr/>
+          <a:lstStyle/>
+          <a:p>
+            <a:fld id="{7555CE78-1282-4767-95FA-CA032235F26F}" type="datetime1">
+              <a:rPr lang="en-US" smtClean="0"/>
+              <a:pPr/>
+              <a:t>5/4/2019</a:t>
+            </a:fld>
+            <a:endParaRPr lang="en-US"/>
+          </a:p>
+        </p:txBody>
+      </p:sp>
+      <p:sp>
+        <p:nvSpPr>
+          <p:cNvPr id="6" name="Slide Number Placeholder 5"/>
+          <p:cNvSpPr>
+            <a:spLocks noGrp="1"/>
+          </p:cNvSpPr>
+          <p:nvPr>
+            <p:ph type="sldNum" sz="quarter" idx="12"/>
+          </p:nvPr>
+        </p:nvSpPr>
+        <p:spPr/>
+        <p:txBody>
+          <a:bodyPr/>
+          <a:lstStyle/>
+          <a:p>
+            <a:fld id="{BD37BEF6-ACC5-4387-AC71-99C0DDE89871}" type="slidenum">
+              <a:rPr lang="en-US" smtClean="0"/>
+              <a:pPr/>
+              <a:t>38</a:t>
+            </a:fld>
+            <a:endParaRPr lang="en-US"/>
+          </a:p>
+        </p:txBody>
+      </p:sp>
+    </p:spTree>
+    <p:extLst>
+      <p:ext uri="{BB962C8B-B14F-4D97-AF65-F5344CB8AC3E}">
+        <p14:creationId xmlns:p14="http://schemas.microsoft.com/office/powerpoint/2010/main" xmlns="" val="1257003603"/>
       </p:ext>
     </p:extLst>
   </p:cSld>
@@ -12996,6 +13565,290 @@
 </file>
 
 <file path=ppt/slides/slide4.xml><?xml version="1.0" encoding="utf-8"?>
+<p:sld xmlns:a="http://schemas.openxmlformats.org/drawingml/2006/main" xmlns:r="http://schemas.openxmlformats.org/officeDocument/2006/relationships" xmlns:p="http://schemas.openxmlformats.org/presentationml/2006/main">
+  <p:cSld>
+    <p:spTree>
+      <p:nvGrpSpPr>
+        <p:cNvPr id="1" name=""/>
+        <p:cNvGrpSpPr/>
+        <p:nvPr/>
+      </p:nvGrpSpPr>
+      <p:grpSpPr>
+        <a:xfrm>
+          <a:off x="0" y="0"/>
+          <a:ext cx="0" cy="0"/>
+          <a:chOff x="0" y="0"/>
+          <a:chExt cx="0" cy="0"/>
+        </a:xfrm>
+      </p:grpSpPr>
+      <p:sp>
+        <p:nvSpPr>
+          <p:cNvPr id="2" name="Title 1"/>
+          <p:cNvSpPr>
+            <a:spLocks noGrp="1"/>
+          </p:cNvSpPr>
+          <p:nvPr>
+            <p:ph type="title"/>
+          </p:nvPr>
+        </p:nvSpPr>
+        <p:spPr/>
+        <p:txBody>
+          <a:bodyPr>
+            <a:normAutofit/>
+          </a:bodyPr>
+          <a:lstStyle/>
+          <a:p>
+            <a:r>
+              <a:rPr lang="en-US" sz="4000" dirty="0"/>
+              <a:t>Technology Topics</a:t>
+            </a:r>
+          </a:p>
+        </p:txBody>
+      </p:sp>
+      <p:sp>
+        <p:nvSpPr>
+          <p:cNvPr id="3" name="Content Placeholder 2"/>
+          <p:cNvSpPr>
+            <a:spLocks noGrp="1"/>
+          </p:cNvSpPr>
+          <p:nvPr>
+            <p:ph idx="1"/>
+          </p:nvPr>
+        </p:nvSpPr>
+        <p:spPr/>
+        <p:txBody>
+          <a:bodyPr/>
+          <a:lstStyle/>
+          <a:p>
+            <a:r>
+              <a:rPr lang="en-US" dirty="0"/>
+              <a:t>Web server</a:t>
+            </a:r>
+          </a:p>
+          <a:p>
+            <a:r>
+              <a:rPr lang="en-US" dirty="0"/>
+              <a:t>Application Server</a:t>
+            </a:r>
+          </a:p>
+          <a:p>
+            <a:r>
+              <a:rPr lang="en-US" dirty="0"/>
+              <a:t>Plug-Ins</a:t>
+            </a:r>
+          </a:p>
+          <a:p>
+            <a:r>
+              <a:rPr lang="en-US" dirty="0"/>
+              <a:t>IoT</a:t>
+            </a:r>
+          </a:p>
+          <a:p>
+            <a:r>
+              <a:rPr lang="en-US" dirty="0"/>
+              <a:t>REST API</a:t>
+            </a:r>
+          </a:p>
+          <a:p>
+            <a:r>
+              <a:rPr lang="en-US" dirty="0"/>
+              <a:t>SOAP API</a:t>
+            </a:r>
+          </a:p>
+          <a:p>
+            <a:r>
+              <a:rPr lang="en-US" dirty="0"/>
+              <a:t>Micro Services</a:t>
+            </a:r>
+          </a:p>
+          <a:p>
+            <a:endParaRPr lang="en-US" dirty="0"/>
+          </a:p>
+        </p:txBody>
+      </p:sp>
+      <p:sp>
+        <p:nvSpPr>
+          <p:cNvPr id="4" name="Date Placeholder 3"/>
+          <p:cNvSpPr>
+            <a:spLocks noGrp="1"/>
+          </p:cNvSpPr>
+          <p:nvPr>
+            <p:ph type="dt" sz="half" idx="10"/>
+          </p:nvPr>
+        </p:nvSpPr>
+        <p:spPr/>
+        <p:txBody>
+          <a:bodyPr/>
+          <a:lstStyle/>
+          <a:p>
+            <a:fld id="{7555CE78-1282-4767-95FA-CA032235F26F}" type="datetime1">
+              <a:rPr lang="en-US" smtClean="0"/>
+              <a:pPr/>
+              <a:t>5/4/2019</a:t>
+            </a:fld>
+            <a:endParaRPr lang="en-US"/>
+          </a:p>
+        </p:txBody>
+      </p:sp>
+      <p:sp>
+        <p:nvSpPr>
+          <p:cNvPr id="6" name="Slide Number Placeholder 5"/>
+          <p:cNvSpPr>
+            <a:spLocks noGrp="1"/>
+          </p:cNvSpPr>
+          <p:nvPr>
+            <p:ph type="sldNum" sz="quarter" idx="12"/>
+          </p:nvPr>
+        </p:nvSpPr>
+        <p:spPr/>
+        <p:txBody>
+          <a:bodyPr/>
+          <a:lstStyle/>
+          <a:p>
+            <a:fld id="{BD37BEF6-ACC5-4387-AC71-99C0DDE89871}" type="slidenum">
+              <a:rPr lang="en-US" smtClean="0"/>
+              <a:pPr/>
+              <a:t>4</a:t>
+            </a:fld>
+            <a:endParaRPr lang="en-US"/>
+          </a:p>
+        </p:txBody>
+      </p:sp>
+    </p:spTree>
+    <p:extLst>
+      <p:ext uri="{BB962C8B-B14F-4D97-AF65-F5344CB8AC3E}">
+        <p14:creationId xmlns:p14="http://schemas.microsoft.com/office/powerpoint/2010/main" xmlns="" val="4279262467"/>
+      </p:ext>
+    </p:extLst>
+  </p:cSld>
+  <p:clrMapOvr>
+    <a:masterClrMapping/>
+  </p:clrMapOvr>
+</p:sld>
+</file>
+
+<file path=ppt/slides/slide5.xml><?xml version="1.0" encoding="utf-8"?>
+<p:sld xmlns:a="http://schemas.openxmlformats.org/drawingml/2006/main" xmlns:r="http://schemas.openxmlformats.org/officeDocument/2006/relationships" xmlns:p="http://schemas.openxmlformats.org/presentationml/2006/main">
+  <p:cSld>
+    <p:spTree>
+      <p:nvGrpSpPr>
+        <p:cNvPr id="1" name=""/>
+        <p:cNvGrpSpPr/>
+        <p:nvPr/>
+      </p:nvGrpSpPr>
+      <p:grpSpPr>
+        <a:xfrm>
+          <a:off x="0" y="0"/>
+          <a:ext cx="0" cy="0"/>
+          <a:chOff x="0" y="0"/>
+          <a:chExt cx="0" cy="0"/>
+        </a:xfrm>
+      </p:grpSpPr>
+      <p:sp>
+        <p:nvSpPr>
+          <p:cNvPr id="2" name="Title 1"/>
+          <p:cNvSpPr>
+            <a:spLocks noGrp="1"/>
+          </p:cNvSpPr>
+          <p:nvPr>
+            <p:ph type="title"/>
+          </p:nvPr>
+        </p:nvSpPr>
+        <p:spPr/>
+        <p:txBody>
+          <a:bodyPr>
+            <a:normAutofit/>
+          </a:bodyPr>
+          <a:lstStyle/>
+          <a:p>
+            <a:r>
+              <a:rPr lang="en-US" sz="4000" dirty="0"/>
+              <a:t>Technology Topics</a:t>
+            </a:r>
+          </a:p>
+        </p:txBody>
+      </p:sp>
+      <p:sp>
+        <p:nvSpPr>
+          <p:cNvPr id="3" name="Content Placeholder 2"/>
+          <p:cNvSpPr>
+            <a:spLocks noGrp="1"/>
+          </p:cNvSpPr>
+          <p:nvPr>
+            <p:ph idx="1"/>
+          </p:nvPr>
+        </p:nvSpPr>
+        <p:spPr/>
+        <p:txBody>
+          <a:bodyPr/>
+          <a:lstStyle/>
+          <a:p>
+            <a:endParaRPr lang="en-US" dirty="0"/>
+          </a:p>
+        </p:txBody>
+      </p:sp>
+      <p:sp>
+        <p:nvSpPr>
+          <p:cNvPr id="4" name="Date Placeholder 3"/>
+          <p:cNvSpPr>
+            <a:spLocks noGrp="1"/>
+          </p:cNvSpPr>
+          <p:nvPr>
+            <p:ph type="dt" sz="half" idx="10"/>
+          </p:nvPr>
+        </p:nvSpPr>
+        <p:spPr/>
+        <p:txBody>
+          <a:bodyPr/>
+          <a:lstStyle/>
+          <a:p>
+            <a:fld id="{7555CE78-1282-4767-95FA-CA032235F26F}" type="datetime1">
+              <a:rPr lang="en-US" smtClean="0"/>
+              <a:pPr/>
+              <a:t>5/4/2019</a:t>
+            </a:fld>
+            <a:endParaRPr lang="en-US"/>
+          </a:p>
+        </p:txBody>
+      </p:sp>
+      <p:sp>
+        <p:nvSpPr>
+          <p:cNvPr id="6" name="Slide Number Placeholder 5"/>
+          <p:cNvSpPr>
+            <a:spLocks noGrp="1"/>
+          </p:cNvSpPr>
+          <p:nvPr>
+            <p:ph type="sldNum" sz="quarter" idx="12"/>
+          </p:nvPr>
+        </p:nvSpPr>
+        <p:spPr/>
+        <p:txBody>
+          <a:bodyPr/>
+          <a:lstStyle/>
+          <a:p>
+            <a:fld id="{BD37BEF6-ACC5-4387-AC71-99C0DDE89871}" type="slidenum">
+              <a:rPr lang="en-US" smtClean="0"/>
+              <a:pPr/>
+              <a:t>5</a:t>
+            </a:fld>
+            <a:endParaRPr lang="en-US"/>
+          </a:p>
+        </p:txBody>
+      </p:sp>
+    </p:spTree>
+    <p:extLst>
+      <p:ext uri="{BB962C8B-B14F-4D97-AF65-F5344CB8AC3E}">
+        <p14:creationId xmlns:p14="http://schemas.microsoft.com/office/powerpoint/2010/main" xmlns="" val="4279262467"/>
+      </p:ext>
+    </p:extLst>
+  </p:cSld>
+  <p:clrMapOvr>
+    <a:masterClrMapping/>
+  </p:clrMapOvr>
+</p:sld>
+</file>
+
+<file path=ppt/slides/slide6.xml><?xml version="1.0" encoding="utf-8"?>
 <p:sld xmlns:a="http://schemas.openxmlformats.org/drawingml/2006/main" xmlns:r="http://schemas.openxmlformats.org/officeDocument/2006/relationships" xmlns:p="http://schemas.openxmlformats.org/presentationml/2006/main">
   <p:cSld>
     <p:bg>
@@ -13025,10 +13878,10 @@
           <p:cNvPr id="14" name="Rectangle 13">
             <a:extLst>
               <a:ext uri="{FF2B5EF4-FFF2-40B4-BE49-F238E27FC236}">
-                <a16:creationId xmlns:a16="http://schemas.microsoft.com/office/drawing/2014/main" id="{6753252F-4873-4F63-801D-CC719279A7D5}"/>
+                <a16:creationId xmlns:a16="http://schemas.microsoft.com/office/drawing/2014/main" xmlns="" id="{6753252F-4873-4F63-801D-CC719279A7D5}"/>
               </a:ext>
               <a:ext uri="{C183D7F6-B498-43B3-948B-1728B52AA6E4}">
-                <adec:decorative xmlns:adec="http://schemas.microsoft.com/office/drawing/2017/decorative" val="1"/>
+                <adec:decorative xmlns:adec="http://schemas.microsoft.com/office/drawing/2017/decorative" xmlns="" val="1"/>
               </a:ext>
             </a:extLst>
           </p:cNvPr>
@@ -13038,7 +13891,7 @@
           <p:nvPr>
             <p:extLst>
               <p:ext uri="{386F3935-93C4-4BCD-93E2-E3B085C9AB24}">
-                <p16:designElem xmlns:p16="http://schemas.microsoft.com/office/powerpoint/2015/main" val="1"/>
+                <p16:designElem xmlns:p16="http://schemas.microsoft.com/office/powerpoint/2015/main" xmlns="" val="1"/>
               </p:ext>
             </p:extLst>
           </p:nvPr>
@@ -13088,10 +13941,10 @@
           <p:cNvPr id="16" name="Rectangle 15">
             <a:extLst>
               <a:ext uri="{FF2B5EF4-FFF2-40B4-BE49-F238E27FC236}">
-                <a16:creationId xmlns:a16="http://schemas.microsoft.com/office/drawing/2014/main" id="{047C8CCB-F95D-4249-92DD-651249D3535A}"/>
+                <a16:creationId xmlns:a16="http://schemas.microsoft.com/office/drawing/2014/main" xmlns="" id="{047C8CCB-F95D-4249-92DD-651249D3535A}"/>
               </a:ext>
               <a:ext uri="{C183D7F6-B498-43B3-948B-1728B52AA6E4}">
-                <adec:decorative xmlns:adec="http://schemas.microsoft.com/office/drawing/2017/decorative" val="1"/>
+                <adec:decorative xmlns:adec="http://schemas.microsoft.com/office/drawing/2017/decorative" xmlns="" val="1"/>
               </a:ext>
             </a:extLst>
           </p:cNvPr>
@@ -13101,7 +13954,7 @@
           <p:nvPr>
             <p:extLst>
               <p:ext uri="{386F3935-93C4-4BCD-93E2-E3B085C9AB24}">
-                <p16:designElem xmlns:p16="http://schemas.microsoft.com/office/powerpoint/2015/main" val="1"/>
+                <p16:designElem xmlns:p16="http://schemas.microsoft.com/office/powerpoint/2015/main" xmlns="" val="1"/>
               </p:ext>
             </p:extLst>
           </p:nvPr>
@@ -13199,7 +14052,7 @@
           <p:cNvPr id="2" name="Content Placeholder 1" descr="A picture containing electronics&#10;&#10;Description generated with very high confidence">
             <a:extLst>
               <a:ext uri="{FF2B5EF4-FFF2-40B4-BE49-F238E27FC236}">
-                <a16:creationId xmlns:a16="http://schemas.microsoft.com/office/drawing/2014/main" id="{623795DF-4BC4-47C3-9E4B-7EC3AFD35A36}"/>
+                <a16:creationId xmlns:a16="http://schemas.microsoft.com/office/drawing/2014/main" xmlns="" id="{623795DF-4BC4-47C3-9E4B-7EC3AFD35A36}"/>
               </a:ext>
             </a:extLst>
           </p:cNvPr>
@@ -13264,7 +14117,7 @@
                   <a:spcPts val="600"/>
                 </a:spcAft>
               </a:pPr>
-              <a:t>5/2/2019</a:t>
+              <a:t>5/4/2019</a:t>
             </a:fld>
             <a:endParaRPr lang="en-US">
               <a:solidFill>
@@ -13353,7 +14206,7 @@
                   <a:spcPts val="600"/>
                 </a:spcAft>
               </a:pPr>
-              <a:t>4</a:t>
+              <a:t>6</a:t>
             </a:fld>
             <a:endParaRPr lang="en-US">
               <a:solidFill>
@@ -13366,7 +14219,7 @@
     </p:spTree>
     <p:extLst>
       <p:ext uri="{BB962C8B-B14F-4D97-AF65-F5344CB8AC3E}">
-        <p14:creationId xmlns:p14="http://schemas.microsoft.com/office/powerpoint/2010/main" val="2784792374"/>
+        <p14:creationId xmlns:p14="http://schemas.microsoft.com/office/powerpoint/2010/main" xmlns="" val="2784792374"/>
       </p:ext>
     </p:extLst>
   </p:cSld>
@@ -13376,7 +14229,7 @@
 </p:sld>
 </file>
 
-<file path=ppt/slides/slide5.xml><?xml version="1.0" encoding="utf-8"?>
+<file path=ppt/slides/slide7.xml><?xml version="1.0" encoding="utf-8"?>
 <p:sld xmlns:a="http://schemas.openxmlformats.org/drawingml/2006/main" xmlns:r="http://schemas.openxmlformats.org/officeDocument/2006/relationships" xmlns:p="http://schemas.openxmlformats.org/presentationml/2006/main">
   <p:cSld>
     <p:bg>
@@ -13406,10 +14259,10 @@
           <p:cNvPr id="18" name="Rectangle 13">
             <a:extLst>
               <a:ext uri="{FF2B5EF4-FFF2-40B4-BE49-F238E27FC236}">
-                <a16:creationId xmlns:a16="http://schemas.microsoft.com/office/drawing/2014/main" id="{867D4867-5BA7-4462-B2F6-A23F4A622AA7}"/>
+                <a16:creationId xmlns:a16="http://schemas.microsoft.com/office/drawing/2014/main" xmlns="" id="{867D4867-5BA7-4462-B2F6-A23F4A622AA7}"/>
               </a:ext>
               <a:ext uri="{C183D7F6-B498-43B3-948B-1728B52AA6E4}">
-                <adec:decorative xmlns:adec="http://schemas.microsoft.com/office/drawing/2017/decorative" val="1"/>
+                <adec:decorative xmlns:adec="http://schemas.microsoft.com/office/drawing/2017/decorative" xmlns="" val="1"/>
               </a:ext>
             </a:extLst>
           </p:cNvPr>
@@ -13419,7 +14272,7 @@
           <p:nvPr>
             <p:extLst>
               <p:ext uri="{386F3935-93C4-4BCD-93E2-E3B085C9AB24}">
-                <p16:designElem xmlns:p16="http://schemas.microsoft.com/office/powerpoint/2015/main" val="1"/>
+                <p16:designElem xmlns:p16="http://schemas.microsoft.com/office/powerpoint/2015/main" xmlns="" val="1"/>
               </p:ext>
             </p:extLst>
           </p:nvPr>
@@ -13563,7 +14416,7 @@
           <p:cNvPr id="2" name="Picture 1">
             <a:extLst>
               <a:ext uri="{FF2B5EF4-FFF2-40B4-BE49-F238E27FC236}">
-                <a16:creationId xmlns:a16="http://schemas.microsoft.com/office/drawing/2014/main" id="{C9F50C43-CCC5-4874-A93F-46FCA14D4D47}"/>
+                <a16:creationId xmlns:a16="http://schemas.microsoft.com/office/drawing/2014/main" xmlns="" id="{C9F50C43-CCC5-4874-A93F-46FCA14D4D47}"/>
               </a:ext>
             </a:extLst>
           </p:cNvPr>
@@ -13628,7 +14481,7 @@
                   <a:spcPts val="600"/>
                 </a:spcAft>
               </a:pPr>
-              <a:t>5/2/2019</a:t>
+              <a:t>5/4/2019</a:t>
             </a:fld>
             <a:endParaRPr lang="en-US">
               <a:solidFill>
@@ -13720,7 +14573,7 @@
                   <a:spcPts val="600"/>
                 </a:spcAft>
               </a:pPr>
-              <a:t>5</a:t>
+              <a:t>7</a:t>
             </a:fld>
             <a:endParaRPr lang="en-US">
               <a:solidFill>
@@ -13735,7 +14588,7 @@
     </p:spTree>
     <p:extLst>
       <p:ext uri="{BB962C8B-B14F-4D97-AF65-F5344CB8AC3E}">
-        <p14:creationId xmlns:p14="http://schemas.microsoft.com/office/powerpoint/2010/main" val="550533829"/>
+        <p14:creationId xmlns:p14="http://schemas.microsoft.com/office/powerpoint/2010/main" xmlns="" val="550533829"/>
       </p:ext>
     </p:extLst>
   </p:cSld>
@@ -13745,7 +14598,7 @@
 </p:sld>
 </file>
 
-<file path=ppt/slides/slide6.xml><?xml version="1.0" encoding="utf-8"?>
+<file path=ppt/slides/slide8.xml><?xml version="1.0" encoding="utf-8"?>
 <p:sld xmlns:a="http://schemas.openxmlformats.org/drawingml/2006/main" xmlns:r="http://schemas.openxmlformats.org/officeDocument/2006/relationships" xmlns:p="http://schemas.openxmlformats.org/presentationml/2006/main">
   <p:cSld>
     <p:spTree>
@@ -13814,7 +14667,8 @@
           <a:p>
             <a:fld id="{EB798BFA-0A12-4E3A-85B7-D5C3D7F3C007}" type="datetime1">
               <a:rPr lang="en-US" smtClean="0"/>
-              <a:t>5/2/2019</a:t>
+              <a:pPr/>
+              <a:t>5/4/2019</a:t>
             </a:fld>
             <a:endParaRPr lang="en-US" dirty="0"/>
           </a:p>
@@ -13870,7 +14724,8 @@
           <a:p>
             <a:fld id="{BD37BEF6-ACC5-4387-AC71-99C0DDE89871}" type="slidenum">
               <a:rPr lang="en-US" smtClean="0"/>
-              <a:t>6</a:t>
+              <a:pPr/>
+              <a:t>8</a:t>
             </a:fld>
             <a:endParaRPr lang="en-US" dirty="0"/>
           </a:p>
@@ -13881,7 +14736,7 @@
           <p:cNvPr id="2" name="Picture 1">
             <a:extLst>
               <a:ext uri="{FF2B5EF4-FFF2-40B4-BE49-F238E27FC236}">
-                <a16:creationId xmlns:a16="http://schemas.microsoft.com/office/drawing/2014/main" id="{FF4E64F2-7DA5-4957-B2FB-794A11983CA4}"/>
+                <a16:creationId xmlns:a16="http://schemas.microsoft.com/office/drawing/2014/main" xmlns="" id="{FF4E64F2-7DA5-4957-B2FB-794A11983CA4}"/>
               </a:ext>
             </a:extLst>
           </p:cNvPr>
@@ -13909,468 +14764,7 @@
     </p:spTree>
     <p:extLst>
       <p:ext uri="{BB962C8B-B14F-4D97-AF65-F5344CB8AC3E}">
-        <p14:creationId xmlns:p14="http://schemas.microsoft.com/office/powerpoint/2010/main" val="4078231993"/>
-      </p:ext>
-    </p:extLst>
-  </p:cSld>
-  <p:clrMapOvr>
-    <a:masterClrMapping/>
-  </p:clrMapOvr>
-</p:sld>
-</file>
-
-<file path=ppt/slides/slide7.xml><?xml version="1.0" encoding="utf-8"?>
-<p:sld xmlns:a="http://schemas.openxmlformats.org/drawingml/2006/main" xmlns:r="http://schemas.openxmlformats.org/officeDocument/2006/relationships" xmlns:p="http://schemas.openxmlformats.org/presentationml/2006/main">
-  <p:cSld>
-    <p:spTree>
-      <p:nvGrpSpPr>
-        <p:cNvPr id="1" name=""/>
-        <p:cNvGrpSpPr/>
-        <p:nvPr/>
-      </p:nvGrpSpPr>
-      <p:grpSpPr>
-        <a:xfrm>
-          <a:off x="0" y="0"/>
-          <a:ext cx="0" cy="0"/>
-          <a:chOff x="0" y="0"/>
-          <a:chExt cx="0" cy="0"/>
-        </a:xfrm>
-      </p:grpSpPr>
-      <p:sp>
-        <p:nvSpPr>
-          <p:cNvPr id="5" name="Title 4"/>
-          <p:cNvSpPr>
-            <a:spLocks noGrp="1"/>
-          </p:cNvSpPr>
-          <p:nvPr>
-            <p:ph type="title"/>
-          </p:nvPr>
-        </p:nvSpPr>
-        <p:spPr>
-          <a:xfrm>
-            <a:off x="688571" y="284162"/>
-            <a:ext cx="10515600" cy="1325563"/>
-          </a:xfrm>
-        </p:spPr>
-        <p:txBody>
-          <a:bodyPr>
-            <a:normAutofit/>
-          </a:bodyPr>
-          <a:lstStyle/>
-          <a:p>
-            <a:r>
-              <a:rPr lang="en-US" sz="4000" dirty="0"/>
-              <a:t>DevOps – Dev side</a:t>
-            </a:r>
-          </a:p>
-        </p:txBody>
-      </p:sp>
-      <p:sp>
-        <p:nvSpPr>
-          <p:cNvPr id="6" name="Content Placeholder 5"/>
-          <p:cNvSpPr>
-            <a:spLocks noGrp="1"/>
-          </p:cNvSpPr>
-          <p:nvPr>
-            <p:ph idx="1"/>
-          </p:nvPr>
-        </p:nvSpPr>
-        <p:spPr>
-          <a:xfrm>
-            <a:off x="838200" y="1253331"/>
-            <a:ext cx="10515600" cy="4351338"/>
-          </a:xfrm>
-        </p:spPr>
-        <p:txBody>
-          <a:bodyPr>
-            <a:normAutofit/>
-          </a:bodyPr>
-          <a:lstStyle/>
-          <a:p>
-            <a:pPr fontAlgn="ctr"/>
-            <a:r>
-              <a:rPr lang="en-US" dirty="0"/>
-              <a:t>Plan / Code:</a:t>
-            </a:r>
-          </a:p>
-          <a:p>
-            <a:pPr lvl="1" fontAlgn="ctr"/>
-            <a:r>
-              <a:rPr lang="en-US" dirty="0"/>
-              <a:t>Version control:</a:t>
-            </a:r>
-          </a:p>
-          <a:p>
-            <a:pPr lvl="2" fontAlgn="ctr"/>
-            <a:r>
-              <a:rPr lang="en-US" dirty="0"/>
-              <a:t>GIT: De centralized version control tool.</a:t>
-            </a:r>
-          </a:p>
-          <a:p>
-            <a:pPr fontAlgn="ctr"/>
-            <a:r>
-              <a:rPr lang="en-US" dirty="0"/>
-              <a:t>Build:</a:t>
-            </a:r>
-          </a:p>
-          <a:p>
-            <a:pPr lvl="1" fontAlgn="ctr"/>
-            <a:r>
-              <a:rPr lang="en-US" dirty="0"/>
-              <a:t>Maven (for Java application)</a:t>
-            </a:r>
-          </a:p>
-          <a:p>
-            <a:pPr lvl="1" fontAlgn="ctr"/>
-            <a:r>
-              <a:rPr lang="en-US" dirty="0"/>
-              <a:t>JIRA</a:t>
-            </a:r>
-          </a:p>
-          <a:p>
-            <a:pPr fontAlgn="ctr"/>
-            <a:r>
-              <a:rPr lang="en-US" dirty="0"/>
-              <a:t>Test:</a:t>
-            </a:r>
-          </a:p>
-          <a:p>
-            <a:pPr lvl="1" fontAlgn="ctr"/>
-            <a:r>
-              <a:rPr lang="en-US" dirty="0"/>
-              <a:t>Selenium</a:t>
-            </a:r>
-          </a:p>
-          <a:p>
-            <a:pPr lvl="1" fontAlgn="ctr"/>
-            <a:r>
-              <a:rPr lang="en-US" dirty="0"/>
-              <a:t>JUnit</a:t>
-            </a:r>
-          </a:p>
-          <a:p>
-            <a:pPr fontAlgn="ctr"/>
-            <a:endParaRPr lang="en-US" dirty="0"/>
-          </a:p>
-        </p:txBody>
-      </p:sp>
-      <p:sp>
-        <p:nvSpPr>
-          <p:cNvPr id="7" name="Date Placeholder 6"/>
-          <p:cNvSpPr>
-            <a:spLocks noGrp="1"/>
-          </p:cNvSpPr>
-          <p:nvPr>
-            <p:ph type="dt" sz="half" idx="10"/>
-          </p:nvPr>
-        </p:nvSpPr>
-        <p:spPr/>
-        <p:txBody>
-          <a:bodyPr/>
-          <a:lstStyle/>
-          <a:p>
-            <a:fld id="{EB798BFA-0A12-4E3A-85B7-D5C3D7F3C007}" type="datetime1">
-              <a:rPr lang="en-US" smtClean="0"/>
-              <a:t>5/2/2019</a:t>
-            </a:fld>
-            <a:endParaRPr lang="en-US" dirty="0"/>
-          </a:p>
-        </p:txBody>
-      </p:sp>
-      <p:sp>
-        <p:nvSpPr>
-          <p:cNvPr id="8" name="Footer Placeholder 7"/>
-          <p:cNvSpPr>
-            <a:spLocks noGrp="1"/>
-          </p:cNvSpPr>
-          <p:nvPr>
-            <p:ph type="ftr" sz="quarter" idx="11"/>
-          </p:nvPr>
-        </p:nvSpPr>
-        <p:spPr/>
-        <p:txBody>
-          <a:bodyPr/>
-          <a:lstStyle/>
-          <a:p>
-            <a:r>
-              <a:rPr lang="en-US" dirty="0"/>
-              <a:t>Tenses</a:t>
-            </a:r>
-          </a:p>
-        </p:txBody>
-      </p:sp>
-      <p:sp>
-        <p:nvSpPr>
-          <p:cNvPr id="9" name="Slide Number Placeholder 8"/>
-          <p:cNvSpPr>
-            <a:spLocks noGrp="1"/>
-          </p:cNvSpPr>
-          <p:nvPr>
-            <p:ph type="sldNum" sz="quarter" idx="12"/>
-          </p:nvPr>
-        </p:nvSpPr>
-        <p:spPr/>
-        <p:txBody>
-          <a:bodyPr/>
-          <a:lstStyle/>
-          <a:p>
-            <a:fld id="{BD37BEF6-ACC5-4387-AC71-99C0DDE89871}" type="slidenum">
-              <a:rPr lang="en-US" smtClean="0"/>
-              <a:t>7</a:t>
-            </a:fld>
-            <a:endParaRPr lang="en-US" dirty="0"/>
-          </a:p>
-        </p:txBody>
-      </p:sp>
-    </p:spTree>
-    <p:extLst>
-      <p:ext uri="{BB962C8B-B14F-4D97-AF65-F5344CB8AC3E}">
-        <p14:creationId xmlns:p14="http://schemas.microsoft.com/office/powerpoint/2010/main" val="1830122752"/>
-      </p:ext>
-    </p:extLst>
-  </p:cSld>
-  <p:clrMapOvr>
-    <a:masterClrMapping/>
-  </p:clrMapOvr>
-</p:sld>
-</file>
-
-<file path=ppt/slides/slide8.xml><?xml version="1.0" encoding="utf-8"?>
-<p:sld xmlns:a="http://schemas.openxmlformats.org/drawingml/2006/main" xmlns:r="http://schemas.openxmlformats.org/officeDocument/2006/relationships" xmlns:p="http://schemas.openxmlformats.org/presentationml/2006/main">
-  <p:cSld>
-    <p:spTree>
-      <p:nvGrpSpPr>
-        <p:cNvPr id="1" name=""/>
-        <p:cNvGrpSpPr/>
-        <p:nvPr/>
-      </p:nvGrpSpPr>
-      <p:grpSpPr>
-        <a:xfrm>
-          <a:off x="0" y="0"/>
-          <a:ext cx="0" cy="0"/>
-          <a:chOff x="0" y="0"/>
-          <a:chExt cx="0" cy="0"/>
-        </a:xfrm>
-      </p:grpSpPr>
-      <p:sp>
-        <p:nvSpPr>
-          <p:cNvPr id="5" name="Title 4"/>
-          <p:cNvSpPr>
-            <a:spLocks noGrp="1"/>
-          </p:cNvSpPr>
-          <p:nvPr>
-            <p:ph type="title"/>
-          </p:nvPr>
-        </p:nvSpPr>
-        <p:spPr>
-          <a:xfrm>
-            <a:off x="688571" y="284162"/>
-            <a:ext cx="10515600" cy="1325563"/>
-          </a:xfrm>
-        </p:spPr>
-        <p:txBody>
-          <a:bodyPr>
-            <a:normAutofit/>
-          </a:bodyPr>
-          <a:lstStyle/>
-          <a:p>
-            <a:r>
-              <a:rPr lang="en-US" sz="4000" dirty="0"/>
-              <a:t>DevOps – Ops side</a:t>
-            </a:r>
-          </a:p>
-        </p:txBody>
-      </p:sp>
-      <p:sp>
-        <p:nvSpPr>
-          <p:cNvPr id="6" name="Content Placeholder 5"/>
-          <p:cNvSpPr>
-            <a:spLocks noGrp="1"/>
-          </p:cNvSpPr>
-          <p:nvPr>
-            <p:ph idx="1"/>
-          </p:nvPr>
-        </p:nvSpPr>
-        <p:spPr>
-          <a:xfrm>
-            <a:off x="838200" y="1253331"/>
-            <a:ext cx="10515600" cy="4351338"/>
-          </a:xfrm>
-        </p:spPr>
-        <p:txBody>
-          <a:bodyPr>
-            <a:normAutofit fontScale="92500" lnSpcReduction="10000"/>
-          </a:bodyPr>
-          <a:lstStyle/>
-          <a:p>
-            <a:pPr fontAlgn="ctr"/>
-            <a:r>
-              <a:rPr lang="en-US" dirty="0"/>
-              <a:t>Deploy &amp; Operate : </a:t>
-            </a:r>
-            <a:r>
-              <a:rPr lang="en-US" sz="2000" dirty="0"/>
-              <a:t>These are the configuration management tools for deployment</a:t>
-            </a:r>
-            <a:endParaRPr lang="en-US" dirty="0"/>
-          </a:p>
-          <a:p>
-            <a:pPr lvl="1" fontAlgn="ctr"/>
-            <a:r>
-              <a:rPr lang="en-US" dirty="0"/>
-              <a:t>Docker</a:t>
-            </a:r>
-          </a:p>
-          <a:p>
-            <a:pPr lvl="1" fontAlgn="ctr"/>
-            <a:r>
-              <a:rPr lang="en-US" dirty="0"/>
-              <a:t>Vagrant</a:t>
-            </a:r>
-          </a:p>
-          <a:p>
-            <a:pPr lvl="1" fontAlgn="ctr"/>
-            <a:r>
-              <a:rPr lang="en-US" dirty="0"/>
-              <a:t>Puppet:</a:t>
-            </a:r>
-          </a:p>
-          <a:p>
-            <a:pPr lvl="2" fontAlgn="ctr"/>
-            <a:r>
-              <a:rPr lang="en-US" dirty="0"/>
-              <a:t>Can replicate the whole configuration. We can easily roll back to the previous configuration.</a:t>
-            </a:r>
-          </a:p>
-          <a:p>
-            <a:pPr lvl="1" fontAlgn="ctr"/>
-            <a:r>
-              <a:rPr lang="en-US" dirty="0"/>
-              <a:t>CHEF</a:t>
-            </a:r>
-          </a:p>
-          <a:p>
-            <a:pPr lvl="1" fontAlgn="ctr"/>
-            <a:r>
-              <a:rPr lang="en-US" dirty="0" err="1"/>
-              <a:t>SaltStack</a:t>
-            </a:r>
-            <a:endParaRPr lang="en-US" dirty="0"/>
-          </a:p>
-          <a:p>
-            <a:pPr lvl="1" fontAlgn="ctr"/>
-            <a:r>
-              <a:rPr lang="en-US" dirty="0"/>
-              <a:t>Ansible</a:t>
-            </a:r>
-          </a:p>
-          <a:p>
-            <a:pPr fontAlgn="ctr"/>
-            <a:r>
-              <a:rPr lang="en-US" dirty="0"/>
-              <a:t>Monitor:</a:t>
-            </a:r>
-          </a:p>
-          <a:p>
-            <a:pPr lvl="1" fontAlgn="ctr"/>
-            <a:r>
-              <a:rPr lang="en-US" dirty="0"/>
-              <a:t>Stack</a:t>
-            </a:r>
-          </a:p>
-          <a:p>
-            <a:pPr lvl="1" fontAlgn="ctr"/>
-            <a:r>
-              <a:rPr lang="en-US" dirty="0"/>
-              <a:t>Splunk</a:t>
-            </a:r>
-          </a:p>
-          <a:p>
-            <a:pPr lvl="1" fontAlgn="ctr"/>
-            <a:r>
-              <a:rPr lang="en-US" dirty="0"/>
-              <a:t>Nagios</a:t>
-            </a:r>
-          </a:p>
-          <a:p>
-            <a:pPr fontAlgn="ctr"/>
-            <a:endParaRPr lang="en-US" dirty="0"/>
-          </a:p>
-        </p:txBody>
-      </p:sp>
-      <p:sp>
-        <p:nvSpPr>
-          <p:cNvPr id="7" name="Date Placeholder 6"/>
-          <p:cNvSpPr>
-            <a:spLocks noGrp="1"/>
-          </p:cNvSpPr>
-          <p:nvPr>
-            <p:ph type="dt" sz="half" idx="10"/>
-          </p:nvPr>
-        </p:nvSpPr>
-        <p:spPr/>
-        <p:txBody>
-          <a:bodyPr/>
-          <a:lstStyle/>
-          <a:p>
-            <a:fld id="{EB798BFA-0A12-4E3A-85B7-D5C3D7F3C007}" type="datetime1">
-              <a:rPr lang="en-US" smtClean="0"/>
-              <a:t>5/2/2019</a:t>
-            </a:fld>
-            <a:endParaRPr lang="en-US" dirty="0"/>
-          </a:p>
-        </p:txBody>
-      </p:sp>
-      <p:sp>
-        <p:nvSpPr>
-          <p:cNvPr id="8" name="Footer Placeholder 7"/>
-          <p:cNvSpPr>
-            <a:spLocks noGrp="1"/>
-          </p:cNvSpPr>
-          <p:nvPr>
-            <p:ph type="ftr" sz="quarter" idx="11"/>
-          </p:nvPr>
-        </p:nvSpPr>
-        <p:spPr/>
-        <p:txBody>
-          <a:bodyPr/>
-          <a:lstStyle/>
-          <a:p>
-            <a:r>
-              <a:rPr lang="en-US" dirty="0"/>
-              <a:t>Tenses</a:t>
-            </a:r>
-          </a:p>
-        </p:txBody>
-      </p:sp>
-      <p:sp>
-        <p:nvSpPr>
-          <p:cNvPr id="9" name="Slide Number Placeholder 8"/>
-          <p:cNvSpPr>
-            <a:spLocks noGrp="1"/>
-          </p:cNvSpPr>
-          <p:nvPr>
-            <p:ph type="sldNum" sz="quarter" idx="12"/>
-          </p:nvPr>
-        </p:nvSpPr>
-        <p:spPr/>
-        <p:txBody>
-          <a:bodyPr/>
-          <a:lstStyle/>
-          <a:p>
-            <a:fld id="{BD37BEF6-ACC5-4387-AC71-99C0DDE89871}" type="slidenum">
-              <a:rPr lang="en-US" smtClean="0"/>
-              <a:t>8</a:t>
-            </a:fld>
-            <a:endParaRPr lang="en-US" dirty="0"/>
-          </a:p>
-        </p:txBody>
-      </p:sp>
-    </p:spTree>
-    <p:extLst>
-      <p:ext uri="{BB962C8B-B14F-4D97-AF65-F5344CB8AC3E}">
-        <p14:creationId xmlns:p14="http://schemas.microsoft.com/office/powerpoint/2010/main" val="3916536364"/>
+        <p14:creationId xmlns:p14="http://schemas.microsoft.com/office/powerpoint/2010/main" xmlns="" val="4078231993"/>
       </p:ext>
     </p:extLst>
   </p:cSld>
@@ -14421,7 +14815,7 @@
           <a:p>
             <a:r>
               <a:rPr lang="en-US" sz="4000" dirty="0"/>
-              <a:t>DevOps - Integration</a:t>
+              <a:t>DevOps – Dev side</a:t>
             </a:r>
           </a:p>
         </p:txBody>
@@ -14451,40 +14845,68 @@
             <a:pPr fontAlgn="ctr"/>
             <a:r>
               <a:rPr lang="en-US" dirty="0"/>
-              <a:t>Integration: </a:t>
-            </a:r>
-            <a:r>
-              <a:rPr lang="en-US" sz="2400" dirty="0"/>
-              <a:t>Integrating all the phases from Dev and Ops Side</a:t>
+              <a:t>Plan / Code:</a:t>
             </a:r>
           </a:p>
           <a:p>
             <a:pPr lvl="1" fontAlgn="ctr"/>
             <a:r>
               <a:rPr lang="en-US" dirty="0"/>
-              <a:t>Jenkins</a:t>
+              <a:t>Version control:</a:t>
             </a:r>
           </a:p>
           <a:p>
             <a:pPr lvl="2" fontAlgn="ctr"/>
             <a:r>
               <a:rPr lang="en-US" dirty="0"/>
-              <a:t>Will pull the code and build it, and send for testing, then deploy, and also send for monitoring, and based on the responses from monitoring it will intimate required teams.</a:t>
+              <a:t>GIT: De centralized version control tool.</a:t>
+            </a:r>
+          </a:p>
+          <a:p>
+            <a:pPr fontAlgn="ctr"/>
+            <a:r>
+              <a:rPr lang="en-US" dirty="0"/>
+              <a:t>Build:</a:t>
             </a:r>
           </a:p>
           <a:p>
             <a:pPr lvl="1" fontAlgn="ctr"/>
             <a:r>
               <a:rPr lang="en-US" dirty="0"/>
-              <a:t>Bamboo</a:t>
+              <a:t>Maven (for Java application)</a:t>
             </a:r>
           </a:p>
           <a:p>
             <a:pPr lvl="1" fontAlgn="ctr"/>
             <a:r>
               <a:rPr lang="en-US" dirty="0"/>
-              <a:t>Hudson</a:t>
-            </a:r>
+              <a:t>JIRA</a:t>
+            </a:r>
+          </a:p>
+          <a:p>
+            <a:pPr fontAlgn="ctr"/>
+            <a:r>
+              <a:rPr lang="en-US" dirty="0"/>
+              <a:t>Test:</a:t>
+            </a:r>
+          </a:p>
+          <a:p>
+            <a:pPr lvl="1" fontAlgn="ctr"/>
+            <a:r>
+              <a:rPr lang="en-US" dirty="0"/>
+              <a:t>Selenium</a:t>
+            </a:r>
+          </a:p>
+          <a:p>
+            <a:pPr lvl="1" fontAlgn="ctr"/>
+            <a:r>
+              <a:rPr lang="en-US" dirty="0"/>
+              <a:t>JUnit</a:t>
+            </a:r>
+          </a:p>
+          <a:p>
+            <a:pPr fontAlgn="ctr"/>
+            <a:endParaRPr lang="en-US" dirty="0"/>
           </a:p>
         </p:txBody>
       </p:sp>
@@ -14505,7 +14927,8 @@
           <a:p>
             <a:fld id="{EB798BFA-0A12-4E3A-85B7-D5C3D7F3C007}" type="datetime1">
               <a:rPr lang="en-US" smtClean="0"/>
-              <a:t>5/2/2019</a:t>
+              <a:pPr/>
+              <a:t>5/4/2019</a:t>
             </a:fld>
             <a:endParaRPr lang="en-US" dirty="0"/>
           </a:p>
@@ -14550,6 +14973,7 @@
           <a:p>
             <a:fld id="{BD37BEF6-ACC5-4387-AC71-99C0DDE89871}" type="slidenum">
               <a:rPr lang="en-US" smtClean="0"/>
+              <a:pPr/>
               <a:t>9</a:t>
             </a:fld>
             <a:endParaRPr lang="en-US" dirty="0"/>
@@ -14559,7 +14983,7 @@
     </p:spTree>
     <p:extLst>
       <p:ext uri="{BB962C8B-B14F-4D97-AF65-F5344CB8AC3E}">
-        <p14:creationId xmlns:p14="http://schemas.microsoft.com/office/powerpoint/2010/main" val="954101542"/>
+        <p14:creationId xmlns:p14="http://schemas.microsoft.com/office/powerpoint/2010/main" xmlns="" val="1830122752"/>
       </p:ext>
     </p:extLst>
   </p:cSld>
@@ -14612,7 +15036,7 @@
     </a:clrScheme>
     <a:fontScheme name="Office">
       <a:majorFont>
-        <a:latin typeface="Calibri Light" panose="020F0302020204030204"/>
+        <a:latin typeface="Calibri Light"/>
         <a:ea typeface=""/>
         <a:cs typeface=""/>
         <a:font script="Jpan" typeface="ＭＳ Ｐゴシック"/>
@@ -14647,7 +15071,7 @@
         <a:font script="Geor" typeface="Sylfaen"/>
       </a:majorFont>
       <a:minorFont>
-        <a:latin typeface="Calibri" panose="020F0502020204030204"/>
+        <a:latin typeface="Calibri"/>
         <a:ea typeface=""/>
         <a:cs typeface=""/>
         <a:font script="Jpan" typeface="ＭＳ Ｐゴシック"/>
@@ -14824,7 +15248,7 @@
   <a:extraClrSchemeLst/>
   <a:extLst>
     <a:ext uri="{05A4C25C-085E-4340-85A3-A5531E510DB2}">
-      <thm15:themeFamily xmlns:thm15="http://schemas.microsoft.com/office/thememl/2012/main" name="Office Theme" id="{62F939B6-93AF-4DB8-9C6B-D6C7DFDC589F}" vid="{4A3C46E8-61CC-4603-A589-7422A47A8E4A}"/>
+      <thm15:themeFamily xmlns:thm15="http://schemas.microsoft.com/office/thememl/2012/main" xmlns="" name="Office Theme" id="{62F939B6-93AF-4DB8-9C6B-D6C7DFDC589F}" vid="{4A3C46E8-61CC-4603-A589-7422A47A8E4A}"/>
     </a:ext>
   </a:extLst>
 </a:theme>
@@ -14873,7 +15297,7 @@
     </a:clrScheme>
     <a:fontScheme name="Office">
       <a:majorFont>
-        <a:latin typeface="Calibri Light" panose="020F0302020204030204"/>
+        <a:latin typeface="Calibri Light"/>
         <a:ea typeface=""/>
         <a:cs typeface=""/>
         <a:font script="Jpan" typeface="ＭＳ Ｐゴシック"/>
@@ -14908,7 +15332,7 @@
         <a:font script="Geor" typeface="Sylfaen"/>
       </a:majorFont>
       <a:minorFont>
-        <a:latin typeface="Calibri" panose="020F0502020204030204"/>
+        <a:latin typeface="Calibri"/>
         <a:ea typeface=""/>
         <a:cs typeface=""/>
         <a:font script="Jpan" typeface="ＭＳ Ｐゴシック"/>
@@ -15085,7 +15509,7 @@
   <a:extraClrSchemeLst/>
   <a:extLst>
     <a:ext uri="{05A4C25C-085E-4340-85A3-A5531E510DB2}">
-      <thm15:themeFamily xmlns:thm15="http://schemas.microsoft.com/office/thememl/2012/main" name="Office Theme" id="{62F939B6-93AF-4DB8-9C6B-D6C7DFDC589F}" vid="{4A3C46E8-61CC-4603-A589-7422A47A8E4A}"/>
+      <thm15:themeFamily xmlns:thm15="http://schemas.microsoft.com/office/thememl/2012/main" xmlns="" name="Office Theme" id="{62F939B6-93AF-4DB8-9C6B-D6C7DFDC589F}" vid="{4A3C46E8-61CC-4603-A589-7422A47A8E4A}"/>
     </a:ext>
   </a:extLst>
 </a:theme>
@@ -15134,7 +15558,7 @@
     </a:clrScheme>
     <a:fontScheme name="Office">
       <a:majorFont>
-        <a:latin typeface="Calibri Light" panose="020F0302020204030204"/>
+        <a:latin typeface="Calibri Light"/>
         <a:ea typeface=""/>
         <a:cs typeface=""/>
         <a:font script="Jpan" typeface="ＭＳ Ｐゴシック"/>
@@ -15169,7 +15593,7 @@
         <a:font script="Geor" typeface="Sylfaen"/>
       </a:majorFont>
       <a:minorFont>
-        <a:latin typeface="Calibri" panose="020F0502020204030204"/>
+        <a:latin typeface="Calibri"/>
         <a:ea typeface=""/>
         <a:cs typeface=""/>
         <a:font script="Jpan" typeface="ＭＳ Ｐゴシック"/>
@@ -15346,7 +15770,7 @@
   <a:extraClrSchemeLst/>
   <a:extLst>
     <a:ext uri="{05A4C25C-085E-4340-85A3-A5531E510DB2}">
-      <thm15:themeFamily xmlns:thm15="http://schemas.microsoft.com/office/thememl/2012/main" name="Office Theme" id="{62F939B6-93AF-4DB8-9C6B-D6C7DFDC589F}" vid="{4A3C46E8-61CC-4603-A589-7422A47A8E4A}"/>
+      <thm15:themeFamily xmlns:thm15="http://schemas.microsoft.com/office/thememl/2012/main" xmlns="" name="Office Theme" id="{62F939B6-93AF-4DB8-9C6B-D6C7DFDC589F}" vid="{4A3C46E8-61CC-4603-A589-7422A47A8E4A}"/>
     </a:ext>
   </a:extLst>
 </a:theme>

--- a/Technology.pptx
+++ b/Technology.pptx
@@ -149,7 +149,7 @@
   </p:defaultTextStyle>
   <p:extLst>
     <p:ext uri="{EFAFB233-063F-42B5-8137-9DF3F51BA10A}">
-      <p15:sldGuideLst xmlns:p15="http://schemas.microsoft.com/office/powerpoint/2012/main" xmlns=""/>
+      <p15:sldGuideLst xmlns="" xmlns:p15="http://schemas.microsoft.com/office/powerpoint/2012/main"/>
     </p:ext>
   </p:extLst>
 </p:presentation>
@@ -314,7 +314,7 @@
     </p:spTree>
     <p:extLst>
       <p:ext uri="{BB962C8B-B14F-4D97-AF65-F5344CB8AC3E}">
-        <p14:creationId xmlns:p14="http://schemas.microsoft.com/office/powerpoint/2010/main" xmlns="" val="837459277"/>
+        <p14:creationId xmlns="" xmlns:p14="http://schemas.microsoft.com/office/powerpoint/2010/main" val="837459277"/>
       </p:ext>
     </p:extLst>
   </p:cSld>
@@ -574,7 +574,7 @@
     </p:spTree>
     <p:extLst>
       <p:ext uri="{BB962C8B-B14F-4D97-AF65-F5344CB8AC3E}">
-        <p14:creationId xmlns:p14="http://schemas.microsoft.com/office/powerpoint/2010/main" xmlns="" val="2897192556"/>
+        <p14:creationId xmlns="" xmlns:p14="http://schemas.microsoft.com/office/powerpoint/2010/main" val="2897192556"/>
       </p:ext>
     </p:extLst>
   </p:cSld>
@@ -812,7 +812,7 @@
     </p:spTree>
     <p:extLst>
       <p:ext uri="{BB962C8B-B14F-4D97-AF65-F5344CB8AC3E}">
-        <p14:creationId xmlns:p14="http://schemas.microsoft.com/office/powerpoint/2010/main" xmlns="" val="228654633"/>
+        <p14:creationId xmlns="" xmlns:p14="http://schemas.microsoft.com/office/powerpoint/2010/main" val="228654633"/>
       </p:ext>
     </p:extLst>
   </p:cSld>
@@ -959,7 +959,7 @@
     </p:spTree>
     <p:extLst>
       <p:ext uri="{BB962C8B-B14F-4D97-AF65-F5344CB8AC3E}">
-        <p14:creationId xmlns:p14="http://schemas.microsoft.com/office/powerpoint/2010/main" xmlns="" val="373351799"/>
+        <p14:creationId xmlns="" xmlns:p14="http://schemas.microsoft.com/office/powerpoint/2010/main" val="373351799"/>
       </p:ext>
     </p:extLst>
   </p:cSld>
@@ -1106,7 +1106,7 @@
     </p:spTree>
     <p:extLst>
       <p:ext uri="{BB962C8B-B14F-4D97-AF65-F5344CB8AC3E}">
-        <p14:creationId xmlns:p14="http://schemas.microsoft.com/office/powerpoint/2010/main" xmlns="" val="1317675645"/>
+        <p14:creationId xmlns="" xmlns:p14="http://schemas.microsoft.com/office/powerpoint/2010/main" val="1317675645"/>
       </p:ext>
     </p:extLst>
   </p:cSld>
@@ -1253,7 +1253,7 @@
     </p:spTree>
     <p:extLst>
       <p:ext uri="{BB962C8B-B14F-4D97-AF65-F5344CB8AC3E}">
-        <p14:creationId xmlns:p14="http://schemas.microsoft.com/office/powerpoint/2010/main" xmlns="" val="3963779928"/>
+        <p14:creationId xmlns="" xmlns:p14="http://schemas.microsoft.com/office/powerpoint/2010/main" val="3963779928"/>
       </p:ext>
     </p:extLst>
   </p:cSld>
@@ -1400,7 +1400,7 @@
     </p:spTree>
     <p:extLst>
       <p:ext uri="{BB962C8B-B14F-4D97-AF65-F5344CB8AC3E}">
-        <p14:creationId xmlns:p14="http://schemas.microsoft.com/office/powerpoint/2010/main" xmlns="" val="698185390"/>
+        <p14:creationId xmlns="" xmlns:p14="http://schemas.microsoft.com/office/powerpoint/2010/main" val="698185390"/>
       </p:ext>
     </p:extLst>
   </p:cSld>
@@ -1547,7 +1547,7 @@
     </p:spTree>
     <p:extLst>
       <p:ext uri="{BB962C8B-B14F-4D97-AF65-F5344CB8AC3E}">
-        <p14:creationId xmlns:p14="http://schemas.microsoft.com/office/powerpoint/2010/main" xmlns="" val="945936323"/>
+        <p14:creationId xmlns="" xmlns:p14="http://schemas.microsoft.com/office/powerpoint/2010/main" val="945936323"/>
       </p:ext>
     </p:extLst>
   </p:cSld>
@@ -1694,7 +1694,7 @@
     </p:spTree>
     <p:extLst>
       <p:ext uri="{BB962C8B-B14F-4D97-AF65-F5344CB8AC3E}">
-        <p14:creationId xmlns:p14="http://schemas.microsoft.com/office/powerpoint/2010/main" xmlns="" val="3267746309"/>
+        <p14:creationId xmlns="" xmlns:p14="http://schemas.microsoft.com/office/powerpoint/2010/main" val="3267746309"/>
       </p:ext>
     </p:extLst>
   </p:cSld>
@@ -1841,7 +1841,7 @@
     </p:spTree>
     <p:extLst>
       <p:ext uri="{BB962C8B-B14F-4D97-AF65-F5344CB8AC3E}">
-        <p14:creationId xmlns:p14="http://schemas.microsoft.com/office/powerpoint/2010/main" xmlns="" val="3579257864"/>
+        <p14:creationId xmlns="" xmlns:p14="http://schemas.microsoft.com/office/powerpoint/2010/main" val="3579257864"/>
       </p:ext>
     </p:extLst>
   </p:cSld>
@@ -1988,7 +1988,7 @@
     </p:spTree>
     <p:extLst>
       <p:ext uri="{BB962C8B-B14F-4D97-AF65-F5344CB8AC3E}">
-        <p14:creationId xmlns:p14="http://schemas.microsoft.com/office/powerpoint/2010/main" xmlns="" val="3374702744"/>
+        <p14:creationId xmlns="" xmlns:p14="http://schemas.microsoft.com/office/powerpoint/2010/main" val="3374702744"/>
       </p:ext>
     </p:extLst>
   </p:cSld>
@@ -2135,7 +2135,7 @@
     </p:spTree>
     <p:extLst>
       <p:ext uri="{BB962C8B-B14F-4D97-AF65-F5344CB8AC3E}">
-        <p14:creationId xmlns:p14="http://schemas.microsoft.com/office/powerpoint/2010/main" xmlns="" val="2926673469"/>
+        <p14:creationId xmlns="" xmlns:p14="http://schemas.microsoft.com/office/powerpoint/2010/main" val="2926673469"/>
       </p:ext>
     </p:extLst>
   </p:cSld>
@@ -2282,7 +2282,7 @@
     </p:spTree>
     <p:extLst>
       <p:ext uri="{BB962C8B-B14F-4D97-AF65-F5344CB8AC3E}">
-        <p14:creationId xmlns:p14="http://schemas.microsoft.com/office/powerpoint/2010/main" xmlns="" val="3267302035"/>
+        <p14:creationId xmlns="" xmlns:p14="http://schemas.microsoft.com/office/powerpoint/2010/main" val="3267302035"/>
       </p:ext>
     </p:extLst>
   </p:cSld>
@@ -2429,7 +2429,7 @@
     </p:spTree>
     <p:extLst>
       <p:ext uri="{BB962C8B-B14F-4D97-AF65-F5344CB8AC3E}">
-        <p14:creationId xmlns:p14="http://schemas.microsoft.com/office/powerpoint/2010/main" xmlns="" val="2191976141"/>
+        <p14:creationId xmlns="" xmlns:p14="http://schemas.microsoft.com/office/powerpoint/2010/main" val="2191976141"/>
       </p:ext>
     </p:extLst>
   </p:cSld>
@@ -2576,7 +2576,7 @@
     </p:spTree>
     <p:extLst>
       <p:ext uri="{BB962C8B-B14F-4D97-AF65-F5344CB8AC3E}">
-        <p14:creationId xmlns:p14="http://schemas.microsoft.com/office/powerpoint/2010/main" xmlns="" val="1781080425"/>
+        <p14:creationId xmlns="" xmlns:p14="http://schemas.microsoft.com/office/powerpoint/2010/main" val="1781080425"/>
       </p:ext>
     </p:extLst>
   </p:cSld>
@@ -2723,7 +2723,7 @@
     </p:spTree>
     <p:extLst>
       <p:ext uri="{BB962C8B-B14F-4D97-AF65-F5344CB8AC3E}">
-        <p14:creationId xmlns:p14="http://schemas.microsoft.com/office/powerpoint/2010/main" xmlns="" val="4172980912"/>
+        <p14:creationId xmlns="" xmlns:p14="http://schemas.microsoft.com/office/powerpoint/2010/main" val="4172980912"/>
       </p:ext>
     </p:extLst>
   </p:cSld>
@@ -2870,7 +2870,7 @@
     </p:spTree>
     <p:extLst>
       <p:ext uri="{BB962C8B-B14F-4D97-AF65-F5344CB8AC3E}">
-        <p14:creationId xmlns:p14="http://schemas.microsoft.com/office/powerpoint/2010/main" xmlns="" val="2562664706"/>
+        <p14:creationId xmlns="" xmlns:p14="http://schemas.microsoft.com/office/powerpoint/2010/main" val="2562664706"/>
       </p:ext>
     </p:extLst>
   </p:cSld>
@@ -3017,7 +3017,7 @@
     </p:spTree>
     <p:extLst>
       <p:ext uri="{BB962C8B-B14F-4D97-AF65-F5344CB8AC3E}">
-        <p14:creationId xmlns:p14="http://schemas.microsoft.com/office/powerpoint/2010/main" xmlns="" val="1776480837"/>
+        <p14:creationId xmlns="" xmlns:p14="http://schemas.microsoft.com/office/powerpoint/2010/main" val="1776480837"/>
       </p:ext>
     </p:extLst>
   </p:cSld>
@@ -3164,7 +3164,7 @@
     </p:spTree>
     <p:extLst>
       <p:ext uri="{BB962C8B-B14F-4D97-AF65-F5344CB8AC3E}">
-        <p14:creationId xmlns:p14="http://schemas.microsoft.com/office/powerpoint/2010/main" xmlns="" val="1778904287"/>
+        <p14:creationId xmlns="" xmlns:p14="http://schemas.microsoft.com/office/powerpoint/2010/main" val="1778904287"/>
       </p:ext>
     </p:extLst>
   </p:cSld>
@@ -3311,7 +3311,7 @@
     </p:spTree>
     <p:extLst>
       <p:ext uri="{BB962C8B-B14F-4D97-AF65-F5344CB8AC3E}">
-        <p14:creationId xmlns:p14="http://schemas.microsoft.com/office/powerpoint/2010/main" xmlns="" val="256146132"/>
+        <p14:creationId xmlns="" xmlns:p14="http://schemas.microsoft.com/office/powerpoint/2010/main" val="256146132"/>
       </p:ext>
     </p:extLst>
   </p:cSld>
@@ -3458,7 +3458,7 @@
     </p:spTree>
     <p:extLst>
       <p:ext uri="{BB962C8B-B14F-4D97-AF65-F5344CB8AC3E}">
-        <p14:creationId xmlns:p14="http://schemas.microsoft.com/office/powerpoint/2010/main" xmlns="" val="1981577295"/>
+        <p14:creationId xmlns="" xmlns:p14="http://schemas.microsoft.com/office/powerpoint/2010/main" val="1981577295"/>
       </p:ext>
     </p:extLst>
   </p:cSld>
@@ -3605,7 +3605,7 @@
     </p:spTree>
     <p:extLst>
       <p:ext uri="{BB962C8B-B14F-4D97-AF65-F5344CB8AC3E}">
-        <p14:creationId xmlns:p14="http://schemas.microsoft.com/office/powerpoint/2010/main" xmlns="" val="888376533"/>
+        <p14:creationId xmlns="" xmlns:p14="http://schemas.microsoft.com/office/powerpoint/2010/main" val="888376533"/>
       </p:ext>
     </p:extLst>
   </p:cSld>
@@ -3752,7 +3752,7 @@
     </p:spTree>
     <p:extLst>
       <p:ext uri="{BB962C8B-B14F-4D97-AF65-F5344CB8AC3E}">
-        <p14:creationId xmlns:p14="http://schemas.microsoft.com/office/powerpoint/2010/main" xmlns="" val="4078714970"/>
+        <p14:creationId xmlns="" xmlns:p14="http://schemas.microsoft.com/office/powerpoint/2010/main" val="4078714970"/>
       </p:ext>
     </p:extLst>
   </p:cSld>
@@ -3899,7 +3899,7 @@
     </p:spTree>
     <p:extLst>
       <p:ext uri="{BB962C8B-B14F-4D97-AF65-F5344CB8AC3E}">
-        <p14:creationId xmlns:p14="http://schemas.microsoft.com/office/powerpoint/2010/main" xmlns="" val="4182885697"/>
+        <p14:creationId xmlns="" xmlns:p14="http://schemas.microsoft.com/office/powerpoint/2010/main" val="4182885697"/>
       </p:ext>
     </p:extLst>
   </p:cSld>
@@ -4046,7 +4046,7 @@
     </p:spTree>
     <p:extLst>
       <p:ext uri="{BB962C8B-B14F-4D97-AF65-F5344CB8AC3E}">
-        <p14:creationId xmlns:p14="http://schemas.microsoft.com/office/powerpoint/2010/main" xmlns="" val="1910960506"/>
+        <p14:creationId xmlns="" xmlns:p14="http://schemas.microsoft.com/office/powerpoint/2010/main" val="1910960506"/>
       </p:ext>
     </p:extLst>
   </p:cSld>
@@ -4193,7 +4193,7 @@
     </p:spTree>
     <p:extLst>
       <p:ext uri="{BB962C8B-B14F-4D97-AF65-F5344CB8AC3E}">
-        <p14:creationId xmlns:p14="http://schemas.microsoft.com/office/powerpoint/2010/main" xmlns="" val="2955896377"/>
+        <p14:creationId xmlns="" xmlns:p14="http://schemas.microsoft.com/office/powerpoint/2010/main" val="2955896377"/>
       </p:ext>
     </p:extLst>
   </p:cSld>
@@ -4340,7 +4340,7 @@
     </p:spTree>
     <p:extLst>
       <p:ext uri="{BB962C8B-B14F-4D97-AF65-F5344CB8AC3E}">
-        <p14:creationId xmlns:p14="http://schemas.microsoft.com/office/powerpoint/2010/main" xmlns="" val="2329211271"/>
+        <p14:creationId xmlns="" xmlns:p14="http://schemas.microsoft.com/office/powerpoint/2010/main" val="2329211271"/>
       </p:ext>
     </p:extLst>
   </p:cSld>
@@ -4487,7 +4487,7 @@
     </p:spTree>
     <p:extLst>
       <p:ext uri="{BB962C8B-B14F-4D97-AF65-F5344CB8AC3E}">
-        <p14:creationId xmlns:p14="http://schemas.microsoft.com/office/powerpoint/2010/main" xmlns="" val="328543387"/>
+        <p14:creationId xmlns="" xmlns:p14="http://schemas.microsoft.com/office/powerpoint/2010/main" val="328543387"/>
       </p:ext>
     </p:extLst>
   </p:cSld>
@@ -4679,7 +4679,7 @@
     </p:spTree>
     <p:extLst>
       <p:ext uri="{BB962C8B-B14F-4D97-AF65-F5344CB8AC3E}">
-        <p14:creationId xmlns:p14="http://schemas.microsoft.com/office/powerpoint/2010/main" xmlns="" val="3979685780"/>
+        <p14:creationId xmlns="" xmlns:p14="http://schemas.microsoft.com/office/powerpoint/2010/main" val="3979685780"/>
       </p:ext>
     </p:extLst>
   </p:cSld>
@@ -4849,7 +4849,7 @@
     </p:spTree>
     <p:extLst>
       <p:ext uri="{BB962C8B-B14F-4D97-AF65-F5344CB8AC3E}">
-        <p14:creationId xmlns:p14="http://schemas.microsoft.com/office/powerpoint/2010/main" xmlns="" val="3939543112"/>
+        <p14:creationId xmlns="" xmlns:p14="http://schemas.microsoft.com/office/powerpoint/2010/main" val="3939543112"/>
       </p:ext>
     </p:extLst>
   </p:cSld>
@@ -5029,7 +5029,7 @@
     </p:spTree>
     <p:extLst>
       <p:ext uri="{BB962C8B-B14F-4D97-AF65-F5344CB8AC3E}">
-        <p14:creationId xmlns:p14="http://schemas.microsoft.com/office/powerpoint/2010/main" xmlns="" val="301224069"/>
+        <p14:creationId xmlns="" xmlns:p14="http://schemas.microsoft.com/office/powerpoint/2010/main" val="301224069"/>
       </p:ext>
     </p:extLst>
   </p:cSld>
@@ -5199,7 +5199,7 @@
     </p:spTree>
     <p:extLst>
       <p:ext uri="{BB962C8B-B14F-4D97-AF65-F5344CB8AC3E}">
-        <p14:creationId xmlns:p14="http://schemas.microsoft.com/office/powerpoint/2010/main" xmlns="" val="1769243183"/>
+        <p14:creationId xmlns="" xmlns:p14="http://schemas.microsoft.com/office/powerpoint/2010/main" val="1769243183"/>
       </p:ext>
     </p:extLst>
   </p:cSld>
@@ -5446,7 +5446,7 @@
     </p:spTree>
     <p:extLst>
       <p:ext uri="{BB962C8B-B14F-4D97-AF65-F5344CB8AC3E}">
-        <p14:creationId xmlns:p14="http://schemas.microsoft.com/office/powerpoint/2010/main" xmlns="" val="2158599033"/>
+        <p14:creationId xmlns="" xmlns:p14="http://schemas.microsoft.com/office/powerpoint/2010/main" val="2158599033"/>
       </p:ext>
     </p:extLst>
   </p:cSld>
@@ -5677,7 +5677,7 @@
     </p:spTree>
     <p:extLst>
       <p:ext uri="{BB962C8B-B14F-4D97-AF65-F5344CB8AC3E}">
-        <p14:creationId xmlns:p14="http://schemas.microsoft.com/office/powerpoint/2010/main" xmlns="" val="218557856"/>
+        <p14:creationId xmlns="" xmlns:p14="http://schemas.microsoft.com/office/powerpoint/2010/main" val="218557856"/>
       </p:ext>
     </p:extLst>
   </p:cSld>
@@ -6043,7 +6043,7 @@
     </p:spTree>
     <p:extLst>
       <p:ext uri="{BB962C8B-B14F-4D97-AF65-F5344CB8AC3E}">
-        <p14:creationId xmlns:p14="http://schemas.microsoft.com/office/powerpoint/2010/main" xmlns="" val="1890961567"/>
+        <p14:creationId xmlns="" xmlns:p14="http://schemas.microsoft.com/office/powerpoint/2010/main" val="1890961567"/>
       </p:ext>
     </p:extLst>
   </p:cSld>
@@ -6162,7 +6162,7 @@
     </p:spTree>
     <p:extLst>
       <p:ext uri="{BB962C8B-B14F-4D97-AF65-F5344CB8AC3E}">
-        <p14:creationId xmlns:p14="http://schemas.microsoft.com/office/powerpoint/2010/main" xmlns="" val="1599785061"/>
+        <p14:creationId xmlns="" xmlns:p14="http://schemas.microsoft.com/office/powerpoint/2010/main" val="1599785061"/>
       </p:ext>
     </p:extLst>
   </p:cSld>
@@ -6259,7 +6259,7 @@
     </p:spTree>
     <p:extLst>
       <p:ext uri="{BB962C8B-B14F-4D97-AF65-F5344CB8AC3E}">
-        <p14:creationId xmlns:p14="http://schemas.microsoft.com/office/powerpoint/2010/main" xmlns="" val="3121886292"/>
+        <p14:creationId xmlns="" xmlns:p14="http://schemas.microsoft.com/office/powerpoint/2010/main" val="3121886292"/>
       </p:ext>
     </p:extLst>
   </p:cSld>
@@ -6536,7 +6536,7 @@
     </p:spTree>
     <p:extLst>
       <p:ext uri="{BB962C8B-B14F-4D97-AF65-F5344CB8AC3E}">
-        <p14:creationId xmlns:p14="http://schemas.microsoft.com/office/powerpoint/2010/main" xmlns="" val="2605905675"/>
+        <p14:creationId xmlns="" xmlns:p14="http://schemas.microsoft.com/office/powerpoint/2010/main" val="2605905675"/>
       </p:ext>
     </p:extLst>
   </p:cSld>
@@ -6790,7 +6790,7 @@
     </p:spTree>
     <p:extLst>
       <p:ext uri="{BB962C8B-B14F-4D97-AF65-F5344CB8AC3E}">
-        <p14:creationId xmlns:p14="http://schemas.microsoft.com/office/powerpoint/2010/main" xmlns="" val="1264223728"/>
+        <p14:creationId xmlns="" xmlns:p14="http://schemas.microsoft.com/office/powerpoint/2010/main" val="1264223728"/>
       </p:ext>
     </p:extLst>
   </p:cSld>
@@ -7044,7 +7044,7 @@
     </p:spTree>
     <p:extLst>
       <p:ext uri="{BB962C8B-B14F-4D97-AF65-F5344CB8AC3E}">
-        <p14:creationId xmlns:p14="http://schemas.microsoft.com/office/powerpoint/2010/main" xmlns="" val="2149790258"/>
+        <p14:creationId xmlns="" xmlns:p14="http://schemas.microsoft.com/office/powerpoint/2010/main" val="2149790258"/>
       </p:ext>
     </p:extLst>
   </p:cSld>
@@ -7458,7 +7458,7 @@
     </p:spTree>
     <p:extLst>
       <p:ext uri="{BB962C8B-B14F-4D97-AF65-F5344CB8AC3E}">
-        <p14:creationId xmlns:p14="http://schemas.microsoft.com/office/powerpoint/2010/main" xmlns="" val="2278171378"/>
+        <p14:creationId xmlns="" xmlns:p14="http://schemas.microsoft.com/office/powerpoint/2010/main" val="2278171378"/>
       </p:ext>
     </p:extLst>
   </p:cSld>
@@ -7704,7 +7704,7 @@
     </p:spTree>
     <p:extLst>
       <p:ext uri="{BB962C8B-B14F-4D97-AF65-F5344CB8AC3E}">
-        <p14:creationId xmlns:p14="http://schemas.microsoft.com/office/powerpoint/2010/main" xmlns="" val="3916536364"/>
+        <p14:creationId xmlns="" xmlns:p14="http://schemas.microsoft.com/office/powerpoint/2010/main" val="3916536364"/>
       </p:ext>
     </p:extLst>
   </p:cSld>
@@ -7895,7 +7895,7 @@
     </p:spTree>
     <p:extLst>
       <p:ext uri="{BB962C8B-B14F-4D97-AF65-F5344CB8AC3E}">
-        <p14:creationId xmlns:p14="http://schemas.microsoft.com/office/powerpoint/2010/main" xmlns="" val="954101542"/>
+        <p14:creationId xmlns="" xmlns:p14="http://schemas.microsoft.com/office/powerpoint/2010/main" val="954101542"/>
       </p:ext>
     </p:extLst>
   </p:cSld>
@@ -7956,7 +7956,7 @@
           <p:cNvPr id="2" name="Content Placeholder 1">
             <a:extLst>
               <a:ext uri="{FF2B5EF4-FFF2-40B4-BE49-F238E27FC236}">
-                <a16:creationId xmlns:a16="http://schemas.microsoft.com/office/drawing/2014/main" xmlns="" id="{27035712-DE01-44A4-82E9-7FEDB34B6F2B}"/>
+                <a16:creationId xmlns="" xmlns:a16="http://schemas.microsoft.com/office/drawing/2014/main" id="{27035712-DE01-44A4-82E9-7FEDB34B6F2B}"/>
               </a:ext>
             </a:extLst>
           </p:cNvPr>
@@ -8056,7 +8056,7 @@
     </p:spTree>
     <p:extLst>
       <p:ext uri="{BB962C8B-B14F-4D97-AF65-F5344CB8AC3E}">
-        <p14:creationId xmlns:p14="http://schemas.microsoft.com/office/powerpoint/2010/main" xmlns="" val="3599639325"/>
+        <p14:creationId xmlns="" xmlns:p14="http://schemas.microsoft.com/office/powerpoint/2010/main" val="3599639325"/>
       </p:ext>
     </p:extLst>
   </p:cSld>
@@ -8096,10 +8096,10 @@
           <p:cNvPr id="14" name="Rectangle 13">
             <a:extLst>
               <a:ext uri="{FF2B5EF4-FFF2-40B4-BE49-F238E27FC236}">
-                <a16:creationId xmlns:a16="http://schemas.microsoft.com/office/drawing/2014/main" xmlns="" id="{867D4867-5BA7-4462-B2F6-A23F4A622AA7}"/>
+                <a16:creationId xmlns="" xmlns:a16="http://schemas.microsoft.com/office/drawing/2014/main" id="{867D4867-5BA7-4462-B2F6-A23F4A622AA7}"/>
               </a:ext>
               <a:ext uri="{C183D7F6-B498-43B3-948B-1728B52AA6E4}">
-                <adec:decorative xmlns:adec="http://schemas.microsoft.com/office/drawing/2017/decorative" xmlns="" val="1"/>
+                <adec:decorative xmlns="" xmlns:adec="http://schemas.microsoft.com/office/drawing/2017/decorative" val="1"/>
               </a:ext>
             </a:extLst>
           </p:cNvPr>
@@ -8109,7 +8109,7 @@
           <p:nvPr>
             <p:extLst>
               <p:ext uri="{386F3935-93C4-4BCD-93E2-E3B085C9AB24}">
-                <p16:designElem xmlns:p16="http://schemas.microsoft.com/office/powerpoint/2015/main" xmlns="" val="1"/>
+                <p16:designElem xmlns="" xmlns:p16="http://schemas.microsoft.com/office/powerpoint/2015/main" val="1"/>
               </p:ext>
             </p:extLst>
           </p:nvPr>
@@ -8200,7 +8200,7 @@
           <p:cNvPr id="4" name="Content Placeholder 3">
             <a:extLst>
               <a:ext uri="{FF2B5EF4-FFF2-40B4-BE49-F238E27FC236}">
-                <a16:creationId xmlns:a16="http://schemas.microsoft.com/office/drawing/2014/main" xmlns="" id="{3053F7BE-E9DC-4410-A84E-C692A9F3D1B0}"/>
+                <a16:creationId xmlns="" xmlns:a16="http://schemas.microsoft.com/office/drawing/2014/main" id="{3053F7BE-E9DC-4410-A84E-C692A9F3D1B0}"/>
               </a:ext>
             </a:extLst>
           </p:cNvPr>
@@ -8236,7 +8236,7 @@
           <p:cNvPr id="6" name="Picture 5">
             <a:extLst>
               <a:ext uri="{FF2B5EF4-FFF2-40B4-BE49-F238E27FC236}">
-                <a16:creationId xmlns:a16="http://schemas.microsoft.com/office/drawing/2014/main" xmlns="" id="{B01EBFE2-E74A-48EB-9A1B-D932FD403A87}"/>
+                <a16:creationId xmlns="" xmlns:a16="http://schemas.microsoft.com/office/drawing/2014/main" id="{B01EBFE2-E74A-48EB-9A1B-D932FD403A87}"/>
               </a:ext>
             </a:extLst>
           </p:cNvPr>
@@ -8408,7 +8408,7 @@
     </p:spTree>
     <p:extLst>
       <p:ext uri="{BB962C8B-B14F-4D97-AF65-F5344CB8AC3E}">
-        <p14:creationId xmlns:p14="http://schemas.microsoft.com/office/powerpoint/2010/main" xmlns="" val="2537417998"/>
+        <p14:creationId xmlns="" xmlns:p14="http://schemas.microsoft.com/office/powerpoint/2010/main" val="2537417998"/>
       </p:ext>
     </p:extLst>
   </p:cSld>
@@ -8539,7 +8539,7 @@
           <p:cNvPr id="4" name="Content Placeholder 3">
             <a:extLst>
               <a:ext uri="{FF2B5EF4-FFF2-40B4-BE49-F238E27FC236}">
-                <a16:creationId xmlns:a16="http://schemas.microsoft.com/office/drawing/2014/main" xmlns="" id="{D68A45E6-B069-47A5-B12B-C683F8E2E127}"/>
+                <a16:creationId xmlns="" xmlns:a16="http://schemas.microsoft.com/office/drawing/2014/main" id="{D68A45E6-B069-47A5-B12B-C683F8E2E127}"/>
               </a:ext>
             </a:extLst>
           </p:cNvPr>
@@ -8562,7 +8562,7 @@
     </p:spTree>
     <p:extLst>
       <p:ext uri="{BB962C8B-B14F-4D97-AF65-F5344CB8AC3E}">
-        <p14:creationId xmlns:p14="http://schemas.microsoft.com/office/powerpoint/2010/main" xmlns="" val="2424301351"/>
+        <p14:creationId xmlns="" xmlns:p14="http://schemas.microsoft.com/office/powerpoint/2010/main" val="2424301351"/>
       </p:ext>
     </p:extLst>
   </p:cSld>
@@ -8602,10 +8602,10 @@
           <p:cNvPr id="14" name="Rectangle 13">
             <a:extLst>
               <a:ext uri="{FF2B5EF4-FFF2-40B4-BE49-F238E27FC236}">
-                <a16:creationId xmlns:a16="http://schemas.microsoft.com/office/drawing/2014/main" xmlns="" id="{A4AC5506-6312-4701-8D3C-40187889A947}"/>
+                <a16:creationId xmlns="" xmlns:a16="http://schemas.microsoft.com/office/drawing/2014/main" id="{A4AC5506-6312-4701-8D3C-40187889A947}"/>
               </a:ext>
               <a:ext uri="{C183D7F6-B498-43B3-948B-1728B52AA6E4}">
-                <adec:decorative xmlns:adec="http://schemas.microsoft.com/office/drawing/2017/decorative" xmlns="" val="1"/>
+                <adec:decorative xmlns="" xmlns:adec="http://schemas.microsoft.com/office/drawing/2017/decorative" val="1"/>
               </a:ext>
             </a:extLst>
           </p:cNvPr>
@@ -8615,7 +8615,7 @@
           <p:nvPr>
             <p:extLst>
               <p:ext uri="{386F3935-93C4-4BCD-93E2-E3B085C9AB24}">
-                <p16:designElem xmlns:p16="http://schemas.microsoft.com/office/powerpoint/2015/main" xmlns="" val="1"/>
+                <p16:designElem xmlns="" xmlns:p16="http://schemas.microsoft.com/office/powerpoint/2015/main" val="1"/>
               </p:ext>
             </p:extLst>
           </p:nvPr>
@@ -8702,7 +8702,7 @@
           <p:cNvPr id="2" name="Content Placeholder 1" descr="A screenshot of a cell phone&#10;&#10;Description generated with very high confidence">
             <a:extLst>
               <a:ext uri="{FF2B5EF4-FFF2-40B4-BE49-F238E27FC236}">
-                <a16:creationId xmlns:a16="http://schemas.microsoft.com/office/drawing/2014/main" xmlns="" id="{B9451D6E-534A-4AB1-82DA-93648BBE059E}"/>
+                <a16:creationId xmlns="" xmlns:a16="http://schemas.microsoft.com/office/drawing/2014/main" id="{B9451D6E-534A-4AB1-82DA-93648BBE059E}"/>
               </a:ext>
             </a:extLst>
           </p:cNvPr>
@@ -8855,7 +8855,7 @@
     </p:spTree>
     <p:extLst>
       <p:ext uri="{BB962C8B-B14F-4D97-AF65-F5344CB8AC3E}">
-        <p14:creationId xmlns:p14="http://schemas.microsoft.com/office/powerpoint/2010/main" xmlns="" val="1082575327"/>
+        <p14:creationId xmlns="" xmlns:p14="http://schemas.microsoft.com/office/powerpoint/2010/main" val="1082575327"/>
       </p:ext>
     </p:extLst>
   </p:cSld>
@@ -9044,7 +9044,7 @@
           <p:cNvPr id="4" name="Content Placeholder 3">
             <a:extLst>
               <a:ext uri="{FF2B5EF4-FFF2-40B4-BE49-F238E27FC236}">
-                <a16:creationId xmlns:a16="http://schemas.microsoft.com/office/drawing/2014/main" xmlns="" id="{F0FA50C9-34BF-4165-ABFE-91AE8E29EED1}"/>
+                <a16:creationId xmlns="" xmlns:a16="http://schemas.microsoft.com/office/drawing/2014/main" id="{F0FA50C9-34BF-4165-ABFE-91AE8E29EED1}"/>
               </a:ext>
             </a:extLst>
           </p:cNvPr>
@@ -9092,7 +9092,7 @@
     </p:spTree>
     <p:extLst>
       <p:ext uri="{BB962C8B-B14F-4D97-AF65-F5344CB8AC3E}">
-        <p14:creationId xmlns:p14="http://schemas.microsoft.com/office/powerpoint/2010/main" xmlns="" val="747138875"/>
+        <p14:creationId xmlns="" xmlns:p14="http://schemas.microsoft.com/office/powerpoint/2010/main" val="747138875"/>
       </p:ext>
     </p:extLst>
   </p:cSld>
@@ -9132,10 +9132,10 @@
           <p:cNvPr id="18" name="Rectangle 13">
             <a:extLst>
               <a:ext uri="{FF2B5EF4-FFF2-40B4-BE49-F238E27FC236}">
-                <a16:creationId xmlns:a16="http://schemas.microsoft.com/office/drawing/2014/main" xmlns="" id="{A4AC5506-6312-4701-8D3C-40187889A947}"/>
+                <a16:creationId xmlns="" xmlns:a16="http://schemas.microsoft.com/office/drawing/2014/main" id="{A4AC5506-6312-4701-8D3C-40187889A947}"/>
               </a:ext>
               <a:ext uri="{C183D7F6-B498-43B3-948B-1728B52AA6E4}">
-                <adec:decorative xmlns:adec="http://schemas.microsoft.com/office/drawing/2017/decorative" xmlns="" val="1"/>
+                <adec:decorative xmlns="" xmlns:adec="http://schemas.microsoft.com/office/drawing/2017/decorative" val="1"/>
               </a:ext>
             </a:extLst>
           </p:cNvPr>
@@ -9145,7 +9145,7 @@
           <p:nvPr>
             <p:extLst>
               <p:ext uri="{386F3935-93C4-4BCD-93E2-E3B085C9AB24}">
-                <p16:designElem xmlns:p16="http://schemas.microsoft.com/office/powerpoint/2015/main" xmlns="" val="1"/>
+                <p16:designElem xmlns="" xmlns:p16="http://schemas.microsoft.com/office/powerpoint/2015/main" val="1"/>
               </p:ext>
             </p:extLst>
           </p:nvPr>
@@ -9232,7 +9232,7 @@
           <p:cNvPr id="2" name="Content Placeholder 1" descr="A screenshot of a cell phone&#10;&#10;Description generated with very high confidence">
             <a:extLst>
               <a:ext uri="{FF2B5EF4-FFF2-40B4-BE49-F238E27FC236}">
-                <a16:creationId xmlns:a16="http://schemas.microsoft.com/office/drawing/2014/main" xmlns="" id="{31A1334A-D5F8-466A-9786-4C5FF61C58E2}"/>
+                <a16:creationId xmlns="" xmlns:a16="http://schemas.microsoft.com/office/drawing/2014/main" id="{31A1334A-D5F8-466A-9786-4C5FF61C58E2}"/>
               </a:ext>
             </a:extLst>
           </p:cNvPr>
@@ -9385,7 +9385,7 @@
     </p:spTree>
     <p:extLst>
       <p:ext uri="{BB962C8B-B14F-4D97-AF65-F5344CB8AC3E}">
-        <p14:creationId xmlns:p14="http://schemas.microsoft.com/office/powerpoint/2010/main" xmlns="" val="1215374581"/>
+        <p14:creationId xmlns="" xmlns:p14="http://schemas.microsoft.com/office/powerpoint/2010/main" val="1215374581"/>
       </p:ext>
     </p:extLst>
   </p:cSld>
@@ -9458,7 +9458,7 @@
           <p:cNvPr id="29" name="Content Placeholder 9">
             <a:extLst>
               <a:ext uri="{FF2B5EF4-FFF2-40B4-BE49-F238E27FC236}">
-                <a16:creationId xmlns:a16="http://schemas.microsoft.com/office/drawing/2014/main" xmlns="" id="{BA402F63-2C71-421A-B864-70616EC01B40}"/>
+                <a16:creationId xmlns="" xmlns:a16="http://schemas.microsoft.com/office/drawing/2014/main" id="{BA402F63-2C71-421A-B864-70616EC01B40}"/>
               </a:ext>
             </a:extLst>
           </p:cNvPr>
@@ -9698,7 +9698,7 @@
     </p:spTree>
     <p:extLst>
       <p:ext uri="{BB962C8B-B14F-4D97-AF65-F5344CB8AC3E}">
-        <p14:creationId xmlns:p14="http://schemas.microsoft.com/office/powerpoint/2010/main" xmlns="" val="3846518650"/>
+        <p14:creationId xmlns="" xmlns:p14="http://schemas.microsoft.com/office/powerpoint/2010/main" val="3846518650"/>
       </p:ext>
     </p:extLst>
   </p:cSld>
@@ -9800,7 +9800,7 @@
     </p:spTree>
     <p:extLst>
       <p:ext uri="{BB962C8B-B14F-4D97-AF65-F5344CB8AC3E}">
-        <p14:creationId xmlns:p14="http://schemas.microsoft.com/office/powerpoint/2010/main" xmlns="" val="4091359817"/>
+        <p14:creationId xmlns="" xmlns:p14="http://schemas.microsoft.com/office/powerpoint/2010/main" val="4091359817"/>
       </p:ext>
     </p:extLst>
   </p:cSld>
@@ -9989,7 +9989,7 @@
     </p:spTree>
     <p:extLst>
       <p:ext uri="{BB962C8B-B14F-4D97-AF65-F5344CB8AC3E}">
-        <p14:creationId xmlns:p14="http://schemas.microsoft.com/office/powerpoint/2010/main" xmlns="" val="3879250926"/>
+        <p14:creationId xmlns="" xmlns:p14="http://schemas.microsoft.com/office/powerpoint/2010/main" val="3879250926"/>
       </p:ext>
     </p:extLst>
   </p:cSld>
@@ -10238,7 +10238,7 @@
     </p:spTree>
     <p:extLst>
       <p:ext uri="{BB962C8B-B14F-4D97-AF65-F5344CB8AC3E}">
-        <p14:creationId xmlns:p14="http://schemas.microsoft.com/office/powerpoint/2010/main" xmlns="" val="814359187"/>
+        <p14:creationId xmlns="" xmlns:p14="http://schemas.microsoft.com/office/powerpoint/2010/main" val="814359187"/>
       </p:ext>
     </p:extLst>
   </p:cSld>
@@ -10340,7 +10340,7 @@
     </p:spTree>
     <p:extLst>
       <p:ext uri="{BB962C8B-B14F-4D97-AF65-F5344CB8AC3E}">
-        <p14:creationId xmlns:p14="http://schemas.microsoft.com/office/powerpoint/2010/main" xmlns="" val="3901712466"/>
+        <p14:creationId xmlns="" xmlns:p14="http://schemas.microsoft.com/office/powerpoint/2010/main" val="3901712466"/>
       </p:ext>
     </p:extLst>
   </p:cSld>
@@ -10569,7 +10569,7 @@
     </p:spTree>
     <p:extLst>
       <p:ext uri="{BB962C8B-B14F-4D97-AF65-F5344CB8AC3E}">
-        <p14:creationId xmlns:p14="http://schemas.microsoft.com/office/powerpoint/2010/main" xmlns="" val="2211470747"/>
+        <p14:creationId xmlns="" xmlns:p14="http://schemas.microsoft.com/office/powerpoint/2010/main" val="2211470747"/>
       </p:ext>
     </p:extLst>
   </p:cSld>
@@ -10834,7 +10834,7 @@
     </p:spTree>
     <p:extLst>
       <p:ext uri="{BB962C8B-B14F-4D97-AF65-F5344CB8AC3E}">
-        <p14:creationId xmlns:p14="http://schemas.microsoft.com/office/powerpoint/2010/main" xmlns="" val="2621825975"/>
+        <p14:creationId xmlns="" xmlns:p14="http://schemas.microsoft.com/office/powerpoint/2010/main" val="2621825975"/>
       </p:ext>
     </p:extLst>
   </p:cSld>
@@ -10982,7 +10982,7 @@
           <p:cNvPr id="3" name="Content Placeholder 2">
             <a:extLst>
               <a:ext uri="{FF2B5EF4-FFF2-40B4-BE49-F238E27FC236}">
-                <a16:creationId xmlns:a16="http://schemas.microsoft.com/office/drawing/2014/main" xmlns="" id="{F07A418F-1392-4999-AC1E-26A339E3A836}"/>
+                <a16:creationId xmlns="" xmlns:a16="http://schemas.microsoft.com/office/drawing/2014/main" id="{F07A418F-1392-4999-AC1E-26A339E3A836}"/>
               </a:ext>
             </a:extLst>
           </p:cNvPr>
@@ -11012,7 +11012,7 @@
           <p:cNvPr id="1026" name="Picture 2" descr="Machine generated alternative text:&#10;Retail Organization &#10;Producer &#10;Producer &#10;Producer &#10;Producer &#10;Apache Kafka Tutorial &#10;Kafkacluster &#10;Broker 1 &#10;Broker 2 &#10;groker g &#10;Zookeeper &#10;Data Center &#10;Consumer Group &#10;Consumer &#10;Consumer &#10;Consumer &#10;Consumer ">
             <a:extLst>
               <a:ext uri="{FF2B5EF4-FFF2-40B4-BE49-F238E27FC236}">
-                <a16:creationId xmlns:a16="http://schemas.microsoft.com/office/drawing/2014/main" xmlns="" id="{2F6067F4-06ED-42F0-8BD2-78C62C78A72B}"/>
+                <a16:creationId xmlns="" xmlns:a16="http://schemas.microsoft.com/office/drawing/2014/main" id="{2F6067F4-06ED-42F0-8BD2-78C62C78A72B}"/>
               </a:ext>
             </a:extLst>
           </p:cNvPr>
@@ -11025,7 +11025,7 @@
           <a:blip r:embed="rId3">
             <a:extLst>
               <a:ext uri="{28A0092B-C50C-407E-A947-70E740481C1C}">
-                <a14:useLocalDpi xmlns:a14="http://schemas.microsoft.com/office/drawing/2010/main" xmlns="" val="0"/>
+                <a14:useLocalDpi xmlns="" xmlns:a14="http://schemas.microsoft.com/office/drawing/2010/main" val="0"/>
               </a:ext>
             </a:extLst>
           </a:blip>
@@ -11045,7 +11045,7 @@
           <a:noFill/>
           <a:extLst>
             <a:ext uri="{909E8E84-426E-40DD-AFC4-6F175D3DCCD1}">
-              <a14:hiddenFill xmlns:a14="http://schemas.microsoft.com/office/drawing/2010/main" xmlns="">
+              <a14:hiddenFill xmlns="" xmlns:a14="http://schemas.microsoft.com/office/drawing/2010/main">
                 <a:solidFill>
                   <a:srgbClr val="FFFFFF"/>
                 </a:solidFill>
@@ -11057,7 +11057,7 @@
     </p:spTree>
     <p:extLst>
       <p:ext uri="{BB962C8B-B14F-4D97-AF65-F5344CB8AC3E}">
-        <p14:creationId xmlns:p14="http://schemas.microsoft.com/office/powerpoint/2010/main" xmlns="" val="3860495717"/>
+        <p14:creationId xmlns="" xmlns:p14="http://schemas.microsoft.com/office/powerpoint/2010/main" val="3860495717"/>
       </p:ext>
     </p:extLst>
   </p:cSld>
@@ -11159,7 +11159,7 @@
     </p:spTree>
     <p:extLst>
       <p:ext uri="{BB962C8B-B14F-4D97-AF65-F5344CB8AC3E}">
-        <p14:creationId xmlns:p14="http://schemas.microsoft.com/office/powerpoint/2010/main" xmlns="" val="3892860596"/>
+        <p14:creationId xmlns="" xmlns:p14="http://schemas.microsoft.com/office/powerpoint/2010/main" val="3892860596"/>
       </p:ext>
     </p:extLst>
   </p:cSld>
@@ -11315,7 +11315,7 @@
     </p:spTree>
     <p:extLst>
       <p:ext uri="{BB962C8B-B14F-4D97-AF65-F5344CB8AC3E}">
-        <p14:creationId xmlns:p14="http://schemas.microsoft.com/office/powerpoint/2010/main" xmlns="" val="2689549785"/>
+        <p14:creationId xmlns="" xmlns:p14="http://schemas.microsoft.com/office/powerpoint/2010/main" val="2689549785"/>
       </p:ext>
     </p:extLst>
   </p:cSld>
@@ -11417,7 +11417,7 @@
     </p:spTree>
     <p:extLst>
       <p:ext uri="{BB962C8B-B14F-4D97-AF65-F5344CB8AC3E}">
-        <p14:creationId xmlns:p14="http://schemas.microsoft.com/office/powerpoint/2010/main" xmlns="" val="3403337340"/>
+        <p14:creationId xmlns="" xmlns:p14="http://schemas.microsoft.com/office/powerpoint/2010/main" val="3403337340"/>
       </p:ext>
     </p:extLst>
   </p:cSld>
@@ -11548,7 +11548,7 @@
           <p:cNvPr id="3" name="Content Placeholder 2">
             <a:extLst>
               <a:ext uri="{FF2B5EF4-FFF2-40B4-BE49-F238E27FC236}">
-                <a16:creationId xmlns:a16="http://schemas.microsoft.com/office/drawing/2014/main" xmlns="" id="{3F8E2FE0-70E3-4D87-ADBE-D4CD81024C5E}"/>
+                <a16:creationId xmlns="" xmlns:a16="http://schemas.microsoft.com/office/drawing/2014/main" id="{3F8E2FE0-70E3-4D87-ADBE-D4CD81024C5E}"/>
               </a:ext>
             </a:extLst>
           </p:cNvPr>
@@ -11573,7 +11573,7 @@
           <p:cNvPr id="2" name="Picture 1">
             <a:extLst>
               <a:ext uri="{FF2B5EF4-FFF2-40B4-BE49-F238E27FC236}">
-                <a16:creationId xmlns:a16="http://schemas.microsoft.com/office/drawing/2014/main" xmlns="" id="{078105CB-9D6A-4974-831C-7549370F9F87}"/>
+                <a16:creationId xmlns="" xmlns:a16="http://schemas.microsoft.com/office/drawing/2014/main" id="{078105CB-9D6A-4974-831C-7549370F9F87}"/>
               </a:ext>
             </a:extLst>
           </p:cNvPr>
@@ -11601,7 +11601,7 @@
     </p:spTree>
     <p:extLst>
       <p:ext uri="{BB962C8B-B14F-4D97-AF65-F5344CB8AC3E}">
-        <p14:creationId xmlns:p14="http://schemas.microsoft.com/office/powerpoint/2010/main" xmlns="" val="3116502629"/>
+        <p14:creationId xmlns="" xmlns:p14="http://schemas.microsoft.com/office/powerpoint/2010/main" val="3116502629"/>
       </p:ext>
     </p:extLst>
   </p:cSld>
@@ -11823,7 +11823,7 @@
     </p:spTree>
     <p:extLst>
       <p:ext uri="{BB962C8B-B14F-4D97-AF65-F5344CB8AC3E}">
-        <p14:creationId xmlns:p14="http://schemas.microsoft.com/office/powerpoint/2010/main" xmlns="" val="1635297304"/>
+        <p14:creationId xmlns="" xmlns:p14="http://schemas.microsoft.com/office/powerpoint/2010/main" val="1635297304"/>
       </p:ext>
     </p:extLst>
   </p:cSld>
@@ -11986,7 +11986,7 @@
     </p:spTree>
     <p:extLst>
       <p:ext uri="{BB962C8B-B14F-4D97-AF65-F5344CB8AC3E}">
-        <p14:creationId xmlns:p14="http://schemas.microsoft.com/office/powerpoint/2010/main" xmlns="" val="4279262467"/>
+        <p14:creationId xmlns="" xmlns:p14="http://schemas.microsoft.com/office/powerpoint/2010/main" val="4279262467"/>
       </p:ext>
     </p:extLst>
   </p:cSld>
@@ -12219,7 +12219,7 @@
     </p:spTree>
     <p:extLst>
       <p:ext uri="{BB962C8B-B14F-4D97-AF65-F5344CB8AC3E}">
-        <p14:creationId xmlns:p14="http://schemas.microsoft.com/office/powerpoint/2010/main" xmlns="" val="608011416"/>
+        <p14:creationId xmlns="" xmlns:p14="http://schemas.microsoft.com/office/powerpoint/2010/main" val="608011416"/>
       </p:ext>
     </p:extLst>
   </p:cSld>
@@ -12350,7 +12350,7 @@
           <p:cNvPr id="3" name="Content Placeholder 2">
             <a:extLst>
               <a:ext uri="{FF2B5EF4-FFF2-40B4-BE49-F238E27FC236}">
-                <a16:creationId xmlns:a16="http://schemas.microsoft.com/office/drawing/2014/main" xmlns="" id="{D4EE45D9-93E6-4DAE-944A-2AD9E143F09E}"/>
+                <a16:creationId xmlns="" xmlns:a16="http://schemas.microsoft.com/office/drawing/2014/main" id="{D4EE45D9-93E6-4DAE-944A-2AD9E143F09E}"/>
               </a:ext>
             </a:extLst>
           </p:cNvPr>
@@ -12375,7 +12375,7 @@
           <p:cNvPr id="4" name="Picture 3">
             <a:extLst>
               <a:ext uri="{FF2B5EF4-FFF2-40B4-BE49-F238E27FC236}">
-                <a16:creationId xmlns:a16="http://schemas.microsoft.com/office/drawing/2014/main" xmlns="" id="{48EDE243-7EC8-4801-A1C1-6CF502686322}"/>
+                <a16:creationId xmlns="" xmlns:a16="http://schemas.microsoft.com/office/drawing/2014/main" id="{48EDE243-7EC8-4801-A1C1-6CF502686322}"/>
               </a:ext>
             </a:extLst>
           </p:cNvPr>
@@ -12403,7 +12403,7 @@
     </p:spTree>
     <p:extLst>
       <p:ext uri="{BB962C8B-B14F-4D97-AF65-F5344CB8AC3E}">
-        <p14:creationId xmlns:p14="http://schemas.microsoft.com/office/powerpoint/2010/main" xmlns="" val="1546159158"/>
+        <p14:creationId xmlns="" xmlns:p14="http://schemas.microsoft.com/office/powerpoint/2010/main" val="1546159158"/>
       </p:ext>
     </p:extLst>
   </p:cSld>
@@ -12605,7 +12605,7 @@
     </p:spTree>
     <p:extLst>
       <p:ext uri="{BB962C8B-B14F-4D97-AF65-F5344CB8AC3E}">
-        <p14:creationId xmlns:p14="http://schemas.microsoft.com/office/powerpoint/2010/main" xmlns="" val="270075339"/>
+        <p14:creationId xmlns="" xmlns:p14="http://schemas.microsoft.com/office/powerpoint/2010/main" val="270075339"/>
       </p:ext>
     </p:extLst>
   </p:cSld>
@@ -12736,7 +12736,7 @@
           <p:cNvPr id="3" name="Content Placeholder 2">
             <a:extLst>
               <a:ext uri="{FF2B5EF4-FFF2-40B4-BE49-F238E27FC236}">
-                <a16:creationId xmlns:a16="http://schemas.microsoft.com/office/drawing/2014/main" xmlns="" id="{3F8E2FE0-70E3-4D87-ADBE-D4CD81024C5E}"/>
+                <a16:creationId xmlns="" xmlns:a16="http://schemas.microsoft.com/office/drawing/2014/main" id="{3F8E2FE0-70E3-4D87-ADBE-D4CD81024C5E}"/>
               </a:ext>
             </a:extLst>
           </p:cNvPr>
@@ -12761,7 +12761,7 @@
           <p:cNvPr id="4" name="Picture 3">
             <a:extLst>
               <a:ext uri="{FF2B5EF4-FFF2-40B4-BE49-F238E27FC236}">
-                <a16:creationId xmlns:a16="http://schemas.microsoft.com/office/drawing/2014/main" xmlns="" id="{CF95B392-9C78-4284-A049-0D529C1F0CDF}"/>
+                <a16:creationId xmlns="" xmlns:a16="http://schemas.microsoft.com/office/drawing/2014/main" id="{CF95B392-9C78-4284-A049-0D529C1F0CDF}"/>
               </a:ext>
             </a:extLst>
           </p:cNvPr>
@@ -12789,7 +12789,7 @@
     </p:spTree>
     <p:extLst>
       <p:ext uri="{BB962C8B-B14F-4D97-AF65-F5344CB8AC3E}">
-        <p14:creationId xmlns:p14="http://schemas.microsoft.com/office/powerpoint/2010/main" xmlns="" val="1575098105"/>
+        <p14:creationId xmlns="" xmlns:p14="http://schemas.microsoft.com/office/powerpoint/2010/main" val="1575098105"/>
       </p:ext>
     </p:extLst>
   </p:cSld>
@@ -12891,7 +12891,7 @@
     </p:spTree>
     <p:extLst>
       <p:ext uri="{BB962C8B-B14F-4D97-AF65-F5344CB8AC3E}">
-        <p14:creationId xmlns:p14="http://schemas.microsoft.com/office/powerpoint/2010/main" xmlns="" val="3091969525"/>
+        <p14:creationId xmlns="" xmlns:p14="http://schemas.microsoft.com/office/powerpoint/2010/main" val="3091969525"/>
       </p:ext>
     </p:extLst>
   </p:cSld>
@@ -13047,7 +13047,7 @@
     </p:spTree>
     <p:extLst>
       <p:ext uri="{BB962C8B-B14F-4D97-AF65-F5344CB8AC3E}">
-        <p14:creationId xmlns:p14="http://schemas.microsoft.com/office/powerpoint/2010/main" xmlns="" val="2691477667"/>
+        <p14:creationId xmlns="" xmlns:p14="http://schemas.microsoft.com/office/powerpoint/2010/main" val="2691477667"/>
       </p:ext>
     </p:extLst>
   </p:cSld>
@@ -13149,7 +13149,7 @@
     </p:spTree>
     <p:extLst>
       <p:ext uri="{BB962C8B-B14F-4D97-AF65-F5344CB8AC3E}">
-        <p14:creationId xmlns:p14="http://schemas.microsoft.com/office/powerpoint/2010/main" xmlns="" val="2770053835"/>
+        <p14:creationId xmlns="" xmlns:p14="http://schemas.microsoft.com/office/powerpoint/2010/main" val="2770053835"/>
       </p:ext>
     </p:extLst>
   </p:cSld>
@@ -13452,7 +13452,7 @@
     </p:spTree>
     <p:extLst>
       <p:ext uri="{BB962C8B-B14F-4D97-AF65-F5344CB8AC3E}">
-        <p14:creationId xmlns:p14="http://schemas.microsoft.com/office/powerpoint/2010/main" xmlns="" val="2861962660"/>
+        <p14:creationId xmlns="" xmlns:p14="http://schemas.microsoft.com/office/powerpoint/2010/main" val="2861962660"/>
       </p:ext>
     </p:extLst>
   </p:cSld>
@@ -13554,7 +13554,7 @@
     </p:spTree>
     <p:extLst>
       <p:ext uri="{BB962C8B-B14F-4D97-AF65-F5344CB8AC3E}">
-        <p14:creationId xmlns:p14="http://schemas.microsoft.com/office/powerpoint/2010/main" xmlns="" val="1257003603"/>
+        <p14:creationId xmlns="" xmlns:p14="http://schemas.microsoft.com/office/powerpoint/2010/main" val="1257003603"/>
       </p:ext>
     </p:extLst>
   </p:cSld>
@@ -13717,7 +13717,7 @@
     </p:spTree>
     <p:extLst>
       <p:ext uri="{BB962C8B-B14F-4D97-AF65-F5344CB8AC3E}">
-        <p14:creationId xmlns:p14="http://schemas.microsoft.com/office/powerpoint/2010/main" xmlns="" val="4279262467"/>
+        <p14:creationId xmlns="" xmlns:p14="http://schemas.microsoft.com/office/powerpoint/2010/main" val="4279262467"/>
       </p:ext>
     </p:extLst>
   </p:cSld>
@@ -13783,6 +13783,14 @@
           <a:bodyPr/>
           <a:lstStyle/>
           <a:p>
+            <a:r>
+              <a:rPr lang="en-US" dirty="0" smtClean="0"/>
+              <a:t>{</a:t>
+            </a:r>
+            <a:r>
+              <a:rPr lang="en-US" smtClean="0"/>
+              <a:t>more topics to be added}</a:t>
+            </a:r>
             <a:endParaRPr lang="en-US" dirty="0"/>
           </a:p>
         </p:txBody>
@@ -13838,7 +13846,7 @@
     </p:spTree>
     <p:extLst>
       <p:ext uri="{BB962C8B-B14F-4D97-AF65-F5344CB8AC3E}">
-        <p14:creationId xmlns:p14="http://schemas.microsoft.com/office/powerpoint/2010/main" xmlns="" val="4279262467"/>
+        <p14:creationId xmlns="" xmlns:p14="http://schemas.microsoft.com/office/powerpoint/2010/main" val="4279262467"/>
       </p:ext>
     </p:extLst>
   </p:cSld>
@@ -13878,10 +13886,10 @@
           <p:cNvPr id="14" name="Rectangle 13">
             <a:extLst>
               <a:ext uri="{FF2B5EF4-FFF2-40B4-BE49-F238E27FC236}">
-                <a16:creationId xmlns:a16="http://schemas.microsoft.com/office/drawing/2014/main" xmlns="" id="{6753252F-4873-4F63-801D-CC719279A7D5}"/>
+                <a16:creationId xmlns="" xmlns:a16="http://schemas.microsoft.com/office/drawing/2014/main" id="{6753252F-4873-4F63-801D-CC719279A7D5}"/>
               </a:ext>
               <a:ext uri="{C183D7F6-B498-43B3-948B-1728B52AA6E4}">
-                <adec:decorative xmlns:adec="http://schemas.microsoft.com/office/drawing/2017/decorative" xmlns="" val="1"/>
+                <adec:decorative xmlns="" xmlns:adec="http://schemas.microsoft.com/office/drawing/2017/decorative" val="1"/>
               </a:ext>
             </a:extLst>
           </p:cNvPr>
@@ -13891,7 +13899,7 @@
           <p:nvPr>
             <p:extLst>
               <p:ext uri="{386F3935-93C4-4BCD-93E2-E3B085C9AB24}">
-                <p16:designElem xmlns:p16="http://schemas.microsoft.com/office/powerpoint/2015/main" xmlns="" val="1"/>
+                <p16:designElem xmlns="" xmlns:p16="http://schemas.microsoft.com/office/powerpoint/2015/main" val="1"/>
               </p:ext>
             </p:extLst>
           </p:nvPr>
@@ -13941,10 +13949,10 @@
           <p:cNvPr id="16" name="Rectangle 15">
             <a:extLst>
               <a:ext uri="{FF2B5EF4-FFF2-40B4-BE49-F238E27FC236}">
-                <a16:creationId xmlns:a16="http://schemas.microsoft.com/office/drawing/2014/main" xmlns="" id="{047C8CCB-F95D-4249-92DD-651249D3535A}"/>
+                <a16:creationId xmlns="" xmlns:a16="http://schemas.microsoft.com/office/drawing/2014/main" id="{047C8CCB-F95D-4249-92DD-651249D3535A}"/>
               </a:ext>
               <a:ext uri="{C183D7F6-B498-43B3-948B-1728B52AA6E4}">
-                <adec:decorative xmlns:adec="http://schemas.microsoft.com/office/drawing/2017/decorative" xmlns="" val="1"/>
+                <adec:decorative xmlns="" xmlns:adec="http://schemas.microsoft.com/office/drawing/2017/decorative" val="1"/>
               </a:ext>
             </a:extLst>
           </p:cNvPr>
@@ -13954,7 +13962,7 @@
           <p:nvPr>
             <p:extLst>
               <p:ext uri="{386F3935-93C4-4BCD-93E2-E3B085C9AB24}">
-                <p16:designElem xmlns:p16="http://schemas.microsoft.com/office/powerpoint/2015/main" xmlns="" val="1"/>
+                <p16:designElem xmlns="" xmlns:p16="http://schemas.microsoft.com/office/powerpoint/2015/main" val="1"/>
               </p:ext>
             </p:extLst>
           </p:nvPr>
@@ -14052,7 +14060,7 @@
           <p:cNvPr id="2" name="Content Placeholder 1" descr="A picture containing electronics&#10;&#10;Description generated with very high confidence">
             <a:extLst>
               <a:ext uri="{FF2B5EF4-FFF2-40B4-BE49-F238E27FC236}">
-                <a16:creationId xmlns:a16="http://schemas.microsoft.com/office/drawing/2014/main" xmlns="" id="{623795DF-4BC4-47C3-9E4B-7EC3AFD35A36}"/>
+                <a16:creationId xmlns="" xmlns:a16="http://schemas.microsoft.com/office/drawing/2014/main" id="{623795DF-4BC4-47C3-9E4B-7EC3AFD35A36}"/>
               </a:ext>
             </a:extLst>
           </p:cNvPr>
@@ -14219,7 +14227,7 @@
     </p:spTree>
     <p:extLst>
       <p:ext uri="{BB962C8B-B14F-4D97-AF65-F5344CB8AC3E}">
-        <p14:creationId xmlns:p14="http://schemas.microsoft.com/office/powerpoint/2010/main" xmlns="" val="2784792374"/>
+        <p14:creationId xmlns="" xmlns:p14="http://schemas.microsoft.com/office/powerpoint/2010/main" val="2784792374"/>
       </p:ext>
     </p:extLst>
   </p:cSld>
@@ -14259,10 +14267,10 @@
           <p:cNvPr id="18" name="Rectangle 13">
             <a:extLst>
               <a:ext uri="{FF2B5EF4-FFF2-40B4-BE49-F238E27FC236}">
-                <a16:creationId xmlns:a16="http://schemas.microsoft.com/office/drawing/2014/main" xmlns="" id="{867D4867-5BA7-4462-B2F6-A23F4A622AA7}"/>
+                <a16:creationId xmlns="" xmlns:a16="http://schemas.microsoft.com/office/drawing/2014/main" id="{867D4867-5BA7-4462-B2F6-A23F4A622AA7}"/>
               </a:ext>
               <a:ext uri="{C183D7F6-B498-43B3-948B-1728B52AA6E4}">
-                <adec:decorative xmlns:adec="http://schemas.microsoft.com/office/drawing/2017/decorative" xmlns="" val="1"/>
+                <adec:decorative xmlns="" xmlns:adec="http://schemas.microsoft.com/office/drawing/2017/decorative" val="1"/>
               </a:ext>
             </a:extLst>
           </p:cNvPr>
@@ -14272,7 +14280,7 @@
           <p:nvPr>
             <p:extLst>
               <p:ext uri="{386F3935-93C4-4BCD-93E2-E3B085C9AB24}">
-                <p16:designElem xmlns:p16="http://schemas.microsoft.com/office/powerpoint/2015/main" xmlns="" val="1"/>
+                <p16:designElem xmlns="" xmlns:p16="http://schemas.microsoft.com/office/powerpoint/2015/main" val="1"/>
               </p:ext>
             </p:extLst>
           </p:nvPr>
@@ -14416,7 +14424,7 @@
           <p:cNvPr id="2" name="Picture 1">
             <a:extLst>
               <a:ext uri="{FF2B5EF4-FFF2-40B4-BE49-F238E27FC236}">
-                <a16:creationId xmlns:a16="http://schemas.microsoft.com/office/drawing/2014/main" xmlns="" id="{C9F50C43-CCC5-4874-A93F-46FCA14D4D47}"/>
+                <a16:creationId xmlns="" xmlns:a16="http://schemas.microsoft.com/office/drawing/2014/main" id="{C9F50C43-CCC5-4874-A93F-46FCA14D4D47}"/>
               </a:ext>
             </a:extLst>
           </p:cNvPr>
@@ -14588,7 +14596,7 @@
     </p:spTree>
     <p:extLst>
       <p:ext uri="{BB962C8B-B14F-4D97-AF65-F5344CB8AC3E}">
-        <p14:creationId xmlns:p14="http://schemas.microsoft.com/office/powerpoint/2010/main" xmlns="" val="550533829"/>
+        <p14:creationId xmlns="" xmlns:p14="http://schemas.microsoft.com/office/powerpoint/2010/main" val="550533829"/>
       </p:ext>
     </p:extLst>
   </p:cSld>
@@ -14736,7 +14744,7 @@
           <p:cNvPr id="2" name="Picture 1">
             <a:extLst>
               <a:ext uri="{FF2B5EF4-FFF2-40B4-BE49-F238E27FC236}">
-                <a16:creationId xmlns:a16="http://schemas.microsoft.com/office/drawing/2014/main" xmlns="" id="{FF4E64F2-7DA5-4957-B2FB-794A11983CA4}"/>
+                <a16:creationId xmlns="" xmlns:a16="http://schemas.microsoft.com/office/drawing/2014/main" id="{FF4E64F2-7DA5-4957-B2FB-794A11983CA4}"/>
               </a:ext>
             </a:extLst>
           </p:cNvPr>
@@ -14764,7 +14772,7 @@
     </p:spTree>
     <p:extLst>
       <p:ext uri="{BB962C8B-B14F-4D97-AF65-F5344CB8AC3E}">
-        <p14:creationId xmlns:p14="http://schemas.microsoft.com/office/powerpoint/2010/main" xmlns="" val="4078231993"/>
+        <p14:creationId xmlns="" xmlns:p14="http://schemas.microsoft.com/office/powerpoint/2010/main" val="4078231993"/>
       </p:ext>
     </p:extLst>
   </p:cSld>
@@ -14983,7 +14991,7 @@
     </p:spTree>
     <p:extLst>
       <p:ext uri="{BB962C8B-B14F-4D97-AF65-F5344CB8AC3E}">
-        <p14:creationId xmlns:p14="http://schemas.microsoft.com/office/powerpoint/2010/main" xmlns="" val="1830122752"/>
+        <p14:creationId xmlns="" xmlns:p14="http://schemas.microsoft.com/office/powerpoint/2010/main" val="1830122752"/>
       </p:ext>
     </p:extLst>
   </p:cSld>
@@ -15248,7 +15256,7 @@
   <a:extraClrSchemeLst/>
   <a:extLst>
     <a:ext uri="{05A4C25C-085E-4340-85A3-A5531E510DB2}">
-      <thm15:themeFamily xmlns:thm15="http://schemas.microsoft.com/office/thememl/2012/main" xmlns="" name="Office Theme" id="{62F939B6-93AF-4DB8-9C6B-D6C7DFDC589F}" vid="{4A3C46E8-61CC-4603-A589-7422A47A8E4A}"/>
+      <thm15:themeFamily xmlns="" xmlns:thm15="http://schemas.microsoft.com/office/thememl/2012/main" name="Office Theme" id="{62F939B6-93AF-4DB8-9C6B-D6C7DFDC589F}" vid="{4A3C46E8-61CC-4603-A589-7422A47A8E4A}"/>
     </a:ext>
   </a:extLst>
 </a:theme>
@@ -15509,7 +15517,7 @@
   <a:extraClrSchemeLst/>
   <a:extLst>
     <a:ext uri="{05A4C25C-085E-4340-85A3-A5531E510DB2}">
-      <thm15:themeFamily xmlns:thm15="http://schemas.microsoft.com/office/thememl/2012/main" xmlns="" name="Office Theme" id="{62F939B6-93AF-4DB8-9C6B-D6C7DFDC589F}" vid="{4A3C46E8-61CC-4603-A589-7422A47A8E4A}"/>
+      <thm15:themeFamily xmlns="" xmlns:thm15="http://schemas.microsoft.com/office/thememl/2012/main" name="Office Theme" id="{62F939B6-93AF-4DB8-9C6B-D6C7DFDC589F}" vid="{4A3C46E8-61CC-4603-A589-7422A47A8E4A}"/>
     </a:ext>
   </a:extLst>
 </a:theme>
@@ -15770,7 +15778,7 @@
   <a:extraClrSchemeLst/>
   <a:extLst>
     <a:ext uri="{05A4C25C-085E-4340-85A3-A5531E510DB2}">
-      <thm15:themeFamily xmlns:thm15="http://schemas.microsoft.com/office/thememl/2012/main" xmlns="" name="Office Theme" id="{62F939B6-93AF-4DB8-9C6B-D6C7DFDC589F}" vid="{4A3C46E8-61CC-4603-A589-7422A47A8E4A}"/>
+      <thm15:themeFamily xmlns="" xmlns:thm15="http://schemas.microsoft.com/office/thememl/2012/main" name="Office Theme" id="{62F939B6-93AF-4DB8-9C6B-D6C7DFDC589F}" vid="{4A3C46E8-61CC-4603-A589-7422A47A8E4A}"/>
     </a:ext>
   </a:extLst>
 </a:theme>
